--- a/_Presentation/apresentacao.pptx
+++ b/_Presentation/apresentacao.pptx
@@ -323,6 +323,7 @@
           <a:p>
             <a:fld id="{42D09E55-3BF8-45D5-80BD-5A745629D33A}" type="datetimeFigureOut">
               <a:rPr lang="pt-BR" smtClean="0"/>
+              <a:pPr/>
               <a:t>25/10/2015</a:t>
             </a:fld>
             <a:endParaRPr lang="pt-BR"/>
@@ -365,7 +366,8 @@
           <a:p>
             <a:fld id="{E650F5AF-5A7A-4DEE-952A-AB5DF242B9CD}" type="slidenum">
               <a:rPr lang="pt-BR" smtClean="0"/>
-              <a:t>‹#›</a:t>
+              <a:pPr/>
+              <a:t>‹nº›</a:t>
             </a:fld>
             <a:endParaRPr lang="pt-BR"/>
           </a:p>
@@ -374,7 +376,7 @@
     </p:spTree>
     <p:extLst>
       <p:ext uri="{BB962C8B-B14F-4D97-AF65-F5344CB8AC3E}">
-        <p14:creationId xmlns:p14="http://schemas.microsoft.com/office/powerpoint/2010/main" val="1871700233"/>
+        <p14:creationId xmlns:p14="http://schemas.microsoft.com/office/powerpoint/2010/main" xmlns="" val="1871700233"/>
       </p:ext>
     </p:extLst>
   </p:cSld>
@@ -493,6 +495,7 @@
           <a:p>
             <a:fld id="{42D09E55-3BF8-45D5-80BD-5A745629D33A}" type="datetimeFigureOut">
               <a:rPr lang="pt-BR" smtClean="0"/>
+              <a:pPr/>
               <a:t>25/10/2015</a:t>
             </a:fld>
             <a:endParaRPr lang="pt-BR"/>
@@ -535,7 +538,8 @@
           <a:p>
             <a:fld id="{E650F5AF-5A7A-4DEE-952A-AB5DF242B9CD}" type="slidenum">
               <a:rPr lang="pt-BR" smtClean="0"/>
-              <a:t>‹#›</a:t>
+              <a:pPr/>
+              <a:t>‹nº›</a:t>
             </a:fld>
             <a:endParaRPr lang="pt-BR"/>
           </a:p>
@@ -544,7 +548,7 @@
     </p:spTree>
     <p:extLst>
       <p:ext uri="{BB962C8B-B14F-4D97-AF65-F5344CB8AC3E}">
-        <p14:creationId xmlns:p14="http://schemas.microsoft.com/office/powerpoint/2010/main" val="3922913854"/>
+        <p14:creationId xmlns:p14="http://schemas.microsoft.com/office/powerpoint/2010/main" xmlns="" val="3922913854"/>
       </p:ext>
     </p:extLst>
   </p:cSld>
@@ -673,6 +677,7 @@
           <a:p>
             <a:fld id="{42D09E55-3BF8-45D5-80BD-5A745629D33A}" type="datetimeFigureOut">
               <a:rPr lang="pt-BR" smtClean="0"/>
+              <a:pPr/>
               <a:t>25/10/2015</a:t>
             </a:fld>
             <a:endParaRPr lang="pt-BR"/>
@@ -715,7 +720,8 @@
           <a:p>
             <a:fld id="{E650F5AF-5A7A-4DEE-952A-AB5DF242B9CD}" type="slidenum">
               <a:rPr lang="pt-BR" smtClean="0"/>
-              <a:t>‹#›</a:t>
+              <a:pPr/>
+              <a:t>‹nº›</a:t>
             </a:fld>
             <a:endParaRPr lang="pt-BR"/>
           </a:p>
@@ -724,7 +730,7 @@
     </p:spTree>
     <p:extLst>
       <p:ext uri="{BB962C8B-B14F-4D97-AF65-F5344CB8AC3E}">
-        <p14:creationId xmlns:p14="http://schemas.microsoft.com/office/powerpoint/2010/main" val="2432475685"/>
+        <p14:creationId xmlns:p14="http://schemas.microsoft.com/office/powerpoint/2010/main" xmlns="" val="2432475685"/>
       </p:ext>
     </p:extLst>
   </p:cSld>
@@ -843,6 +849,7 @@
           <a:p>
             <a:fld id="{42D09E55-3BF8-45D5-80BD-5A745629D33A}" type="datetimeFigureOut">
               <a:rPr lang="pt-BR" smtClean="0"/>
+              <a:pPr/>
               <a:t>25/10/2015</a:t>
             </a:fld>
             <a:endParaRPr lang="pt-BR"/>
@@ -885,7 +892,8 @@
           <a:p>
             <a:fld id="{E650F5AF-5A7A-4DEE-952A-AB5DF242B9CD}" type="slidenum">
               <a:rPr lang="pt-BR" smtClean="0"/>
-              <a:t>‹#›</a:t>
+              <a:pPr/>
+              <a:t>‹nº›</a:t>
             </a:fld>
             <a:endParaRPr lang="pt-BR"/>
           </a:p>
@@ -894,7 +902,7 @@
     </p:spTree>
     <p:extLst>
       <p:ext uri="{BB962C8B-B14F-4D97-AF65-F5344CB8AC3E}">
-        <p14:creationId xmlns:p14="http://schemas.microsoft.com/office/powerpoint/2010/main" val="2071654542"/>
+        <p14:creationId xmlns:p14="http://schemas.microsoft.com/office/powerpoint/2010/main" xmlns="" val="2071654542"/>
       </p:ext>
     </p:extLst>
   </p:cSld>
@@ -1089,6 +1097,7 @@
           <a:p>
             <a:fld id="{42D09E55-3BF8-45D5-80BD-5A745629D33A}" type="datetimeFigureOut">
               <a:rPr lang="pt-BR" smtClean="0"/>
+              <a:pPr/>
               <a:t>25/10/2015</a:t>
             </a:fld>
             <a:endParaRPr lang="pt-BR"/>
@@ -1131,7 +1140,8 @@
           <a:p>
             <a:fld id="{E650F5AF-5A7A-4DEE-952A-AB5DF242B9CD}" type="slidenum">
               <a:rPr lang="pt-BR" smtClean="0"/>
-              <a:t>‹#›</a:t>
+              <a:pPr/>
+              <a:t>‹nº›</a:t>
             </a:fld>
             <a:endParaRPr lang="pt-BR"/>
           </a:p>
@@ -1140,7 +1150,7 @@
     </p:spTree>
     <p:extLst>
       <p:ext uri="{BB962C8B-B14F-4D97-AF65-F5344CB8AC3E}">
-        <p14:creationId xmlns:p14="http://schemas.microsoft.com/office/powerpoint/2010/main" val="236866593"/>
+        <p14:creationId xmlns:p14="http://schemas.microsoft.com/office/powerpoint/2010/main" xmlns="" val="236866593"/>
       </p:ext>
     </p:extLst>
   </p:cSld>
@@ -1377,6 +1387,7 @@
           <a:p>
             <a:fld id="{42D09E55-3BF8-45D5-80BD-5A745629D33A}" type="datetimeFigureOut">
               <a:rPr lang="pt-BR" smtClean="0"/>
+              <a:pPr/>
               <a:t>25/10/2015</a:t>
             </a:fld>
             <a:endParaRPr lang="pt-BR"/>
@@ -1419,7 +1430,8 @@
           <a:p>
             <a:fld id="{E650F5AF-5A7A-4DEE-952A-AB5DF242B9CD}" type="slidenum">
               <a:rPr lang="pt-BR" smtClean="0"/>
-              <a:t>‹#›</a:t>
+              <a:pPr/>
+              <a:t>‹nº›</a:t>
             </a:fld>
             <a:endParaRPr lang="pt-BR"/>
           </a:p>
@@ -1428,7 +1440,7 @@
     </p:spTree>
     <p:extLst>
       <p:ext uri="{BB962C8B-B14F-4D97-AF65-F5344CB8AC3E}">
-        <p14:creationId xmlns:p14="http://schemas.microsoft.com/office/powerpoint/2010/main" val="220780165"/>
+        <p14:creationId xmlns:p14="http://schemas.microsoft.com/office/powerpoint/2010/main" xmlns="" val="220780165"/>
       </p:ext>
     </p:extLst>
   </p:cSld>
@@ -1799,6 +1811,7 @@
           <a:p>
             <a:fld id="{42D09E55-3BF8-45D5-80BD-5A745629D33A}" type="datetimeFigureOut">
               <a:rPr lang="pt-BR" smtClean="0"/>
+              <a:pPr/>
               <a:t>25/10/2015</a:t>
             </a:fld>
             <a:endParaRPr lang="pt-BR"/>
@@ -1841,7 +1854,8 @@
           <a:p>
             <a:fld id="{E650F5AF-5A7A-4DEE-952A-AB5DF242B9CD}" type="slidenum">
               <a:rPr lang="pt-BR" smtClean="0"/>
-              <a:t>‹#›</a:t>
+              <a:pPr/>
+              <a:t>‹nº›</a:t>
             </a:fld>
             <a:endParaRPr lang="pt-BR"/>
           </a:p>
@@ -1850,7 +1864,7 @@
     </p:spTree>
     <p:extLst>
       <p:ext uri="{BB962C8B-B14F-4D97-AF65-F5344CB8AC3E}">
-        <p14:creationId xmlns:p14="http://schemas.microsoft.com/office/powerpoint/2010/main" val="3569403052"/>
+        <p14:creationId xmlns:p14="http://schemas.microsoft.com/office/powerpoint/2010/main" xmlns="" val="3569403052"/>
       </p:ext>
     </p:extLst>
   </p:cSld>
@@ -1917,6 +1931,7 @@
           <a:p>
             <a:fld id="{42D09E55-3BF8-45D5-80BD-5A745629D33A}" type="datetimeFigureOut">
               <a:rPr lang="pt-BR" smtClean="0"/>
+              <a:pPr/>
               <a:t>25/10/2015</a:t>
             </a:fld>
             <a:endParaRPr lang="pt-BR"/>
@@ -1959,7 +1974,8 @@
           <a:p>
             <a:fld id="{E650F5AF-5A7A-4DEE-952A-AB5DF242B9CD}" type="slidenum">
               <a:rPr lang="pt-BR" smtClean="0"/>
-              <a:t>‹#›</a:t>
+              <a:pPr/>
+              <a:t>‹nº›</a:t>
             </a:fld>
             <a:endParaRPr lang="pt-BR"/>
           </a:p>
@@ -1968,7 +1984,7 @@
     </p:spTree>
     <p:extLst>
       <p:ext uri="{BB962C8B-B14F-4D97-AF65-F5344CB8AC3E}">
-        <p14:creationId xmlns:p14="http://schemas.microsoft.com/office/powerpoint/2010/main" val="2359431751"/>
+        <p14:creationId xmlns:p14="http://schemas.microsoft.com/office/powerpoint/2010/main" xmlns="" val="2359431751"/>
       </p:ext>
     </p:extLst>
   </p:cSld>
@@ -2012,6 +2028,7 @@
           <a:p>
             <a:fld id="{42D09E55-3BF8-45D5-80BD-5A745629D33A}" type="datetimeFigureOut">
               <a:rPr lang="pt-BR" smtClean="0"/>
+              <a:pPr/>
               <a:t>25/10/2015</a:t>
             </a:fld>
             <a:endParaRPr lang="pt-BR"/>
@@ -2054,7 +2071,8 @@
           <a:p>
             <a:fld id="{E650F5AF-5A7A-4DEE-952A-AB5DF242B9CD}" type="slidenum">
               <a:rPr lang="pt-BR" smtClean="0"/>
-              <a:t>‹#›</a:t>
+              <a:pPr/>
+              <a:t>‹nº›</a:t>
             </a:fld>
             <a:endParaRPr lang="pt-BR"/>
           </a:p>
@@ -2063,7 +2081,7 @@
     </p:spTree>
     <p:extLst>
       <p:ext uri="{BB962C8B-B14F-4D97-AF65-F5344CB8AC3E}">
-        <p14:creationId xmlns:p14="http://schemas.microsoft.com/office/powerpoint/2010/main" val="487197514"/>
+        <p14:creationId xmlns:p14="http://schemas.microsoft.com/office/powerpoint/2010/main" xmlns="" val="487197514"/>
       </p:ext>
     </p:extLst>
   </p:cSld>
@@ -2289,6 +2307,7 @@
           <a:p>
             <a:fld id="{42D09E55-3BF8-45D5-80BD-5A745629D33A}" type="datetimeFigureOut">
               <a:rPr lang="pt-BR" smtClean="0"/>
+              <a:pPr/>
               <a:t>25/10/2015</a:t>
             </a:fld>
             <a:endParaRPr lang="pt-BR"/>
@@ -2331,7 +2350,8 @@
           <a:p>
             <a:fld id="{E650F5AF-5A7A-4DEE-952A-AB5DF242B9CD}" type="slidenum">
               <a:rPr lang="pt-BR" smtClean="0"/>
-              <a:t>‹#›</a:t>
+              <a:pPr/>
+              <a:t>‹nº›</a:t>
             </a:fld>
             <a:endParaRPr lang="pt-BR"/>
           </a:p>
@@ -2340,7 +2360,7 @@
     </p:spTree>
     <p:extLst>
       <p:ext uri="{BB962C8B-B14F-4D97-AF65-F5344CB8AC3E}">
-        <p14:creationId xmlns:p14="http://schemas.microsoft.com/office/powerpoint/2010/main" val="3436097000"/>
+        <p14:creationId xmlns:p14="http://schemas.microsoft.com/office/powerpoint/2010/main" xmlns="" val="3436097000"/>
       </p:ext>
     </p:extLst>
   </p:cSld>
@@ -2542,6 +2562,7 @@
           <a:p>
             <a:fld id="{42D09E55-3BF8-45D5-80BD-5A745629D33A}" type="datetimeFigureOut">
               <a:rPr lang="pt-BR" smtClean="0"/>
+              <a:pPr/>
               <a:t>25/10/2015</a:t>
             </a:fld>
             <a:endParaRPr lang="pt-BR"/>
@@ -2584,7 +2605,8 @@
           <a:p>
             <a:fld id="{E650F5AF-5A7A-4DEE-952A-AB5DF242B9CD}" type="slidenum">
               <a:rPr lang="pt-BR" smtClean="0"/>
-              <a:t>‹#›</a:t>
+              <a:pPr/>
+              <a:t>‹nº›</a:t>
             </a:fld>
             <a:endParaRPr lang="pt-BR"/>
           </a:p>
@@ -2593,7 +2615,7 @@
     </p:spTree>
     <p:extLst>
       <p:ext uri="{BB962C8B-B14F-4D97-AF65-F5344CB8AC3E}">
-        <p14:creationId xmlns:p14="http://schemas.microsoft.com/office/powerpoint/2010/main" val="524006705"/>
+        <p14:creationId xmlns:p14="http://schemas.microsoft.com/office/powerpoint/2010/main" xmlns="" val="524006705"/>
       </p:ext>
     </p:extLst>
   </p:cSld>
@@ -2755,6 +2777,7 @@
           <a:p>
             <a:fld id="{42D09E55-3BF8-45D5-80BD-5A745629D33A}" type="datetimeFigureOut">
               <a:rPr lang="pt-BR" smtClean="0"/>
+              <a:pPr/>
               <a:t>25/10/2015</a:t>
             </a:fld>
             <a:endParaRPr lang="pt-BR"/>
@@ -2833,7 +2856,8 @@
           <a:p>
             <a:fld id="{E650F5AF-5A7A-4DEE-952A-AB5DF242B9CD}" type="slidenum">
               <a:rPr lang="pt-BR" smtClean="0"/>
-              <a:t>‹#›</a:t>
+              <a:pPr/>
+              <a:t>‹nº›</a:t>
             </a:fld>
             <a:endParaRPr lang="pt-BR"/>
           </a:p>
@@ -2842,7 +2866,7 @@
     </p:spTree>
     <p:extLst>
       <p:ext uri="{BB962C8B-B14F-4D97-AF65-F5344CB8AC3E}">
-        <p14:creationId xmlns:p14="http://schemas.microsoft.com/office/powerpoint/2010/main" val="1043027552"/>
+        <p14:creationId xmlns:p14="http://schemas.microsoft.com/office/powerpoint/2010/main" xmlns="" val="1043027552"/>
       </p:ext>
     </p:extLst>
   </p:cSld>
@@ -3139,10 +3163,10 @@
           <p:nvPr/>
         </p:nvPicPr>
         <p:blipFill>
-          <a:blip r:embed="rId2">
+          <a:blip r:embed="rId2" cstate="print">
             <a:extLst>
               <a:ext uri="{28A0092B-C50C-407E-A947-70E740481C1C}">
-                <a14:useLocalDpi xmlns:a14="http://schemas.microsoft.com/office/drawing/2010/main" val="0"/>
+                <a14:useLocalDpi xmlns:a14="http://schemas.microsoft.com/office/drawing/2010/main" xmlns="" val="0"/>
               </a:ext>
             </a:extLst>
           </a:blip>
@@ -3259,10 +3283,10 @@
           <p:nvPr/>
         </p:nvPicPr>
         <p:blipFill>
-          <a:blip r:embed="rId3">
+          <a:blip r:embed="rId3" cstate="print">
             <a:extLst>
               <a:ext uri="{28A0092B-C50C-407E-A947-70E740481C1C}">
-                <a14:useLocalDpi xmlns:a14="http://schemas.microsoft.com/office/drawing/2010/main" val="0"/>
+                <a14:useLocalDpi xmlns:a14="http://schemas.microsoft.com/office/drawing/2010/main" xmlns="" val="0"/>
               </a:ext>
             </a:extLst>
           </a:blip>
@@ -3283,7 +3307,7 @@
     </p:spTree>
     <p:extLst>
       <p:ext uri="{BB962C8B-B14F-4D97-AF65-F5344CB8AC3E}">
-        <p14:creationId xmlns:p14="http://schemas.microsoft.com/office/powerpoint/2010/main" val="1124906220"/>
+        <p14:creationId xmlns:p14="http://schemas.microsoft.com/office/powerpoint/2010/main" xmlns="" val="1124906220"/>
       </p:ext>
     </p:extLst>
   </p:cSld>
@@ -3326,10 +3350,10 @@
           <p:nvPr/>
         </p:nvPicPr>
         <p:blipFill>
-          <a:blip r:embed="rId2">
+          <a:blip r:embed="rId2" cstate="print">
             <a:extLst>
               <a:ext uri="{28A0092B-C50C-407E-A947-70E740481C1C}">
-                <a14:useLocalDpi xmlns:a14="http://schemas.microsoft.com/office/drawing/2010/main" val="0"/>
+                <a14:useLocalDpi xmlns:a14="http://schemas.microsoft.com/office/drawing/2010/main" xmlns="" val="0"/>
               </a:ext>
             </a:extLst>
           </a:blip>
@@ -3442,7 +3466,7 @@
     </p:spTree>
     <p:extLst>
       <p:ext uri="{BB962C8B-B14F-4D97-AF65-F5344CB8AC3E}">
-        <p14:creationId xmlns:p14="http://schemas.microsoft.com/office/powerpoint/2010/main" val="4060812770"/>
+        <p14:creationId xmlns:p14="http://schemas.microsoft.com/office/powerpoint/2010/main" xmlns="" val="4060812770"/>
       </p:ext>
     </p:extLst>
   </p:cSld>
@@ -3485,10 +3509,10 @@
           <p:nvPr/>
         </p:nvPicPr>
         <p:blipFill>
-          <a:blip r:embed="rId2">
+          <a:blip r:embed="rId2" cstate="print">
             <a:extLst>
               <a:ext uri="{28A0092B-C50C-407E-A947-70E740481C1C}">
-                <a14:useLocalDpi xmlns:a14="http://schemas.microsoft.com/office/drawing/2010/main" val="0"/>
+                <a14:useLocalDpi xmlns:a14="http://schemas.microsoft.com/office/drawing/2010/main" xmlns="" val="0"/>
               </a:ext>
             </a:extLst>
           </a:blip>
@@ -3618,13 +3642,6 @@
               </a:rPr>
               <a:t>Content Sharing</a:t>
             </a:r>
-            <a:endParaRPr lang="pt-PT" dirty="0" smtClean="0">
-              <a:solidFill>
-                <a:schemeClr val="bg1">
-                  <a:lumMod val="85000"/>
-                </a:schemeClr>
-              </a:solidFill>
-            </a:endParaRPr>
           </a:p>
           <a:p>
             <a:pPr marL="514350" indent="-514350">
@@ -3670,7 +3687,7 @@
     </p:spTree>
     <p:extLst>
       <p:ext uri="{BB962C8B-B14F-4D97-AF65-F5344CB8AC3E}">
-        <p14:creationId xmlns:p14="http://schemas.microsoft.com/office/powerpoint/2010/main" val="1236626834"/>
+        <p14:creationId xmlns:p14="http://schemas.microsoft.com/office/powerpoint/2010/main" xmlns="" val="1236626834"/>
       </p:ext>
     </p:extLst>
   </p:cSld>
@@ -3713,10 +3730,10 @@
           <p:nvPr/>
         </p:nvPicPr>
         <p:blipFill>
-          <a:blip r:embed="rId2">
+          <a:blip r:embed="rId2" cstate="print">
             <a:extLst>
               <a:ext uri="{28A0092B-C50C-407E-A947-70E740481C1C}">
-                <a14:useLocalDpi xmlns:a14="http://schemas.microsoft.com/office/drawing/2010/main" val="0"/>
+                <a14:useLocalDpi xmlns:a14="http://schemas.microsoft.com/office/drawing/2010/main" xmlns="" val="0"/>
               </a:ext>
             </a:extLst>
           </a:blip>
@@ -3914,7 +3931,7 @@
     </p:spTree>
     <p:extLst>
       <p:ext uri="{BB962C8B-B14F-4D97-AF65-F5344CB8AC3E}">
-        <p14:creationId xmlns:p14="http://schemas.microsoft.com/office/powerpoint/2010/main" val="4060812770"/>
+        <p14:creationId xmlns:p14="http://schemas.microsoft.com/office/powerpoint/2010/main" xmlns="" val="4060812770"/>
       </p:ext>
     </p:extLst>
   </p:cSld>
@@ -3957,10 +3974,10 @@
           <p:nvPr/>
         </p:nvPicPr>
         <p:blipFill>
-          <a:blip r:embed="rId2">
+          <a:blip r:embed="rId2" cstate="print">
             <a:extLst>
               <a:ext uri="{28A0092B-C50C-407E-A947-70E740481C1C}">
-                <a14:useLocalDpi xmlns:a14="http://schemas.microsoft.com/office/drawing/2010/main" val="0"/>
+                <a14:useLocalDpi xmlns:a14="http://schemas.microsoft.com/office/drawing/2010/main" xmlns="" val="0"/>
               </a:ext>
             </a:extLst>
           </a:blip>
@@ -4139,7 +4156,7 @@
     </p:spTree>
     <p:extLst>
       <p:ext uri="{BB962C8B-B14F-4D97-AF65-F5344CB8AC3E}">
-        <p14:creationId xmlns:p14="http://schemas.microsoft.com/office/powerpoint/2010/main" val="3308039092"/>
+        <p14:creationId xmlns:p14="http://schemas.microsoft.com/office/powerpoint/2010/main" xmlns="" val="3308039092"/>
       </p:ext>
     </p:extLst>
   </p:cSld>
@@ -4182,10 +4199,10 @@
           <p:nvPr/>
         </p:nvPicPr>
         <p:blipFill>
-          <a:blip r:embed="rId2">
+          <a:blip r:embed="rId2" cstate="print">
             <a:extLst>
               <a:ext uri="{28A0092B-C50C-407E-A947-70E740481C1C}">
-                <a14:useLocalDpi xmlns:a14="http://schemas.microsoft.com/office/drawing/2010/main" val="0"/>
+                <a14:useLocalDpi xmlns:a14="http://schemas.microsoft.com/office/drawing/2010/main" xmlns="" val="0"/>
               </a:ext>
             </a:extLst>
           </a:blip>
@@ -4329,7 +4346,7 @@
     </p:spTree>
     <p:extLst>
       <p:ext uri="{BB962C8B-B14F-4D97-AF65-F5344CB8AC3E}">
-        <p14:creationId xmlns:p14="http://schemas.microsoft.com/office/powerpoint/2010/main" val="3308039092"/>
+        <p14:creationId xmlns:p14="http://schemas.microsoft.com/office/powerpoint/2010/main" xmlns="" val="3308039092"/>
       </p:ext>
     </p:extLst>
   </p:cSld>
@@ -4372,10 +4389,10 @@
           <p:nvPr/>
         </p:nvPicPr>
         <p:blipFill>
-          <a:blip r:embed="rId2">
+          <a:blip r:embed="rId2" cstate="print">
             <a:extLst>
               <a:ext uri="{28A0092B-C50C-407E-A947-70E740481C1C}">
-                <a14:useLocalDpi xmlns:a14="http://schemas.microsoft.com/office/drawing/2010/main" val="0"/>
+                <a14:useLocalDpi xmlns:a14="http://schemas.microsoft.com/office/drawing/2010/main" xmlns="" val="0"/>
               </a:ext>
             </a:extLst>
           </a:blip>
@@ -4546,7 +4563,7 @@
     </p:spTree>
     <p:extLst>
       <p:ext uri="{BB962C8B-B14F-4D97-AF65-F5344CB8AC3E}">
-        <p14:creationId xmlns:p14="http://schemas.microsoft.com/office/powerpoint/2010/main" val="3345411651"/>
+        <p14:creationId xmlns:p14="http://schemas.microsoft.com/office/powerpoint/2010/main" xmlns="" val="3345411651"/>
       </p:ext>
     </p:extLst>
   </p:cSld>
@@ -4589,10 +4606,10 @@
           <p:nvPr/>
         </p:nvPicPr>
         <p:blipFill>
-          <a:blip r:embed="rId2">
+          <a:blip r:embed="rId2" cstate="print">
             <a:extLst>
               <a:ext uri="{28A0092B-C50C-407E-A947-70E740481C1C}">
-                <a14:useLocalDpi xmlns:a14="http://schemas.microsoft.com/office/drawing/2010/main" val="0"/>
+                <a14:useLocalDpi xmlns:a14="http://schemas.microsoft.com/office/drawing/2010/main" xmlns="" val="0"/>
               </a:ext>
             </a:extLst>
           </a:blip>
@@ -4696,10 +4713,10 @@
           </p:nvPr>
         </p:nvPicPr>
         <p:blipFill>
-          <a:blip r:embed="rId3">
+          <a:blip r:embed="rId3" cstate="print">
             <a:extLst>
               <a:ext uri="{28A0092B-C50C-407E-A947-70E740481C1C}">
-                <a14:useLocalDpi xmlns:a14="http://schemas.microsoft.com/office/drawing/2010/main" val="0"/>
+                <a14:useLocalDpi xmlns:a14="http://schemas.microsoft.com/office/drawing/2010/main" xmlns="" val="0"/>
               </a:ext>
             </a:extLst>
           </a:blip>
@@ -4717,7 +4734,7 @@
     </p:spTree>
     <p:extLst>
       <p:ext uri="{BB962C8B-B14F-4D97-AF65-F5344CB8AC3E}">
-        <p14:creationId xmlns:p14="http://schemas.microsoft.com/office/powerpoint/2010/main" val="3308039092"/>
+        <p14:creationId xmlns:p14="http://schemas.microsoft.com/office/powerpoint/2010/main" xmlns="" val="3308039092"/>
       </p:ext>
     </p:extLst>
   </p:cSld>
@@ -4760,10 +4777,10 @@
           <p:nvPr/>
         </p:nvPicPr>
         <p:blipFill>
-          <a:blip r:embed="rId2">
+          <a:blip r:embed="rId2" cstate="print">
             <a:extLst>
               <a:ext uri="{28A0092B-C50C-407E-A947-70E740481C1C}">
-                <a14:useLocalDpi xmlns:a14="http://schemas.microsoft.com/office/drawing/2010/main" val="0"/>
+                <a14:useLocalDpi xmlns:a14="http://schemas.microsoft.com/office/drawing/2010/main" xmlns="" val="0"/>
               </a:ext>
             </a:extLst>
           </a:blip>
@@ -4867,10 +4884,10 @@
           </p:nvPr>
         </p:nvPicPr>
         <p:blipFill>
-          <a:blip r:embed="rId3">
+          <a:blip r:embed="rId3" cstate="print">
             <a:extLst>
               <a:ext uri="{28A0092B-C50C-407E-A947-70E740481C1C}">
-                <a14:useLocalDpi xmlns:a14="http://schemas.microsoft.com/office/drawing/2010/main" val="0"/>
+                <a14:useLocalDpi xmlns:a14="http://schemas.microsoft.com/office/drawing/2010/main" xmlns="" val="0"/>
               </a:ext>
             </a:extLst>
           </a:blip>
@@ -4888,7 +4905,7 @@
     </p:spTree>
     <p:extLst>
       <p:ext uri="{BB962C8B-B14F-4D97-AF65-F5344CB8AC3E}">
-        <p14:creationId xmlns:p14="http://schemas.microsoft.com/office/powerpoint/2010/main" val="3308039092"/>
+        <p14:creationId xmlns:p14="http://schemas.microsoft.com/office/powerpoint/2010/main" xmlns="" val="3308039092"/>
       </p:ext>
     </p:extLst>
   </p:cSld>
@@ -4931,10 +4948,10 @@
           <p:nvPr/>
         </p:nvPicPr>
         <p:blipFill>
-          <a:blip r:embed="rId2">
+          <a:blip r:embed="rId2" cstate="print">
             <a:extLst>
               <a:ext uri="{28A0092B-C50C-407E-A947-70E740481C1C}">
-                <a14:useLocalDpi xmlns:a14="http://schemas.microsoft.com/office/drawing/2010/main" val="0"/>
+                <a14:useLocalDpi xmlns:a14="http://schemas.microsoft.com/office/drawing/2010/main" xmlns="" val="0"/>
               </a:ext>
             </a:extLst>
           </a:blip>
@@ -5168,7 +5185,7 @@
     </p:spTree>
     <p:extLst>
       <p:ext uri="{BB962C8B-B14F-4D97-AF65-F5344CB8AC3E}">
-        <p14:creationId xmlns:p14="http://schemas.microsoft.com/office/powerpoint/2010/main" val="3308039092"/>
+        <p14:creationId xmlns:p14="http://schemas.microsoft.com/office/powerpoint/2010/main" xmlns="" val="3308039092"/>
       </p:ext>
     </p:extLst>
   </p:cSld>
@@ -5211,10 +5228,10 @@
           <p:nvPr/>
         </p:nvPicPr>
         <p:blipFill>
-          <a:blip r:embed="rId2">
+          <a:blip r:embed="rId2" cstate="print">
             <a:extLst>
               <a:ext uri="{28A0092B-C50C-407E-A947-70E740481C1C}">
-                <a14:useLocalDpi xmlns:a14="http://schemas.microsoft.com/office/drawing/2010/main" val="0"/>
+                <a14:useLocalDpi xmlns:a14="http://schemas.microsoft.com/office/drawing/2010/main" xmlns="" val="0"/>
               </a:ext>
             </a:extLst>
           </a:blip>
@@ -5422,7 +5439,7 @@
     </p:spTree>
     <p:extLst>
       <p:ext uri="{BB962C8B-B14F-4D97-AF65-F5344CB8AC3E}">
-        <p14:creationId xmlns:p14="http://schemas.microsoft.com/office/powerpoint/2010/main" val="3308039092"/>
+        <p14:creationId xmlns:p14="http://schemas.microsoft.com/office/powerpoint/2010/main" xmlns="" val="3308039092"/>
       </p:ext>
     </p:extLst>
   </p:cSld>
@@ -5465,10 +5482,10 @@
           <p:nvPr/>
         </p:nvPicPr>
         <p:blipFill>
-          <a:blip r:embed="rId2">
+          <a:blip r:embed="rId2" cstate="print">
             <a:extLst>
               <a:ext uri="{28A0092B-C50C-407E-A947-70E740481C1C}">
-                <a14:useLocalDpi xmlns:a14="http://schemas.microsoft.com/office/drawing/2010/main" val="0"/>
+                <a14:useLocalDpi xmlns:a14="http://schemas.microsoft.com/office/drawing/2010/main" xmlns="" val="0"/>
               </a:ext>
             </a:extLst>
           </a:blip>
@@ -5615,7 +5632,7 @@
     </p:spTree>
     <p:extLst>
       <p:ext uri="{BB962C8B-B14F-4D97-AF65-F5344CB8AC3E}">
-        <p14:creationId xmlns:p14="http://schemas.microsoft.com/office/powerpoint/2010/main" val="4060812770"/>
+        <p14:creationId xmlns:p14="http://schemas.microsoft.com/office/powerpoint/2010/main" xmlns="" val="4060812770"/>
       </p:ext>
     </p:extLst>
   </p:cSld>
@@ -5658,10 +5675,10 @@
           <p:nvPr/>
         </p:nvPicPr>
         <p:blipFill>
-          <a:blip r:embed="rId2">
+          <a:blip r:embed="rId2" cstate="print">
             <a:extLst>
               <a:ext uri="{28A0092B-C50C-407E-A947-70E740481C1C}">
-                <a14:useLocalDpi xmlns:a14="http://schemas.microsoft.com/office/drawing/2010/main" val="0"/>
+                <a14:useLocalDpi xmlns:a14="http://schemas.microsoft.com/office/drawing/2010/main" xmlns="" val="0"/>
               </a:ext>
             </a:extLst>
           </a:blip>
@@ -5847,7 +5864,7 @@
     </p:spTree>
     <p:extLst>
       <p:ext uri="{BB962C8B-B14F-4D97-AF65-F5344CB8AC3E}">
-        <p14:creationId xmlns:p14="http://schemas.microsoft.com/office/powerpoint/2010/main" val="3308039092"/>
+        <p14:creationId xmlns:p14="http://schemas.microsoft.com/office/powerpoint/2010/main" xmlns="" val="3308039092"/>
       </p:ext>
     </p:extLst>
   </p:cSld>
@@ -5890,10 +5907,10 @@
           <p:nvPr/>
         </p:nvPicPr>
         <p:blipFill>
-          <a:blip r:embed="rId2">
+          <a:blip r:embed="rId2" cstate="print">
             <a:extLst>
               <a:ext uri="{28A0092B-C50C-407E-A947-70E740481C1C}">
-                <a14:useLocalDpi xmlns:a14="http://schemas.microsoft.com/office/drawing/2010/main" val="0"/>
+                <a14:useLocalDpi xmlns:a14="http://schemas.microsoft.com/office/drawing/2010/main" xmlns="" val="0"/>
               </a:ext>
             </a:extLst>
           </a:blip>
@@ -6124,7 +6141,7 @@
     </p:spTree>
     <p:extLst>
       <p:ext uri="{BB962C8B-B14F-4D97-AF65-F5344CB8AC3E}">
-        <p14:creationId xmlns:p14="http://schemas.microsoft.com/office/powerpoint/2010/main" val="3308039092"/>
+        <p14:creationId xmlns:p14="http://schemas.microsoft.com/office/powerpoint/2010/main" xmlns="" val="3308039092"/>
       </p:ext>
     </p:extLst>
   </p:cSld>
@@ -6167,10 +6184,10 @@
           <p:nvPr/>
         </p:nvPicPr>
         <p:blipFill>
-          <a:blip r:embed="rId2">
+          <a:blip r:embed="rId2" cstate="print">
             <a:extLst>
               <a:ext uri="{28A0092B-C50C-407E-A947-70E740481C1C}">
-                <a14:useLocalDpi xmlns:a14="http://schemas.microsoft.com/office/drawing/2010/main" val="0"/>
+                <a14:useLocalDpi xmlns:a14="http://schemas.microsoft.com/office/drawing/2010/main" xmlns="" val="0"/>
               </a:ext>
             </a:extLst>
           </a:blip>
@@ -6360,7 +6377,7 @@
     </p:spTree>
     <p:extLst>
       <p:ext uri="{BB962C8B-B14F-4D97-AF65-F5344CB8AC3E}">
-        <p14:creationId xmlns:p14="http://schemas.microsoft.com/office/powerpoint/2010/main" val="3308039092"/>
+        <p14:creationId xmlns:p14="http://schemas.microsoft.com/office/powerpoint/2010/main" xmlns="" val="3308039092"/>
       </p:ext>
     </p:extLst>
   </p:cSld>
@@ -6403,10 +6420,10 @@
           <p:nvPr/>
         </p:nvPicPr>
         <p:blipFill>
-          <a:blip r:embed="rId2">
+          <a:blip r:embed="rId2" cstate="print">
             <a:extLst>
               <a:ext uri="{28A0092B-C50C-407E-A947-70E740481C1C}">
-                <a14:useLocalDpi xmlns:a14="http://schemas.microsoft.com/office/drawing/2010/main" val="0"/>
+                <a14:useLocalDpi xmlns:a14="http://schemas.microsoft.com/office/drawing/2010/main" xmlns="" val="0"/>
               </a:ext>
             </a:extLst>
           </a:blip>
@@ -6567,7 +6584,7 @@
     </p:spTree>
     <p:extLst>
       <p:ext uri="{BB962C8B-B14F-4D97-AF65-F5344CB8AC3E}">
-        <p14:creationId xmlns:p14="http://schemas.microsoft.com/office/powerpoint/2010/main" val="3308039092"/>
+        <p14:creationId xmlns:p14="http://schemas.microsoft.com/office/powerpoint/2010/main" xmlns="" val="3308039092"/>
       </p:ext>
     </p:extLst>
   </p:cSld>
@@ -6610,10 +6627,10 @@
           <p:nvPr/>
         </p:nvPicPr>
         <p:blipFill>
-          <a:blip r:embed="rId2">
+          <a:blip r:embed="rId2" cstate="print">
             <a:extLst>
               <a:ext uri="{28A0092B-C50C-407E-A947-70E740481C1C}">
-                <a14:useLocalDpi xmlns:a14="http://schemas.microsoft.com/office/drawing/2010/main" val="0"/>
+                <a14:useLocalDpi xmlns:a14="http://schemas.microsoft.com/office/drawing/2010/main" xmlns="" val="0"/>
               </a:ext>
             </a:extLst>
           </a:blip>
@@ -6788,7 +6805,7 @@
     </p:spTree>
     <p:extLst>
       <p:ext uri="{BB962C8B-B14F-4D97-AF65-F5344CB8AC3E}">
-        <p14:creationId xmlns:p14="http://schemas.microsoft.com/office/powerpoint/2010/main" val="3308039092"/>
+        <p14:creationId xmlns:p14="http://schemas.microsoft.com/office/powerpoint/2010/main" xmlns="" val="3308039092"/>
       </p:ext>
     </p:extLst>
   </p:cSld>
@@ -6831,10 +6848,10 @@
           <p:nvPr/>
         </p:nvPicPr>
         <p:blipFill>
-          <a:blip r:embed="rId2">
+          <a:blip r:embed="rId2" cstate="print">
             <a:extLst>
               <a:ext uri="{28A0092B-C50C-407E-A947-70E740481C1C}">
-                <a14:useLocalDpi xmlns:a14="http://schemas.microsoft.com/office/drawing/2010/main" val="0"/>
+                <a14:useLocalDpi xmlns:a14="http://schemas.microsoft.com/office/drawing/2010/main" xmlns="" val="0"/>
               </a:ext>
             </a:extLst>
           </a:blip>
@@ -6963,10 +6980,10 @@
           <p:nvPr/>
         </p:nvPicPr>
         <p:blipFill>
-          <a:blip r:embed="rId3">
+          <a:blip r:embed="rId3" cstate="print">
             <a:extLst>
               <a:ext uri="{28A0092B-C50C-407E-A947-70E740481C1C}">
-                <a14:useLocalDpi xmlns:a14="http://schemas.microsoft.com/office/drawing/2010/main" val="0"/>
+                <a14:useLocalDpi xmlns:a14="http://schemas.microsoft.com/office/drawing/2010/main" xmlns="" val="0"/>
               </a:ext>
             </a:extLst>
           </a:blip>
@@ -6990,14 +7007,14 @@
           <a:effectLst/>
           <a:extLst>
             <a:ext uri="{909E8E84-426E-40DD-AFC4-6F175D3DCCD1}">
-              <a14:hiddenFill xmlns:a14="http://schemas.microsoft.com/office/drawing/2010/main">
+              <a14:hiddenFill xmlns:a14="http://schemas.microsoft.com/office/drawing/2010/main" xmlns="">
                 <a:solidFill>
                   <a:schemeClr val="accent1"/>
                 </a:solidFill>
               </a14:hiddenFill>
             </a:ext>
             <a:ext uri="{91240B29-F687-4F45-9708-019B960494DF}">
-              <a14:hiddenLine xmlns:a14="http://schemas.microsoft.com/office/drawing/2010/main" w="9525">
+              <a14:hiddenLine xmlns:a14="http://schemas.microsoft.com/office/drawing/2010/main" xmlns="" w="9525">
                 <a:solidFill>
                   <a:schemeClr val="tx1"/>
                 </a:solidFill>
@@ -7007,7 +7024,7 @@
               </a14:hiddenLine>
             </a:ext>
             <a:ext uri="{AF507438-7753-43E0-B8FC-AC1667EBCBE1}">
-              <a14:hiddenEffects xmlns:a14="http://schemas.microsoft.com/office/drawing/2010/main">
+              <a14:hiddenEffects xmlns:a14="http://schemas.microsoft.com/office/drawing/2010/main" xmlns="">
                 <a:effectLst>
                   <a:outerShdw dist="35921" dir="2700000" algn="ctr" rotWithShape="0">
                     <a:schemeClr val="bg2"/>
@@ -7021,7 +7038,7 @@
     </p:spTree>
     <p:extLst>
       <p:ext uri="{BB962C8B-B14F-4D97-AF65-F5344CB8AC3E}">
-        <p14:creationId xmlns:p14="http://schemas.microsoft.com/office/powerpoint/2010/main" val="1156373279"/>
+        <p14:creationId xmlns:p14="http://schemas.microsoft.com/office/powerpoint/2010/main" xmlns="" val="1156373279"/>
       </p:ext>
     </p:extLst>
   </p:cSld>
@@ -7064,10 +7081,10 @@
           <p:nvPr/>
         </p:nvPicPr>
         <p:blipFill>
-          <a:blip r:embed="rId2">
+          <a:blip r:embed="rId2" cstate="print">
             <a:extLst>
               <a:ext uri="{28A0092B-C50C-407E-A947-70E740481C1C}">
-                <a14:useLocalDpi xmlns:a14="http://schemas.microsoft.com/office/drawing/2010/main" val="0"/>
+                <a14:useLocalDpi xmlns:a14="http://schemas.microsoft.com/office/drawing/2010/main" xmlns="" val="0"/>
               </a:ext>
             </a:extLst>
           </a:blip>
@@ -7169,10 +7186,10 @@
           <p:nvPr/>
         </p:nvPicPr>
         <p:blipFill>
-          <a:blip r:embed="rId3">
+          <a:blip r:embed="rId3" cstate="print">
             <a:extLst>
               <a:ext uri="{28A0092B-C50C-407E-A947-70E740481C1C}">
-                <a14:useLocalDpi xmlns:a14="http://schemas.microsoft.com/office/drawing/2010/main" val="0"/>
+                <a14:useLocalDpi xmlns:a14="http://schemas.microsoft.com/office/drawing/2010/main" xmlns="" val="0"/>
               </a:ext>
             </a:extLst>
           </a:blip>
@@ -7196,14 +7213,14 @@
           <a:effectLst/>
           <a:extLst>
             <a:ext uri="{909E8E84-426E-40DD-AFC4-6F175D3DCCD1}">
-              <a14:hiddenFill xmlns:a14="http://schemas.microsoft.com/office/drawing/2010/main">
+              <a14:hiddenFill xmlns:a14="http://schemas.microsoft.com/office/drawing/2010/main" xmlns="">
                 <a:solidFill>
                   <a:schemeClr val="accent1"/>
                 </a:solidFill>
               </a14:hiddenFill>
             </a:ext>
             <a:ext uri="{91240B29-F687-4F45-9708-019B960494DF}">
-              <a14:hiddenLine xmlns:a14="http://schemas.microsoft.com/office/drawing/2010/main" w="9525">
+              <a14:hiddenLine xmlns:a14="http://schemas.microsoft.com/office/drawing/2010/main" xmlns="" w="9525">
                 <a:solidFill>
                   <a:schemeClr val="tx1"/>
                 </a:solidFill>
@@ -7213,7 +7230,7 @@
               </a14:hiddenLine>
             </a:ext>
             <a:ext uri="{AF507438-7753-43E0-B8FC-AC1667EBCBE1}">
-              <a14:hiddenEffects xmlns:a14="http://schemas.microsoft.com/office/drawing/2010/main">
+              <a14:hiddenEffects xmlns:a14="http://schemas.microsoft.com/office/drawing/2010/main" xmlns="">
                 <a:effectLst>
                   <a:outerShdw dist="35921" dir="2700000" algn="ctr" rotWithShape="0">
                     <a:schemeClr val="bg2"/>
@@ -7227,7 +7244,7 @@
     </p:spTree>
     <p:extLst>
       <p:ext uri="{BB962C8B-B14F-4D97-AF65-F5344CB8AC3E}">
-        <p14:creationId xmlns:p14="http://schemas.microsoft.com/office/powerpoint/2010/main" val="1156373279"/>
+        <p14:creationId xmlns:p14="http://schemas.microsoft.com/office/powerpoint/2010/main" xmlns="" val="1156373279"/>
       </p:ext>
     </p:extLst>
   </p:cSld>
@@ -7270,10 +7287,10 @@
           <p:nvPr/>
         </p:nvPicPr>
         <p:blipFill>
-          <a:blip r:embed="rId2">
+          <a:blip r:embed="rId2" cstate="print">
             <a:extLst>
               <a:ext uri="{28A0092B-C50C-407E-A947-70E740481C1C}">
-                <a14:useLocalDpi xmlns:a14="http://schemas.microsoft.com/office/drawing/2010/main" val="0"/>
+                <a14:useLocalDpi xmlns:a14="http://schemas.microsoft.com/office/drawing/2010/main" xmlns="" val="0"/>
               </a:ext>
             </a:extLst>
           </a:blip>
@@ -7349,14 +7366,100 @@
           <a:bodyPr/>
           <a:lstStyle/>
           <a:p>
-            <a:endParaRPr lang="pt-BR" dirty="0"/>
-          </a:p>
-        </p:txBody>
-      </p:sp>
+            <a:r>
+              <a:rPr lang="pt-BR" dirty="0" smtClean="0">
+                <a:solidFill>
+                  <a:schemeClr val="bg1">
+                    <a:lumMod val="75000"/>
+                  </a:schemeClr>
+                </a:solidFill>
+              </a:rPr>
+              <a:t>Compartilhamento de informações entre diversos aplicativos</a:t>
+            </a:r>
+          </a:p>
+          <a:p>
+            <a:endParaRPr lang="pt-BR" dirty="0" smtClean="0">
+              <a:solidFill>
+                <a:schemeClr val="bg1">
+                  <a:lumMod val="75000"/>
+                </a:schemeClr>
+              </a:solidFill>
+            </a:endParaRPr>
+          </a:p>
+          <a:p>
+            <a:r>
+              <a:rPr lang="pt-BR" dirty="0" smtClean="0">
+                <a:solidFill>
+                  <a:srgbClr val="AEC908"/>
+                </a:solidFill>
+                <a:ea typeface="+mj-ea"/>
+                <a:cs typeface="+mj-cs"/>
+              </a:rPr>
+              <a:t>Facebook</a:t>
+            </a:r>
+          </a:p>
+          <a:p>
+            <a:pPr lvl="1"/>
+            <a:r>
+              <a:rPr lang="pt-BR" dirty="0" smtClean="0">
+                <a:solidFill>
+                  <a:schemeClr val="bg1">
+                    <a:lumMod val="75000"/>
+                  </a:schemeClr>
+                </a:solidFill>
+                <a:ea typeface="+mj-ea"/>
+                <a:cs typeface="+mj-cs"/>
+              </a:rPr>
+              <a:t>Título: </a:t>
+            </a:r>
+            <a:endParaRPr lang="pt-BR" dirty="0">
+              <a:solidFill>
+                <a:schemeClr val="bg1">
+                  <a:lumMod val="75000"/>
+                </a:schemeClr>
+              </a:solidFill>
+              <a:ea typeface="+mj-ea"/>
+              <a:cs typeface="+mj-cs"/>
+            </a:endParaRPr>
+          </a:p>
+        </p:txBody>
+      </p:sp>
+      <p:pic>
+        <p:nvPicPr>
+          <p:cNvPr id="1026" name="Picture 2"/>
+          <p:cNvPicPr>
+            <a:picLocks noChangeAspect="1" noChangeArrowheads="1"/>
+          </p:cNvPicPr>
+          <p:nvPr/>
+        </p:nvPicPr>
+        <p:blipFill>
+          <a:blip r:embed="rId3" cstate="print"/>
+          <a:srcRect/>
+          <a:stretch>
+            <a:fillRect/>
+          </a:stretch>
+        </p:blipFill>
+        <p:spPr bwMode="auto">
+          <a:xfrm>
+            <a:off x="1043608" y="4797152"/>
+            <a:ext cx="7432690" cy="1080120"/>
+          </a:xfrm>
+          <a:prstGeom prst="rect">
+            <a:avLst/>
+          </a:prstGeom>
+          <a:noFill/>
+          <a:ln w="9525">
+            <a:noFill/>
+            <a:miter lim="800000"/>
+            <a:headEnd/>
+            <a:tailEnd/>
+          </a:ln>
+        </p:spPr>
+      </p:pic>
     </p:spTree>
     <p:extLst>
       <p:ext uri="{BB962C8B-B14F-4D97-AF65-F5344CB8AC3E}">
-        <p14:creationId xmlns:p14="http://schemas.microsoft.com/office/powerpoint/2010/main" val="1156373279"/>
+        <p14:creationId xmlns:p14="http://schemas.microsoft.com/office/powerpoint/2010/main" xmlns="" val="1156373279"/>
       </p:ext>
     </p:extLst>
   </p:cSld>
@@ -7399,10 +7502,10 @@
           <p:nvPr/>
         </p:nvPicPr>
         <p:blipFill>
-          <a:blip r:embed="rId2">
+          <a:blip r:embed="rId2" cstate="print">
             <a:extLst>
               <a:ext uri="{28A0092B-C50C-407E-A947-70E740481C1C}">
-                <a14:useLocalDpi xmlns:a14="http://schemas.microsoft.com/office/drawing/2010/main" val="0"/>
+                <a14:useLocalDpi xmlns:a14="http://schemas.microsoft.com/office/drawing/2010/main" xmlns="" val="0"/>
               </a:ext>
             </a:extLst>
           </a:blip>
@@ -7435,7 +7538,25 @@
           <a:bodyPr/>
           <a:lstStyle/>
           <a:p>
-            <a:endParaRPr lang="pt-BR"/>
+            <a:r>
+              <a:rPr lang="pt-PT" dirty="0" smtClean="0">
+                <a:solidFill>
+                  <a:schemeClr val="bg1">
+                    <a:lumMod val="85000"/>
+                  </a:schemeClr>
+                </a:solidFill>
+              </a:rPr>
+              <a:t>Content </a:t>
+            </a:r>
+            <a:r>
+              <a:rPr lang="pt-PT" dirty="0" smtClean="0">
+                <a:solidFill>
+                  <a:srgbClr val="AEC908"/>
+                </a:solidFill>
+              </a:rPr>
+              <a:t>Sharing</a:t>
+            </a:r>
+            <a:endParaRPr lang="pt-BR" dirty="0"/>
           </a:p>
         </p:txBody>
       </p:sp>
@@ -7454,14 +7575,151 @@
           <a:bodyPr/>
           <a:lstStyle/>
           <a:p>
-            <a:endParaRPr lang="pt-BR"/>
-          </a:p>
-        </p:txBody>
-      </p:sp>
+            <a:r>
+              <a:rPr lang="pt-BR" dirty="0" smtClean="0">
+                <a:solidFill>
+                  <a:srgbClr val="AEC908"/>
+                </a:solidFill>
+              </a:rPr>
+              <a:t>Facebook</a:t>
+            </a:r>
+          </a:p>
+          <a:p>
+            <a:pPr lvl="1"/>
+            <a:r>
+              <a:rPr lang="pt-BR" dirty="0" smtClean="0">
+                <a:solidFill>
+                  <a:schemeClr val="bg1">
+                    <a:lumMod val="75000"/>
+                  </a:schemeClr>
+                </a:solidFill>
+              </a:rPr>
+              <a:t>Nome do site:</a:t>
+            </a:r>
+          </a:p>
+          <a:p>
+            <a:pPr lvl="1"/>
+            <a:endParaRPr lang="pt-BR" dirty="0" smtClean="0">
+              <a:solidFill>
+                <a:schemeClr val="bg1">
+                  <a:lumMod val="75000"/>
+                </a:schemeClr>
+              </a:solidFill>
+            </a:endParaRPr>
+          </a:p>
+          <a:p>
+            <a:pPr lvl="1"/>
+            <a:endParaRPr lang="pt-BR" dirty="0" smtClean="0">
+              <a:solidFill>
+                <a:schemeClr val="bg1">
+                  <a:lumMod val="75000"/>
+                </a:schemeClr>
+              </a:solidFill>
+            </a:endParaRPr>
+          </a:p>
+          <a:p>
+            <a:pPr lvl="1"/>
+            <a:endParaRPr lang="pt-BR" dirty="0" smtClean="0">
+              <a:solidFill>
+                <a:schemeClr val="bg1">
+                  <a:lumMod val="75000"/>
+                </a:schemeClr>
+              </a:solidFill>
+            </a:endParaRPr>
+          </a:p>
+          <a:p>
+            <a:pPr lvl="1"/>
+            <a:r>
+              <a:rPr lang="pt-BR" dirty="0" smtClean="0">
+                <a:solidFill>
+                  <a:schemeClr val="bg1">
+                    <a:lumMod val="75000"/>
+                  </a:schemeClr>
+                </a:solidFill>
+              </a:rPr>
+              <a:t>URL:</a:t>
+            </a:r>
+          </a:p>
+          <a:p>
+            <a:pPr lvl="1"/>
+            <a:endParaRPr lang="pt-BR" dirty="0">
+              <a:solidFill>
+                <a:schemeClr val="bg1">
+                  <a:lumMod val="75000"/>
+                </a:schemeClr>
+              </a:solidFill>
+            </a:endParaRPr>
+          </a:p>
+        </p:txBody>
+      </p:sp>
+      <p:pic>
+        <p:nvPicPr>
+          <p:cNvPr id="2050" name="Picture 2"/>
+          <p:cNvPicPr>
+            <a:picLocks noChangeAspect="1" noChangeArrowheads="1"/>
+          </p:cNvPicPr>
+          <p:nvPr/>
+        </p:nvPicPr>
+        <p:blipFill>
+          <a:blip r:embed="rId3" cstate="print"/>
+          <a:srcRect/>
+          <a:stretch>
+            <a:fillRect/>
+          </a:stretch>
+        </p:blipFill>
+        <p:spPr bwMode="auto">
+          <a:xfrm>
+            <a:off x="467544" y="2924944"/>
+            <a:ext cx="8306533" cy="699318"/>
+          </a:xfrm>
+          <a:prstGeom prst="rect">
+            <a:avLst/>
+          </a:prstGeom>
+          <a:noFill/>
+          <a:ln w="9525">
+            <a:noFill/>
+            <a:miter lim="800000"/>
+            <a:headEnd/>
+            <a:tailEnd/>
+          </a:ln>
+        </p:spPr>
+      </p:pic>
+      <p:pic>
+        <p:nvPicPr>
+          <p:cNvPr id="2051" name="Picture 3"/>
+          <p:cNvPicPr>
+            <a:picLocks noChangeAspect="1" noChangeArrowheads="1"/>
+          </p:cNvPicPr>
+          <p:nvPr/>
+        </p:nvPicPr>
+        <p:blipFill>
+          <a:blip r:embed="rId4" cstate="print"/>
+          <a:srcRect/>
+          <a:stretch>
+            <a:fillRect/>
+          </a:stretch>
+        </p:blipFill>
+        <p:spPr bwMode="auto">
+          <a:xfrm>
+            <a:off x="539552" y="5013176"/>
+            <a:ext cx="7863274" cy="864096"/>
+          </a:xfrm>
+          <a:prstGeom prst="rect">
+            <a:avLst/>
+          </a:prstGeom>
+          <a:noFill/>
+          <a:ln w="9525">
+            <a:noFill/>
+            <a:miter lim="800000"/>
+            <a:headEnd/>
+            <a:tailEnd/>
+          </a:ln>
+        </p:spPr>
+      </p:pic>
     </p:spTree>
     <p:extLst>
       <p:ext uri="{BB962C8B-B14F-4D97-AF65-F5344CB8AC3E}">
-        <p14:creationId xmlns:p14="http://schemas.microsoft.com/office/powerpoint/2010/main" val="1156373279"/>
+        <p14:creationId xmlns:p14="http://schemas.microsoft.com/office/powerpoint/2010/main" xmlns="" val="1156373279"/>
       </p:ext>
     </p:extLst>
   </p:cSld>
@@ -7504,10 +7762,10 @@
           <p:nvPr/>
         </p:nvPicPr>
         <p:blipFill>
-          <a:blip r:embed="rId2">
+          <a:blip r:embed="rId2" cstate="print">
             <a:extLst>
               <a:ext uri="{28A0092B-C50C-407E-A947-70E740481C1C}">
-                <a14:useLocalDpi xmlns:a14="http://schemas.microsoft.com/office/drawing/2010/main" val="0"/>
+                <a14:useLocalDpi xmlns:a14="http://schemas.microsoft.com/office/drawing/2010/main" xmlns="" val="0"/>
               </a:ext>
             </a:extLst>
           </a:blip>
@@ -7540,7 +7798,25 @@
           <a:bodyPr/>
           <a:lstStyle/>
           <a:p>
-            <a:endParaRPr lang="pt-BR"/>
+            <a:r>
+              <a:rPr lang="pt-PT" dirty="0" smtClean="0">
+                <a:solidFill>
+                  <a:schemeClr val="bg1">
+                    <a:lumMod val="85000"/>
+                  </a:schemeClr>
+                </a:solidFill>
+              </a:rPr>
+              <a:t>Content </a:t>
+            </a:r>
+            <a:r>
+              <a:rPr lang="pt-PT" dirty="0" smtClean="0">
+                <a:solidFill>
+                  <a:srgbClr val="AEC908"/>
+                </a:solidFill>
+              </a:rPr>
+              <a:t>Sharing</a:t>
+            </a:r>
+            <a:endParaRPr lang="pt-BR" dirty="0"/>
           </a:p>
         </p:txBody>
       </p:sp>
@@ -7559,14 +7835,74 @@
           <a:bodyPr/>
           <a:lstStyle/>
           <a:p>
-            <a:endParaRPr lang="pt-BR"/>
-          </a:p>
-        </p:txBody>
-      </p:sp>
+            <a:r>
+              <a:rPr lang="pt-BR" dirty="0" smtClean="0">
+                <a:solidFill>
+                  <a:srgbClr val="AEC908"/>
+                </a:solidFill>
+              </a:rPr>
+              <a:t>Facebook</a:t>
+            </a:r>
+            <a:endParaRPr lang="pt-BR" dirty="0"/>
+          </a:p>
+          <a:p>
+            <a:pPr lvl="1"/>
+            <a:r>
+              <a:rPr lang="pt-BR" dirty="0" smtClean="0">
+                <a:solidFill>
+                  <a:schemeClr val="bg1">
+                    <a:lumMod val="75000"/>
+                  </a:schemeClr>
+                </a:solidFill>
+              </a:rPr>
+              <a:t>Descrição:</a:t>
+            </a:r>
+            <a:endParaRPr lang="pt-BR" dirty="0" smtClean="0">
+              <a:solidFill>
+                <a:schemeClr val="bg1">
+                  <a:lumMod val="75000"/>
+                </a:schemeClr>
+              </a:solidFill>
+            </a:endParaRPr>
+          </a:p>
+        </p:txBody>
+      </p:sp>
+      <p:pic>
+        <p:nvPicPr>
+          <p:cNvPr id="3074" name="Picture 2"/>
+          <p:cNvPicPr>
+            <a:picLocks noChangeAspect="1" noChangeArrowheads="1"/>
+          </p:cNvPicPr>
+          <p:nvPr/>
+        </p:nvPicPr>
+        <p:blipFill>
+          <a:blip r:embed="rId3" cstate="print"/>
+          <a:srcRect/>
+          <a:stretch>
+            <a:fillRect/>
+          </a:stretch>
+        </p:blipFill>
+        <p:spPr bwMode="auto">
+          <a:xfrm>
+            <a:off x="395536" y="3068960"/>
+            <a:ext cx="8423396" cy="2520280"/>
+          </a:xfrm>
+          <a:prstGeom prst="rect">
+            <a:avLst/>
+          </a:prstGeom>
+          <a:noFill/>
+          <a:ln w="9525">
+            <a:noFill/>
+            <a:miter lim="800000"/>
+            <a:headEnd/>
+            <a:tailEnd/>
+          </a:ln>
+        </p:spPr>
+      </p:pic>
     </p:spTree>
     <p:extLst>
       <p:ext uri="{BB962C8B-B14F-4D97-AF65-F5344CB8AC3E}">
-        <p14:creationId xmlns:p14="http://schemas.microsoft.com/office/powerpoint/2010/main" val="1156373279"/>
+        <p14:creationId xmlns:p14="http://schemas.microsoft.com/office/powerpoint/2010/main" xmlns="" val="1156373279"/>
       </p:ext>
     </p:extLst>
   </p:cSld>
@@ -7609,10 +7945,10 @@
           <p:nvPr/>
         </p:nvPicPr>
         <p:blipFill>
-          <a:blip r:embed="rId2">
+          <a:blip r:embed="rId2" cstate="print">
             <a:extLst>
               <a:ext uri="{28A0092B-C50C-407E-A947-70E740481C1C}">
-                <a14:useLocalDpi xmlns:a14="http://schemas.microsoft.com/office/drawing/2010/main" val="0"/>
+                <a14:useLocalDpi xmlns:a14="http://schemas.microsoft.com/office/drawing/2010/main" xmlns="" val="0"/>
               </a:ext>
             </a:extLst>
           </a:blip>
@@ -7729,10 +8065,10 @@
           <p:nvPr/>
         </p:nvPicPr>
         <p:blipFill>
-          <a:blip r:embed="rId3">
+          <a:blip r:embed="rId3" cstate="print">
             <a:extLst>
               <a:ext uri="{28A0092B-C50C-407E-A947-70E740481C1C}">
-                <a14:useLocalDpi xmlns:a14="http://schemas.microsoft.com/office/drawing/2010/main" val="0"/>
+                <a14:useLocalDpi xmlns:a14="http://schemas.microsoft.com/office/drawing/2010/main" xmlns="" val="0"/>
               </a:ext>
             </a:extLst>
           </a:blip>
@@ -7753,7 +8089,7 @@
     </p:spTree>
     <p:extLst>
       <p:ext uri="{BB962C8B-B14F-4D97-AF65-F5344CB8AC3E}">
-        <p14:creationId xmlns:p14="http://schemas.microsoft.com/office/powerpoint/2010/main" val="4060812770"/>
+        <p14:creationId xmlns:p14="http://schemas.microsoft.com/office/powerpoint/2010/main" xmlns="" val="4060812770"/>
       </p:ext>
     </p:extLst>
   </p:cSld>
@@ -7796,10 +8132,10 @@
           <p:nvPr/>
         </p:nvPicPr>
         <p:blipFill>
-          <a:blip r:embed="rId2">
+          <a:blip r:embed="rId2" cstate="print">
             <a:extLst>
               <a:ext uri="{28A0092B-C50C-407E-A947-70E740481C1C}">
-                <a14:useLocalDpi xmlns:a14="http://schemas.microsoft.com/office/drawing/2010/main" val="0"/>
+                <a14:useLocalDpi xmlns:a14="http://schemas.microsoft.com/office/drawing/2010/main" xmlns="" val="0"/>
               </a:ext>
             </a:extLst>
           </a:blip>
@@ -7832,7 +8168,25 @@
           <a:bodyPr/>
           <a:lstStyle/>
           <a:p>
-            <a:endParaRPr lang="pt-BR"/>
+            <a:r>
+              <a:rPr lang="pt-PT" dirty="0" smtClean="0">
+                <a:solidFill>
+                  <a:schemeClr val="bg1">
+                    <a:lumMod val="85000"/>
+                  </a:schemeClr>
+                </a:solidFill>
+              </a:rPr>
+              <a:t>Content </a:t>
+            </a:r>
+            <a:r>
+              <a:rPr lang="pt-PT" dirty="0" smtClean="0">
+                <a:solidFill>
+                  <a:srgbClr val="AEC908"/>
+                </a:solidFill>
+              </a:rPr>
+              <a:t>Sharing</a:t>
+            </a:r>
+            <a:endParaRPr lang="pt-BR" dirty="0"/>
           </a:p>
         </p:txBody>
       </p:sp>
@@ -7851,14 +8205,151 @@
           <a:bodyPr/>
           <a:lstStyle/>
           <a:p>
-            <a:endParaRPr lang="pt-BR"/>
-          </a:p>
-        </p:txBody>
-      </p:sp>
+            <a:r>
+              <a:rPr lang="pt-BR" dirty="0" smtClean="0">
+                <a:solidFill>
+                  <a:srgbClr val="AEC908"/>
+                </a:solidFill>
+              </a:rPr>
+              <a:t>Facebook</a:t>
+            </a:r>
+          </a:p>
+          <a:p>
+            <a:pPr lvl="1"/>
+            <a:r>
+              <a:rPr lang="pt-BR" dirty="0" smtClean="0">
+                <a:solidFill>
+                  <a:schemeClr val="bg1">
+                    <a:lumMod val="75000"/>
+                  </a:schemeClr>
+                </a:solidFill>
+              </a:rPr>
+              <a:t>Tipo de publicação:</a:t>
+            </a:r>
+          </a:p>
+          <a:p>
+            <a:pPr lvl="1"/>
+            <a:endParaRPr lang="pt-BR" dirty="0" smtClean="0">
+              <a:solidFill>
+                <a:schemeClr val="bg1">
+                  <a:lumMod val="75000"/>
+                </a:schemeClr>
+              </a:solidFill>
+            </a:endParaRPr>
+          </a:p>
+          <a:p>
+            <a:pPr lvl="1"/>
+            <a:endParaRPr lang="pt-BR" dirty="0" smtClean="0">
+              <a:solidFill>
+                <a:schemeClr val="bg1">
+                  <a:lumMod val="75000"/>
+                </a:schemeClr>
+              </a:solidFill>
+            </a:endParaRPr>
+          </a:p>
+          <a:p>
+            <a:pPr lvl="1"/>
+            <a:endParaRPr lang="pt-BR" dirty="0" smtClean="0">
+              <a:solidFill>
+                <a:schemeClr val="bg1">
+                  <a:lumMod val="75000"/>
+                </a:schemeClr>
+              </a:solidFill>
+            </a:endParaRPr>
+          </a:p>
+          <a:p>
+            <a:pPr lvl="1"/>
+            <a:r>
+              <a:rPr lang="pt-BR" dirty="0" smtClean="0">
+                <a:solidFill>
+                  <a:schemeClr val="bg1">
+                    <a:lumMod val="75000"/>
+                  </a:schemeClr>
+                </a:solidFill>
+              </a:rPr>
+              <a:t>Imagem:</a:t>
+            </a:r>
+            <a:endParaRPr lang="pt-BR" dirty="0" smtClean="0">
+              <a:solidFill>
+                <a:schemeClr val="bg1">
+                  <a:lumMod val="75000"/>
+                </a:schemeClr>
+              </a:solidFill>
+            </a:endParaRPr>
+          </a:p>
+          <a:p>
+            <a:endParaRPr lang="pt-BR" dirty="0"/>
+          </a:p>
+        </p:txBody>
+      </p:sp>
+      <p:pic>
+        <p:nvPicPr>
+          <p:cNvPr id="4098" name="Picture 2"/>
+          <p:cNvPicPr>
+            <a:picLocks noChangeAspect="1" noChangeArrowheads="1"/>
+          </p:cNvPicPr>
+          <p:nvPr/>
+        </p:nvPicPr>
+        <p:blipFill>
+          <a:blip r:embed="rId3" cstate="print"/>
+          <a:srcRect/>
+          <a:stretch>
+            <a:fillRect/>
+          </a:stretch>
+        </p:blipFill>
+        <p:spPr bwMode="auto">
+          <a:xfrm>
+            <a:off x="467544" y="4941168"/>
+            <a:ext cx="8337768" cy="864096"/>
+          </a:xfrm>
+          <a:prstGeom prst="rect">
+            <a:avLst/>
+          </a:prstGeom>
+          <a:noFill/>
+          <a:ln w="9525">
+            <a:noFill/>
+            <a:miter lim="800000"/>
+            <a:headEnd/>
+            <a:tailEnd/>
+          </a:ln>
+        </p:spPr>
+      </p:pic>
+      <p:pic>
+        <p:nvPicPr>
+          <p:cNvPr id="4099" name="Picture 3"/>
+          <p:cNvPicPr>
+            <a:picLocks noChangeAspect="1" noChangeArrowheads="1"/>
+          </p:cNvPicPr>
+          <p:nvPr/>
+        </p:nvPicPr>
+        <p:blipFill>
+          <a:blip r:embed="rId4" cstate="print"/>
+          <a:srcRect/>
+          <a:stretch>
+            <a:fillRect/>
+          </a:stretch>
+        </p:blipFill>
+        <p:spPr bwMode="auto">
+          <a:xfrm>
+            <a:off x="611560" y="3068960"/>
+            <a:ext cx="6120679" cy="649409"/>
+          </a:xfrm>
+          <a:prstGeom prst="rect">
+            <a:avLst/>
+          </a:prstGeom>
+          <a:noFill/>
+          <a:ln w="9525">
+            <a:noFill/>
+            <a:miter lim="800000"/>
+            <a:headEnd/>
+            <a:tailEnd/>
+          </a:ln>
+        </p:spPr>
+      </p:pic>
     </p:spTree>
     <p:extLst>
       <p:ext uri="{BB962C8B-B14F-4D97-AF65-F5344CB8AC3E}">
-        <p14:creationId xmlns:p14="http://schemas.microsoft.com/office/powerpoint/2010/main" val="1156373279"/>
+        <p14:creationId xmlns:p14="http://schemas.microsoft.com/office/powerpoint/2010/main" xmlns="" val="1156373279"/>
       </p:ext>
     </p:extLst>
   </p:cSld>
@@ -7901,10 +8392,10 @@
           <p:nvPr/>
         </p:nvPicPr>
         <p:blipFill>
-          <a:blip r:embed="rId2">
+          <a:blip r:embed="rId2" cstate="print">
             <a:extLst>
               <a:ext uri="{28A0092B-C50C-407E-A947-70E740481C1C}">
-                <a14:useLocalDpi xmlns:a14="http://schemas.microsoft.com/office/drawing/2010/main" val="0"/>
+                <a14:useLocalDpi xmlns:a14="http://schemas.microsoft.com/office/drawing/2010/main" xmlns="" val="0"/>
               </a:ext>
             </a:extLst>
           </a:blip>
@@ -7937,7 +8428,25 @@
           <a:bodyPr/>
           <a:lstStyle/>
           <a:p>
-            <a:endParaRPr lang="pt-BR"/>
+            <a:r>
+              <a:rPr lang="pt-PT" dirty="0" smtClean="0">
+                <a:solidFill>
+                  <a:schemeClr val="bg1">
+                    <a:lumMod val="85000"/>
+                  </a:schemeClr>
+                </a:solidFill>
+              </a:rPr>
+              <a:t>Content </a:t>
+            </a:r>
+            <a:r>
+              <a:rPr lang="pt-PT" dirty="0" smtClean="0">
+                <a:solidFill>
+                  <a:srgbClr val="AEC908"/>
+                </a:solidFill>
+              </a:rPr>
+              <a:t>Sharing</a:t>
+            </a:r>
+            <a:endParaRPr lang="pt-BR" dirty="0"/>
           </a:p>
         </p:txBody>
       </p:sp>
@@ -7956,14 +8465,170 @@
           <a:bodyPr/>
           <a:lstStyle/>
           <a:p>
-            <a:endParaRPr lang="pt-BR"/>
-          </a:p>
-        </p:txBody>
-      </p:sp>
+            <a:r>
+              <a:rPr lang="pt-BR" dirty="0" smtClean="0">
+                <a:solidFill>
+                  <a:srgbClr val="AEC908"/>
+                </a:solidFill>
+              </a:rPr>
+              <a:t>Facebook</a:t>
+            </a:r>
+          </a:p>
+          <a:p>
+            <a:pPr lvl="1"/>
+            <a:r>
+              <a:rPr lang="pt-BR" dirty="0" smtClean="0">
+                <a:solidFill>
+                  <a:schemeClr val="bg1">
+                    <a:lumMod val="75000"/>
+                  </a:schemeClr>
+                </a:solidFill>
+              </a:rPr>
+              <a:t>Tipo da imagem:</a:t>
+            </a:r>
+          </a:p>
+          <a:p>
+            <a:pPr lvl="1"/>
+            <a:endParaRPr lang="pt-BR" dirty="0" smtClean="0">
+              <a:solidFill>
+                <a:schemeClr val="bg1">
+                  <a:lumMod val="75000"/>
+                </a:schemeClr>
+              </a:solidFill>
+            </a:endParaRPr>
+          </a:p>
+          <a:p>
+            <a:pPr lvl="1"/>
+            <a:endParaRPr lang="pt-BR" dirty="0" smtClean="0">
+              <a:solidFill>
+                <a:schemeClr val="bg1">
+                  <a:lumMod val="75000"/>
+                </a:schemeClr>
+              </a:solidFill>
+            </a:endParaRPr>
+          </a:p>
+          <a:p>
+            <a:pPr lvl="1"/>
+            <a:r>
+              <a:rPr lang="pt-BR" dirty="0" smtClean="0">
+                <a:solidFill>
+                  <a:schemeClr val="bg1">
+                    <a:lumMod val="75000"/>
+                  </a:schemeClr>
+                </a:solidFill>
+              </a:rPr>
+              <a:t>Largura e altura da imagem:</a:t>
+            </a:r>
+            <a:endParaRPr lang="pt-BR" dirty="0">
+              <a:solidFill>
+                <a:schemeClr val="bg1">
+                  <a:lumMod val="75000"/>
+                </a:schemeClr>
+              </a:solidFill>
+            </a:endParaRPr>
+          </a:p>
+        </p:txBody>
+      </p:sp>
+      <p:pic>
+        <p:nvPicPr>
+          <p:cNvPr id="5122" name="Picture 2"/>
+          <p:cNvPicPr>
+            <a:picLocks noChangeAspect="1" noChangeArrowheads="1"/>
+          </p:cNvPicPr>
+          <p:nvPr/>
+        </p:nvPicPr>
+        <p:blipFill>
+          <a:blip r:embed="rId3" cstate="print"/>
+          <a:srcRect/>
+          <a:stretch>
+            <a:fillRect/>
+          </a:stretch>
+        </p:blipFill>
+        <p:spPr bwMode="auto">
+          <a:xfrm>
+            <a:off x="1043608" y="2780928"/>
+            <a:ext cx="3888432" cy="768643"/>
+          </a:xfrm>
+          <a:prstGeom prst="rect">
+            <a:avLst/>
+          </a:prstGeom>
+          <a:noFill/>
+          <a:ln w="9525">
+            <a:noFill/>
+            <a:miter lim="800000"/>
+            <a:headEnd/>
+            <a:tailEnd/>
+          </a:ln>
+        </p:spPr>
+      </p:pic>
+      <p:pic>
+        <p:nvPicPr>
+          <p:cNvPr id="5123" name="Picture 3"/>
+          <p:cNvPicPr>
+            <a:picLocks noChangeAspect="1" noChangeArrowheads="1"/>
+          </p:cNvPicPr>
+          <p:nvPr/>
+        </p:nvPicPr>
+        <p:blipFill>
+          <a:blip r:embed="rId4" cstate="print"/>
+          <a:srcRect/>
+          <a:stretch>
+            <a:fillRect/>
+          </a:stretch>
+        </p:blipFill>
+        <p:spPr bwMode="auto">
+          <a:xfrm>
+            <a:off x="1043608" y="4509120"/>
+            <a:ext cx="4180064" cy="648072"/>
+          </a:xfrm>
+          <a:prstGeom prst="rect">
+            <a:avLst/>
+          </a:prstGeom>
+          <a:noFill/>
+          <a:ln w="9525">
+            <a:noFill/>
+            <a:miter lim="800000"/>
+            <a:headEnd/>
+            <a:tailEnd/>
+          </a:ln>
+        </p:spPr>
+      </p:pic>
+      <p:pic>
+        <p:nvPicPr>
+          <p:cNvPr id="5124" name="Picture 4"/>
+          <p:cNvPicPr>
+            <a:picLocks noChangeAspect="1" noChangeArrowheads="1"/>
+          </p:cNvPicPr>
+          <p:nvPr/>
+        </p:nvPicPr>
+        <p:blipFill>
+          <a:blip r:embed="rId5" cstate="print"/>
+          <a:srcRect/>
+          <a:stretch>
+            <a:fillRect/>
+          </a:stretch>
+        </p:blipFill>
+        <p:spPr bwMode="auto">
+          <a:xfrm>
+            <a:off x="1043608" y="5445224"/>
+            <a:ext cx="4602973" cy="648072"/>
+          </a:xfrm>
+          <a:prstGeom prst="rect">
+            <a:avLst/>
+          </a:prstGeom>
+          <a:noFill/>
+          <a:ln w="9525">
+            <a:noFill/>
+            <a:miter lim="800000"/>
+            <a:headEnd/>
+            <a:tailEnd/>
+          </a:ln>
+        </p:spPr>
+      </p:pic>
     </p:spTree>
     <p:extLst>
       <p:ext uri="{BB962C8B-B14F-4D97-AF65-F5344CB8AC3E}">
-        <p14:creationId xmlns:p14="http://schemas.microsoft.com/office/powerpoint/2010/main" val="1156373279"/>
+        <p14:creationId xmlns:p14="http://schemas.microsoft.com/office/powerpoint/2010/main" xmlns="" val="1156373279"/>
       </p:ext>
     </p:extLst>
   </p:cSld>
@@ -8006,10 +8671,10 @@
           <p:nvPr/>
         </p:nvPicPr>
         <p:blipFill>
-          <a:blip r:embed="rId2">
+          <a:blip r:embed="rId2" cstate="print">
             <a:extLst>
               <a:ext uri="{28A0092B-C50C-407E-A947-70E740481C1C}">
-                <a14:useLocalDpi xmlns:a14="http://schemas.microsoft.com/office/drawing/2010/main" val="0"/>
+                <a14:useLocalDpi xmlns:a14="http://schemas.microsoft.com/office/drawing/2010/main" xmlns="" val="0"/>
               </a:ext>
             </a:extLst>
           </a:blip>
@@ -8068,7 +8733,7 @@
     </p:spTree>
     <p:extLst>
       <p:ext uri="{BB962C8B-B14F-4D97-AF65-F5344CB8AC3E}">
-        <p14:creationId xmlns:p14="http://schemas.microsoft.com/office/powerpoint/2010/main" val="1156373279"/>
+        <p14:creationId xmlns:p14="http://schemas.microsoft.com/office/powerpoint/2010/main" xmlns="" val="1156373279"/>
       </p:ext>
     </p:extLst>
   </p:cSld>
@@ -8111,10 +8776,10 @@
           <p:nvPr/>
         </p:nvPicPr>
         <p:blipFill>
-          <a:blip r:embed="rId2">
+          <a:blip r:embed="rId2" cstate="print">
             <a:extLst>
               <a:ext uri="{28A0092B-C50C-407E-A947-70E740481C1C}">
-                <a14:useLocalDpi xmlns:a14="http://schemas.microsoft.com/office/drawing/2010/main" val="0"/>
+                <a14:useLocalDpi xmlns:a14="http://schemas.microsoft.com/office/drawing/2010/main" xmlns="" val="0"/>
               </a:ext>
             </a:extLst>
           </a:blip>
@@ -8173,7 +8838,7 @@
     </p:spTree>
     <p:extLst>
       <p:ext uri="{BB962C8B-B14F-4D97-AF65-F5344CB8AC3E}">
-        <p14:creationId xmlns:p14="http://schemas.microsoft.com/office/powerpoint/2010/main" val="1156373279"/>
+        <p14:creationId xmlns:p14="http://schemas.microsoft.com/office/powerpoint/2010/main" xmlns="" val="1156373279"/>
       </p:ext>
     </p:extLst>
   </p:cSld>
@@ -8216,10 +8881,10 @@
           <p:nvPr/>
         </p:nvPicPr>
         <p:blipFill>
-          <a:blip r:embed="rId2">
+          <a:blip r:embed="rId2" cstate="print">
             <a:extLst>
               <a:ext uri="{28A0092B-C50C-407E-A947-70E740481C1C}">
-                <a14:useLocalDpi xmlns:a14="http://schemas.microsoft.com/office/drawing/2010/main" val="0"/>
+                <a14:useLocalDpi xmlns:a14="http://schemas.microsoft.com/office/drawing/2010/main" xmlns="" val="0"/>
               </a:ext>
             </a:extLst>
           </a:blip>
@@ -8278,7 +8943,7 @@
     </p:spTree>
     <p:extLst>
       <p:ext uri="{BB962C8B-B14F-4D97-AF65-F5344CB8AC3E}">
-        <p14:creationId xmlns:p14="http://schemas.microsoft.com/office/powerpoint/2010/main" val="1156373279"/>
+        <p14:creationId xmlns:p14="http://schemas.microsoft.com/office/powerpoint/2010/main" xmlns="" val="1156373279"/>
       </p:ext>
     </p:extLst>
   </p:cSld>
@@ -8321,10 +8986,10 @@
           <p:nvPr/>
         </p:nvPicPr>
         <p:blipFill>
-          <a:blip r:embed="rId2">
+          <a:blip r:embed="rId2" cstate="print">
             <a:extLst>
               <a:ext uri="{28A0092B-C50C-407E-A947-70E740481C1C}">
-                <a14:useLocalDpi xmlns:a14="http://schemas.microsoft.com/office/drawing/2010/main" val="0"/>
+                <a14:useLocalDpi xmlns:a14="http://schemas.microsoft.com/office/drawing/2010/main" xmlns="" val="0"/>
               </a:ext>
             </a:extLst>
           </a:blip>
@@ -8497,20 +9162,13 @@
               </a:rPr>
               <a:t>http://schema.org/</a:t>
             </a:r>
-            <a:endParaRPr lang="pt-BR" dirty="0">
-              <a:solidFill>
-                <a:schemeClr val="bg1">
-                  <a:lumMod val="85000"/>
-                </a:schemeClr>
-              </a:solidFill>
-            </a:endParaRPr>
           </a:p>
         </p:txBody>
       </p:sp>
     </p:spTree>
     <p:extLst>
       <p:ext uri="{BB962C8B-B14F-4D97-AF65-F5344CB8AC3E}">
-        <p14:creationId xmlns:p14="http://schemas.microsoft.com/office/powerpoint/2010/main" val="1156373279"/>
+        <p14:creationId xmlns:p14="http://schemas.microsoft.com/office/powerpoint/2010/main" xmlns="" val="1156373279"/>
       </p:ext>
     </p:extLst>
   </p:cSld>
@@ -8553,10 +9211,10 @@
           <p:nvPr/>
         </p:nvPicPr>
         <p:blipFill>
-          <a:blip r:embed="rId2">
+          <a:blip r:embed="rId2" cstate="print">
             <a:extLst>
               <a:ext uri="{28A0092B-C50C-407E-A947-70E740481C1C}">
-                <a14:useLocalDpi xmlns:a14="http://schemas.microsoft.com/office/drawing/2010/main" val="0"/>
+                <a14:useLocalDpi xmlns:a14="http://schemas.microsoft.com/office/drawing/2010/main" xmlns="" val="0"/>
               </a:ext>
             </a:extLst>
           </a:blip>
@@ -8636,20 +9294,13 @@
               </a:rPr>
               <a:t>http://www.htmlprogressivo.net/2014/02/HTML-HTML5-Qual-a-Diferenca-O-que-muda.html</a:t>
             </a:r>
-            <a:endParaRPr lang="pt-BR" dirty="0">
-              <a:solidFill>
-                <a:schemeClr val="bg1">
-                  <a:lumMod val="85000"/>
-                </a:schemeClr>
-              </a:solidFill>
-            </a:endParaRPr>
           </a:p>
         </p:txBody>
       </p:sp>
     </p:spTree>
     <p:extLst>
       <p:ext uri="{BB962C8B-B14F-4D97-AF65-F5344CB8AC3E}">
-        <p14:creationId xmlns:p14="http://schemas.microsoft.com/office/powerpoint/2010/main" val="1981461259"/>
+        <p14:creationId xmlns:p14="http://schemas.microsoft.com/office/powerpoint/2010/main" xmlns="" val="1981461259"/>
       </p:ext>
     </p:extLst>
   </p:cSld>
@@ -8692,10 +9343,10 @@
           <p:nvPr/>
         </p:nvPicPr>
         <p:blipFill>
-          <a:blip r:embed="rId2">
+          <a:blip r:embed="rId2" cstate="print">
             <a:extLst>
               <a:ext uri="{28A0092B-C50C-407E-A947-70E740481C1C}">
-                <a14:useLocalDpi xmlns:a14="http://schemas.microsoft.com/office/drawing/2010/main" val="0"/>
+                <a14:useLocalDpi xmlns:a14="http://schemas.microsoft.com/office/drawing/2010/main" xmlns="" val="0"/>
               </a:ext>
             </a:extLst>
           </a:blip>
@@ -8796,10 +9447,10 @@
           <p:nvPr/>
         </p:nvPicPr>
         <p:blipFill>
-          <a:blip r:embed="rId3">
+          <a:blip r:embed="rId3" cstate="print">
             <a:extLst>
               <a:ext uri="{28A0092B-C50C-407E-A947-70E740481C1C}">
-                <a14:useLocalDpi xmlns:a14="http://schemas.microsoft.com/office/drawing/2010/main" val="0"/>
+                <a14:useLocalDpi xmlns:a14="http://schemas.microsoft.com/office/drawing/2010/main" xmlns="" val="0"/>
               </a:ext>
             </a:extLst>
           </a:blip>
@@ -8823,14 +9474,14 @@
           <a:effectLst/>
           <a:extLst>
             <a:ext uri="{909E8E84-426E-40DD-AFC4-6F175D3DCCD1}">
-              <a14:hiddenFill xmlns:a14="http://schemas.microsoft.com/office/drawing/2010/main">
+              <a14:hiddenFill xmlns:a14="http://schemas.microsoft.com/office/drawing/2010/main" xmlns="">
                 <a:solidFill>
                   <a:schemeClr val="accent1"/>
                 </a:solidFill>
               </a14:hiddenFill>
             </a:ext>
             <a:ext uri="{91240B29-F687-4F45-9708-019B960494DF}">
-              <a14:hiddenLine xmlns:a14="http://schemas.microsoft.com/office/drawing/2010/main" w="9525">
+              <a14:hiddenLine xmlns:a14="http://schemas.microsoft.com/office/drawing/2010/main" xmlns="" w="9525">
                 <a:solidFill>
                   <a:schemeClr val="tx1"/>
                 </a:solidFill>
@@ -8840,7 +9491,7 @@
               </a14:hiddenLine>
             </a:ext>
             <a:ext uri="{AF507438-7753-43E0-B8FC-AC1667EBCBE1}">
-              <a14:hiddenEffects xmlns:a14="http://schemas.microsoft.com/office/drawing/2010/main">
+              <a14:hiddenEffects xmlns:a14="http://schemas.microsoft.com/office/drawing/2010/main" xmlns="">
                 <a:effectLst>
                   <a:outerShdw dist="35921" dir="2700000" algn="ctr" rotWithShape="0">
                     <a:schemeClr val="bg2"/>
@@ -8854,7 +9505,7 @@
     </p:spTree>
     <p:extLst>
       <p:ext uri="{BB962C8B-B14F-4D97-AF65-F5344CB8AC3E}">
-        <p14:creationId xmlns:p14="http://schemas.microsoft.com/office/powerpoint/2010/main" val="4060812770"/>
+        <p14:creationId xmlns:p14="http://schemas.microsoft.com/office/powerpoint/2010/main" xmlns="" val="4060812770"/>
       </p:ext>
     </p:extLst>
   </p:cSld>
@@ -8897,10 +9548,10 @@
           <p:nvPr/>
         </p:nvPicPr>
         <p:blipFill>
-          <a:blip r:embed="rId2">
+          <a:blip r:embed="rId2" cstate="print">
             <a:extLst>
               <a:ext uri="{28A0092B-C50C-407E-A947-70E740481C1C}">
-                <a14:useLocalDpi xmlns:a14="http://schemas.microsoft.com/office/drawing/2010/main" val="0"/>
+                <a14:useLocalDpi xmlns:a14="http://schemas.microsoft.com/office/drawing/2010/main" xmlns="" val="0"/>
               </a:ext>
             </a:extLst>
           </a:blip>
@@ -9040,7 +9691,7 @@
     </p:spTree>
     <p:extLst>
       <p:ext uri="{BB962C8B-B14F-4D97-AF65-F5344CB8AC3E}">
-        <p14:creationId xmlns:p14="http://schemas.microsoft.com/office/powerpoint/2010/main" val="4060812770"/>
+        <p14:creationId xmlns:p14="http://schemas.microsoft.com/office/powerpoint/2010/main" xmlns="" val="4060812770"/>
       </p:ext>
     </p:extLst>
   </p:cSld>
@@ -9083,10 +9734,10 @@
           <p:nvPr/>
         </p:nvPicPr>
         <p:blipFill>
-          <a:blip r:embed="rId2">
+          <a:blip r:embed="rId2" cstate="print">
             <a:extLst>
               <a:ext uri="{28A0092B-C50C-407E-A947-70E740481C1C}">
-                <a14:useLocalDpi xmlns:a14="http://schemas.microsoft.com/office/drawing/2010/main" val="0"/>
+                <a14:useLocalDpi xmlns:a14="http://schemas.microsoft.com/office/drawing/2010/main" xmlns="" val="0"/>
               </a:ext>
             </a:extLst>
           </a:blip>
@@ -9224,7 +9875,7 @@
     </p:spTree>
     <p:extLst>
       <p:ext uri="{BB962C8B-B14F-4D97-AF65-F5344CB8AC3E}">
-        <p14:creationId xmlns:p14="http://schemas.microsoft.com/office/powerpoint/2010/main" val="4060812770"/>
+        <p14:creationId xmlns:p14="http://schemas.microsoft.com/office/powerpoint/2010/main" xmlns="" val="4060812770"/>
       </p:ext>
     </p:extLst>
   </p:cSld>
@@ -9267,10 +9918,10 @@
           <p:nvPr/>
         </p:nvPicPr>
         <p:blipFill>
-          <a:blip r:embed="rId2">
+          <a:blip r:embed="rId2" cstate="print">
             <a:extLst>
               <a:ext uri="{28A0092B-C50C-407E-A947-70E740481C1C}">
-                <a14:useLocalDpi xmlns:a14="http://schemas.microsoft.com/office/drawing/2010/main" val="0"/>
+                <a14:useLocalDpi xmlns:a14="http://schemas.microsoft.com/office/drawing/2010/main" xmlns="" val="0"/>
               </a:ext>
             </a:extLst>
           </a:blip>
@@ -9401,10 +10052,10 @@
           <p:nvPr/>
         </p:nvPicPr>
         <p:blipFill>
-          <a:blip r:embed="rId3">
+          <a:blip r:embed="rId3" cstate="print">
             <a:extLst>
               <a:ext uri="{28A0092B-C50C-407E-A947-70E740481C1C}">
-                <a14:useLocalDpi xmlns:a14="http://schemas.microsoft.com/office/drawing/2010/main" val="0"/>
+                <a14:useLocalDpi xmlns:a14="http://schemas.microsoft.com/office/drawing/2010/main" xmlns="" val="0"/>
               </a:ext>
             </a:extLst>
           </a:blip>
@@ -9428,14 +10079,14 @@
           <a:effectLst/>
           <a:extLst>
             <a:ext uri="{909E8E84-426E-40DD-AFC4-6F175D3DCCD1}">
-              <a14:hiddenFill xmlns:a14="http://schemas.microsoft.com/office/drawing/2010/main">
+              <a14:hiddenFill xmlns:a14="http://schemas.microsoft.com/office/drawing/2010/main" xmlns="">
                 <a:solidFill>
                   <a:schemeClr val="accent1"/>
                 </a:solidFill>
               </a14:hiddenFill>
             </a:ext>
             <a:ext uri="{91240B29-F687-4F45-9708-019B960494DF}">
-              <a14:hiddenLine xmlns:a14="http://schemas.microsoft.com/office/drawing/2010/main" w="9525">
+              <a14:hiddenLine xmlns:a14="http://schemas.microsoft.com/office/drawing/2010/main" xmlns="" w="9525">
                 <a:solidFill>
                   <a:schemeClr val="tx1"/>
                 </a:solidFill>
@@ -9445,7 +10096,7 @@
               </a14:hiddenLine>
             </a:ext>
             <a:ext uri="{AF507438-7753-43E0-B8FC-AC1667EBCBE1}">
-              <a14:hiddenEffects xmlns:a14="http://schemas.microsoft.com/office/drawing/2010/main">
+              <a14:hiddenEffects xmlns:a14="http://schemas.microsoft.com/office/drawing/2010/main" xmlns="">
                 <a:effectLst>
                   <a:outerShdw dist="35921" dir="2700000" algn="ctr" rotWithShape="0">
                     <a:schemeClr val="bg2"/>
@@ -9465,10 +10116,10 @@
           <p:nvPr/>
         </p:nvPicPr>
         <p:blipFill>
-          <a:blip r:embed="rId4">
+          <a:blip r:embed="rId4" cstate="print">
             <a:extLst>
               <a:ext uri="{28A0092B-C50C-407E-A947-70E740481C1C}">
-                <a14:useLocalDpi xmlns:a14="http://schemas.microsoft.com/office/drawing/2010/main" val="0"/>
+                <a14:useLocalDpi xmlns:a14="http://schemas.microsoft.com/office/drawing/2010/main" xmlns="" val="0"/>
               </a:ext>
             </a:extLst>
           </a:blip>
@@ -9492,14 +10143,14 @@
           <a:effectLst/>
           <a:extLst>
             <a:ext uri="{909E8E84-426E-40DD-AFC4-6F175D3DCCD1}">
-              <a14:hiddenFill xmlns:a14="http://schemas.microsoft.com/office/drawing/2010/main">
+              <a14:hiddenFill xmlns:a14="http://schemas.microsoft.com/office/drawing/2010/main" xmlns="">
                 <a:solidFill>
                   <a:schemeClr val="accent1"/>
                 </a:solidFill>
               </a14:hiddenFill>
             </a:ext>
             <a:ext uri="{91240B29-F687-4F45-9708-019B960494DF}">
-              <a14:hiddenLine xmlns:a14="http://schemas.microsoft.com/office/drawing/2010/main" w="9525">
+              <a14:hiddenLine xmlns:a14="http://schemas.microsoft.com/office/drawing/2010/main" xmlns="" w="9525">
                 <a:solidFill>
                   <a:schemeClr val="tx1"/>
                 </a:solidFill>
@@ -9509,7 +10160,7 @@
               </a14:hiddenLine>
             </a:ext>
             <a:ext uri="{AF507438-7753-43E0-B8FC-AC1667EBCBE1}">
-              <a14:hiddenEffects xmlns:a14="http://schemas.microsoft.com/office/drawing/2010/main">
+              <a14:hiddenEffects xmlns:a14="http://schemas.microsoft.com/office/drawing/2010/main" xmlns="">
                 <a:effectLst>
                   <a:outerShdw dist="35921" dir="2700000" algn="ctr" rotWithShape="0">
                     <a:schemeClr val="bg2"/>
@@ -9523,7 +10174,7 @@
     </p:spTree>
     <p:extLst>
       <p:ext uri="{BB962C8B-B14F-4D97-AF65-F5344CB8AC3E}">
-        <p14:creationId xmlns:p14="http://schemas.microsoft.com/office/powerpoint/2010/main" val="4060812770"/>
+        <p14:creationId xmlns:p14="http://schemas.microsoft.com/office/powerpoint/2010/main" xmlns="" val="4060812770"/>
       </p:ext>
     </p:extLst>
   </p:cSld>
@@ -9566,10 +10217,10 @@
           <p:nvPr/>
         </p:nvPicPr>
         <p:blipFill>
-          <a:blip r:embed="rId2">
+          <a:blip r:embed="rId2" cstate="print">
             <a:extLst>
               <a:ext uri="{28A0092B-C50C-407E-A947-70E740481C1C}">
-                <a14:useLocalDpi xmlns:a14="http://schemas.microsoft.com/office/drawing/2010/main" val="0"/>
+                <a14:useLocalDpi xmlns:a14="http://schemas.microsoft.com/office/drawing/2010/main" xmlns="" val="0"/>
               </a:ext>
             </a:extLst>
           </a:blip>
@@ -9703,10 +10354,10 @@
           <p:nvPr/>
         </p:nvPicPr>
         <p:blipFill>
-          <a:blip r:embed="rId3">
+          <a:blip r:embed="rId3" cstate="print">
             <a:extLst>
               <a:ext uri="{28A0092B-C50C-407E-A947-70E740481C1C}">
-                <a14:useLocalDpi xmlns:a14="http://schemas.microsoft.com/office/drawing/2010/main" val="0"/>
+                <a14:useLocalDpi xmlns:a14="http://schemas.microsoft.com/office/drawing/2010/main" xmlns="" val="0"/>
               </a:ext>
             </a:extLst>
           </a:blip>
@@ -9730,14 +10381,14 @@
           <a:effectLst/>
           <a:extLst>
             <a:ext uri="{909E8E84-426E-40DD-AFC4-6F175D3DCCD1}">
-              <a14:hiddenFill xmlns:a14="http://schemas.microsoft.com/office/drawing/2010/main">
+              <a14:hiddenFill xmlns:a14="http://schemas.microsoft.com/office/drawing/2010/main" xmlns="">
                 <a:solidFill>
                   <a:schemeClr val="accent1"/>
                 </a:solidFill>
               </a14:hiddenFill>
             </a:ext>
             <a:ext uri="{91240B29-F687-4F45-9708-019B960494DF}">
-              <a14:hiddenLine xmlns:a14="http://schemas.microsoft.com/office/drawing/2010/main" w="9525">
+              <a14:hiddenLine xmlns:a14="http://schemas.microsoft.com/office/drawing/2010/main" xmlns="" w="9525">
                 <a:solidFill>
                   <a:schemeClr val="tx1"/>
                 </a:solidFill>
@@ -9747,7 +10398,7 @@
               </a14:hiddenLine>
             </a:ext>
             <a:ext uri="{AF507438-7753-43E0-B8FC-AC1667EBCBE1}">
-              <a14:hiddenEffects xmlns:a14="http://schemas.microsoft.com/office/drawing/2010/main">
+              <a14:hiddenEffects xmlns:a14="http://schemas.microsoft.com/office/drawing/2010/main" xmlns="">
                 <a:effectLst>
                   <a:outerShdw dist="35921" dir="2700000" algn="ctr" rotWithShape="0">
                     <a:schemeClr val="bg2"/>
@@ -9767,10 +10418,10 @@
           <p:nvPr/>
         </p:nvPicPr>
         <p:blipFill>
-          <a:blip r:embed="rId4">
+          <a:blip r:embed="rId4" cstate="print">
             <a:extLst>
               <a:ext uri="{28A0092B-C50C-407E-A947-70E740481C1C}">
-                <a14:useLocalDpi xmlns:a14="http://schemas.microsoft.com/office/drawing/2010/main" val="0"/>
+                <a14:useLocalDpi xmlns:a14="http://schemas.microsoft.com/office/drawing/2010/main" xmlns="" val="0"/>
               </a:ext>
             </a:extLst>
           </a:blip>
@@ -9794,14 +10445,14 @@
           <a:effectLst/>
           <a:extLst>
             <a:ext uri="{909E8E84-426E-40DD-AFC4-6F175D3DCCD1}">
-              <a14:hiddenFill xmlns:a14="http://schemas.microsoft.com/office/drawing/2010/main">
+              <a14:hiddenFill xmlns:a14="http://schemas.microsoft.com/office/drawing/2010/main" xmlns="">
                 <a:solidFill>
                   <a:schemeClr val="accent1"/>
                 </a:solidFill>
               </a14:hiddenFill>
             </a:ext>
             <a:ext uri="{91240B29-F687-4F45-9708-019B960494DF}">
-              <a14:hiddenLine xmlns:a14="http://schemas.microsoft.com/office/drawing/2010/main" w="9525">
+              <a14:hiddenLine xmlns:a14="http://schemas.microsoft.com/office/drawing/2010/main" xmlns="" w="9525">
                 <a:solidFill>
                   <a:schemeClr val="tx1"/>
                 </a:solidFill>
@@ -9811,7 +10462,7 @@
               </a14:hiddenLine>
             </a:ext>
             <a:ext uri="{AF507438-7753-43E0-B8FC-AC1667EBCBE1}">
-              <a14:hiddenEffects xmlns:a14="http://schemas.microsoft.com/office/drawing/2010/main">
+              <a14:hiddenEffects xmlns:a14="http://schemas.microsoft.com/office/drawing/2010/main" xmlns="">
                 <a:effectLst>
                   <a:outerShdw dist="35921" dir="2700000" algn="ctr" rotWithShape="0">
                     <a:schemeClr val="bg2"/>
@@ -9825,7 +10476,7 @@
     </p:spTree>
     <p:extLst>
       <p:ext uri="{BB962C8B-B14F-4D97-AF65-F5344CB8AC3E}">
-        <p14:creationId xmlns:p14="http://schemas.microsoft.com/office/powerpoint/2010/main" val="4060812770"/>
+        <p14:creationId xmlns:p14="http://schemas.microsoft.com/office/powerpoint/2010/main" xmlns="" val="4060812770"/>
       </p:ext>
     </p:extLst>
   </p:cSld>
@@ -9868,10 +10519,10 @@
           <p:nvPr/>
         </p:nvPicPr>
         <p:blipFill>
-          <a:blip r:embed="rId2">
+          <a:blip r:embed="rId2" cstate="print">
             <a:extLst>
               <a:ext uri="{28A0092B-C50C-407E-A947-70E740481C1C}">
-                <a14:useLocalDpi xmlns:a14="http://schemas.microsoft.com/office/drawing/2010/main" val="0"/>
+                <a14:useLocalDpi xmlns:a14="http://schemas.microsoft.com/office/drawing/2010/main" xmlns="" val="0"/>
               </a:ext>
             </a:extLst>
           </a:blip>
@@ -10000,10 +10651,10 @@
           <p:nvPr/>
         </p:nvPicPr>
         <p:blipFill>
-          <a:blip r:embed="rId3">
+          <a:blip r:embed="rId3" cstate="print">
             <a:extLst>
               <a:ext uri="{28A0092B-C50C-407E-A947-70E740481C1C}">
-                <a14:useLocalDpi xmlns:a14="http://schemas.microsoft.com/office/drawing/2010/main" val="0"/>
+                <a14:useLocalDpi xmlns:a14="http://schemas.microsoft.com/office/drawing/2010/main" xmlns="" val="0"/>
               </a:ext>
             </a:extLst>
           </a:blip>
@@ -10027,14 +10678,14 @@
           <a:effectLst/>
           <a:extLst>
             <a:ext uri="{909E8E84-426E-40DD-AFC4-6F175D3DCCD1}">
-              <a14:hiddenFill xmlns:a14="http://schemas.microsoft.com/office/drawing/2010/main">
+              <a14:hiddenFill xmlns:a14="http://schemas.microsoft.com/office/drawing/2010/main" xmlns="">
                 <a:solidFill>
                   <a:schemeClr val="accent1"/>
                 </a:solidFill>
               </a14:hiddenFill>
             </a:ext>
             <a:ext uri="{91240B29-F687-4F45-9708-019B960494DF}">
-              <a14:hiddenLine xmlns:a14="http://schemas.microsoft.com/office/drawing/2010/main" w="9525">
+              <a14:hiddenLine xmlns:a14="http://schemas.microsoft.com/office/drawing/2010/main" xmlns="" w="9525">
                 <a:solidFill>
                   <a:schemeClr val="tx1"/>
                 </a:solidFill>
@@ -10044,7 +10695,7 @@
               </a14:hiddenLine>
             </a:ext>
             <a:ext uri="{AF507438-7753-43E0-B8FC-AC1667EBCBE1}">
-              <a14:hiddenEffects xmlns:a14="http://schemas.microsoft.com/office/drawing/2010/main">
+              <a14:hiddenEffects xmlns:a14="http://schemas.microsoft.com/office/drawing/2010/main" xmlns="">
                 <a:effectLst>
                   <a:outerShdw dist="35921" dir="2700000" algn="ctr" rotWithShape="0">
                     <a:schemeClr val="bg2"/>
@@ -10064,10 +10715,10 @@
           <p:nvPr/>
         </p:nvPicPr>
         <p:blipFill>
-          <a:blip r:embed="rId4">
+          <a:blip r:embed="rId4" cstate="print">
             <a:extLst>
               <a:ext uri="{28A0092B-C50C-407E-A947-70E740481C1C}">
-                <a14:useLocalDpi xmlns:a14="http://schemas.microsoft.com/office/drawing/2010/main" val="0"/>
+                <a14:useLocalDpi xmlns:a14="http://schemas.microsoft.com/office/drawing/2010/main" xmlns="" val="0"/>
               </a:ext>
             </a:extLst>
           </a:blip>
@@ -10091,14 +10742,14 @@
           <a:effectLst/>
           <a:extLst>
             <a:ext uri="{909E8E84-426E-40DD-AFC4-6F175D3DCCD1}">
-              <a14:hiddenFill xmlns:a14="http://schemas.microsoft.com/office/drawing/2010/main">
+              <a14:hiddenFill xmlns:a14="http://schemas.microsoft.com/office/drawing/2010/main" xmlns="">
                 <a:solidFill>
                   <a:schemeClr val="accent1"/>
                 </a:solidFill>
               </a14:hiddenFill>
             </a:ext>
             <a:ext uri="{91240B29-F687-4F45-9708-019B960494DF}">
-              <a14:hiddenLine xmlns:a14="http://schemas.microsoft.com/office/drawing/2010/main" w="9525">
+              <a14:hiddenLine xmlns:a14="http://schemas.microsoft.com/office/drawing/2010/main" xmlns="" w="9525">
                 <a:solidFill>
                   <a:schemeClr val="tx1"/>
                 </a:solidFill>
@@ -10108,7 +10759,7 @@
               </a14:hiddenLine>
             </a:ext>
             <a:ext uri="{AF507438-7753-43E0-B8FC-AC1667EBCBE1}">
-              <a14:hiddenEffects xmlns:a14="http://schemas.microsoft.com/office/drawing/2010/main">
+              <a14:hiddenEffects xmlns:a14="http://schemas.microsoft.com/office/drawing/2010/main" xmlns="">
                 <a:effectLst>
                   <a:outerShdw dist="35921" dir="2700000" algn="ctr" rotWithShape="0">
                     <a:schemeClr val="bg2"/>
@@ -10122,7 +10773,7 @@
     </p:spTree>
     <p:extLst>
       <p:ext uri="{BB962C8B-B14F-4D97-AF65-F5344CB8AC3E}">
-        <p14:creationId xmlns:p14="http://schemas.microsoft.com/office/powerpoint/2010/main" val="4060812770"/>
+        <p14:creationId xmlns:p14="http://schemas.microsoft.com/office/powerpoint/2010/main" xmlns="" val="4060812770"/>
       </p:ext>
     </p:extLst>
   </p:cSld>

--- a/_Presentation/apresentacao.pptx
+++ b/_Presentation/apresentacao.pptx
@@ -6,41 +6,57 @@
   </p:sldMasterIdLst>
   <p:sldIdLst>
     <p:sldId id="256" r:id="rId2"/>
-    <p:sldId id="258" r:id="rId3"/>
-    <p:sldId id="259" r:id="rId4"/>
-    <p:sldId id="260" r:id="rId5"/>
-    <p:sldId id="261" r:id="rId6"/>
-    <p:sldId id="262" r:id="rId7"/>
-    <p:sldId id="263" r:id="rId8"/>
-    <p:sldId id="264" r:id="rId9"/>
-    <p:sldId id="265" r:id="rId10"/>
-    <p:sldId id="266" r:id="rId11"/>
-    <p:sldId id="257" r:id="rId12"/>
-    <p:sldId id="267" r:id="rId13"/>
-    <p:sldId id="268" r:id="rId14"/>
-    <p:sldId id="269" r:id="rId15"/>
-    <p:sldId id="279" r:id="rId16"/>
-    <p:sldId id="270" r:id="rId17"/>
-    <p:sldId id="271" r:id="rId18"/>
-    <p:sldId id="272" r:id="rId19"/>
-    <p:sldId id="273" r:id="rId20"/>
-    <p:sldId id="274" r:id="rId21"/>
-    <p:sldId id="275" r:id="rId22"/>
-    <p:sldId id="276" r:id="rId23"/>
-    <p:sldId id="277" r:id="rId24"/>
-    <p:sldId id="278" r:id="rId25"/>
-    <p:sldId id="280" r:id="rId26"/>
-    <p:sldId id="281" r:id="rId27"/>
-    <p:sldId id="282" r:id="rId28"/>
-    <p:sldId id="283" r:id="rId29"/>
-    <p:sldId id="284" r:id="rId30"/>
-    <p:sldId id="285" r:id="rId31"/>
-    <p:sldId id="286" r:id="rId32"/>
-    <p:sldId id="287" r:id="rId33"/>
-    <p:sldId id="288" r:id="rId34"/>
-    <p:sldId id="289" r:id="rId35"/>
-    <p:sldId id="290" r:id="rId36"/>
-    <p:sldId id="291" r:id="rId37"/>
+    <p:sldId id="306" r:id="rId3"/>
+    <p:sldId id="258" r:id="rId4"/>
+    <p:sldId id="259" r:id="rId5"/>
+    <p:sldId id="260" r:id="rId6"/>
+    <p:sldId id="261" r:id="rId7"/>
+    <p:sldId id="262" r:id="rId8"/>
+    <p:sldId id="263" r:id="rId9"/>
+    <p:sldId id="264" r:id="rId10"/>
+    <p:sldId id="265" r:id="rId11"/>
+    <p:sldId id="266" r:id="rId12"/>
+    <p:sldId id="257" r:id="rId13"/>
+    <p:sldId id="267" r:id="rId14"/>
+    <p:sldId id="268" r:id="rId15"/>
+    <p:sldId id="269" r:id="rId16"/>
+    <p:sldId id="279" r:id="rId17"/>
+    <p:sldId id="270" r:id="rId18"/>
+    <p:sldId id="271" r:id="rId19"/>
+    <p:sldId id="272" r:id="rId20"/>
+    <p:sldId id="273" r:id="rId21"/>
+    <p:sldId id="274" r:id="rId22"/>
+    <p:sldId id="275" r:id="rId23"/>
+    <p:sldId id="276" r:id="rId24"/>
+    <p:sldId id="277" r:id="rId25"/>
+    <p:sldId id="278" r:id="rId26"/>
+    <p:sldId id="280" r:id="rId27"/>
+    <p:sldId id="281" r:id="rId28"/>
+    <p:sldId id="282" r:id="rId29"/>
+    <p:sldId id="283" r:id="rId30"/>
+    <p:sldId id="284" r:id="rId31"/>
+    <p:sldId id="285" r:id="rId32"/>
+    <p:sldId id="286" r:id="rId33"/>
+    <p:sldId id="287" r:id="rId34"/>
+    <p:sldId id="288" r:id="rId35"/>
+    <p:sldId id="289" r:id="rId36"/>
+    <p:sldId id="292" r:id="rId37"/>
+    <p:sldId id="293" r:id="rId38"/>
+    <p:sldId id="294" r:id="rId39"/>
+    <p:sldId id="295" r:id="rId40"/>
+    <p:sldId id="296" r:id="rId41"/>
+    <p:sldId id="297" r:id="rId42"/>
+    <p:sldId id="298" r:id="rId43"/>
+    <p:sldId id="299" r:id="rId44"/>
+    <p:sldId id="300" r:id="rId45"/>
+    <p:sldId id="304" r:id="rId46"/>
+    <p:sldId id="301" r:id="rId47"/>
+    <p:sldId id="302" r:id="rId48"/>
+    <p:sldId id="303" r:id="rId49"/>
+    <p:sldId id="307" r:id="rId50"/>
+    <p:sldId id="290" r:id="rId51"/>
+    <p:sldId id="291" r:id="rId52"/>
+    <p:sldId id="305" r:id="rId53"/>
   </p:sldIdLst>
   <p:sldSz cx="9144000" cy="6858000" type="screen4x3"/>
   <p:notesSz cx="6858000" cy="9144000"/>
@@ -376,7 +392,7 @@
     </p:spTree>
     <p:extLst>
       <p:ext uri="{BB962C8B-B14F-4D97-AF65-F5344CB8AC3E}">
-        <p14:creationId xmlns:p14="http://schemas.microsoft.com/office/powerpoint/2010/main" xmlns="" val="1871700233"/>
+        <p14:creationId xmlns="" xmlns:p14="http://schemas.microsoft.com/office/powerpoint/2010/main" val="1871700233"/>
       </p:ext>
     </p:extLst>
   </p:cSld>
@@ -548,7 +564,7 @@
     </p:spTree>
     <p:extLst>
       <p:ext uri="{BB962C8B-B14F-4D97-AF65-F5344CB8AC3E}">
-        <p14:creationId xmlns:p14="http://schemas.microsoft.com/office/powerpoint/2010/main" xmlns="" val="3922913854"/>
+        <p14:creationId xmlns="" xmlns:p14="http://schemas.microsoft.com/office/powerpoint/2010/main" val="3922913854"/>
       </p:ext>
     </p:extLst>
   </p:cSld>
@@ -730,7 +746,7 @@
     </p:spTree>
     <p:extLst>
       <p:ext uri="{BB962C8B-B14F-4D97-AF65-F5344CB8AC3E}">
-        <p14:creationId xmlns:p14="http://schemas.microsoft.com/office/powerpoint/2010/main" xmlns="" val="2432475685"/>
+        <p14:creationId xmlns="" xmlns:p14="http://schemas.microsoft.com/office/powerpoint/2010/main" val="2432475685"/>
       </p:ext>
     </p:extLst>
   </p:cSld>
@@ -902,7 +918,7 @@
     </p:spTree>
     <p:extLst>
       <p:ext uri="{BB962C8B-B14F-4D97-AF65-F5344CB8AC3E}">
-        <p14:creationId xmlns:p14="http://schemas.microsoft.com/office/powerpoint/2010/main" xmlns="" val="2071654542"/>
+        <p14:creationId xmlns="" xmlns:p14="http://schemas.microsoft.com/office/powerpoint/2010/main" val="2071654542"/>
       </p:ext>
     </p:extLst>
   </p:cSld>
@@ -1150,7 +1166,7 @@
     </p:spTree>
     <p:extLst>
       <p:ext uri="{BB962C8B-B14F-4D97-AF65-F5344CB8AC3E}">
-        <p14:creationId xmlns:p14="http://schemas.microsoft.com/office/powerpoint/2010/main" xmlns="" val="236866593"/>
+        <p14:creationId xmlns="" xmlns:p14="http://schemas.microsoft.com/office/powerpoint/2010/main" val="236866593"/>
       </p:ext>
     </p:extLst>
   </p:cSld>
@@ -1440,7 +1456,7 @@
     </p:spTree>
     <p:extLst>
       <p:ext uri="{BB962C8B-B14F-4D97-AF65-F5344CB8AC3E}">
-        <p14:creationId xmlns:p14="http://schemas.microsoft.com/office/powerpoint/2010/main" xmlns="" val="220780165"/>
+        <p14:creationId xmlns="" xmlns:p14="http://schemas.microsoft.com/office/powerpoint/2010/main" val="220780165"/>
       </p:ext>
     </p:extLst>
   </p:cSld>
@@ -1864,7 +1880,7 @@
     </p:spTree>
     <p:extLst>
       <p:ext uri="{BB962C8B-B14F-4D97-AF65-F5344CB8AC3E}">
-        <p14:creationId xmlns:p14="http://schemas.microsoft.com/office/powerpoint/2010/main" xmlns="" val="3569403052"/>
+        <p14:creationId xmlns="" xmlns:p14="http://schemas.microsoft.com/office/powerpoint/2010/main" val="3569403052"/>
       </p:ext>
     </p:extLst>
   </p:cSld>
@@ -1984,7 +2000,7 @@
     </p:spTree>
     <p:extLst>
       <p:ext uri="{BB962C8B-B14F-4D97-AF65-F5344CB8AC3E}">
-        <p14:creationId xmlns:p14="http://schemas.microsoft.com/office/powerpoint/2010/main" xmlns="" val="2359431751"/>
+        <p14:creationId xmlns="" xmlns:p14="http://schemas.microsoft.com/office/powerpoint/2010/main" val="2359431751"/>
       </p:ext>
     </p:extLst>
   </p:cSld>
@@ -2081,7 +2097,7 @@
     </p:spTree>
     <p:extLst>
       <p:ext uri="{BB962C8B-B14F-4D97-AF65-F5344CB8AC3E}">
-        <p14:creationId xmlns:p14="http://schemas.microsoft.com/office/powerpoint/2010/main" xmlns="" val="487197514"/>
+        <p14:creationId xmlns="" xmlns:p14="http://schemas.microsoft.com/office/powerpoint/2010/main" val="487197514"/>
       </p:ext>
     </p:extLst>
   </p:cSld>
@@ -2360,7 +2376,7 @@
     </p:spTree>
     <p:extLst>
       <p:ext uri="{BB962C8B-B14F-4D97-AF65-F5344CB8AC3E}">
-        <p14:creationId xmlns:p14="http://schemas.microsoft.com/office/powerpoint/2010/main" xmlns="" val="3436097000"/>
+        <p14:creationId xmlns="" xmlns:p14="http://schemas.microsoft.com/office/powerpoint/2010/main" val="3436097000"/>
       </p:ext>
     </p:extLst>
   </p:cSld>
@@ -2615,7 +2631,7 @@
     </p:spTree>
     <p:extLst>
       <p:ext uri="{BB962C8B-B14F-4D97-AF65-F5344CB8AC3E}">
-        <p14:creationId xmlns:p14="http://schemas.microsoft.com/office/powerpoint/2010/main" xmlns="" val="524006705"/>
+        <p14:creationId xmlns="" xmlns:p14="http://schemas.microsoft.com/office/powerpoint/2010/main" val="524006705"/>
       </p:ext>
     </p:extLst>
   </p:cSld>
@@ -2866,7 +2882,7 @@
     </p:spTree>
     <p:extLst>
       <p:ext uri="{BB962C8B-B14F-4D97-AF65-F5344CB8AC3E}">
-        <p14:creationId xmlns:p14="http://schemas.microsoft.com/office/powerpoint/2010/main" xmlns="" val="1043027552"/>
+        <p14:creationId xmlns="" xmlns:p14="http://schemas.microsoft.com/office/powerpoint/2010/main" val="1043027552"/>
       </p:ext>
     </p:extLst>
   </p:cSld>
@@ -3166,7 +3182,7 @@
           <a:blip r:embed="rId2" cstate="print">
             <a:extLst>
               <a:ext uri="{28A0092B-C50C-407E-A947-70E740481C1C}">
-                <a14:useLocalDpi xmlns:a14="http://schemas.microsoft.com/office/drawing/2010/main" xmlns="" val="0"/>
+                <a14:useLocalDpi xmlns="" xmlns:a14="http://schemas.microsoft.com/office/drawing/2010/main" val="0"/>
               </a:ext>
             </a:extLst>
           </a:blip>
@@ -3286,7 +3302,7 @@
           <a:blip r:embed="rId3" cstate="print">
             <a:extLst>
               <a:ext uri="{28A0092B-C50C-407E-A947-70E740481C1C}">
-                <a14:useLocalDpi xmlns:a14="http://schemas.microsoft.com/office/drawing/2010/main" xmlns="" val="0"/>
+                <a14:useLocalDpi xmlns="" xmlns:a14="http://schemas.microsoft.com/office/drawing/2010/main" val="0"/>
               </a:ext>
             </a:extLst>
           </a:blip>
@@ -3307,7 +3323,7 @@
     </p:spTree>
     <p:extLst>
       <p:ext uri="{BB962C8B-B14F-4D97-AF65-F5344CB8AC3E}">
-        <p14:creationId xmlns:p14="http://schemas.microsoft.com/office/powerpoint/2010/main" xmlns="" val="1124906220"/>
+        <p14:creationId xmlns="" xmlns:p14="http://schemas.microsoft.com/office/powerpoint/2010/main" val="1124906220"/>
       </p:ext>
     </p:extLst>
   </p:cSld>
@@ -3353,7 +3369,7 @@
           <a:blip r:embed="rId2" cstate="print">
             <a:extLst>
               <a:ext uri="{28A0092B-C50C-407E-A947-70E740481C1C}">
-                <a14:useLocalDpi xmlns:a14="http://schemas.microsoft.com/office/drawing/2010/main" xmlns="" val="0"/>
+                <a14:useLocalDpi xmlns="" xmlns:a14="http://schemas.microsoft.com/office/drawing/2010/main" val="0"/>
               </a:ext>
             </a:extLst>
           </a:blip>
@@ -3387,18 +3403,24 @@
           <a:lstStyle/>
           <a:p>
             <a:r>
-              <a:rPr lang="pt-PT" dirty="0">
+              <a:rPr lang="pt-PT" dirty="0" smtClean="0">
                 <a:solidFill>
                   <a:srgbClr val="AEC908"/>
                 </a:solidFill>
               </a:rPr>
-              <a:t>Padronização</a:t>
-            </a:r>
-            <a:endParaRPr lang="pt-BR" dirty="0">
-              <a:solidFill>
-                <a:srgbClr val="AEC908"/>
-              </a:solidFill>
-            </a:endParaRPr>
+              <a:t>Simples</a:t>
+            </a:r>
+            <a:r>
+              <a:rPr lang="pt-PT" dirty="0" smtClean="0">
+                <a:solidFill>
+                  <a:schemeClr val="bg1">
+                    <a:lumMod val="85000"/>
+                  </a:schemeClr>
+                </a:solidFill>
+              </a:rPr>
+              <a:t>, direto e robusto</a:t>
+            </a:r>
+            <a:endParaRPr lang="pt-BR" dirty="0"/>
           </a:p>
         </p:txBody>
       </p:sp>
@@ -3425,35 +3447,11 @@
                   </a:schemeClr>
                 </a:solidFill>
               </a:rPr>
-              <a:t>Retrô-compatibilidade</a:t>
-            </a:r>
-          </a:p>
-          <a:p>
-            <a:r>
-              <a:rPr lang="pt-PT" dirty="0" smtClean="0">
-                <a:solidFill>
-                  <a:schemeClr val="bg1">
-                    <a:lumMod val="85000"/>
-                  </a:schemeClr>
-                </a:solidFill>
-              </a:rPr>
-              <a:t>Mais forte contra erros de codificação</a:t>
-            </a:r>
-          </a:p>
-          <a:p>
-            <a:r>
-              <a:rPr lang="pt-PT" dirty="0" smtClean="0">
-                <a:solidFill>
-                  <a:schemeClr val="bg1">
-                    <a:lumMod val="85000"/>
-                  </a:schemeClr>
-                </a:solidFill>
-              </a:rPr>
-              <a:t>Tags bem definidas</a:t>
-            </a:r>
-          </a:p>
-          <a:p>
-            <a:endParaRPr lang="pt-BR" dirty="0">
+              <a:t>Antes:</a:t>
+            </a:r>
+          </a:p>
+          <a:p>
+            <a:endParaRPr lang="pt-PT" dirty="0">
               <a:solidFill>
                 <a:schemeClr val="bg1">
                   <a:lumMod val="85000"/>
@@ -3461,12 +3459,168 @@
               </a:solidFill>
             </a:endParaRPr>
           </a:p>
-        </p:txBody>
-      </p:sp>
+          <a:p>
+            <a:endParaRPr lang="pt-PT" dirty="0" smtClean="0">
+              <a:solidFill>
+                <a:schemeClr val="bg1">
+                  <a:lumMod val="85000"/>
+                </a:schemeClr>
+              </a:solidFill>
+            </a:endParaRPr>
+          </a:p>
+          <a:p>
+            <a:r>
+              <a:rPr lang="pt-PT" dirty="0">
+                <a:solidFill>
+                  <a:srgbClr val="AEC908"/>
+                </a:solidFill>
+                <a:ea typeface="+mj-ea"/>
+                <a:cs typeface="+mj-cs"/>
+              </a:rPr>
+              <a:t>Depois:</a:t>
+            </a:r>
+            <a:endParaRPr lang="pt-BR" dirty="0">
+              <a:solidFill>
+                <a:srgbClr val="AEC908"/>
+              </a:solidFill>
+              <a:ea typeface="+mj-ea"/>
+              <a:cs typeface="+mj-cs"/>
+            </a:endParaRPr>
+          </a:p>
+        </p:txBody>
+      </p:sp>
+      <p:pic>
+        <p:nvPicPr>
+          <p:cNvPr id="4098" name="Picture 2"/>
+          <p:cNvPicPr>
+            <a:picLocks noChangeAspect="1" noChangeArrowheads="1"/>
+          </p:cNvPicPr>
+          <p:nvPr/>
+        </p:nvPicPr>
+        <p:blipFill>
+          <a:blip r:embed="rId3" cstate="print">
+            <a:extLst>
+              <a:ext uri="{28A0092B-C50C-407E-A947-70E740481C1C}">
+                <a14:useLocalDpi xmlns="" xmlns:a14="http://schemas.microsoft.com/office/drawing/2010/main" val="0"/>
+              </a:ext>
+            </a:extLst>
+          </a:blip>
+          <a:srcRect/>
+          <a:stretch>
+            <a:fillRect/>
+          </a:stretch>
+        </p:blipFill>
+        <p:spPr bwMode="auto">
+          <a:xfrm>
+            <a:off x="899592" y="2420888"/>
+            <a:ext cx="7175754" cy="288032"/>
+          </a:xfrm>
+          <a:prstGeom prst="rect">
+            <a:avLst/>
+          </a:prstGeom>
+          <a:noFill/>
+          <a:ln>
+            <a:noFill/>
+          </a:ln>
+          <a:effectLst/>
+          <a:extLst>
+            <a:ext uri="{909E8E84-426E-40DD-AFC4-6F175D3DCCD1}">
+              <a14:hiddenFill xmlns="" xmlns:a14="http://schemas.microsoft.com/office/drawing/2010/main">
+                <a:solidFill>
+                  <a:schemeClr val="accent1"/>
+                </a:solidFill>
+              </a14:hiddenFill>
+            </a:ext>
+            <a:ext uri="{91240B29-F687-4F45-9708-019B960494DF}">
+              <a14:hiddenLine xmlns="" xmlns:a14="http://schemas.microsoft.com/office/drawing/2010/main" w="9525">
+                <a:solidFill>
+                  <a:schemeClr val="tx1"/>
+                </a:solidFill>
+                <a:miter lim="800000"/>
+                <a:headEnd/>
+                <a:tailEnd/>
+              </a14:hiddenLine>
+            </a:ext>
+            <a:ext uri="{AF507438-7753-43E0-B8FC-AC1667EBCBE1}">
+              <a14:hiddenEffects xmlns="" xmlns:a14="http://schemas.microsoft.com/office/drawing/2010/main">
+                <a:effectLst>
+                  <a:outerShdw dist="35921" dir="2700000" algn="ctr" rotWithShape="0">
+                    <a:schemeClr val="bg2"/>
+                  </a:outerShdw>
+                </a:effectLst>
+              </a14:hiddenEffects>
+            </a:ext>
+          </a:extLst>
+        </p:spPr>
+      </p:pic>
+      <p:pic>
+        <p:nvPicPr>
+          <p:cNvPr id="4099" name="Picture 3"/>
+          <p:cNvPicPr>
+            <a:picLocks noChangeAspect="1" noChangeArrowheads="1"/>
+          </p:cNvPicPr>
+          <p:nvPr/>
+        </p:nvPicPr>
+        <p:blipFill>
+          <a:blip r:embed="rId4" cstate="print">
+            <a:extLst>
+              <a:ext uri="{28A0092B-C50C-407E-A947-70E740481C1C}">
+                <a14:useLocalDpi xmlns="" xmlns:a14="http://schemas.microsoft.com/office/drawing/2010/main" val="0"/>
+              </a:ext>
+            </a:extLst>
+          </a:blip>
+          <a:srcRect/>
+          <a:stretch>
+            <a:fillRect/>
+          </a:stretch>
+        </p:blipFill>
+        <p:spPr bwMode="auto">
+          <a:xfrm>
+            <a:off x="899592" y="4365104"/>
+            <a:ext cx="2808312" cy="345638"/>
+          </a:xfrm>
+          <a:prstGeom prst="rect">
+            <a:avLst/>
+          </a:prstGeom>
+          <a:noFill/>
+          <a:ln>
+            <a:noFill/>
+          </a:ln>
+          <a:effectLst/>
+          <a:extLst>
+            <a:ext uri="{909E8E84-426E-40DD-AFC4-6F175D3DCCD1}">
+              <a14:hiddenFill xmlns="" xmlns:a14="http://schemas.microsoft.com/office/drawing/2010/main">
+                <a:solidFill>
+                  <a:schemeClr val="accent1"/>
+                </a:solidFill>
+              </a14:hiddenFill>
+            </a:ext>
+            <a:ext uri="{91240B29-F687-4F45-9708-019B960494DF}">
+              <a14:hiddenLine xmlns="" xmlns:a14="http://schemas.microsoft.com/office/drawing/2010/main" w="9525">
+                <a:solidFill>
+                  <a:schemeClr val="tx1"/>
+                </a:solidFill>
+                <a:miter lim="800000"/>
+                <a:headEnd/>
+                <a:tailEnd/>
+              </a14:hiddenLine>
+            </a:ext>
+            <a:ext uri="{AF507438-7753-43E0-B8FC-AC1667EBCBE1}">
+              <a14:hiddenEffects xmlns="" xmlns:a14="http://schemas.microsoft.com/office/drawing/2010/main">
+                <a:effectLst>
+                  <a:outerShdw dist="35921" dir="2700000" algn="ctr" rotWithShape="0">
+                    <a:schemeClr val="bg2"/>
+                  </a:outerShdw>
+                </a:effectLst>
+              </a14:hiddenEffects>
+            </a:ext>
+          </a:extLst>
+        </p:spPr>
+      </p:pic>
     </p:spTree>
     <p:extLst>
       <p:ext uri="{BB962C8B-B14F-4D97-AF65-F5344CB8AC3E}">
-        <p14:creationId xmlns:p14="http://schemas.microsoft.com/office/powerpoint/2010/main" xmlns="" val="4060812770"/>
+        <p14:creationId xmlns="" xmlns:p14="http://schemas.microsoft.com/office/powerpoint/2010/main" val="4060812770"/>
       </p:ext>
     </p:extLst>
   </p:cSld>
@@ -3512,7 +3666,7 @@
           <a:blip r:embed="rId2" cstate="print">
             <a:extLst>
               <a:ext uri="{28A0092B-C50C-407E-A947-70E740481C1C}">
-                <a14:useLocalDpi xmlns:a14="http://schemas.microsoft.com/office/drawing/2010/main" xmlns="" val="0"/>
+                <a14:useLocalDpi xmlns="" xmlns:a14="http://schemas.microsoft.com/office/drawing/2010/main" val="0"/>
               </a:ext>
             </a:extLst>
           </a:blip>
@@ -3542,9 +3696,7 @@
         </p:nvSpPr>
         <p:spPr/>
         <p:txBody>
-          <a:bodyPr>
-            <a:normAutofit fontScale="90000"/>
-          </a:bodyPr>
+          <a:bodyPr/>
           <a:lstStyle/>
           <a:p>
             <a:r>
@@ -3553,25 +3705,7 @@
                   <a:srgbClr val="AEC908"/>
                 </a:solidFill>
               </a:rPr>
-              <a:t>5</a:t>
-            </a:r>
-            <a:r>
-              <a:rPr lang="pt-PT" dirty="0" smtClean="0">
-                <a:solidFill>
-                  <a:schemeClr val="bg1">
-                    <a:lumMod val="85000"/>
-                  </a:schemeClr>
-                </a:solidFill>
-              </a:rPr>
-              <a:t> Passos para tornar o seu HTML - </a:t>
-            </a:r>
-            <a:r>
-              <a:rPr lang="pt-PT" dirty="0">
-                <a:solidFill>
-                  <a:srgbClr val="AEC908"/>
-                </a:solidFill>
-              </a:rPr>
-              <a:t>5</a:t>
+              <a:t>Padronização</a:t>
             </a:r>
             <a:endParaRPr lang="pt-BR" dirty="0">
               <a:solidFill>
@@ -3596,84 +3730,42 @@
           <a:bodyPr/>
           <a:lstStyle/>
           <a:p>
-            <a:pPr marL="514350" indent="-514350">
-              <a:buFont typeface="+mj-lt"/>
-              <a:buAutoNum type="arabicPeriod"/>
-            </a:pPr>
-            <a:r>
-              <a:rPr lang="pt-PT" dirty="0" smtClean="0">
-                <a:solidFill>
-                  <a:schemeClr val="bg1">
-                    <a:lumMod val="85000"/>
-                  </a:schemeClr>
-                </a:solidFill>
-              </a:rPr>
-              <a:t>SEO</a:t>
-            </a:r>
-          </a:p>
-          <a:p>
-            <a:pPr marL="514350" indent="-514350">
-              <a:buFont typeface="+mj-lt"/>
-              <a:buAutoNum type="arabicPeriod"/>
-            </a:pPr>
-            <a:r>
-              <a:rPr lang="pt-PT" dirty="0" smtClean="0">
-                <a:solidFill>
-                  <a:schemeClr val="bg1">
-                    <a:lumMod val="85000"/>
-                  </a:schemeClr>
-                </a:solidFill>
-              </a:rPr>
-              <a:t>Microdata é semântica</a:t>
-            </a:r>
-          </a:p>
-          <a:p>
-            <a:pPr marL="514350" indent="-514350">
-              <a:buFont typeface="+mj-lt"/>
-              <a:buAutoNum type="arabicPeriod"/>
-            </a:pPr>
-            <a:r>
-              <a:rPr lang="pt-PT" dirty="0" smtClean="0">
-                <a:solidFill>
-                  <a:schemeClr val="bg1">
-                    <a:lumMod val="85000"/>
-                  </a:schemeClr>
-                </a:solidFill>
-              </a:rPr>
-              <a:t>Content Sharing</a:t>
-            </a:r>
-          </a:p>
-          <a:p>
-            <a:pPr marL="514350" indent="-514350">
-              <a:buFont typeface="+mj-lt"/>
-              <a:buAutoNum type="arabicPeriod"/>
-            </a:pPr>
-            <a:r>
-              <a:rPr lang="pt-PT" dirty="0" smtClean="0">
-                <a:solidFill>
-                  <a:schemeClr val="bg1">
-                    <a:lumMod val="85000"/>
-                  </a:schemeClr>
-                </a:solidFill>
-              </a:rPr>
-              <a:t>Arquitetura de informação</a:t>
-            </a:r>
-          </a:p>
-          <a:p>
-            <a:pPr marL="514350" indent="-514350">
-              <a:buFont typeface="+mj-lt"/>
-              <a:buAutoNum type="arabicPeriod"/>
-            </a:pPr>
-            <a:r>
-              <a:rPr lang="pt-PT" dirty="0" smtClean="0">
-                <a:solidFill>
-                  <a:schemeClr val="bg1">
-                    <a:lumMod val="85000"/>
-                  </a:schemeClr>
-                </a:solidFill>
-              </a:rPr>
-              <a:t>Responsividade</a:t>
-            </a:r>
+            <a:r>
+              <a:rPr lang="pt-PT" dirty="0" smtClean="0">
+                <a:solidFill>
+                  <a:schemeClr val="bg1">
+                    <a:lumMod val="85000"/>
+                  </a:schemeClr>
+                </a:solidFill>
+              </a:rPr>
+              <a:t>Retrô-compatibilidade</a:t>
+            </a:r>
+          </a:p>
+          <a:p>
+            <a:r>
+              <a:rPr lang="pt-PT" dirty="0" smtClean="0">
+                <a:solidFill>
+                  <a:schemeClr val="bg1">
+                    <a:lumMod val="85000"/>
+                  </a:schemeClr>
+                </a:solidFill>
+              </a:rPr>
+              <a:t>Mais forte contra erros de codificação</a:t>
+            </a:r>
+          </a:p>
+          <a:p>
+            <a:r>
+              <a:rPr lang="pt-PT" dirty="0" smtClean="0">
+                <a:solidFill>
+                  <a:schemeClr val="bg1">
+                    <a:lumMod val="85000"/>
+                  </a:schemeClr>
+                </a:solidFill>
+              </a:rPr>
+              <a:t>Tags bem definidas</a:t>
+            </a:r>
+          </a:p>
+          <a:p>
             <a:endParaRPr lang="pt-BR" dirty="0">
               <a:solidFill>
                 <a:schemeClr val="bg1">
@@ -3687,7 +3779,7 @@
     </p:spTree>
     <p:extLst>
       <p:ext uri="{BB962C8B-B14F-4D97-AF65-F5344CB8AC3E}">
-        <p14:creationId xmlns:p14="http://schemas.microsoft.com/office/powerpoint/2010/main" xmlns="" val="1236626834"/>
+        <p14:creationId xmlns="" xmlns:p14="http://schemas.microsoft.com/office/powerpoint/2010/main" val="4060812770"/>
       </p:ext>
     </p:extLst>
   </p:cSld>
@@ -3733,7 +3825,7 @@
           <a:blip r:embed="rId2" cstate="print">
             <a:extLst>
               <a:ext uri="{28A0092B-C50C-407E-A947-70E740481C1C}">
-                <a14:useLocalDpi xmlns:a14="http://schemas.microsoft.com/office/drawing/2010/main" xmlns="" val="0"/>
+                <a14:useLocalDpi xmlns="" xmlns:a14="http://schemas.microsoft.com/office/drawing/2010/main" val="0"/>
               </a:ext>
             </a:extLst>
           </a:blip>
@@ -3769,58 +3861,30 @@
           <a:lstStyle/>
           <a:p>
             <a:r>
-              <a:rPr lang="pt-PT" dirty="0" smtClean="0">
-                <a:solidFill>
-                  <a:schemeClr val="bg1">
-                    <a:lumMod val="85000"/>
-                  </a:schemeClr>
-                </a:solidFill>
-              </a:rPr>
-              <a:t>1. SE</a:t>
-            </a:r>
-            <a:r>
-              <a:rPr lang="pt-PT" dirty="0" smtClean="0">
+              <a:rPr lang="pt-PT" dirty="0">
                 <a:solidFill>
                   <a:srgbClr val="AEC908"/>
                 </a:solidFill>
               </a:rPr>
-              <a:t>O </a:t>
-            </a:r>
-            <a:r>
-              <a:rPr lang="pt-PT" dirty="0" smtClean="0">
-                <a:solidFill>
-                  <a:schemeClr val="bg1">
-                    <a:lumMod val="85000"/>
-                  </a:schemeClr>
-                </a:solidFill>
-              </a:rPr>
-              <a:t>-</a:t>
-            </a:r>
-            <a:r>
-              <a:rPr lang="pt-PT" dirty="0" smtClean="0">
+              <a:t>5</a:t>
+            </a:r>
+            <a:r>
+              <a:rPr lang="pt-PT" dirty="0" smtClean="0">
+                <a:solidFill>
+                  <a:schemeClr val="bg1">
+                    <a:lumMod val="85000"/>
+                  </a:schemeClr>
+                </a:solidFill>
+              </a:rPr>
+              <a:t> Passos para tornar o seu HTML - </a:t>
+            </a:r>
+            <a:r>
+              <a:rPr lang="pt-PT" dirty="0">
                 <a:solidFill>
                   <a:srgbClr val="AEC908"/>
                 </a:solidFill>
               </a:rPr>
-              <a:t> </a:t>
-            </a:r>
-            <a:r>
-              <a:rPr lang="pt-PT" dirty="0" smtClean="0">
-                <a:solidFill>
-                  <a:schemeClr val="bg1">
-                    <a:lumMod val="85000"/>
-                  </a:schemeClr>
-                </a:solidFill>
-              </a:rPr>
-              <a:t>Search Engine </a:t>
-            </a:r>
-            <a:r>
-              <a:rPr lang="pt-PT" dirty="0">
-                <a:solidFill>
-                  <a:srgbClr val="AEC908"/>
-                </a:solidFill>
-              </a:rPr>
-              <a:t>Optimization</a:t>
+              <a:t>5</a:t>
             </a:r>
             <a:endParaRPr lang="pt-BR" dirty="0">
               <a:solidFill>
@@ -3845,93 +3909,138 @@
           <a:bodyPr/>
           <a:lstStyle/>
           <a:p>
-            <a:pPr marL="0" indent="0" algn="ctr">
-              <a:buNone/>
+            <a:pPr marL="514350" indent="-514350">
+              <a:buFont typeface="+mj-lt"/>
+              <a:buAutoNum type="arabicPeriod"/>
             </a:pPr>
-            <a:endParaRPr lang="pt-BR" dirty="0" smtClean="0">
+            <a:r>
+              <a:rPr lang="pt-PT" dirty="0" smtClean="0">
+                <a:solidFill>
+                  <a:schemeClr val="bg1">
+                    <a:lumMod val="85000"/>
+                  </a:schemeClr>
+                </a:solidFill>
+              </a:rPr>
+              <a:t>SE</a:t>
+            </a:r>
+            <a:r>
+              <a:rPr lang="pt-PT" dirty="0" smtClean="0">
+                <a:solidFill>
+                  <a:srgbClr val="AEC908"/>
+                </a:solidFill>
+                <a:ea typeface="+mj-ea"/>
+                <a:cs typeface="+mj-cs"/>
+              </a:rPr>
+              <a:t>O</a:t>
+            </a:r>
+          </a:p>
+          <a:p>
+            <a:pPr marL="514350" indent="-514350">
+              <a:buFont typeface="+mj-lt"/>
+              <a:buAutoNum type="arabicPeriod"/>
+            </a:pPr>
+            <a:r>
+              <a:rPr lang="pt-PT" dirty="0" smtClean="0">
+                <a:solidFill>
+                  <a:schemeClr val="bg1">
+                    <a:lumMod val="85000"/>
+                  </a:schemeClr>
+                </a:solidFill>
+              </a:rPr>
+              <a:t>Microdata é </a:t>
+            </a:r>
+            <a:r>
+              <a:rPr lang="pt-PT" dirty="0" smtClean="0">
+                <a:solidFill>
+                  <a:srgbClr val="AEC908"/>
+                </a:solidFill>
+                <a:ea typeface="+mj-ea"/>
+                <a:cs typeface="+mj-cs"/>
+              </a:rPr>
+              <a:t>semântica</a:t>
+            </a:r>
+          </a:p>
+          <a:p>
+            <a:pPr marL="514350" indent="-514350">
+              <a:buFont typeface="+mj-lt"/>
+              <a:buAutoNum type="arabicPeriod"/>
+            </a:pPr>
+            <a:r>
+              <a:rPr lang="pt-PT" dirty="0" smtClean="0">
+                <a:solidFill>
+                  <a:schemeClr val="bg1">
+                    <a:lumMod val="85000"/>
+                  </a:schemeClr>
+                </a:solidFill>
+              </a:rPr>
+              <a:t>Content </a:t>
+            </a:r>
+            <a:r>
+              <a:rPr lang="pt-PT" dirty="0" smtClean="0">
+                <a:solidFill>
+                  <a:srgbClr val="AEC908"/>
+                </a:solidFill>
+                <a:ea typeface="+mj-ea"/>
+                <a:cs typeface="+mj-cs"/>
+              </a:rPr>
+              <a:t>Sharing</a:t>
+            </a:r>
+          </a:p>
+          <a:p>
+            <a:pPr marL="514350" indent="-514350">
+              <a:buFont typeface="+mj-lt"/>
+              <a:buAutoNum type="arabicPeriod"/>
+            </a:pPr>
+            <a:r>
+              <a:rPr lang="pt-PT" dirty="0" smtClean="0">
+                <a:solidFill>
+                  <a:srgbClr val="AEC908"/>
+                </a:solidFill>
+                <a:ea typeface="+mj-ea"/>
+                <a:cs typeface="+mj-cs"/>
+              </a:rPr>
+              <a:t>Arquitetura</a:t>
+            </a:r>
+            <a:r>
+              <a:rPr lang="pt-PT" dirty="0" smtClean="0">
+                <a:solidFill>
+                  <a:schemeClr val="bg1">
+                    <a:lumMod val="85000"/>
+                  </a:schemeClr>
+                </a:solidFill>
+              </a:rPr>
+              <a:t> de informação</a:t>
+            </a:r>
+          </a:p>
+          <a:p>
+            <a:pPr marL="514350" indent="-514350">
+              <a:buFont typeface="+mj-lt"/>
+              <a:buAutoNum type="arabicPeriod"/>
+            </a:pPr>
+            <a:r>
+              <a:rPr lang="pt-PT" dirty="0" smtClean="0">
+                <a:solidFill>
+                  <a:srgbClr val="AEC908"/>
+                </a:solidFill>
+                <a:ea typeface="+mj-ea"/>
+                <a:cs typeface="+mj-cs"/>
+              </a:rPr>
+              <a:t>Responsividade</a:t>
+            </a:r>
+            <a:endParaRPr lang="pt-BR" dirty="0">
               <a:solidFill>
-                <a:schemeClr val="bg1">
-                  <a:lumMod val="85000"/>
-                </a:schemeClr>
+                <a:srgbClr val="AEC908"/>
               </a:solidFill>
+              <a:ea typeface="+mj-ea"/>
+              <a:cs typeface="+mj-cs"/>
             </a:endParaRPr>
-          </a:p>
-          <a:p>
-            <a:pPr marL="0" indent="0" algn="ctr">
-              <a:buNone/>
-            </a:pPr>
-            <a:r>
-              <a:rPr lang="pt-BR" dirty="0" smtClean="0">
-                <a:solidFill>
-                  <a:schemeClr val="bg1">
-                    <a:lumMod val="85000"/>
-                  </a:schemeClr>
-                </a:solidFill>
-              </a:rPr>
-              <a:t>O </a:t>
-            </a:r>
-            <a:r>
-              <a:rPr lang="pt-BR" dirty="0">
-                <a:solidFill>
-                  <a:schemeClr val="bg1">
-                    <a:lumMod val="85000"/>
-                  </a:schemeClr>
-                </a:solidFill>
-              </a:rPr>
-              <a:t>que o Google quer é</a:t>
-            </a:r>
-          </a:p>
-          <a:p>
-            <a:pPr marL="0" indent="0" algn="ctr">
-              <a:buNone/>
-            </a:pPr>
-            <a:r>
-              <a:rPr lang="pt-BR" dirty="0">
-                <a:solidFill>
-                  <a:schemeClr val="bg1">
-                    <a:lumMod val="85000"/>
-                  </a:schemeClr>
-                </a:solidFill>
-              </a:rPr>
-              <a:t>informação de qualidade,</a:t>
-            </a:r>
-          </a:p>
-          <a:p>
-            <a:pPr marL="0" indent="0" algn="ctr">
-              <a:buNone/>
-            </a:pPr>
-            <a:r>
-              <a:rPr lang="pt-BR" dirty="0">
-                <a:solidFill>
-                  <a:schemeClr val="bg1">
-                    <a:lumMod val="85000"/>
-                  </a:schemeClr>
-                </a:solidFill>
-              </a:rPr>
-              <a:t>bem estruturada, semântica</a:t>
-            </a:r>
-          </a:p>
-          <a:p>
-            <a:pPr marL="0" indent="0" algn="ctr">
-              <a:buNone/>
-            </a:pPr>
-            <a:r>
-              <a:rPr lang="pt-BR" dirty="0">
-                <a:solidFill>
-                  <a:schemeClr val="bg1">
-                    <a:lumMod val="85000"/>
-                  </a:schemeClr>
-                </a:solidFill>
-              </a:rPr>
-              <a:t>e relevante.</a:t>
-            </a:r>
           </a:p>
         </p:txBody>
       </p:sp>
     </p:spTree>
     <p:extLst>
       <p:ext uri="{BB962C8B-B14F-4D97-AF65-F5344CB8AC3E}">
-        <p14:creationId xmlns:p14="http://schemas.microsoft.com/office/powerpoint/2010/main" xmlns="" val="4060812770"/>
+        <p14:creationId xmlns="" xmlns:p14="http://schemas.microsoft.com/office/powerpoint/2010/main" val="1236626834"/>
       </p:ext>
     </p:extLst>
   </p:cSld>
@@ -3977,7 +4086,7 @@
           <a:blip r:embed="rId2" cstate="print">
             <a:extLst>
               <a:ext uri="{28A0092B-C50C-407E-A947-70E740481C1C}">
-                <a14:useLocalDpi xmlns:a14="http://schemas.microsoft.com/office/drawing/2010/main" xmlns="" val="0"/>
+                <a14:useLocalDpi xmlns="" xmlns:a14="http://schemas.microsoft.com/office/drawing/2010/main" val="0"/>
               </a:ext>
             </a:extLst>
           </a:blip>
@@ -4059,14 +4168,18 @@
               <a:t>Search Engine </a:t>
             </a:r>
             <a:r>
-              <a:rPr lang="pt-PT" dirty="0" smtClean="0">
+              <a:rPr lang="pt-PT" dirty="0">
                 <a:solidFill>
                   <a:srgbClr val="AEC908"/>
                 </a:solidFill>
               </a:rPr>
               <a:t>Optimization</a:t>
             </a:r>
-            <a:endParaRPr lang="pt-BR" dirty="0"/>
+            <a:endParaRPr lang="pt-BR" dirty="0">
+              <a:solidFill>
+                <a:srgbClr val="AEC908"/>
+              </a:solidFill>
+            </a:endParaRPr>
           </a:p>
         </p:txBody>
       </p:sp>
@@ -4085,33 +4198,10 @@
           <a:bodyPr/>
           <a:lstStyle/>
           <a:p>
-            <a:r>
-              <a:rPr lang="pt-BR" dirty="0" smtClean="0">
-                <a:solidFill>
-                  <a:schemeClr val="bg1">
-                    <a:lumMod val="85000"/>
-                  </a:schemeClr>
-                </a:solidFill>
-              </a:rPr>
-              <a:t>Ilusão sobre o que se pode fazer com SEO</a:t>
-            </a:r>
-          </a:p>
-          <a:p>
-            <a:pPr lvl="1"/>
-            <a:r>
-              <a:rPr lang="pt-BR" dirty="0" smtClean="0">
-                <a:solidFill>
-                  <a:schemeClr val="bg1">
-                    <a:lumMod val="85000"/>
-                  </a:schemeClr>
-                </a:solidFill>
-              </a:rPr>
-              <a:t>Trata-se de uma ciência subjetiva, mal compreendida e que não faz milagres!</a:t>
-            </a:r>
-          </a:p>
-          <a:p>
-            <a:pPr lvl="1"/>
-            <a:endParaRPr lang="pt-PT" dirty="0" smtClean="0">
+            <a:pPr marL="0" indent="0" algn="ctr">
+              <a:buNone/>
+            </a:pPr>
+            <a:endParaRPr lang="pt-BR" dirty="0" smtClean="0">
               <a:solidFill>
                 <a:schemeClr val="bg1">
                   <a:lumMod val="85000"/>
@@ -4120,43 +4210,81 @@
             </a:endParaRPr>
           </a:p>
           <a:p>
-            <a:r>
-              <a:rPr lang="pt-BR" dirty="0" smtClean="0">
-                <a:solidFill>
-                  <a:schemeClr val="bg1">
-                    <a:lumMod val="85000"/>
-                  </a:schemeClr>
-                </a:solidFill>
-              </a:rPr>
-              <a:t>A primeira regra de design para e-commerce:</a:t>
-            </a:r>
-          </a:p>
-          <a:p>
-            <a:pPr lvl="1"/>
-            <a:r>
-              <a:rPr lang="pt-BR" dirty="0" smtClean="0">
-                <a:solidFill>
-                  <a:schemeClr val="bg1">
-                    <a:lumMod val="85000"/>
-                  </a:schemeClr>
-                </a:solidFill>
-              </a:rPr>
-              <a:t>se o cliente não encontrar o produto, o cliente não pode comprar o produto.</a:t>
-            </a:r>
-            <a:endParaRPr lang="pt-PT" dirty="0">
-              <a:solidFill>
-                <a:schemeClr val="bg1">
-                  <a:lumMod val="85000"/>
-                </a:schemeClr>
-              </a:solidFill>
-            </a:endParaRPr>
+            <a:pPr marL="0" indent="0" algn="ctr">
+              <a:buNone/>
+            </a:pPr>
+            <a:r>
+              <a:rPr lang="pt-BR" dirty="0" smtClean="0">
+                <a:solidFill>
+                  <a:schemeClr val="bg1">
+                    <a:lumMod val="85000"/>
+                  </a:schemeClr>
+                </a:solidFill>
+              </a:rPr>
+              <a:t>O </a:t>
+            </a:r>
+            <a:r>
+              <a:rPr lang="pt-BR" dirty="0">
+                <a:solidFill>
+                  <a:schemeClr val="bg1">
+                    <a:lumMod val="85000"/>
+                  </a:schemeClr>
+                </a:solidFill>
+              </a:rPr>
+              <a:t>que o Google quer é</a:t>
+            </a:r>
+          </a:p>
+          <a:p>
+            <a:pPr marL="0" indent="0" algn="ctr">
+              <a:buNone/>
+            </a:pPr>
+            <a:r>
+              <a:rPr lang="pt-BR" dirty="0">
+                <a:solidFill>
+                  <a:schemeClr val="bg1">
+                    <a:lumMod val="85000"/>
+                  </a:schemeClr>
+                </a:solidFill>
+              </a:rPr>
+              <a:t>informação de qualidade,</a:t>
+            </a:r>
+          </a:p>
+          <a:p>
+            <a:pPr marL="0" indent="0" algn="ctr">
+              <a:buNone/>
+            </a:pPr>
+            <a:r>
+              <a:rPr lang="pt-BR" dirty="0">
+                <a:solidFill>
+                  <a:schemeClr val="bg1">
+                    <a:lumMod val="85000"/>
+                  </a:schemeClr>
+                </a:solidFill>
+              </a:rPr>
+              <a:t>bem estruturada, semântica</a:t>
+            </a:r>
+          </a:p>
+          <a:p>
+            <a:pPr marL="0" indent="0" algn="ctr">
+              <a:buNone/>
+            </a:pPr>
+            <a:r>
+              <a:rPr lang="pt-BR" dirty="0">
+                <a:solidFill>
+                  <a:schemeClr val="bg1">
+                    <a:lumMod val="85000"/>
+                  </a:schemeClr>
+                </a:solidFill>
+              </a:rPr>
+              <a:t>e relevante.</a:t>
+            </a:r>
           </a:p>
         </p:txBody>
       </p:sp>
     </p:spTree>
     <p:extLst>
       <p:ext uri="{BB962C8B-B14F-4D97-AF65-F5344CB8AC3E}">
-        <p14:creationId xmlns:p14="http://schemas.microsoft.com/office/powerpoint/2010/main" xmlns="" val="3308039092"/>
+        <p14:creationId xmlns="" xmlns:p14="http://schemas.microsoft.com/office/powerpoint/2010/main" val="4060812770"/>
       </p:ext>
     </p:extLst>
   </p:cSld>
@@ -4202,7 +4330,7 @@
           <a:blip r:embed="rId2" cstate="print">
             <a:extLst>
               <a:ext uri="{28A0092B-C50C-407E-A947-70E740481C1C}">
-                <a14:useLocalDpi xmlns:a14="http://schemas.microsoft.com/office/drawing/2010/main" xmlns="" val="0"/>
+                <a14:useLocalDpi xmlns="" xmlns:a14="http://schemas.microsoft.com/office/drawing/2010/main" val="0"/>
               </a:ext>
             </a:extLst>
           </a:blip>
@@ -4318,7 +4446,7 @@
                   </a:schemeClr>
                 </a:solidFill>
               </a:rPr>
-              <a:t>SEO = Marketing</a:t>
+              <a:t>Ilusão sobre o que se pode fazer com SEO</a:t>
             </a:r>
           </a:p>
           <a:p>
@@ -4331,9 +4459,12 @@
                   </a:schemeClr>
                 </a:solidFill>
               </a:rPr>
-              <a:t>Otimizar os sites para melhorar o posicionamento nas buscas, e assim poder vender mais.</a:t>
-            </a:r>
-            <a:endParaRPr lang="pt-BR" dirty="0">
+              <a:t>Trata-se de uma ciência subjetiva, mal compreendida e que não faz milagres!</a:t>
+            </a:r>
+          </a:p>
+          <a:p>
+            <a:pPr lvl="1"/>
+            <a:endParaRPr lang="pt-PT" dirty="0" smtClean="0">
               <a:solidFill>
                 <a:schemeClr val="bg1">
                   <a:lumMod val="85000"/>
@@ -4341,12 +4472,44 @@
               </a:solidFill>
             </a:endParaRPr>
           </a:p>
+          <a:p>
+            <a:r>
+              <a:rPr lang="pt-BR" dirty="0" smtClean="0">
+                <a:solidFill>
+                  <a:schemeClr val="bg1">
+                    <a:lumMod val="85000"/>
+                  </a:schemeClr>
+                </a:solidFill>
+              </a:rPr>
+              <a:t>A primeira regra de design para e-commerce:</a:t>
+            </a:r>
+          </a:p>
+          <a:p>
+            <a:pPr lvl="1"/>
+            <a:r>
+              <a:rPr lang="pt-BR" dirty="0" smtClean="0">
+                <a:solidFill>
+                  <a:schemeClr val="bg1">
+                    <a:lumMod val="85000"/>
+                  </a:schemeClr>
+                </a:solidFill>
+              </a:rPr>
+              <a:t>se o cliente não encontrar o produto, o cliente não pode comprar o produto.</a:t>
+            </a:r>
+            <a:endParaRPr lang="pt-PT" dirty="0">
+              <a:solidFill>
+                <a:schemeClr val="bg1">
+                  <a:lumMod val="85000"/>
+                </a:schemeClr>
+              </a:solidFill>
+            </a:endParaRPr>
+          </a:p>
         </p:txBody>
       </p:sp>
     </p:spTree>
     <p:extLst>
       <p:ext uri="{BB962C8B-B14F-4D97-AF65-F5344CB8AC3E}">
-        <p14:creationId xmlns:p14="http://schemas.microsoft.com/office/powerpoint/2010/main" xmlns="" val="3308039092"/>
+        <p14:creationId xmlns="" xmlns:p14="http://schemas.microsoft.com/office/powerpoint/2010/main" val="3308039092"/>
       </p:ext>
     </p:extLst>
   </p:cSld>
@@ -4392,7 +4555,7 @@
           <a:blip r:embed="rId2" cstate="print">
             <a:extLst>
               <a:ext uri="{28A0092B-C50C-407E-A947-70E740481C1C}">
-                <a14:useLocalDpi xmlns:a14="http://schemas.microsoft.com/office/drawing/2010/main" xmlns="" val="0"/>
+                <a14:useLocalDpi xmlns="" xmlns:a14="http://schemas.microsoft.com/office/drawing/2010/main" val="0"/>
               </a:ext>
             </a:extLst>
           </a:blip>
@@ -4501,7 +4664,7 @@
           <a:lstStyle/>
           <a:p>
             <a:r>
-              <a:rPr lang="pt-BR" strike="sngStrike" dirty="0" smtClean="0">
+              <a:rPr lang="pt-BR" dirty="0" smtClean="0">
                 <a:solidFill>
                   <a:schemeClr val="bg1">
                     <a:lumMod val="85000"/>
@@ -4514,7 +4677,7 @@
           <a:p>
             <a:pPr lvl="1"/>
             <a:r>
-              <a:rPr lang="pt-BR" strike="sngStrike" dirty="0" smtClean="0">
+              <a:rPr lang="pt-BR" dirty="0" smtClean="0">
                 <a:solidFill>
                   <a:schemeClr val="bg1">
                     <a:lumMod val="85000"/>
@@ -4523,9 +4686,7 @@
               </a:rPr>
               <a:t>Otimizar os sites para melhorar o posicionamento nas buscas, e assim poder vender mais.</a:t>
             </a:r>
-          </a:p>
-          <a:p>
-            <a:endParaRPr lang="pt-PT" dirty="0">
+            <a:endParaRPr lang="pt-BR" dirty="0">
               <a:solidFill>
                 <a:schemeClr val="bg1">
                   <a:lumMod val="85000"/>
@@ -4533,37 +4694,12 @@
               </a:solidFill>
             </a:endParaRPr>
           </a:p>
-          <a:p>
-            <a:r>
-              <a:rPr lang="pt-BR" dirty="0">
-                <a:solidFill>
-                  <a:srgbClr val="AEC908"/>
-                </a:solidFill>
-                <a:ea typeface="+mj-ea"/>
-                <a:cs typeface="+mj-cs"/>
-              </a:rPr>
-              <a:t>SEO = UX</a:t>
-            </a:r>
-          </a:p>
-          <a:p>
-            <a:pPr lvl="1"/>
-            <a:r>
-              <a:rPr lang="pt-BR" dirty="0">
-                <a:solidFill>
-                  <a:srgbClr val="AEC908"/>
-                </a:solidFill>
-                <a:ea typeface="+mj-ea"/>
-                <a:cs typeface="+mj-cs"/>
-              </a:rPr>
-              <a:t>Aprimorar a encontrabilidade das informações para melhorar a experiência do usuário.</a:t>
-            </a:r>
-          </a:p>
         </p:txBody>
       </p:sp>
     </p:spTree>
     <p:extLst>
       <p:ext uri="{BB962C8B-B14F-4D97-AF65-F5344CB8AC3E}">
-        <p14:creationId xmlns:p14="http://schemas.microsoft.com/office/powerpoint/2010/main" xmlns="" val="3345411651"/>
+        <p14:creationId xmlns="" xmlns:p14="http://schemas.microsoft.com/office/powerpoint/2010/main" val="3308039092"/>
       </p:ext>
     </p:extLst>
   </p:cSld>
@@ -4609,7 +4745,7 @@
           <a:blip r:embed="rId2" cstate="print">
             <a:extLst>
               <a:ext uri="{28A0092B-C50C-407E-A947-70E740481C1C}">
-                <a14:useLocalDpi xmlns:a14="http://schemas.microsoft.com/office/drawing/2010/main" xmlns="" val="0"/>
+                <a14:useLocalDpi xmlns="" xmlns:a14="http://schemas.microsoft.com/office/drawing/2010/main" val="0"/>
               </a:ext>
             </a:extLst>
           </a:blip>
@@ -4702,39 +4838,85 @@
           </a:p>
         </p:txBody>
       </p:sp>
-      <p:pic>
-        <p:nvPicPr>
-          <p:cNvPr id="5" name="Content Placeholder 4"/>
-          <p:cNvPicPr>
-            <a:picLocks noGrp="1" noChangeAspect="1"/>
-          </p:cNvPicPr>
+      <p:sp>
+        <p:nvSpPr>
+          <p:cNvPr id="3" name="Content Placeholder 2"/>
+          <p:cNvSpPr>
+            <a:spLocks noGrp="1"/>
+          </p:cNvSpPr>
           <p:nvPr>
             <p:ph idx="1"/>
           </p:nvPr>
-        </p:nvPicPr>
-        <p:blipFill>
-          <a:blip r:embed="rId3" cstate="print">
-            <a:extLst>
-              <a:ext uri="{28A0092B-C50C-407E-A947-70E740481C1C}">
-                <a14:useLocalDpi xmlns:a14="http://schemas.microsoft.com/office/drawing/2010/main" xmlns="" val="0"/>
-              </a:ext>
-            </a:extLst>
-          </a:blip>
-          <a:stretch>
-            <a:fillRect/>
-          </a:stretch>
-        </p:blipFill>
-        <p:spPr>
-          <a:xfrm>
-            <a:off x="2207923" y="1600200"/>
-            <a:ext cx="4728153" cy="4525963"/>
-          </a:xfrm>
-        </p:spPr>
-      </p:pic>
+        </p:nvSpPr>
+        <p:spPr/>
+        <p:txBody>
+          <a:bodyPr/>
+          <a:lstStyle/>
+          <a:p>
+            <a:r>
+              <a:rPr lang="pt-BR" strike="sngStrike" dirty="0" smtClean="0">
+                <a:solidFill>
+                  <a:schemeClr val="bg1">
+                    <a:lumMod val="85000"/>
+                  </a:schemeClr>
+                </a:solidFill>
+              </a:rPr>
+              <a:t>SEO = Marketing</a:t>
+            </a:r>
+          </a:p>
+          <a:p>
+            <a:pPr lvl="1"/>
+            <a:r>
+              <a:rPr lang="pt-BR" strike="sngStrike" dirty="0" smtClean="0">
+                <a:solidFill>
+                  <a:schemeClr val="bg1">
+                    <a:lumMod val="85000"/>
+                  </a:schemeClr>
+                </a:solidFill>
+              </a:rPr>
+              <a:t>Otimizar os sites para melhorar o posicionamento nas buscas, e assim poder vender mais.</a:t>
+            </a:r>
+          </a:p>
+          <a:p>
+            <a:endParaRPr lang="pt-PT" dirty="0">
+              <a:solidFill>
+                <a:schemeClr val="bg1">
+                  <a:lumMod val="85000"/>
+                </a:schemeClr>
+              </a:solidFill>
+            </a:endParaRPr>
+          </a:p>
+          <a:p>
+            <a:r>
+              <a:rPr lang="pt-BR" dirty="0">
+                <a:solidFill>
+                  <a:srgbClr val="AEC908"/>
+                </a:solidFill>
+                <a:ea typeface="+mj-ea"/>
+                <a:cs typeface="+mj-cs"/>
+              </a:rPr>
+              <a:t>SEO = UX</a:t>
+            </a:r>
+          </a:p>
+          <a:p>
+            <a:pPr lvl="1"/>
+            <a:r>
+              <a:rPr lang="pt-BR" dirty="0">
+                <a:solidFill>
+                  <a:srgbClr val="AEC908"/>
+                </a:solidFill>
+                <a:ea typeface="+mj-ea"/>
+                <a:cs typeface="+mj-cs"/>
+              </a:rPr>
+              <a:t>Aprimorar a encontrabilidade das informações para melhorar a experiência do usuário.</a:t>
+            </a:r>
+          </a:p>
+        </p:txBody>
+      </p:sp>
     </p:spTree>
     <p:extLst>
       <p:ext uri="{BB962C8B-B14F-4D97-AF65-F5344CB8AC3E}">
-        <p14:creationId xmlns:p14="http://schemas.microsoft.com/office/powerpoint/2010/main" xmlns="" val="3308039092"/>
+        <p14:creationId xmlns="" xmlns:p14="http://schemas.microsoft.com/office/powerpoint/2010/main" val="3345411651"/>
       </p:ext>
     </p:extLst>
   </p:cSld>
@@ -4780,7 +4962,7 @@
           <a:blip r:embed="rId2" cstate="print">
             <a:extLst>
               <a:ext uri="{28A0092B-C50C-407E-A947-70E740481C1C}">
-                <a14:useLocalDpi xmlns:a14="http://schemas.microsoft.com/office/drawing/2010/main" xmlns="" val="0"/>
+                <a14:useLocalDpi xmlns="" xmlns:a14="http://schemas.microsoft.com/office/drawing/2010/main" val="0"/>
               </a:ext>
             </a:extLst>
           </a:blip>
@@ -4887,7 +5069,7 @@
           <a:blip r:embed="rId3" cstate="print">
             <a:extLst>
               <a:ext uri="{28A0092B-C50C-407E-A947-70E740481C1C}">
-                <a14:useLocalDpi xmlns:a14="http://schemas.microsoft.com/office/drawing/2010/main" xmlns="" val="0"/>
+                <a14:useLocalDpi xmlns="" xmlns:a14="http://schemas.microsoft.com/office/drawing/2010/main" val="0"/>
               </a:ext>
             </a:extLst>
           </a:blip>
@@ -4905,7 +5087,7 @@
     </p:spTree>
     <p:extLst>
       <p:ext uri="{BB962C8B-B14F-4D97-AF65-F5344CB8AC3E}">
-        <p14:creationId xmlns:p14="http://schemas.microsoft.com/office/powerpoint/2010/main" xmlns="" val="3308039092"/>
+        <p14:creationId xmlns="" xmlns:p14="http://schemas.microsoft.com/office/powerpoint/2010/main" val="3308039092"/>
       </p:ext>
     </p:extLst>
   </p:cSld>
@@ -4951,7 +5133,7 @@
           <a:blip r:embed="rId2" cstate="print">
             <a:extLst>
               <a:ext uri="{28A0092B-C50C-407E-A947-70E740481C1C}">
-                <a14:useLocalDpi xmlns:a14="http://schemas.microsoft.com/office/drawing/2010/main" xmlns="" val="0"/>
+                <a14:useLocalDpi xmlns="" xmlns:a14="http://schemas.microsoft.com/office/drawing/2010/main" val="0"/>
               </a:ext>
             </a:extLst>
           </a:blip>
@@ -5044,148 +5226,39 @@
           </a:p>
         </p:txBody>
       </p:sp>
-      <p:sp>
-        <p:nvSpPr>
-          <p:cNvPr id="3" name="Content Placeholder 2"/>
-          <p:cNvSpPr>
-            <a:spLocks noGrp="1"/>
-          </p:cNvSpPr>
+      <p:pic>
+        <p:nvPicPr>
+          <p:cNvPr id="5" name="Content Placeholder 4"/>
+          <p:cNvPicPr>
+            <a:picLocks noGrp="1" noChangeAspect="1"/>
+          </p:cNvPicPr>
           <p:nvPr>
             <p:ph idx="1"/>
           </p:nvPr>
-        </p:nvSpPr>
-        <p:spPr/>
-        <p:txBody>
-          <a:bodyPr/>
-          <a:lstStyle/>
-          <a:p>
-            <a:pPr marL="0" indent="0" algn="ctr">
-              <a:buNone/>
-            </a:pPr>
-            <a:endParaRPr lang="pt-BR" dirty="0" smtClean="0">
-              <a:solidFill>
-                <a:schemeClr val="bg1">
-                  <a:lumMod val="85000"/>
-                </a:schemeClr>
-              </a:solidFill>
-            </a:endParaRPr>
-          </a:p>
-          <a:p>
-            <a:pPr marL="0" indent="0" algn="ctr">
-              <a:buNone/>
-            </a:pPr>
-            <a:r>
-              <a:rPr lang="pt-BR" dirty="0" smtClean="0">
-                <a:solidFill>
-                  <a:schemeClr val="bg1">
-                    <a:lumMod val="85000"/>
-                  </a:schemeClr>
-                </a:solidFill>
-              </a:rPr>
-              <a:t>Quando </a:t>
-            </a:r>
-            <a:r>
-              <a:rPr lang="pt-BR" dirty="0">
-                <a:solidFill>
-                  <a:schemeClr val="bg1">
-                    <a:lumMod val="85000"/>
-                  </a:schemeClr>
-                </a:solidFill>
-              </a:rPr>
-              <a:t>usuários não encontram algo </a:t>
-            </a:r>
-            <a:r>
-              <a:rPr lang="pt-BR" dirty="0" smtClean="0">
-                <a:solidFill>
-                  <a:schemeClr val="bg1">
-                    <a:lumMod val="85000"/>
-                  </a:schemeClr>
-                </a:solidFill>
-              </a:rPr>
-              <a:t>que querem </a:t>
-            </a:r>
-            <a:r>
-              <a:rPr lang="pt-BR" dirty="0">
-                <a:solidFill>
-                  <a:schemeClr val="bg1">
-                    <a:lumMod val="85000"/>
-                  </a:schemeClr>
-                </a:solidFill>
-              </a:rPr>
-              <a:t>em um site de e-commerce</a:t>
-            </a:r>
-            <a:r>
-              <a:rPr lang="pt-BR" dirty="0" smtClean="0">
-                <a:solidFill>
-                  <a:schemeClr val="bg1">
-                    <a:lumMod val="85000"/>
-                  </a:schemeClr>
-                </a:solidFill>
-              </a:rPr>
-              <a:t>,</a:t>
-            </a:r>
-          </a:p>
-          <a:p>
-            <a:pPr marL="0" indent="0" algn="ctr">
-              <a:buNone/>
-            </a:pPr>
-            <a:r>
-              <a:rPr lang="pt-BR" dirty="0">
-                <a:solidFill>
-                  <a:srgbClr val="AEC908"/>
-                </a:solidFill>
-                <a:ea typeface="+mj-ea"/>
-                <a:cs typeface="+mj-cs"/>
-              </a:rPr>
-              <a:t>na maioria das vezes eles acreditam que </a:t>
-            </a:r>
-            <a:r>
-              <a:rPr lang="pt-BR" dirty="0" smtClean="0">
-                <a:solidFill>
-                  <a:srgbClr val="AEC908"/>
-                </a:solidFill>
-                <a:ea typeface="+mj-ea"/>
-                <a:cs typeface="+mj-cs"/>
-              </a:rPr>
-              <a:t>o </a:t>
-            </a:r>
-            <a:r>
-              <a:rPr lang="pt-BR" dirty="0">
-                <a:solidFill>
-                  <a:srgbClr val="AEC908"/>
-                </a:solidFill>
-                <a:ea typeface="+mj-ea"/>
-                <a:cs typeface="+mj-cs"/>
-              </a:rPr>
-              <a:t>site não </a:t>
-            </a:r>
-            <a:r>
-              <a:rPr lang="pt-BR" dirty="0" smtClean="0">
-                <a:solidFill>
-                  <a:srgbClr val="AEC908"/>
-                </a:solidFill>
-                <a:ea typeface="+mj-ea"/>
-                <a:cs typeface="+mj-cs"/>
-              </a:rPr>
-              <a:t>tem o </a:t>
-            </a:r>
-            <a:r>
-              <a:rPr lang="pt-BR" dirty="0">
-                <a:solidFill>
-                  <a:srgbClr val="AEC908"/>
-                </a:solidFill>
-                <a:ea typeface="+mj-ea"/>
-                <a:cs typeface="+mj-cs"/>
-              </a:rPr>
-              <a:t>produto desejado.</a:t>
-            </a:r>
-          </a:p>
-        </p:txBody>
-      </p:sp>
+        </p:nvPicPr>
+        <p:blipFill>
+          <a:blip r:embed="rId3" cstate="print">
+            <a:extLst>
+              <a:ext uri="{28A0092B-C50C-407E-A947-70E740481C1C}">
+                <a14:useLocalDpi xmlns="" xmlns:a14="http://schemas.microsoft.com/office/drawing/2010/main" val="0"/>
+              </a:ext>
+            </a:extLst>
+          </a:blip>
+          <a:stretch>
+            <a:fillRect/>
+          </a:stretch>
+        </p:blipFill>
+        <p:spPr>
+          <a:xfrm>
+            <a:off x="2207923" y="1600200"/>
+            <a:ext cx="4728153" cy="4525963"/>
+          </a:xfrm>
+        </p:spPr>
+      </p:pic>
     </p:spTree>
     <p:extLst>
       <p:ext uri="{BB962C8B-B14F-4D97-AF65-F5344CB8AC3E}">
-        <p14:creationId xmlns:p14="http://schemas.microsoft.com/office/powerpoint/2010/main" xmlns="" val="3308039092"/>
+        <p14:creationId xmlns="" xmlns:p14="http://schemas.microsoft.com/office/powerpoint/2010/main" val="3308039092"/>
       </p:ext>
     </p:extLst>
   </p:cSld>
@@ -5231,7 +5304,7 @@
           <a:blip r:embed="rId2" cstate="print">
             <a:extLst>
               <a:ext uri="{28A0092B-C50C-407E-A947-70E740481C1C}">
-                <a14:useLocalDpi xmlns:a14="http://schemas.microsoft.com/office/drawing/2010/main" xmlns="" val="0"/>
+                <a14:useLocalDpi xmlns="" xmlns:a14="http://schemas.microsoft.com/office/drawing/2010/main" val="0"/>
               </a:ext>
             </a:extLst>
           </a:blip>
@@ -5336,37 +5409,12 @@
         </p:nvSpPr>
         <p:spPr/>
         <p:txBody>
-          <a:bodyPr>
-            <a:normAutofit/>
-          </a:bodyPr>
+          <a:bodyPr/>
           <a:lstStyle/>
           <a:p>
-            <a:r>
-              <a:rPr lang="pt-PT" dirty="0" smtClean="0">
-                <a:solidFill>
-                  <a:schemeClr val="bg1">
-                    <a:lumMod val="85000"/>
-                  </a:schemeClr>
-                </a:solidFill>
-              </a:rPr>
-              <a:t>Mas o que é SEO na prática?</a:t>
-            </a:r>
-          </a:p>
-          <a:p>
-            <a:pPr lvl="1"/>
-            <a:r>
-              <a:rPr lang="pt-BR" dirty="0" smtClean="0">
-                <a:solidFill>
-                  <a:schemeClr val="bg1">
-                    <a:lumMod val="85000"/>
-                  </a:schemeClr>
-                </a:solidFill>
-              </a:rPr>
-              <a:t>&lt;title&gt; único, descritivo e curto;</a:t>
-            </a:r>
-          </a:p>
-          <a:p>
-            <a:pPr lvl="1"/>
+            <a:pPr marL="0" indent="0" algn="ctr">
+              <a:buNone/>
+            </a:pPr>
             <a:endParaRPr lang="pt-BR" dirty="0" smtClean="0">
               <a:solidFill>
                 <a:schemeClr val="bg1">
@@ -5376,62 +5424,113 @@
             </a:endParaRPr>
           </a:p>
           <a:p>
-            <a:pPr lvl="1"/>
-            <a:r>
-              <a:rPr lang="pt-BR" dirty="0" smtClean="0">
-                <a:solidFill>
-                  <a:schemeClr val="bg1">
-                    <a:lumMod val="85000"/>
-                  </a:schemeClr>
-                </a:solidFill>
-              </a:rPr>
-              <a:t>URL amigável;</a:t>
-            </a:r>
-          </a:p>
-          <a:p>
-            <a:pPr lvl="1"/>
-            <a:endParaRPr lang="pt-BR" dirty="0" smtClean="0">
-              <a:solidFill>
-                <a:schemeClr val="bg1">
-                  <a:lumMod val="85000"/>
-                </a:schemeClr>
-              </a:solidFill>
-            </a:endParaRPr>
-          </a:p>
-          <a:p>
-            <a:pPr lvl="1"/>
-            <a:r>
-              <a:rPr lang="pt-PT" dirty="0" smtClean="0">
-                <a:solidFill>
-                  <a:schemeClr val="bg1">
-                    <a:lumMod val="85000"/>
-                  </a:schemeClr>
-                </a:solidFill>
-              </a:rPr>
-              <a:t>&lt;meta&gt; description única por página;</a:t>
-            </a:r>
-          </a:p>
-          <a:p>
-            <a:pPr lvl="1"/>
-            <a:endParaRPr lang="pt-PT" dirty="0" smtClean="0">
-              <a:solidFill>
-                <a:schemeClr val="bg1">
-                  <a:lumMod val="85000"/>
-                </a:schemeClr>
-              </a:solidFill>
-            </a:endParaRPr>
-          </a:p>
-          <a:p>
-            <a:pPr lvl="1"/>
-            <a:r>
-              <a:rPr lang="pt-PT" dirty="0" smtClean="0">
-                <a:solidFill>
-                  <a:schemeClr val="bg1">
-                    <a:lumMod val="85000"/>
-                  </a:schemeClr>
-                </a:solidFill>
-              </a:rPr>
-              <a:t>Herarquia de navegação;</a:t>
+            <a:pPr marL="0" indent="0" algn="ctr">
+              <a:buNone/>
+            </a:pPr>
+            <a:r>
+              <a:rPr lang="pt-BR" dirty="0" smtClean="0">
+                <a:solidFill>
+                  <a:schemeClr val="bg1">
+                    <a:lumMod val="85000"/>
+                  </a:schemeClr>
+                </a:solidFill>
+              </a:rPr>
+              <a:t>Quando </a:t>
+            </a:r>
+            <a:r>
+              <a:rPr lang="pt-BR" dirty="0">
+                <a:solidFill>
+                  <a:schemeClr val="bg1">
+                    <a:lumMod val="85000"/>
+                  </a:schemeClr>
+                </a:solidFill>
+              </a:rPr>
+              <a:t>usuários não encontram algo </a:t>
+            </a:r>
+            <a:r>
+              <a:rPr lang="pt-BR" dirty="0" smtClean="0">
+                <a:solidFill>
+                  <a:schemeClr val="bg1">
+                    <a:lumMod val="85000"/>
+                  </a:schemeClr>
+                </a:solidFill>
+              </a:rPr>
+              <a:t>que querem </a:t>
+            </a:r>
+            <a:r>
+              <a:rPr lang="pt-BR" dirty="0">
+                <a:solidFill>
+                  <a:schemeClr val="bg1">
+                    <a:lumMod val="85000"/>
+                  </a:schemeClr>
+                </a:solidFill>
+              </a:rPr>
+              <a:t>em um site de e-commerce</a:t>
+            </a:r>
+            <a:r>
+              <a:rPr lang="pt-BR" dirty="0" smtClean="0">
+                <a:solidFill>
+                  <a:schemeClr val="bg1">
+                    <a:lumMod val="85000"/>
+                  </a:schemeClr>
+                </a:solidFill>
+              </a:rPr>
+              <a:t>,</a:t>
+            </a:r>
+          </a:p>
+          <a:p>
+            <a:pPr marL="0" indent="0" algn="ctr">
+              <a:buNone/>
+            </a:pPr>
+            <a:r>
+              <a:rPr lang="pt-BR" dirty="0">
+                <a:solidFill>
+                  <a:srgbClr val="AEC908"/>
+                </a:solidFill>
+                <a:ea typeface="+mj-ea"/>
+                <a:cs typeface="+mj-cs"/>
+              </a:rPr>
+              <a:t>na maioria das vezes eles acreditam que </a:t>
+            </a:r>
+            <a:r>
+              <a:rPr lang="pt-BR" dirty="0" smtClean="0">
+                <a:solidFill>
+                  <a:srgbClr val="AEC908"/>
+                </a:solidFill>
+                <a:ea typeface="+mj-ea"/>
+                <a:cs typeface="+mj-cs"/>
+              </a:rPr>
+              <a:t>o </a:t>
+            </a:r>
+            <a:r>
+              <a:rPr lang="pt-BR" dirty="0">
+                <a:solidFill>
+                  <a:srgbClr val="AEC908"/>
+                </a:solidFill>
+                <a:ea typeface="+mj-ea"/>
+                <a:cs typeface="+mj-cs"/>
+              </a:rPr>
+              <a:t>site não </a:t>
+            </a:r>
+            <a:r>
+              <a:rPr lang="pt-BR" dirty="0" smtClean="0">
+                <a:solidFill>
+                  <a:srgbClr val="AEC908"/>
+                </a:solidFill>
+                <a:ea typeface="+mj-ea"/>
+                <a:cs typeface="+mj-cs"/>
+              </a:rPr>
+              <a:t>tem o </a:t>
+            </a:r>
+            <a:r>
+              <a:rPr lang="pt-BR" dirty="0">
+                <a:solidFill>
+                  <a:srgbClr val="AEC908"/>
+                </a:solidFill>
+                <a:ea typeface="+mj-ea"/>
+                <a:cs typeface="+mj-cs"/>
+              </a:rPr>
+              <a:t>produto desejado.</a:t>
             </a:r>
           </a:p>
         </p:txBody>
@@ -5439,7 +5538,7 @@
     </p:spTree>
     <p:extLst>
       <p:ext uri="{BB962C8B-B14F-4D97-AF65-F5344CB8AC3E}">
-        <p14:creationId xmlns:p14="http://schemas.microsoft.com/office/powerpoint/2010/main" xmlns="" val="3308039092"/>
+        <p14:creationId xmlns="" xmlns:p14="http://schemas.microsoft.com/office/powerpoint/2010/main" val="3308039092"/>
       </p:ext>
     </p:extLst>
   </p:cSld>
@@ -5485,7 +5584,7 @@
           <a:blip r:embed="rId2" cstate="print">
             <a:extLst>
               <a:ext uri="{28A0092B-C50C-407E-A947-70E740481C1C}">
-                <a14:useLocalDpi xmlns:a14="http://schemas.microsoft.com/office/drawing/2010/main" xmlns="" val="0"/>
+                <a14:useLocalDpi xmlns="" xmlns:a14="http://schemas.microsoft.com/office/drawing/2010/main" val="0"/>
               </a:ext>
             </a:extLst>
           </a:blip>
@@ -5515,124 +5614,152 @@
         </p:nvSpPr>
         <p:spPr/>
         <p:txBody>
+          <a:bodyPr>
+            <a:normAutofit/>
+          </a:bodyPr>
+          <a:lstStyle/>
+          <a:p>
+            <a:r>
+              <a:rPr lang="pt-PT" sz="4000" dirty="0" smtClean="0">
+                <a:solidFill>
+                  <a:srgbClr val="AEC908"/>
+                </a:solidFill>
+              </a:rPr>
+              <a:t>Apresentação</a:t>
+            </a:r>
+            <a:endParaRPr lang="pt-BR" sz="4000" dirty="0">
+              <a:solidFill>
+                <a:srgbClr val="AEC908"/>
+              </a:solidFill>
+            </a:endParaRPr>
+          </a:p>
+        </p:txBody>
+      </p:sp>
+      <p:sp>
+        <p:nvSpPr>
+          <p:cNvPr id="3" name="Content Placeholder 2"/>
+          <p:cNvSpPr>
+            <a:spLocks noGrp="1"/>
+          </p:cNvSpPr>
+          <p:nvPr>
+            <p:ph idx="1"/>
+          </p:nvPr>
+        </p:nvSpPr>
+        <p:spPr/>
+        <p:txBody>
           <a:bodyPr/>
           <a:lstStyle/>
           <a:p>
-            <a:r>
-              <a:rPr lang="pt-PT" sz="4000" dirty="0">
-                <a:solidFill>
-                  <a:srgbClr val="AEC908"/>
-                </a:solidFill>
-              </a:rPr>
-              <a:t>HTML5</a:t>
-            </a:r>
-            <a:r>
-              <a:rPr lang="pt-PT" dirty="0" smtClean="0">
-                <a:solidFill>
-                  <a:schemeClr val="bg1">
-                    <a:lumMod val="85000"/>
-                  </a:schemeClr>
-                </a:solidFill>
-              </a:rPr>
-              <a:t> – O que mudou?</a:t>
-            </a:r>
+            <a:pPr>
+              <a:buNone/>
+            </a:pPr>
+            <a:r>
+              <a:rPr lang="pt-BR" dirty="0" smtClean="0">
+                <a:solidFill>
+                  <a:schemeClr val="bg1">
+                    <a:lumMod val="75000"/>
+                  </a:schemeClr>
+                </a:solidFill>
+              </a:rPr>
+              <a:t>Acesso externo do projeto</a:t>
+            </a:r>
+          </a:p>
+          <a:p>
+            <a:endParaRPr lang="pt-BR" dirty="0" smtClean="0">
+              <a:solidFill>
+                <a:schemeClr val="bg1">
+                  <a:lumMod val="75000"/>
+                </a:schemeClr>
+              </a:solidFill>
+            </a:endParaRPr>
+          </a:p>
+          <a:p>
+            <a:r>
+              <a:rPr lang="pt-BR" dirty="0" err="1" smtClean="0">
+                <a:solidFill>
+                  <a:schemeClr val="bg1">
+                    <a:lumMod val="75000"/>
+                  </a:schemeClr>
+                </a:solidFill>
+              </a:rPr>
+              <a:t>Github</a:t>
+            </a:r>
+            <a:r>
+              <a:rPr lang="pt-BR" dirty="0" smtClean="0">
+                <a:solidFill>
+                  <a:schemeClr val="bg1">
+                    <a:lumMod val="75000"/>
+                  </a:schemeClr>
+                </a:solidFill>
+              </a:rPr>
+              <a:t>: </a:t>
+            </a:r>
+            <a:endParaRPr lang="pt-BR" dirty="0" smtClean="0">
+              <a:solidFill>
+                <a:schemeClr val="bg1">
+                  <a:lumMod val="75000"/>
+                </a:schemeClr>
+              </a:solidFill>
+            </a:endParaRPr>
+          </a:p>
+          <a:p>
+            <a:pPr lvl="1"/>
+            <a:r>
+              <a:rPr lang="pt-BR" dirty="0" smtClean="0">
+                <a:solidFill>
+                  <a:schemeClr val="bg1">
+                    <a:lumMod val="75000"/>
+                  </a:schemeClr>
+                </a:solidFill>
+              </a:rPr>
+              <a:t>https://</a:t>
+            </a:r>
+            <a:r>
+              <a:rPr lang="pt-BR" dirty="0" smtClean="0">
+                <a:solidFill>
+                  <a:schemeClr val="bg1">
+                    <a:lumMod val="75000"/>
+                  </a:schemeClr>
+                </a:solidFill>
+              </a:rPr>
+              <a:t>github.com/Frossard/HTML5-na-pratica</a:t>
+            </a:r>
+          </a:p>
+          <a:p>
+            <a:pPr lvl="1"/>
+            <a:endParaRPr lang="pt-BR" dirty="0" smtClean="0">
+              <a:solidFill>
+                <a:schemeClr val="bg1">
+                  <a:lumMod val="75000"/>
+                </a:schemeClr>
+              </a:solidFill>
+            </a:endParaRPr>
+          </a:p>
+          <a:p>
+            <a:pPr lvl="1"/>
+            <a:endParaRPr lang="pt-BR" dirty="0" smtClean="0">
+              <a:solidFill>
+                <a:schemeClr val="bg1">
+                  <a:lumMod val="75000"/>
+                </a:schemeClr>
+              </a:solidFill>
+            </a:endParaRPr>
+          </a:p>
+          <a:p>
             <a:endParaRPr lang="pt-BR" dirty="0">
               <a:solidFill>
                 <a:schemeClr val="bg1">
-                  <a:lumMod val="85000"/>
+                  <a:lumMod val="75000"/>
                 </a:schemeClr>
               </a:solidFill>
             </a:endParaRPr>
           </a:p>
         </p:txBody>
       </p:sp>
-      <p:sp>
-        <p:nvSpPr>
-          <p:cNvPr id="3" name="Content Placeholder 2"/>
-          <p:cNvSpPr>
-            <a:spLocks noGrp="1"/>
-          </p:cNvSpPr>
-          <p:nvPr>
-            <p:ph idx="1"/>
-          </p:nvPr>
-        </p:nvSpPr>
-        <p:spPr/>
-        <p:txBody>
-          <a:bodyPr/>
-          <a:lstStyle/>
-          <a:p>
-            <a:r>
-              <a:rPr lang="pt-PT" dirty="0" smtClean="0">
-                <a:solidFill>
-                  <a:schemeClr val="bg1">
-                    <a:lumMod val="85000"/>
-                  </a:schemeClr>
-                </a:solidFill>
-              </a:rPr>
-              <a:t>Multimídia</a:t>
-            </a:r>
-          </a:p>
-          <a:p>
-            <a:r>
-              <a:rPr lang="pt-PT" dirty="0" smtClean="0">
-                <a:solidFill>
-                  <a:schemeClr val="bg1">
-                    <a:lumMod val="85000"/>
-                  </a:schemeClr>
-                </a:solidFill>
-              </a:rPr>
-              <a:t>Multi-plataforma e dispositivos</a:t>
-            </a:r>
-          </a:p>
-          <a:p>
-            <a:r>
-              <a:rPr lang="pt-PT" dirty="0" smtClean="0">
-                <a:solidFill>
-                  <a:schemeClr val="bg1">
-                    <a:lumMod val="85000"/>
-                  </a:schemeClr>
-                </a:solidFill>
-              </a:rPr>
-              <a:t>Programação gráfica e de jogos</a:t>
-            </a:r>
-          </a:p>
-          <a:p>
-            <a:r>
-              <a:rPr lang="pt-PT" dirty="0" smtClean="0">
-                <a:solidFill>
-                  <a:schemeClr val="bg1">
-                    <a:lumMod val="85000"/>
-                  </a:schemeClr>
-                </a:solidFill>
-              </a:rPr>
-              <a:t>Simples, direto e robusto</a:t>
-            </a:r>
-          </a:p>
-          <a:p>
-            <a:r>
-              <a:rPr lang="pt-PT" dirty="0" smtClean="0">
-                <a:solidFill>
-                  <a:schemeClr val="bg1">
-                    <a:lumMod val="85000"/>
-                  </a:schemeClr>
-                </a:solidFill>
-              </a:rPr>
-              <a:t>Padronização </a:t>
-            </a:r>
-            <a:endParaRPr lang="pt-BR" dirty="0">
-              <a:solidFill>
-                <a:schemeClr val="bg1">
-                  <a:lumMod val="85000"/>
-                </a:schemeClr>
-              </a:solidFill>
-            </a:endParaRPr>
-          </a:p>
-        </p:txBody>
-      </p:sp>
     </p:spTree>
     <p:extLst>
       <p:ext uri="{BB962C8B-B14F-4D97-AF65-F5344CB8AC3E}">
-        <p14:creationId xmlns:p14="http://schemas.microsoft.com/office/powerpoint/2010/main" xmlns="" val="4060812770"/>
+        <p14:creationId xmlns="" xmlns:p14="http://schemas.microsoft.com/office/powerpoint/2010/main" val="1156373279"/>
       </p:ext>
     </p:extLst>
   </p:cSld>
@@ -5678,7 +5805,7 @@
           <a:blip r:embed="rId2" cstate="print">
             <a:extLst>
               <a:ext uri="{28A0092B-C50C-407E-A947-70E740481C1C}">
-                <a14:useLocalDpi xmlns:a14="http://schemas.microsoft.com/office/drawing/2010/main" xmlns="" val="0"/>
+                <a14:useLocalDpi xmlns="" xmlns:a14="http://schemas.microsoft.com/office/drawing/2010/main" val="0"/>
               </a:ext>
             </a:extLst>
           </a:blip>
@@ -5809,7 +5936,7 @@
                   </a:schemeClr>
                 </a:solidFill>
               </a:rPr>
-              <a:t>Redução do número de requisições do site, principalmente de Javascript;</a:t>
+              <a:t>&lt;title&gt; único, descritivo e curto;</a:t>
             </a:r>
           </a:p>
           <a:p>
@@ -5832,26 +5959,12 @@
                   </a:schemeClr>
                 </a:solidFill>
               </a:rPr>
-              <a:t>Conteúdo de qualidade, textos de fácil leitura e linguagem adequada;</a:t>
+              <a:t>URL amigável;</a:t>
             </a:r>
           </a:p>
           <a:p>
             <a:pPr lvl="1"/>
-            <a:endParaRPr lang="pt-PT" dirty="0" smtClean="0"/>
-          </a:p>
-          <a:p>
-            <a:pPr lvl="1"/>
-            <a:r>
-              <a:rPr lang="pt-BR" dirty="0" smtClean="0">
-                <a:solidFill>
-                  <a:schemeClr val="bg1">
-                    <a:lumMod val="85000"/>
-                  </a:schemeClr>
-                </a:solidFill>
-              </a:rPr>
-              <a:t>Texto âncora descritivos, concisos, e estilizados de forma a torná-los facilmente reconhecíveis;</a:t>
-            </a:r>
-            <a:endParaRPr lang="pt-BR" dirty="0">
+            <a:endParaRPr lang="pt-BR" dirty="0" smtClean="0">
               <a:solidFill>
                 <a:schemeClr val="bg1">
                   <a:lumMod val="85000"/>
@@ -5859,12 +5972,48 @@
               </a:solidFill>
             </a:endParaRPr>
           </a:p>
+          <a:p>
+            <a:pPr lvl="1"/>
+            <a:r>
+              <a:rPr lang="pt-PT" dirty="0" smtClean="0">
+                <a:solidFill>
+                  <a:schemeClr val="bg1">
+                    <a:lumMod val="85000"/>
+                  </a:schemeClr>
+                </a:solidFill>
+              </a:rPr>
+              <a:t>&lt;meta&gt; description única por página;</a:t>
+            </a:r>
+          </a:p>
+          <a:p>
+            <a:pPr lvl="1"/>
+            <a:endParaRPr lang="pt-PT" dirty="0" smtClean="0">
+              <a:solidFill>
+                <a:schemeClr val="bg1">
+                  <a:lumMod val="85000"/>
+                </a:schemeClr>
+              </a:solidFill>
+            </a:endParaRPr>
+          </a:p>
+          <a:p>
+            <a:pPr lvl="1"/>
+            <a:r>
+              <a:rPr lang="pt-PT" dirty="0" smtClean="0">
+                <a:solidFill>
+                  <a:schemeClr val="bg1">
+                    <a:lumMod val="85000"/>
+                  </a:schemeClr>
+                </a:solidFill>
+              </a:rPr>
+              <a:t>Herarquia de navegação;</a:t>
+            </a:r>
+          </a:p>
         </p:txBody>
       </p:sp>
     </p:spTree>
     <p:extLst>
       <p:ext uri="{BB962C8B-B14F-4D97-AF65-F5344CB8AC3E}">
-        <p14:creationId xmlns:p14="http://schemas.microsoft.com/office/powerpoint/2010/main" xmlns="" val="3308039092"/>
+        <p14:creationId xmlns="" xmlns:p14="http://schemas.microsoft.com/office/powerpoint/2010/main" val="3308039092"/>
       </p:ext>
     </p:extLst>
   </p:cSld>
@@ -5910,7 +6059,7 @@
           <a:blip r:embed="rId2" cstate="print">
             <a:extLst>
               <a:ext uri="{28A0092B-C50C-407E-A947-70E740481C1C}">
-                <a14:useLocalDpi xmlns:a14="http://schemas.microsoft.com/office/drawing/2010/main" xmlns="" val="0"/>
+                <a14:useLocalDpi xmlns="" xmlns:a14="http://schemas.microsoft.com/office/drawing/2010/main" val="0"/>
               </a:ext>
             </a:extLst>
           </a:blip>
@@ -6034,29 +6183,19 @@
           <a:p>
             <a:pPr lvl="1"/>
             <a:r>
-              <a:rPr lang="pt-BR" dirty="0">
-                <a:solidFill>
-                  <a:schemeClr val="bg1">
-                    <a:lumMod val="85000"/>
-                  </a:schemeClr>
-                </a:solidFill>
-              </a:rPr>
-              <a:t>T</a:t>
-            </a:r>
-            <a:r>
-              <a:rPr lang="pt-BR" dirty="0" smtClean="0">
-                <a:solidFill>
-                  <a:schemeClr val="bg1">
-                    <a:lumMod val="85000"/>
-                  </a:schemeClr>
-                </a:solidFill>
-              </a:rPr>
-              <a:t>ags de cabeçalho usadas apropriadamente (&lt;h1&gt;,&lt;h2&gt;,etc) e com moderação;</a:t>
+              <a:rPr lang="pt-BR" dirty="0" smtClean="0">
+                <a:solidFill>
+                  <a:schemeClr val="bg1">
+                    <a:lumMod val="85000"/>
+                  </a:schemeClr>
+                </a:solidFill>
+              </a:rPr>
+              <a:t>Redução do número de requisições do site, principalmente de Javascript;</a:t>
             </a:r>
           </a:p>
           <a:p>
             <a:pPr lvl="1"/>
-            <a:endParaRPr lang="pt-PT" dirty="0">
+            <a:endParaRPr lang="pt-BR" dirty="0" smtClean="0">
               <a:solidFill>
                 <a:schemeClr val="bg1">
                   <a:lumMod val="85000"/>
@@ -6074,59 +6213,24 @@
                   </a:schemeClr>
                 </a:solidFill>
               </a:rPr>
-              <a:t>Uso de imagens</a:t>
-            </a:r>
-          </a:p>
-          <a:p>
-            <a:pPr lvl="2"/>
-            <a:r>
-              <a:rPr lang="pt-BR" dirty="0" smtClean="0">
-                <a:solidFill>
-                  <a:schemeClr val="bg1">
-                    <a:lumMod val="85000"/>
-                  </a:schemeClr>
-                </a:solidFill>
-              </a:rPr>
-              <a:t>Nomes de arquivos curtos;</a:t>
-            </a:r>
-          </a:p>
-          <a:p>
-            <a:pPr lvl="2"/>
-            <a:r>
-              <a:rPr lang="pt-BR" dirty="0" smtClean="0">
-                <a:solidFill>
-                  <a:schemeClr val="bg1">
-                    <a:lumMod val="85000"/>
-                  </a:schemeClr>
-                </a:solidFill>
-              </a:rPr>
-              <a:t>Atributos “alt” curtos e descritivos;</a:t>
-            </a:r>
-          </a:p>
-          <a:p>
-            <a:pPr lvl="2"/>
-            <a:r>
-              <a:rPr lang="pt-BR" dirty="0" smtClean="0">
-                <a:solidFill>
-                  <a:schemeClr val="bg1">
-                    <a:lumMod val="85000"/>
-                  </a:schemeClr>
-                </a:solidFill>
-              </a:rPr>
-              <a:t>Armazenar as imagens em um diretório separado;</a:t>
-            </a:r>
-          </a:p>
-          <a:p>
-            <a:pPr lvl="2"/>
-            <a:r>
-              <a:rPr lang="pt-BR" dirty="0" smtClean="0">
-                <a:solidFill>
-                  <a:schemeClr val="bg1">
-                    <a:lumMod val="85000"/>
-                  </a:schemeClr>
-                </a:solidFill>
-              </a:rPr>
-              <a:t>Utilizar formatos de arquivos amplamente suportados.</a:t>
+              <a:t>Conteúdo de qualidade, textos de fácil leitura e linguagem adequada;</a:t>
+            </a:r>
+          </a:p>
+          <a:p>
+            <a:pPr lvl="1"/>
+            <a:endParaRPr lang="pt-PT" dirty="0" smtClean="0"/>
+          </a:p>
+          <a:p>
+            <a:pPr lvl="1"/>
+            <a:r>
+              <a:rPr lang="pt-BR" dirty="0" smtClean="0">
+                <a:solidFill>
+                  <a:schemeClr val="bg1">
+                    <a:lumMod val="85000"/>
+                  </a:schemeClr>
+                </a:solidFill>
+              </a:rPr>
+              <a:t>Texto âncora descritivos, concisos, e estilizados de forma a torná-los facilmente reconhecíveis;</a:t>
             </a:r>
             <a:endParaRPr lang="pt-BR" dirty="0">
               <a:solidFill>
@@ -6141,7 +6245,7 @@
     </p:spTree>
     <p:extLst>
       <p:ext uri="{BB962C8B-B14F-4D97-AF65-F5344CB8AC3E}">
-        <p14:creationId xmlns:p14="http://schemas.microsoft.com/office/powerpoint/2010/main" xmlns="" val="3308039092"/>
+        <p14:creationId xmlns="" xmlns:p14="http://schemas.microsoft.com/office/powerpoint/2010/main" val="3308039092"/>
       </p:ext>
     </p:extLst>
   </p:cSld>
@@ -6187,7 +6291,7 @@
           <a:blip r:embed="rId2" cstate="print">
             <a:extLst>
               <a:ext uri="{28A0092B-C50C-407E-A947-70E740481C1C}">
-                <a14:useLocalDpi xmlns:a14="http://schemas.microsoft.com/office/drawing/2010/main" xmlns="" val="0"/>
+                <a14:useLocalDpi xmlns="" xmlns:a14="http://schemas.microsoft.com/office/drawing/2010/main" val="0"/>
               </a:ext>
             </a:extLst>
           </a:blip>
@@ -6292,7 +6396,9 @@
         </p:nvSpPr>
         <p:spPr/>
         <p:txBody>
-          <a:bodyPr/>
+          <a:bodyPr>
+            <a:normAutofit/>
+          </a:bodyPr>
           <a:lstStyle/>
           <a:p>
             <a:r>
@@ -6309,14 +6415,24 @@
           <a:p>
             <a:pPr lvl="1"/>
             <a:r>
-              <a:rPr lang="pt-BR" dirty="0" smtClean="0">
-                <a:solidFill>
-                  <a:schemeClr val="bg1">
-                    <a:lumMod val="85000"/>
-                  </a:schemeClr>
-                </a:solidFill>
-              </a:rPr>
-              <a:t>Imagens com o uso de sprites, compressores, Base64 encode, ou substituindo-as por CSS3;</a:t>
+              <a:rPr lang="pt-BR" dirty="0">
+                <a:solidFill>
+                  <a:schemeClr val="bg1">
+                    <a:lumMod val="85000"/>
+                  </a:schemeClr>
+                </a:solidFill>
+              </a:rPr>
+              <a:t>T</a:t>
+            </a:r>
+            <a:r>
+              <a:rPr lang="pt-BR" dirty="0" smtClean="0">
+                <a:solidFill>
+                  <a:schemeClr val="bg1">
+                    <a:lumMod val="85000"/>
+                  </a:schemeClr>
+                </a:solidFill>
+              </a:rPr>
+              <a:t>ags de cabeçalho usadas apropriadamente (&lt;h1&gt;,&lt;h2&gt;,etc) e com moderação;</a:t>
             </a:r>
           </a:p>
           <a:p>
@@ -6339,30 +6455,59 @@
                   </a:schemeClr>
                 </a:solidFill>
               </a:rPr>
-              <a:t>Utilização eficaz do robots.txt;</a:t>
-            </a:r>
-          </a:p>
-          <a:p>
-            <a:pPr lvl="1"/>
-            <a:endParaRPr lang="pt-PT" dirty="0">
-              <a:solidFill>
-                <a:schemeClr val="bg1">
-                  <a:lumMod val="85000"/>
-                </a:schemeClr>
-              </a:solidFill>
-            </a:endParaRPr>
-          </a:p>
-          <a:p>
-            <a:pPr lvl="1"/>
-            <a:r>
-              <a:rPr lang="pt-BR" dirty="0" smtClean="0">
-                <a:solidFill>
-                  <a:schemeClr val="bg1">
-                    <a:lumMod val="85000"/>
-                  </a:schemeClr>
-                </a:solidFill>
-              </a:rPr>
-              <a:t>Utilizar rel="nofollow" para links, fazendo com que a reputação do seu site não seja passada para sites não confiáveis.</a:t>
+              <a:t>Uso de imagens</a:t>
+            </a:r>
+          </a:p>
+          <a:p>
+            <a:pPr lvl="2"/>
+            <a:r>
+              <a:rPr lang="pt-BR" dirty="0" smtClean="0">
+                <a:solidFill>
+                  <a:schemeClr val="bg1">
+                    <a:lumMod val="85000"/>
+                  </a:schemeClr>
+                </a:solidFill>
+              </a:rPr>
+              <a:t>Nomes de arquivos curtos;</a:t>
+            </a:r>
+          </a:p>
+          <a:p>
+            <a:pPr lvl="2"/>
+            <a:r>
+              <a:rPr lang="pt-BR" dirty="0" smtClean="0">
+                <a:solidFill>
+                  <a:schemeClr val="bg1">
+                    <a:lumMod val="85000"/>
+                  </a:schemeClr>
+                </a:solidFill>
+              </a:rPr>
+              <a:t>Atributos “alt” curtos e descritivos;</a:t>
+            </a:r>
+          </a:p>
+          <a:p>
+            <a:pPr lvl="2"/>
+            <a:r>
+              <a:rPr lang="pt-BR" dirty="0" smtClean="0">
+                <a:solidFill>
+                  <a:schemeClr val="bg1">
+                    <a:lumMod val="85000"/>
+                  </a:schemeClr>
+                </a:solidFill>
+              </a:rPr>
+              <a:t>Armazenar as imagens em um diretório separado;</a:t>
+            </a:r>
+          </a:p>
+          <a:p>
+            <a:pPr lvl="2"/>
+            <a:r>
+              <a:rPr lang="pt-BR" dirty="0" smtClean="0">
+                <a:solidFill>
+                  <a:schemeClr val="bg1">
+                    <a:lumMod val="85000"/>
+                  </a:schemeClr>
+                </a:solidFill>
+              </a:rPr>
+              <a:t>Utilizar formatos de arquivos amplamente suportados.</a:t>
             </a:r>
             <a:endParaRPr lang="pt-BR" dirty="0">
               <a:solidFill>
@@ -6377,7 +6522,7 @@
     </p:spTree>
     <p:extLst>
       <p:ext uri="{BB962C8B-B14F-4D97-AF65-F5344CB8AC3E}">
-        <p14:creationId xmlns:p14="http://schemas.microsoft.com/office/powerpoint/2010/main" xmlns="" val="3308039092"/>
+        <p14:creationId xmlns="" xmlns:p14="http://schemas.microsoft.com/office/powerpoint/2010/main" val="3308039092"/>
       </p:ext>
     </p:extLst>
   </p:cSld>
@@ -6423,7 +6568,7 @@
           <a:blip r:embed="rId2" cstate="print">
             <a:extLst>
               <a:ext uri="{28A0092B-C50C-407E-A947-70E740481C1C}">
-                <a14:useLocalDpi xmlns:a14="http://schemas.microsoft.com/office/drawing/2010/main" xmlns="" val="0"/>
+                <a14:useLocalDpi xmlns="" xmlns:a14="http://schemas.microsoft.com/office/drawing/2010/main" val="0"/>
               </a:ext>
             </a:extLst>
           </a:blip>
@@ -6531,24 +6676,32 @@
           <a:bodyPr/>
           <a:lstStyle/>
           <a:p>
-            <a:pPr marL="0" indent="0" algn="ctr">
-              <a:buNone/>
-            </a:pPr>
-            <a:r>
-              <a:rPr lang="pt-BR" dirty="0" smtClean="0">
-                <a:solidFill>
-                  <a:schemeClr val="bg1">
-                    <a:lumMod val="85000"/>
-                  </a:schemeClr>
-                </a:solidFill>
-              </a:rPr>
-              <a:t>&lt;meta name="description" content="Página de demonstração de vídeo no HTML5"&gt;</a:t>
-            </a:r>
-          </a:p>
-          <a:p>
-            <a:pPr marL="0" indent="0" algn="ctr">
-              <a:buNone/>
-            </a:pPr>
+            <a:r>
+              <a:rPr lang="pt-PT" dirty="0" smtClean="0">
+                <a:solidFill>
+                  <a:schemeClr val="bg1">
+                    <a:lumMod val="85000"/>
+                  </a:schemeClr>
+                </a:solidFill>
+              </a:rPr>
+              <a:t>Mas o que é SEO na prática?</a:t>
+            </a:r>
+          </a:p>
+          <a:p>
+            <a:pPr lvl="1"/>
+            <a:r>
+              <a:rPr lang="pt-BR" dirty="0" smtClean="0">
+                <a:solidFill>
+                  <a:schemeClr val="bg1">
+                    <a:lumMod val="85000"/>
+                  </a:schemeClr>
+                </a:solidFill>
+              </a:rPr>
+              <a:t>Imagens com o uso de sprites, compressores, Base64 encode, ou substituindo-as por CSS3;</a:t>
+            </a:r>
+          </a:p>
+          <a:p>
+            <a:pPr lvl="1"/>
             <a:endParaRPr lang="pt-PT" dirty="0">
               <a:solidFill>
                 <a:schemeClr val="bg1">
@@ -6558,20 +6711,21 @@
             </a:endParaRPr>
           </a:p>
           <a:p>
-            <a:pPr marL="0" indent="0" algn="ctr">
-              <a:buNone/>
-            </a:pPr>
-            <a:r>
-              <a:rPr lang="en-US" dirty="0" smtClean="0">
-                <a:solidFill>
-                  <a:schemeClr val="bg1">
-                    <a:lumMod val="85000"/>
-                  </a:schemeClr>
-                </a:solidFill>
-              </a:rPr>
-              <a:t>&lt;meta name="robots" content="index, follow"&gt;</a:t>
-            </a:r>
-            <a:endParaRPr lang="pt-PT" dirty="0" smtClean="0">
+            <a:pPr lvl="1"/>
+            <a:r>
+              <a:rPr lang="pt-BR" dirty="0" smtClean="0">
+                <a:solidFill>
+                  <a:schemeClr val="bg1">
+                    <a:lumMod val="85000"/>
+                  </a:schemeClr>
+                </a:solidFill>
+              </a:rPr>
+              <a:t>Utilização eficaz do robots.txt;</a:t>
+            </a:r>
+          </a:p>
+          <a:p>
+            <a:pPr lvl="1"/>
+            <a:endParaRPr lang="pt-PT" dirty="0">
               <a:solidFill>
                 <a:schemeClr val="bg1">
                   <a:lumMod val="85000"/>
@@ -6579,12 +6733,32 @@
               </a:solidFill>
             </a:endParaRPr>
           </a:p>
+          <a:p>
+            <a:pPr lvl="1"/>
+            <a:r>
+              <a:rPr lang="pt-BR" dirty="0" smtClean="0">
+                <a:solidFill>
+                  <a:schemeClr val="bg1">
+                    <a:lumMod val="85000"/>
+                  </a:schemeClr>
+                </a:solidFill>
+              </a:rPr>
+              <a:t>Utilizar rel="nofollow" para links, fazendo com que a reputação do seu site não seja passada para sites não confiáveis.</a:t>
+            </a:r>
+            <a:endParaRPr lang="pt-BR" dirty="0">
+              <a:solidFill>
+                <a:schemeClr val="bg1">
+                  <a:lumMod val="85000"/>
+                </a:schemeClr>
+              </a:solidFill>
+            </a:endParaRPr>
+          </a:p>
         </p:txBody>
       </p:sp>
     </p:spTree>
     <p:extLst>
       <p:ext uri="{BB962C8B-B14F-4D97-AF65-F5344CB8AC3E}">
-        <p14:creationId xmlns:p14="http://schemas.microsoft.com/office/powerpoint/2010/main" xmlns="" val="3308039092"/>
+        <p14:creationId xmlns="" xmlns:p14="http://schemas.microsoft.com/office/powerpoint/2010/main" val="3308039092"/>
       </p:ext>
     </p:extLst>
   </p:cSld>
@@ -6630,7 +6804,7 @@
           <a:blip r:embed="rId2" cstate="print">
             <a:extLst>
               <a:ext uri="{28A0092B-C50C-407E-A947-70E740481C1C}">
-                <a14:useLocalDpi xmlns:a14="http://schemas.microsoft.com/office/drawing/2010/main" xmlns="" val="0"/>
+                <a14:useLocalDpi xmlns="" xmlns:a14="http://schemas.microsoft.com/office/drawing/2010/main" val="0"/>
               </a:ext>
             </a:extLst>
           </a:blip>
@@ -6661,7 +6835,7 @@
         <p:spPr/>
         <p:txBody>
           <a:bodyPr>
-            <a:normAutofit/>
+            <a:normAutofit fontScale="90000"/>
           </a:bodyPr>
           <a:lstStyle/>
           <a:p>
@@ -6673,21 +6847,53 @@
                   </a:schemeClr>
                 </a:solidFill>
               </a:rPr>
-              <a:t>2. Microdata é </a:t>
-            </a:r>
-            <a:r>
-              <a:rPr lang="pt-PT" dirty="0">
+              <a:t>1. SE</a:t>
+            </a:r>
+            <a:r>
+              <a:rPr lang="pt-PT" dirty="0" smtClean="0">
                 <a:solidFill>
                   <a:srgbClr val="AEC908"/>
                 </a:solidFill>
               </a:rPr>
-              <a:t>semântica</a:t>
-            </a:r>
-            <a:endParaRPr lang="pt-BR" dirty="0">
-              <a:solidFill>
-                <a:srgbClr val="AEC908"/>
-              </a:solidFill>
-            </a:endParaRPr>
+              <a:t>O </a:t>
+            </a:r>
+            <a:r>
+              <a:rPr lang="pt-PT" dirty="0" smtClean="0">
+                <a:solidFill>
+                  <a:schemeClr val="bg1">
+                    <a:lumMod val="85000"/>
+                  </a:schemeClr>
+                </a:solidFill>
+              </a:rPr>
+              <a:t>-</a:t>
+            </a:r>
+            <a:r>
+              <a:rPr lang="pt-PT" dirty="0" smtClean="0">
+                <a:solidFill>
+                  <a:srgbClr val="AEC908"/>
+                </a:solidFill>
+              </a:rPr>
+              <a:t> </a:t>
+            </a:r>
+            <a:r>
+              <a:rPr lang="pt-PT" dirty="0" smtClean="0">
+                <a:solidFill>
+                  <a:schemeClr val="bg1">
+                    <a:lumMod val="85000"/>
+                  </a:schemeClr>
+                </a:solidFill>
+              </a:rPr>
+              <a:t>Search Engine </a:t>
+            </a:r>
+            <a:r>
+              <a:rPr lang="pt-PT" dirty="0" smtClean="0">
+                <a:solidFill>
+                  <a:srgbClr val="AEC908"/>
+                </a:solidFill>
+              </a:rPr>
+              <a:t>Optimization</a:t>
+            </a:r>
+            <a:endParaRPr lang="pt-BR" dirty="0"/>
           </a:p>
         </p:txBody>
       </p:sp>
@@ -6706,18 +6912,24 @@
           <a:bodyPr/>
           <a:lstStyle/>
           <a:p>
-            <a:r>
-              <a:rPr lang="pt-PT" dirty="0" smtClean="0">
-                <a:solidFill>
-                  <a:schemeClr val="bg1">
-                    <a:lumMod val="85000"/>
-                  </a:schemeClr>
-                </a:solidFill>
-              </a:rPr>
-              <a:t>Padrão de representação de informações</a:t>
-            </a:r>
-          </a:p>
-          <a:p>
+            <a:pPr marL="0" indent="0" algn="ctr">
+              <a:buNone/>
+            </a:pPr>
+            <a:r>
+              <a:rPr lang="pt-BR" dirty="0" smtClean="0">
+                <a:solidFill>
+                  <a:schemeClr val="bg1">
+                    <a:lumMod val="85000"/>
+                  </a:schemeClr>
+                </a:solidFill>
+              </a:rPr>
+              <a:t>&lt;meta name="description" content="Página de demonstração de vídeo no HTML5"&gt;</a:t>
+            </a:r>
+          </a:p>
+          <a:p>
+            <a:pPr marL="0" indent="0" algn="ctr">
+              <a:buNone/>
+            </a:pPr>
             <a:endParaRPr lang="pt-PT" dirty="0">
               <a:solidFill>
                 <a:schemeClr val="bg1">
@@ -6727,77 +6939,25 @@
             </a:endParaRPr>
           </a:p>
           <a:p>
-            <a:r>
-              <a:rPr lang="pt-PT" dirty="0" smtClean="0">
-                <a:solidFill>
-                  <a:schemeClr val="bg1">
-                    <a:lumMod val="85000"/>
-                  </a:schemeClr>
-                </a:solidFill>
-              </a:rPr>
-              <a:t>Microdata utiliza vocabulário específico encontrado em </a:t>
-            </a:r>
-            <a:r>
-              <a:rPr lang="pt-PT" dirty="0" smtClean="0">
-                <a:solidFill>
-                  <a:srgbClr val="AEC908"/>
-                </a:solidFill>
-                <a:ea typeface="+mj-ea"/>
-                <a:cs typeface="+mj-cs"/>
-              </a:rPr>
-              <a:t>http://</a:t>
-            </a:r>
-            <a:r>
-              <a:rPr lang="pt-PT" dirty="0">
-                <a:solidFill>
-                  <a:srgbClr val="AEC908"/>
-                </a:solidFill>
-                <a:ea typeface="+mj-ea"/>
-                <a:cs typeface="+mj-cs"/>
-              </a:rPr>
-              <a:t>schema.org</a:t>
-            </a:r>
-            <a:r>
-              <a:rPr lang="pt-PT" dirty="0" smtClean="0">
-                <a:solidFill>
-                  <a:srgbClr val="AEC908"/>
-                </a:solidFill>
-                <a:ea typeface="+mj-ea"/>
-                <a:cs typeface="+mj-cs"/>
-              </a:rPr>
-              <a:t>/</a:t>
-            </a:r>
-          </a:p>
-          <a:p>
-            <a:endParaRPr lang="pt-PT" dirty="0">
-              <a:solidFill>
-                <a:srgbClr val="AEC908"/>
-              </a:solidFill>
-              <a:ea typeface="+mj-ea"/>
-              <a:cs typeface="+mj-cs"/>
-            </a:endParaRPr>
-          </a:p>
-          <a:p>
-            <a:r>
-              <a:rPr lang="pt-PT" dirty="0" smtClean="0">
-                <a:solidFill>
-                  <a:schemeClr val="bg1">
-                    <a:lumMod val="85000"/>
-                  </a:schemeClr>
-                </a:solidFill>
-                <a:ea typeface="+mj-ea"/>
-                <a:cs typeface="+mj-cs"/>
-              </a:rPr>
-              <a:t>Descreve eventos, empresas, pessoa, produto e até breadcrumbs</a:t>
-            </a:r>
-            <a:endParaRPr lang="pt-BR" dirty="0">
+            <a:pPr marL="0" indent="0" algn="ctr">
+              <a:buNone/>
+            </a:pPr>
+            <a:r>
+              <a:rPr lang="en-US" dirty="0" smtClean="0">
+                <a:solidFill>
+                  <a:schemeClr val="bg1">
+                    <a:lumMod val="85000"/>
+                  </a:schemeClr>
+                </a:solidFill>
+              </a:rPr>
+              <a:t>&lt;meta name="robots" content="index, follow"&gt;</a:t>
+            </a:r>
+            <a:endParaRPr lang="pt-PT" dirty="0" smtClean="0">
               <a:solidFill>
                 <a:schemeClr val="bg1">
                   <a:lumMod val="85000"/>
                 </a:schemeClr>
               </a:solidFill>
-              <a:ea typeface="+mj-ea"/>
-              <a:cs typeface="+mj-cs"/>
             </a:endParaRPr>
           </a:p>
         </p:txBody>
@@ -6805,7 +6965,7 @@
     </p:spTree>
     <p:extLst>
       <p:ext uri="{BB962C8B-B14F-4D97-AF65-F5344CB8AC3E}">
-        <p14:creationId xmlns:p14="http://schemas.microsoft.com/office/powerpoint/2010/main" xmlns="" val="3308039092"/>
+        <p14:creationId xmlns="" xmlns:p14="http://schemas.microsoft.com/office/powerpoint/2010/main" val="3308039092"/>
       </p:ext>
     </p:extLst>
   </p:cSld>
@@ -6851,7 +7011,7 @@
           <a:blip r:embed="rId2" cstate="print">
             <a:extLst>
               <a:ext uri="{28A0092B-C50C-407E-A947-70E740481C1C}">
-                <a14:useLocalDpi xmlns:a14="http://schemas.microsoft.com/office/drawing/2010/main" xmlns="" val="0"/>
+                <a14:useLocalDpi xmlns="" xmlns:a14="http://schemas.microsoft.com/office/drawing/2010/main" val="0"/>
               </a:ext>
             </a:extLst>
           </a:blip>
@@ -6881,6 +7041,49 @@
         </p:nvSpPr>
         <p:spPr/>
         <p:txBody>
+          <a:bodyPr>
+            <a:normAutofit/>
+          </a:bodyPr>
+          <a:lstStyle/>
+          <a:p>
+            <a:r>
+              <a:rPr lang="pt-PT" dirty="0" smtClean="0">
+                <a:solidFill>
+                  <a:schemeClr val="bg1">
+                    <a:lumMod val="85000"/>
+                  </a:schemeClr>
+                </a:solidFill>
+              </a:rPr>
+              <a:t>2. Microdata é </a:t>
+            </a:r>
+            <a:r>
+              <a:rPr lang="pt-PT" dirty="0">
+                <a:solidFill>
+                  <a:srgbClr val="AEC908"/>
+                </a:solidFill>
+              </a:rPr>
+              <a:t>semântica</a:t>
+            </a:r>
+            <a:endParaRPr lang="pt-BR" dirty="0">
+              <a:solidFill>
+                <a:srgbClr val="AEC908"/>
+              </a:solidFill>
+            </a:endParaRPr>
+          </a:p>
+        </p:txBody>
+      </p:sp>
+      <p:sp>
+        <p:nvSpPr>
+          <p:cNvPr id="3" name="Content Placeholder 2"/>
+          <p:cNvSpPr>
+            <a:spLocks noGrp="1"/>
+          </p:cNvSpPr>
+          <p:nvPr>
+            <p:ph idx="1"/>
+          </p:nvPr>
+        </p:nvSpPr>
+        <p:spPr/>
+        <p:txBody>
           <a:bodyPr/>
           <a:lstStyle/>
           <a:p>
@@ -6892,44 +7095,7 @@
                   </a:schemeClr>
                 </a:solidFill>
               </a:rPr>
-              <a:t>2. Microdata é </a:t>
-            </a:r>
-            <a:r>
-              <a:rPr lang="pt-PT" dirty="0" smtClean="0">
-                <a:solidFill>
-                  <a:srgbClr val="AEC908"/>
-                </a:solidFill>
-              </a:rPr>
-              <a:t>semântica</a:t>
-            </a:r>
-            <a:endParaRPr lang="pt-BR" dirty="0"/>
-          </a:p>
-        </p:txBody>
-      </p:sp>
-      <p:sp>
-        <p:nvSpPr>
-          <p:cNvPr id="3" name="Content Placeholder 2"/>
-          <p:cNvSpPr>
-            <a:spLocks noGrp="1"/>
-          </p:cNvSpPr>
-          <p:nvPr>
-            <p:ph idx="1"/>
-          </p:nvPr>
-        </p:nvSpPr>
-        <p:spPr/>
-        <p:txBody>
-          <a:bodyPr/>
-          <a:lstStyle/>
-          <a:p>
-            <a:r>
-              <a:rPr lang="pt-PT" dirty="0" smtClean="0">
-                <a:solidFill>
-                  <a:schemeClr val="bg1">
-                    <a:lumMod val="85000"/>
-                  </a:schemeClr>
-                </a:solidFill>
-              </a:rPr>
-              <a:t>Escopo do microdata, itemscope e itemtype:</a:t>
+              <a:t>Padrão de representação de informações</a:t>
             </a:r>
           </a:p>
           <a:p>
@@ -6942,24 +7108,68 @@
             </a:endParaRPr>
           </a:p>
           <a:p>
-            <a:endParaRPr lang="pt-PT" dirty="0" smtClean="0">
+            <a:r>
+              <a:rPr lang="pt-PT" dirty="0" smtClean="0">
+                <a:solidFill>
+                  <a:schemeClr val="bg1">
+                    <a:lumMod val="85000"/>
+                  </a:schemeClr>
+                </a:solidFill>
+              </a:rPr>
+              <a:t>Microdata utiliza vocabulário específico encontrado em </a:t>
+            </a:r>
+            <a:r>
+              <a:rPr lang="pt-PT" dirty="0" smtClean="0">
+                <a:solidFill>
+                  <a:srgbClr val="AEC908"/>
+                </a:solidFill>
+                <a:ea typeface="+mj-ea"/>
+                <a:cs typeface="+mj-cs"/>
+              </a:rPr>
+              <a:t>http://</a:t>
+            </a:r>
+            <a:r>
+              <a:rPr lang="pt-PT" dirty="0">
+                <a:solidFill>
+                  <a:srgbClr val="AEC908"/>
+                </a:solidFill>
+                <a:ea typeface="+mj-ea"/>
+                <a:cs typeface="+mj-cs"/>
+              </a:rPr>
+              <a:t>schema.org</a:t>
+            </a:r>
+            <a:r>
+              <a:rPr lang="pt-PT" dirty="0" smtClean="0">
+                <a:solidFill>
+                  <a:srgbClr val="AEC908"/>
+                </a:solidFill>
+                <a:ea typeface="+mj-ea"/>
+                <a:cs typeface="+mj-cs"/>
+              </a:rPr>
+              <a:t>/</a:t>
+            </a:r>
+          </a:p>
+          <a:p>
+            <a:endParaRPr lang="pt-PT" dirty="0">
               <a:solidFill>
-                <a:schemeClr val="bg1">
-                  <a:lumMod val="85000"/>
-                </a:schemeClr>
+                <a:srgbClr val="AEC908"/>
               </a:solidFill>
+              <a:ea typeface="+mj-ea"/>
+              <a:cs typeface="+mj-cs"/>
             </a:endParaRPr>
           </a:p>
           <a:p>
             <a:r>
-              <a:rPr lang="pt-BR" dirty="0" smtClean="0">
-                <a:solidFill>
-                  <a:schemeClr val="bg1">
-                    <a:lumMod val="85000"/>
-                  </a:schemeClr>
-                </a:solidFill>
-              </a:rPr>
-              <a:t>No caso do vocabulário Organization temos elementos como name (nome da empresa), tel (telefone), geo (coordenadas geográficas como latitude e longitude), entre outras.</a:t>
+              <a:rPr lang="pt-PT" dirty="0" smtClean="0">
+                <a:solidFill>
+                  <a:schemeClr val="bg1">
+                    <a:lumMod val="85000"/>
+                  </a:schemeClr>
+                </a:solidFill>
+                <a:ea typeface="+mj-ea"/>
+                <a:cs typeface="+mj-cs"/>
+              </a:rPr>
+              <a:t>Descreve eventos, empresas, pessoa, produto e até breadcrumbs</a:t>
             </a:r>
             <a:endParaRPr lang="pt-BR" dirty="0">
               <a:solidFill>
@@ -6967,78 +7177,16 @@
                   <a:lumMod val="85000"/>
                 </a:schemeClr>
               </a:solidFill>
+              <a:ea typeface="+mj-ea"/>
+              <a:cs typeface="+mj-cs"/>
             </a:endParaRPr>
           </a:p>
         </p:txBody>
       </p:sp>
-      <p:pic>
-        <p:nvPicPr>
-          <p:cNvPr id="5122" name="Picture 2"/>
-          <p:cNvPicPr>
-            <a:picLocks noChangeAspect="1" noChangeArrowheads="1"/>
-          </p:cNvPicPr>
-          <p:nvPr/>
-        </p:nvPicPr>
-        <p:blipFill>
-          <a:blip r:embed="rId3" cstate="print">
-            <a:extLst>
-              <a:ext uri="{28A0092B-C50C-407E-A947-70E740481C1C}">
-                <a14:useLocalDpi xmlns:a14="http://schemas.microsoft.com/office/drawing/2010/main" xmlns="" val="0"/>
-              </a:ext>
-            </a:extLst>
-          </a:blip>
-          <a:srcRect/>
-          <a:stretch>
-            <a:fillRect/>
-          </a:stretch>
-        </p:blipFill>
-        <p:spPr bwMode="auto">
-          <a:xfrm>
-            <a:off x="1547664" y="2420888"/>
-            <a:ext cx="6379656" cy="720080"/>
-          </a:xfrm>
-          <a:prstGeom prst="rect">
-            <a:avLst/>
-          </a:prstGeom>
-          <a:noFill/>
-          <a:ln>
-            <a:noFill/>
-          </a:ln>
-          <a:effectLst/>
-          <a:extLst>
-            <a:ext uri="{909E8E84-426E-40DD-AFC4-6F175D3DCCD1}">
-              <a14:hiddenFill xmlns:a14="http://schemas.microsoft.com/office/drawing/2010/main" xmlns="">
-                <a:solidFill>
-                  <a:schemeClr val="accent1"/>
-                </a:solidFill>
-              </a14:hiddenFill>
-            </a:ext>
-            <a:ext uri="{91240B29-F687-4F45-9708-019B960494DF}">
-              <a14:hiddenLine xmlns:a14="http://schemas.microsoft.com/office/drawing/2010/main" xmlns="" w="9525">
-                <a:solidFill>
-                  <a:schemeClr val="tx1"/>
-                </a:solidFill>
-                <a:miter lim="800000"/>
-                <a:headEnd/>
-                <a:tailEnd/>
-              </a14:hiddenLine>
-            </a:ext>
-            <a:ext uri="{AF507438-7753-43E0-B8FC-AC1667EBCBE1}">
-              <a14:hiddenEffects xmlns:a14="http://schemas.microsoft.com/office/drawing/2010/main" xmlns="">
-                <a:effectLst>
-                  <a:outerShdw dist="35921" dir="2700000" algn="ctr" rotWithShape="0">
-                    <a:schemeClr val="bg2"/>
-                  </a:outerShdw>
-                </a:effectLst>
-              </a14:hiddenEffects>
-            </a:ext>
-          </a:extLst>
-        </p:spPr>
-      </p:pic>
     </p:spTree>
     <p:extLst>
       <p:ext uri="{BB962C8B-B14F-4D97-AF65-F5344CB8AC3E}">
-        <p14:creationId xmlns:p14="http://schemas.microsoft.com/office/powerpoint/2010/main" xmlns="" val="1156373279"/>
+        <p14:creationId xmlns="" xmlns:p14="http://schemas.microsoft.com/office/powerpoint/2010/main" val="3308039092"/>
       </p:ext>
     </p:extLst>
   </p:cSld>
@@ -7084,7 +7232,7 @@
           <a:blip r:embed="rId2" cstate="print">
             <a:extLst>
               <a:ext uri="{28A0092B-C50C-407E-A947-70E740481C1C}">
-                <a14:useLocalDpi xmlns:a14="http://schemas.microsoft.com/office/drawing/2010/main" xmlns="" val="0"/>
+                <a14:useLocalDpi xmlns="" xmlns:a14="http://schemas.microsoft.com/office/drawing/2010/main" val="0"/>
               </a:ext>
             </a:extLst>
           </a:blip>
@@ -7118,7 +7266,7 @@
           <a:lstStyle/>
           <a:p>
             <a:r>
-              <a:rPr lang="pt-PT" dirty="0">
+              <a:rPr lang="pt-PT" dirty="0" smtClean="0">
                 <a:solidFill>
                   <a:schemeClr val="bg1">
                     <a:lumMod val="85000"/>
@@ -7128,7 +7276,7 @@
               <a:t>2. Microdata é </a:t>
             </a:r>
             <a:r>
-              <a:rPr lang="pt-PT" dirty="0">
+              <a:rPr lang="pt-PT" dirty="0" smtClean="0">
                 <a:solidFill>
                   <a:srgbClr val="AEC908"/>
                 </a:solidFill>
@@ -7155,15 +7303,26 @@
           <a:lstStyle/>
           <a:p>
             <a:r>
-              <a:rPr lang="pt-BR" dirty="0" smtClean="0">
-                <a:solidFill>
-                  <a:schemeClr val="bg1">
-                    <a:lumMod val="85000"/>
-                  </a:schemeClr>
-                </a:solidFill>
-              </a:rPr>
-              <a:t>A propriedade itemprop identifica qual elemento aquela tag estará representando:</a:t>
-            </a:r>
+              <a:rPr lang="pt-PT" dirty="0" smtClean="0">
+                <a:solidFill>
+                  <a:schemeClr val="bg1">
+                    <a:lumMod val="85000"/>
+                  </a:schemeClr>
+                </a:solidFill>
+              </a:rPr>
+              <a:t>Escopo do microdata, itemscope e itemtype:</a:t>
+            </a:r>
+          </a:p>
+          <a:p>
+            <a:endParaRPr lang="pt-PT" dirty="0">
+              <a:solidFill>
+                <a:schemeClr val="bg1">
+                  <a:lumMod val="85000"/>
+                </a:schemeClr>
+              </a:solidFill>
+            </a:endParaRPr>
+          </a:p>
+          <a:p>
             <a:endParaRPr lang="pt-PT" dirty="0" smtClean="0">
               <a:solidFill>
                 <a:schemeClr val="bg1">
@@ -7173,13 +7332,29 @@
             </a:endParaRPr>
           </a:p>
           <a:p>
-            <a:endParaRPr lang="pt-BR" dirty="0"/>
+            <a:r>
+              <a:rPr lang="pt-BR" dirty="0" smtClean="0">
+                <a:solidFill>
+                  <a:schemeClr val="bg1">
+                    <a:lumMod val="85000"/>
+                  </a:schemeClr>
+                </a:solidFill>
+              </a:rPr>
+              <a:t>No caso do vocabulário Organization temos elementos como name (nome da empresa), tel (telefone), geo (coordenadas geográficas como latitude e longitude), entre outras.</a:t>
+            </a:r>
+            <a:endParaRPr lang="pt-BR" dirty="0">
+              <a:solidFill>
+                <a:schemeClr val="bg1">
+                  <a:lumMod val="85000"/>
+                </a:schemeClr>
+              </a:solidFill>
+            </a:endParaRPr>
           </a:p>
         </p:txBody>
       </p:sp>
       <p:pic>
         <p:nvPicPr>
-          <p:cNvPr id="1026" name="Picture 2"/>
+          <p:cNvPr id="5122" name="Picture 2"/>
           <p:cNvPicPr>
             <a:picLocks noChangeAspect="1" noChangeArrowheads="1"/>
           </p:cNvPicPr>
@@ -7189,7 +7364,7 @@
           <a:blip r:embed="rId3" cstate="print">
             <a:extLst>
               <a:ext uri="{28A0092B-C50C-407E-A947-70E740481C1C}">
-                <a14:useLocalDpi xmlns:a14="http://schemas.microsoft.com/office/drawing/2010/main" xmlns="" val="0"/>
+                <a14:useLocalDpi xmlns="" xmlns:a14="http://schemas.microsoft.com/office/drawing/2010/main" val="0"/>
               </a:ext>
             </a:extLst>
           </a:blip>
@@ -7200,8 +7375,8 @@
         </p:blipFill>
         <p:spPr bwMode="auto">
           <a:xfrm>
-            <a:off x="1043608" y="2924944"/>
-            <a:ext cx="6795014" cy="2808312"/>
+            <a:off x="1547664" y="2420888"/>
+            <a:ext cx="6379656" cy="720080"/>
           </a:xfrm>
           <a:prstGeom prst="rect">
             <a:avLst/>
@@ -7213,14 +7388,14 @@
           <a:effectLst/>
           <a:extLst>
             <a:ext uri="{909E8E84-426E-40DD-AFC4-6F175D3DCCD1}">
-              <a14:hiddenFill xmlns:a14="http://schemas.microsoft.com/office/drawing/2010/main" xmlns="">
+              <a14:hiddenFill xmlns="" xmlns:a14="http://schemas.microsoft.com/office/drawing/2010/main">
                 <a:solidFill>
                   <a:schemeClr val="accent1"/>
                 </a:solidFill>
               </a14:hiddenFill>
             </a:ext>
             <a:ext uri="{91240B29-F687-4F45-9708-019B960494DF}">
-              <a14:hiddenLine xmlns:a14="http://schemas.microsoft.com/office/drawing/2010/main" xmlns="" w="9525">
+              <a14:hiddenLine xmlns="" xmlns:a14="http://schemas.microsoft.com/office/drawing/2010/main" w="9525">
                 <a:solidFill>
                   <a:schemeClr val="tx1"/>
                 </a:solidFill>
@@ -7230,7 +7405,7 @@
               </a14:hiddenLine>
             </a:ext>
             <a:ext uri="{AF507438-7753-43E0-B8FC-AC1667EBCBE1}">
-              <a14:hiddenEffects xmlns:a14="http://schemas.microsoft.com/office/drawing/2010/main" xmlns="">
+              <a14:hiddenEffects xmlns="" xmlns:a14="http://schemas.microsoft.com/office/drawing/2010/main">
                 <a:effectLst>
                   <a:outerShdw dist="35921" dir="2700000" algn="ctr" rotWithShape="0">
                     <a:schemeClr val="bg2"/>
@@ -7244,7 +7419,7 @@
     </p:spTree>
     <p:extLst>
       <p:ext uri="{BB962C8B-B14F-4D97-AF65-F5344CB8AC3E}">
-        <p14:creationId xmlns:p14="http://schemas.microsoft.com/office/powerpoint/2010/main" xmlns="" val="1156373279"/>
+        <p14:creationId xmlns="" xmlns:p14="http://schemas.microsoft.com/office/powerpoint/2010/main" val="1156373279"/>
       </p:ext>
     </p:extLst>
   </p:cSld>
@@ -7290,7 +7465,7 @@
           <a:blip r:embed="rId2" cstate="print">
             <a:extLst>
               <a:ext uri="{28A0092B-C50C-407E-A947-70E740481C1C}">
-                <a14:useLocalDpi xmlns:a14="http://schemas.microsoft.com/office/drawing/2010/main" xmlns="" val="0"/>
+                <a14:useLocalDpi xmlns="" xmlns:a14="http://schemas.microsoft.com/office/drawing/2010/main" val="0"/>
               </a:ext>
             </a:extLst>
           </a:blip>
@@ -7320,107 +7495,66 @@
         </p:nvSpPr>
         <p:spPr/>
         <p:txBody>
-          <a:bodyPr>
-            <a:normAutofit/>
-          </a:bodyPr>
-          <a:lstStyle/>
-          <a:p>
-            <a:r>
-              <a:rPr lang="pt-PT" dirty="0" smtClean="0">
-                <a:solidFill>
-                  <a:schemeClr val="bg1">
-                    <a:lumMod val="85000"/>
-                  </a:schemeClr>
-                </a:solidFill>
-              </a:rPr>
-              <a:t>Content </a:t>
-            </a:r>
-            <a:r>
-              <a:rPr lang="pt-PT" dirty="0" smtClean="0">
-                <a:solidFill>
-                  <a:srgbClr val="AEC908"/>
-                </a:solidFill>
-              </a:rPr>
-              <a:t>Sharing</a:t>
-            </a:r>
-            <a:endParaRPr lang="pt-BR" dirty="0">
-              <a:solidFill>
-                <a:srgbClr val="AEC908"/>
-              </a:solidFill>
-            </a:endParaRPr>
-          </a:p>
-        </p:txBody>
-      </p:sp>
-      <p:sp>
-        <p:nvSpPr>
-          <p:cNvPr id="3" name="Content Placeholder 2"/>
-          <p:cNvSpPr>
-            <a:spLocks noGrp="1"/>
-          </p:cNvSpPr>
-          <p:nvPr>
-            <p:ph idx="1"/>
-          </p:nvPr>
-        </p:nvSpPr>
-        <p:spPr/>
-        <p:txBody>
           <a:bodyPr/>
           <a:lstStyle/>
           <a:p>
             <a:r>
-              <a:rPr lang="pt-BR" dirty="0" smtClean="0">
-                <a:solidFill>
-                  <a:schemeClr val="bg1">
-                    <a:lumMod val="75000"/>
-                  </a:schemeClr>
-                </a:solidFill>
-              </a:rPr>
-              <a:t>Compartilhamento de informações entre diversos aplicativos</a:t>
-            </a:r>
-          </a:p>
-          <a:p>
-            <a:endParaRPr lang="pt-BR" dirty="0" smtClean="0">
+              <a:rPr lang="pt-PT" dirty="0">
+                <a:solidFill>
+                  <a:schemeClr val="bg1">
+                    <a:lumMod val="85000"/>
+                  </a:schemeClr>
+                </a:solidFill>
+              </a:rPr>
+              <a:t>2. Microdata é </a:t>
+            </a:r>
+            <a:r>
+              <a:rPr lang="pt-PT" dirty="0">
+                <a:solidFill>
+                  <a:srgbClr val="AEC908"/>
+                </a:solidFill>
+              </a:rPr>
+              <a:t>semântica</a:t>
+            </a:r>
+            <a:endParaRPr lang="pt-BR" dirty="0"/>
+          </a:p>
+        </p:txBody>
+      </p:sp>
+      <p:sp>
+        <p:nvSpPr>
+          <p:cNvPr id="3" name="Content Placeholder 2"/>
+          <p:cNvSpPr>
+            <a:spLocks noGrp="1"/>
+          </p:cNvSpPr>
+          <p:nvPr>
+            <p:ph idx="1"/>
+          </p:nvPr>
+        </p:nvSpPr>
+        <p:spPr/>
+        <p:txBody>
+          <a:bodyPr/>
+          <a:lstStyle/>
+          <a:p>
+            <a:r>
+              <a:rPr lang="pt-BR" dirty="0" smtClean="0">
+                <a:solidFill>
+                  <a:schemeClr val="bg1">
+                    <a:lumMod val="85000"/>
+                  </a:schemeClr>
+                </a:solidFill>
+              </a:rPr>
+              <a:t>A propriedade itemprop identifica qual elemento aquela tag estará representando:</a:t>
+            </a:r>
+            <a:endParaRPr lang="pt-PT" dirty="0" smtClean="0">
               <a:solidFill>
                 <a:schemeClr val="bg1">
-                  <a:lumMod val="75000"/>
+                  <a:lumMod val="85000"/>
                 </a:schemeClr>
               </a:solidFill>
             </a:endParaRPr>
           </a:p>
           <a:p>
-            <a:r>
-              <a:rPr lang="pt-BR" dirty="0" smtClean="0">
-                <a:solidFill>
-                  <a:srgbClr val="AEC908"/>
-                </a:solidFill>
-                <a:ea typeface="+mj-ea"/>
-                <a:cs typeface="+mj-cs"/>
-              </a:rPr>
-              <a:t>Facebook</a:t>
-            </a:r>
-          </a:p>
-          <a:p>
-            <a:pPr lvl="1"/>
-            <a:r>
-              <a:rPr lang="pt-BR" dirty="0" smtClean="0">
-                <a:solidFill>
-                  <a:schemeClr val="bg1">
-                    <a:lumMod val="75000"/>
-                  </a:schemeClr>
-                </a:solidFill>
-                <a:ea typeface="+mj-ea"/>
-                <a:cs typeface="+mj-cs"/>
-              </a:rPr>
-              <a:t>Título: </a:t>
-            </a:r>
-            <a:endParaRPr lang="pt-BR" dirty="0">
-              <a:solidFill>
-                <a:schemeClr val="bg1">
-                  <a:lumMod val="75000"/>
-                </a:schemeClr>
-              </a:solidFill>
-              <a:ea typeface="+mj-ea"/>
-              <a:cs typeface="+mj-cs"/>
-            </a:endParaRPr>
+            <a:endParaRPr lang="pt-BR" dirty="0"/>
           </a:p>
         </p:txBody>
       </p:sp>
@@ -7433,7 +7567,13 @@
           <p:nvPr/>
         </p:nvPicPr>
         <p:blipFill>
-          <a:blip r:embed="rId3" cstate="print"/>
+          <a:blip r:embed="rId3" cstate="print">
+            <a:extLst>
+              <a:ext uri="{28A0092B-C50C-407E-A947-70E740481C1C}">
+                <a14:useLocalDpi xmlns="" xmlns:a14="http://schemas.microsoft.com/office/drawing/2010/main" val="0"/>
+              </a:ext>
+            </a:extLst>
+          </a:blip>
           <a:srcRect/>
           <a:stretch>
             <a:fillRect/>
@@ -7441,25 +7581,51 @@
         </p:blipFill>
         <p:spPr bwMode="auto">
           <a:xfrm>
-            <a:off x="1043608" y="4797152"/>
-            <a:ext cx="7432690" cy="1080120"/>
+            <a:off x="1043608" y="2924944"/>
+            <a:ext cx="6795014" cy="2808312"/>
           </a:xfrm>
           <a:prstGeom prst="rect">
             <a:avLst/>
           </a:prstGeom>
           <a:noFill/>
-          <a:ln w="9525">
+          <a:ln>
             <a:noFill/>
-            <a:miter lim="800000"/>
-            <a:headEnd/>
-            <a:tailEnd/>
           </a:ln>
+          <a:effectLst/>
+          <a:extLst>
+            <a:ext uri="{909E8E84-426E-40DD-AFC4-6F175D3DCCD1}">
+              <a14:hiddenFill xmlns="" xmlns:a14="http://schemas.microsoft.com/office/drawing/2010/main">
+                <a:solidFill>
+                  <a:schemeClr val="accent1"/>
+                </a:solidFill>
+              </a14:hiddenFill>
+            </a:ext>
+            <a:ext uri="{91240B29-F687-4F45-9708-019B960494DF}">
+              <a14:hiddenLine xmlns="" xmlns:a14="http://schemas.microsoft.com/office/drawing/2010/main" w="9525">
+                <a:solidFill>
+                  <a:schemeClr val="tx1"/>
+                </a:solidFill>
+                <a:miter lim="800000"/>
+                <a:headEnd/>
+                <a:tailEnd/>
+              </a14:hiddenLine>
+            </a:ext>
+            <a:ext uri="{AF507438-7753-43E0-B8FC-AC1667EBCBE1}">
+              <a14:hiddenEffects xmlns="" xmlns:a14="http://schemas.microsoft.com/office/drawing/2010/main">
+                <a:effectLst>
+                  <a:outerShdw dist="35921" dir="2700000" algn="ctr" rotWithShape="0">
+                    <a:schemeClr val="bg2"/>
+                  </a:outerShdw>
+                </a:effectLst>
+              </a14:hiddenEffects>
+            </a:ext>
+          </a:extLst>
         </p:spPr>
       </p:pic>
     </p:spTree>
     <p:extLst>
       <p:ext uri="{BB962C8B-B14F-4D97-AF65-F5344CB8AC3E}">
-        <p14:creationId xmlns:p14="http://schemas.microsoft.com/office/powerpoint/2010/main" xmlns="" val="1156373279"/>
+        <p14:creationId xmlns="" xmlns:p14="http://schemas.microsoft.com/office/powerpoint/2010/main" val="1156373279"/>
       </p:ext>
     </p:extLst>
   </p:cSld>
@@ -7505,7 +7671,7 @@
           <a:blip r:embed="rId2" cstate="print">
             <a:extLst>
               <a:ext uri="{28A0092B-C50C-407E-A947-70E740481C1C}">
-                <a14:useLocalDpi xmlns:a14="http://schemas.microsoft.com/office/drawing/2010/main" xmlns="" val="0"/>
+                <a14:useLocalDpi xmlns="" xmlns:a14="http://schemas.microsoft.com/office/drawing/2010/main" val="0"/>
               </a:ext>
             </a:extLst>
           </a:blip>
@@ -7535,18 +7701,233 @@
         </p:nvSpPr>
         <p:spPr/>
         <p:txBody>
+          <a:bodyPr>
+            <a:normAutofit/>
+          </a:bodyPr>
+          <a:lstStyle/>
+          <a:p>
+            <a:r>
+              <a:rPr lang="pt-PT" dirty="0" smtClean="0">
+                <a:solidFill>
+                  <a:schemeClr val="bg1">
+                    <a:lumMod val="85000"/>
+                  </a:schemeClr>
+                </a:solidFill>
+              </a:rPr>
+              <a:t>3. Content </a:t>
+            </a:r>
+            <a:r>
+              <a:rPr lang="pt-PT" dirty="0" smtClean="0">
+                <a:solidFill>
+                  <a:srgbClr val="AEC908"/>
+                </a:solidFill>
+              </a:rPr>
+              <a:t>Sharing</a:t>
+            </a:r>
+            <a:endParaRPr lang="pt-BR" dirty="0">
+              <a:solidFill>
+                <a:srgbClr val="AEC908"/>
+              </a:solidFill>
+            </a:endParaRPr>
+          </a:p>
+        </p:txBody>
+      </p:sp>
+      <p:sp>
+        <p:nvSpPr>
+          <p:cNvPr id="3" name="Content Placeholder 2"/>
+          <p:cNvSpPr>
+            <a:spLocks noGrp="1"/>
+          </p:cNvSpPr>
+          <p:nvPr>
+            <p:ph idx="1"/>
+          </p:nvPr>
+        </p:nvSpPr>
+        <p:spPr/>
+        <p:txBody>
           <a:bodyPr/>
           <a:lstStyle/>
           <a:p>
             <a:r>
-              <a:rPr lang="pt-PT" dirty="0" smtClean="0">
-                <a:solidFill>
-                  <a:schemeClr val="bg1">
-                    <a:lumMod val="85000"/>
-                  </a:schemeClr>
-                </a:solidFill>
-              </a:rPr>
-              <a:t>Content </a:t>
+              <a:rPr lang="pt-BR" dirty="0" smtClean="0">
+                <a:solidFill>
+                  <a:schemeClr val="bg1">
+                    <a:lumMod val="75000"/>
+                  </a:schemeClr>
+                </a:solidFill>
+              </a:rPr>
+              <a:t>Compartilhamento de informações entre diversos aplicativos</a:t>
+            </a:r>
+          </a:p>
+          <a:p>
+            <a:endParaRPr lang="pt-BR" dirty="0" smtClean="0">
+              <a:solidFill>
+                <a:schemeClr val="bg1">
+                  <a:lumMod val="75000"/>
+                </a:schemeClr>
+              </a:solidFill>
+            </a:endParaRPr>
+          </a:p>
+          <a:p>
+            <a:r>
+              <a:rPr lang="pt-BR" dirty="0" smtClean="0">
+                <a:solidFill>
+                  <a:srgbClr val="AEC908"/>
+                </a:solidFill>
+                <a:ea typeface="+mj-ea"/>
+                <a:cs typeface="+mj-cs"/>
+              </a:rPr>
+              <a:t>Facebook</a:t>
+            </a:r>
+          </a:p>
+          <a:p>
+            <a:pPr lvl="1"/>
+            <a:r>
+              <a:rPr lang="pt-BR" dirty="0" smtClean="0">
+                <a:solidFill>
+                  <a:schemeClr val="bg1">
+                    <a:lumMod val="75000"/>
+                  </a:schemeClr>
+                </a:solidFill>
+                <a:ea typeface="+mj-ea"/>
+                <a:cs typeface="+mj-cs"/>
+              </a:rPr>
+              <a:t>Título: </a:t>
+            </a:r>
+            <a:endParaRPr lang="pt-BR" dirty="0">
+              <a:solidFill>
+                <a:schemeClr val="bg1">
+                  <a:lumMod val="75000"/>
+                </a:schemeClr>
+              </a:solidFill>
+              <a:ea typeface="+mj-ea"/>
+              <a:cs typeface="+mj-cs"/>
+            </a:endParaRPr>
+          </a:p>
+        </p:txBody>
+      </p:sp>
+      <p:pic>
+        <p:nvPicPr>
+          <p:cNvPr id="1026" name="Picture 2"/>
+          <p:cNvPicPr>
+            <a:picLocks noChangeAspect="1" noChangeArrowheads="1"/>
+          </p:cNvPicPr>
+          <p:nvPr/>
+        </p:nvPicPr>
+        <p:blipFill>
+          <a:blip r:embed="rId3" cstate="print"/>
+          <a:srcRect/>
+          <a:stretch>
+            <a:fillRect/>
+          </a:stretch>
+        </p:blipFill>
+        <p:spPr bwMode="auto">
+          <a:xfrm>
+            <a:off x="1043608" y="4797152"/>
+            <a:ext cx="7432690" cy="1080120"/>
+          </a:xfrm>
+          <a:prstGeom prst="rect">
+            <a:avLst/>
+          </a:prstGeom>
+          <a:noFill/>
+          <a:ln w="9525">
+            <a:noFill/>
+            <a:miter lim="800000"/>
+            <a:headEnd/>
+            <a:tailEnd/>
+          </a:ln>
+        </p:spPr>
+      </p:pic>
+    </p:spTree>
+    <p:extLst>
+      <p:ext uri="{BB962C8B-B14F-4D97-AF65-F5344CB8AC3E}">
+        <p14:creationId xmlns="" xmlns:p14="http://schemas.microsoft.com/office/powerpoint/2010/main" val="1156373279"/>
+      </p:ext>
+    </p:extLst>
+  </p:cSld>
+  <p:clrMapOvr>
+    <a:masterClrMapping/>
+  </p:clrMapOvr>
+  <p:timing>
+    <p:tnLst>
+      <p:par>
+        <p:cTn id="1" dur="indefinite" restart="never" nodeType="tmRoot"/>
+      </p:par>
+    </p:tnLst>
+  </p:timing>
+</p:sld>
+</file>
+
+<file path=ppt/slides/slide29.xml><?xml version="1.0" encoding="utf-8"?>
+<p:sld xmlns:a="http://schemas.openxmlformats.org/drawingml/2006/main" xmlns:r="http://schemas.openxmlformats.org/officeDocument/2006/relationships" xmlns:p="http://schemas.openxmlformats.org/presentationml/2006/main">
+  <p:cSld>
+    <p:spTree>
+      <p:nvGrpSpPr>
+        <p:cNvPr id="1" name=""/>
+        <p:cNvGrpSpPr/>
+        <p:nvPr/>
+      </p:nvGrpSpPr>
+      <p:grpSpPr>
+        <a:xfrm>
+          <a:off x="0" y="0"/>
+          <a:ext cx="0" cy="0"/>
+          <a:chOff x="0" y="0"/>
+          <a:chExt cx="0" cy="0"/>
+        </a:xfrm>
+      </p:grpSpPr>
+      <p:pic>
+        <p:nvPicPr>
+          <p:cNvPr id="4" name="Picture 3"/>
+          <p:cNvPicPr>
+            <a:picLocks noChangeAspect="1"/>
+          </p:cNvPicPr>
+          <p:nvPr/>
+        </p:nvPicPr>
+        <p:blipFill>
+          <a:blip r:embed="rId2" cstate="print">
+            <a:extLst>
+              <a:ext uri="{28A0092B-C50C-407E-A947-70E740481C1C}">
+                <a14:useLocalDpi xmlns="" xmlns:a14="http://schemas.microsoft.com/office/drawing/2010/main" val="0"/>
+              </a:ext>
+            </a:extLst>
+          </a:blip>
+          <a:stretch>
+            <a:fillRect/>
+          </a:stretch>
+        </p:blipFill>
+        <p:spPr>
+          <a:xfrm>
+            <a:off x="0" y="0"/>
+            <a:ext cx="9180512" cy="6885384"/>
+          </a:xfrm>
+          <a:prstGeom prst="rect">
+            <a:avLst/>
+          </a:prstGeom>
+        </p:spPr>
+      </p:pic>
+      <p:sp>
+        <p:nvSpPr>
+          <p:cNvPr id="2" name="Title 1"/>
+          <p:cNvSpPr>
+            <a:spLocks noGrp="1"/>
+          </p:cNvSpPr>
+          <p:nvPr>
+            <p:ph type="title"/>
+          </p:nvPr>
+        </p:nvSpPr>
+        <p:spPr/>
+        <p:txBody>
+          <a:bodyPr/>
+          <a:lstStyle/>
+          <a:p>
+            <a:r>
+              <a:rPr lang="pt-PT" dirty="0" smtClean="0">
+                <a:solidFill>
+                  <a:schemeClr val="bg1">
+                    <a:lumMod val="85000"/>
+                  </a:schemeClr>
+                </a:solidFill>
+              </a:rPr>
+              <a:t>3. Content </a:t>
             </a:r>
             <a:r>
               <a:rPr lang="pt-PT" dirty="0" smtClean="0">
@@ -7719,190 +8100,7 @@
     </p:spTree>
     <p:extLst>
       <p:ext uri="{BB962C8B-B14F-4D97-AF65-F5344CB8AC3E}">
-        <p14:creationId xmlns:p14="http://schemas.microsoft.com/office/powerpoint/2010/main" xmlns="" val="1156373279"/>
-      </p:ext>
-    </p:extLst>
-  </p:cSld>
-  <p:clrMapOvr>
-    <a:masterClrMapping/>
-  </p:clrMapOvr>
-  <p:timing>
-    <p:tnLst>
-      <p:par>
-        <p:cTn id="1" dur="indefinite" restart="never" nodeType="tmRoot"/>
-      </p:par>
-    </p:tnLst>
-  </p:timing>
-</p:sld>
-</file>
-
-<file path=ppt/slides/slide29.xml><?xml version="1.0" encoding="utf-8"?>
-<p:sld xmlns:a="http://schemas.openxmlformats.org/drawingml/2006/main" xmlns:r="http://schemas.openxmlformats.org/officeDocument/2006/relationships" xmlns:p="http://schemas.openxmlformats.org/presentationml/2006/main">
-  <p:cSld>
-    <p:spTree>
-      <p:nvGrpSpPr>
-        <p:cNvPr id="1" name=""/>
-        <p:cNvGrpSpPr/>
-        <p:nvPr/>
-      </p:nvGrpSpPr>
-      <p:grpSpPr>
-        <a:xfrm>
-          <a:off x="0" y="0"/>
-          <a:ext cx="0" cy="0"/>
-          <a:chOff x="0" y="0"/>
-          <a:chExt cx="0" cy="0"/>
-        </a:xfrm>
-      </p:grpSpPr>
-      <p:pic>
-        <p:nvPicPr>
-          <p:cNvPr id="4" name="Picture 3"/>
-          <p:cNvPicPr>
-            <a:picLocks noChangeAspect="1"/>
-          </p:cNvPicPr>
-          <p:nvPr/>
-        </p:nvPicPr>
-        <p:blipFill>
-          <a:blip r:embed="rId2" cstate="print">
-            <a:extLst>
-              <a:ext uri="{28A0092B-C50C-407E-A947-70E740481C1C}">
-                <a14:useLocalDpi xmlns:a14="http://schemas.microsoft.com/office/drawing/2010/main" xmlns="" val="0"/>
-              </a:ext>
-            </a:extLst>
-          </a:blip>
-          <a:stretch>
-            <a:fillRect/>
-          </a:stretch>
-        </p:blipFill>
-        <p:spPr>
-          <a:xfrm>
-            <a:off x="0" y="0"/>
-            <a:ext cx="9180512" cy="6885384"/>
-          </a:xfrm>
-          <a:prstGeom prst="rect">
-            <a:avLst/>
-          </a:prstGeom>
-        </p:spPr>
-      </p:pic>
-      <p:sp>
-        <p:nvSpPr>
-          <p:cNvPr id="2" name="Title 1"/>
-          <p:cNvSpPr>
-            <a:spLocks noGrp="1"/>
-          </p:cNvSpPr>
-          <p:nvPr>
-            <p:ph type="title"/>
-          </p:nvPr>
-        </p:nvSpPr>
-        <p:spPr/>
-        <p:txBody>
-          <a:bodyPr/>
-          <a:lstStyle/>
-          <a:p>
-            <a:r>
-              <a:rPr lang="pt-PT" dirty="0" smtClean="0">
-                <a:solidFill>
-                  <a:schemeClr val="bg1">
-                    <a:lumMod val="85000"/>
-                  </a:schemeClr>
-                </a:solidFill>
-              </a:rPr>
-              <a:t>Content </a:t>
-            </a:r>
-            <a:r>
-              <a:rPr lang="pt-PT" dirty="0" smtClean="0">
-                <a:solidFill>
-                  <a:srgbClr val="AEC908"/>
-                </a:solidFill>
-              </a:rPr>
-              <a:t>Sharing</a:t>
-            </a:r>
-            <a:endParaRPr lang="pt-BR" dirty="0"/>
-          </a:p>
-        </p:txBody>
-      </p:sp>
-      <p:sp>
-        <p:nvSpPr>
-          <p:cNvPr id="3" name="Content Placeholder 2"/>
-          <p:cNvSpPr>
-            <a:spLocks noGrp="1"/>
-          </p:cNvSpPr>
-          <p:nvPr>
-            <p:ph idx="1"/>
-          </p:nvPr>
-        </p:nvSpPr>
-        <p:spPr/>
-        <p:txBody>
-          <a:bodyPr/>
-          <a:lstStyle/>
-          <a:p>
-            <a:r>
-              <a:rPr lang="pt-BR" dirty="0" smtClean="0">
-                <a:solidFill>
-                  <a:srgbClr val="AEC908"/>
-                </a:solidFill>
-              </a:rPr>
-              <a:t>Facebook</a:t>
-            </a:r>
-            <a:endParaRPr lang="pt-BR" dirty="0"/>
-          </a:p>
-          <a:p>
-            <a:pPr lvl="1"/>
-            <a:r>
-              <a:rPr lang="pt-BR" dirty="0" smtClean="0">
-                <a:solidFill>
-                  <a:schemeClr val="bg1">
-                    <a:lumMod val="75000"/>
-                  </a:schemeClr>
-                </a:solidFill>
-              </a:rPr>
-              <a:t>Descrição:</a:t>
-            </a:r>
-            <a:endParaRPr lang="pt-BR" dirty="0" smtClean="0">
-              <a:solidFill>
-                <a:schemeClr val="bg1">
-                  <a:lumMod val="75000"/>
-                </a:schemeClr>
-              </a:solidFill>
-            </a:endParaRPr>
-          </a:p>
-        </p:txBody>
-      </p:sp>
-      <p:pic>
-        <p:nvPicPr>
-          <p:cNvPr id="3074" name="Picture 2"/>
-          <p:cNvPicPr>
-            <a:picLocks noChangeAspect="1" noChangeArrowheads="1"/>
-          </p:cNvPicPr>
-          <p:nvPr/>
-        </p:nvPicPr>
-        <p:blipFill>
-          <a:blip r:embed="rId3" cstate="print"/>
-          <a:srcRect/>
-          <a:stretch>
-            <a:fillRect/>
-          </a:stretch>
-        </p:blipFill>
-        <p:spPr bwMode="auto">
-          <a:xfrm>
-            <a:off x="395536" y="3068960"/>
-            <a:ext cx="8423396" cy="2520280"/>
-          </a:xfrm>
-          <a:prstGeom prst="rect">
-            <a:avLst/>
-          </a:prstGeom>
-          <a:noFill/>
-          <a:ln w="9525">
-            <a:noFill/>
-            <a:miter lim="800000"/>
-            <a:headEnd/>
-            <a:tailEnd/>
-          </a:ln>
-        </p:spPr>
-      </p:pic>
-    </p:spTree>
-    <p:extLst>
-      <p:ext uri="{BB962C8B-B14F-4D97-AF65-F5344CB8AC3E}">
-        <p14:creationId xmlns:p14="http://schemas.microsoft.com/office/powerpoint/2010/main" xmlns="" val="1156373279"/>
+        <p14:creationId xmlns="" xmlns:p14="http://schemas.microsoft.com/office/powerpoint/2010/main" val="1156373279"/>
       </p:ext>
     </p:extLst>
   </p:cSld>
@@ -7948,7 +8146,7 @@
           <a:blip r:embed="rId2" cstate="print">
             <a:extLst>
               <a:ext uri="{28A0092B-C50C-407E-A947-70E740481C1C}">
-                <a14:useLocalDpi xmlns:a14="http://schemas.microsoft.com/office/drawing/2010/main" xmlns="" val="0"/>
+                <a14:useLocalDpi xmlns="" xmlns:a14="http://schemas.microsoft.com/office/drawing/2010/main" val="0"/>
               </a:ext>
             </a:extLst>
           </a:blip>
@@ -7982,22 +8180,22 @@
           <a:lstStyle/>
           <a:p>
             <a:r>
-              <a:rPr lang="pt-PT" dirty="0">
+              <a:rPr lang="pt-PT" sz="4000" dirty="0">
                 <a:solidFill>
                   <a:srgbClr val="AEC908"/>
                 </a:solidFill>
               </a:rPr>
-              <a:t>Multi</a:t>
-            </a:r>
-            <a:r>
-              <a:rPr lang="pt-PT" dirty="0" smtClean="0">
-                <a:solidFill>
-                  <a:schemeClr val="bg1">
-                    <a:lumMod val="85000"/>
-                  </a:schemeClr>
-                </a:solidFill>
-              </a:rPr>
-              <a:t>mídia</a:t>
+              <a:t>HTML5</a:t>
+            </a:r>
+            <a:r>
+              <a:rPr lang="pt-PT" dirty="0" smtClean="0">
+                <a:solidFill>
+                  <a:schemeClr val="bg1">
+                    <a:lumMod val="85000"/>
+                  </a:schemeClr>
+                </a:solidFill>
+              </a:rPr>
+              <a:t> – O que mudou?</a:t>
             </a:r>
             <a:endParaRPr lang="pt-BR" dirty="0">
               <a:solidFill>
@@ -8032,21 +8230,57 @@
                   </a:schemeClr>
                 </a:solidFill>
               </a:rPr>
-              <a:t>Músicas</a:t>
-            </a:r>
-          </a:p>
-          <a:p>
-            <a:r>
-              <a:rPr lang="pt-PT" dirty="0" smtClean="0">
-                <a:solidFill>
-                  <a:schemeClr val="bg1">
-                    <a:lumMod val="85000"/>
-                  </a:schemeClr>
-                </a:solidFill>
-              </a:rPr>
-              <a:t>Vídeos </a:t>
-            </a:r>
-            <a:endParaRPr lang="pt-BR" strike="sngStrike" dirty="0" smtClean="0">
+              <a:t>Multimídia</a:t>
+            </a:r>
+          </a:p>
+          <a:p>
+            <a:r>
+              <a:rPr lang="pt-PT" dirty="0" smtClean="0">
+                <a:solidFill>
+                  <a:schemeClr val="bg1">
+                    <a:lumMod val="85000"/>
+                  </a:schemeClr>
+                </a:solidFill>
+              </a:rPr>
+              <a:t>Multi-plataforma e dispositivos</a:t>
+            </a:r>
+          </a:p>
+          <a:p>
+            <a:r>
+              <a:rPr lang="pt-PT" dirty="0" smtClean="0">
+                <a:solidFill>
+                  <a:schemeClr val="bg1">
+                    <a:lumMod val="85000"/>
+                  </a:schemeClr>
+                </a:solidFill>
+              </a:rPr>
+              <a:t>Programação gráfica e de jogos</a:t>
+            </a:r>
+          </a:p>
+          <a:p>
+            <a:r>
+              <a:rPr lang="pt-PT" dirty="0" smtClean="0">
+                <a:solidFill>
+                  <a:schemeClr val="bg1">
+                    <a:lumMod val="85000"/>
+                  </a:schemeClr>
+                </a:solidFill>
+              </a:rPr>
+              <a:t>Simples, direto e robusto</a:t>
+            </a:r>
+          </a:p>
+          <a:p>
+            <a:r>
+              <a:rPr lang="pt-PT" dirty="0" smtClean="0">
+                <a:solidFill>
+                  <a:schemeClr val="bg1">
+                    <a:lumMod val="85000"/>
+                  </a:schemeClr>
+                </a:solidFill>
+              </a:rPr>
+              <a:t>Padronização </a:t>
+            </a:r>
+            <a:endParaRPr lang="pt-BR" dirty="0">
               <a:solidFill>
                 <a:schemeClr val="bg1">
                   <a:lumMod val="85000"/>
@@ -8056,40 +8290,10 @@
           </a:p>
         </p:txBody>
       </p:sp>
-      <p:pic>
-        <p:nvPicPr>
-          <p:cNvPr id="5" name="Picture 4"/>
-          <p:cNvPicPr>
-            <a:picLocks noChangeAspect="1"/>
-          </p:cNvPicPr>
-          <p:nvPr/>
-        </p:nvPicPr>
-        <p:blipFill>
-          <a:blip r:embed="rId3" cstate="print">
-            <a:extLst>
-              <a:ext uri="{28A0092B-C50C-407E-A947-70E740481C1C}">
-                <a14:useLocalDpi xmlns:a14="http://schemas.microsoft.com/office/drawing/2010/main" xmlns="" val="0"/>
-              </a:ext>
-            </a:extLst>
-          </a:blip>
-          <a:stretch>
-            <a:fillRect/>
-          </a:stretch>
-        </p:blipFill>
-        <p:spPr>
-          <a:xfrm>
-            <a:off x="2771800" y="3442692"/>
-            <a:ext cx="3371788" cy="1571253"/>
-          </a:xfrm>
-          <a:prstGeom prst="rect">
-            <a:avLst/>
-          </a:prstGeom>
-        </p:spPr>
-      </p:pic>
     </p:spTree>
     <p:extLst>
       <p:ext uri="{BB962C8B-B14F-4D97-AF65-F5344CB8AC3E}">
-        <p14:creationId xmlns:p14="http://schemas.microsoft.com/office/powerpoint/2010/main" xmlns="" val="4060812770"/>
+        <p14:creationId xmlns="" xmlns:p14="http://schemas.microsoft.com/office/powerpoint/2010/main" val="4060812770"/>
       </p:ext>
     </p:extLst>
   </p:cSld>
@@ -8135,7 +8339,7 @@
           <a:blip r:embed="rId2" cstate="print">
             <a:extLst>
               <a:ext uri="{28A0092B-C50C-407E-A947-70E740481C1C}">
-                <a14:useLocalDpi xmlns:a14="http://schemas.microsoft.com/office/drawing/2010/main" xmlns="" val="0"/>
+                <a14:useLocalDpi xmlns="" xmlns:a14="http://schemas.microsoft.com/office/drawing/2010/main" val="0"/>
               </a:ext>
             </a:extLst>
           </a:blip>
@@ -8176,7 +8380,183 @@
                   </a:schemeClr>
                 </a:solidFill>
               </a:rPr>
-              <a:t>Content </a:t>
+              <a:t>3. Content </a:t>
+            </a:r>
+            <a:r>
+              <a:rPr lang="pt-PT" dirty="0" smtClean="0">
+                <a:solidFill>
+                  <a:srgbClr val="AEC908"/>
+                </a:solidFill>
+              </a:rPr>
+              <a:t>Sharing</a:t>
+            </a:r>
+            <a:endParaRPr lang="pt-BR" dirty="0"/>
+          </a:p>
+        </p:txBody>
+      </p:sp>
+      <p:sp>
+        <p:nvSpPr>
+          <p:cNvPr id="3" name="Content Placeholder 2"/>
+          <p:cNvSpPr>
+            <a:spLocks noGrp="1"/>
+          </p:cNvSpPr>
+          <p:nvPr>
+            <p:ph idx="1"/>
+          </p:nvPr>
+        </p:nvSpPr>
+        <p:spPr/>
+        <p:txBody>
+          <a:bodyPr/>
+          <a:lstStyle/>
+          <a:p>
+            <a:r>
+              <a:rPr lang="pt-BR" dirty="0" smtClean="0">
+                <a:solidFill>
+                  <a:srgbClr val="AEC908"/>
+                </a:solidFill>
+              </a:rPr>
+              <a:t>Facebook</a:t>
+            </a:r>
+            <a:endParaRPr lang="pt-BR" dirty="0"/>
+          </a:p>
+          <a:p>
+            <a:pPr lvl="1"/>
+            <a:r>
+              <a:rPr lang="pt-BR" dirty="0" smtClean="0">
+                <a:solidFill>
+                  <a:schemeClr val="bg1">
+                    <a:lumMod val="75000"/>
+                  </a:schemeClr>
+                </a:solidFill>
+              </a:rPr>
+              <a:t>Descrição:</a:t>
+            </a:r>
+          </a:p>
+        </p:txBody>
+      </p:sp>
+      <p:pic>
+        <p:nvPicPr>
+          <p:cNvPr id="3074" name="Picture 2"/>
+          <p:cNvPicPr>
+            <a:picLocks noChangeAspect="1" noChangeArrowheads="1"/>
+          </p:cNvPicPr>
+          <p:nvPr/>
+        </p:nvPicPr>
+        <p:blipFill>
+          <a:blip r:embed="rId3" cstate="print"/>
+          <a:srcRect/>
+          <a:stretch>
+            <a:fillRect/>
+          </a:stretch>
+        </p:blipFill>
+        <p:spPr bwMode="auto">
+          <a:xfrm>
+            <a:off x="395536" y="3068960"/>
+            <a:ext cx="8423396" cy="2520280"/>
+          </a:xfrm>
+          <a:prstGeom prst="rect">
+            <a:avLst/>
+          </a:prstGeom>
+          <a:noFill/>
+          <a:ln w="9525">
+            <a:noFill/>
+            <a:miter lim="800000"/>
+            <a:headEnd/>
+            <a:tailEnd/>
+          </a:ln>
+        </p:spPr>
+      </p:pic>
+    </p:spTree>
+    <p:extLst>
+      <p:ext uri="{BB962C8B-B14F-4D97-AF65-F5344CB8AC3E}">
+        <p14:creationId xmlns="" xmlns:p14="http://schemas.microsoft.com/office/powerpoint/2010/main" val="1156373279"/>
+      </p:ext>
+    </p:extLst>
+  </p:cSld>
+  <p:clrMapOvr>
+    <a:masterClrMapping/>
+  </p:clrMapOvr>
+  <p:timing>
+    <p:tnLst>
+      <p:par>
+        <p:cTn id="1" dur="indefinite" restart="never" nodeType="tmRoot"/>
+      </p:par>
+    </p:tnLst>
+  </p:timing>
+</p:sld>
+</file>
+
+<file path=ppt/slides/slide31.xml><?xml version="1.0" encoding="utf-8"?>
+<p:sld xmlns:a="http://schemas.openxmlformats.org/drawingml/2006/main" xmlns:r="http://schemas.openxmlformats.org/officeDocument/2006/relationships" xmlns:p="http://schemas.openxmlformats.org/presentationml/2006/main">
+  <p:cSld>
+    <p:spTree>
+      <p:nvGrpSpPr>
+        <p:cNvPr id="1" name=""/>
+        <p:cNvGrpSpPr/>
+        <p:nvPr/>
+      </p:nvGrpSpPr>
+      <p:grpSpPr>
+        <a:xfrm>
+          <a:off x="0" y="0"/>
+          <a:ext cx="0" cy="0"/>
+          <a:chOff x="0" y="0"/>
+          <a:chExt cx="0" cy="0"/>
+        </a:xfrm>
+      </p:grpSpPr>
+      <p:pic>
+        <p:nvPicPr>
+          <p:cNvPr id="4" name="Picture 3"/>
+          <p:cNvPicPr>
+            <a:picLocks noChangeAspect="1"/>
+          </p:cNvPicPr>
+          <p:nvPr/>
+        </p:nvPicPr>
+        <p:blipFill>
+          <a:blip r:embed="rId2" cstate="print">
+            <a:extLst>
+              <a:ext uri="{28A0092B-C50C-407E-A947-70E740481C1C}">
+                <a14:useLocalDpi xmlns="" xmlns:a14="http://schemas.microsoft.com/office/drawing/2010/main" val="0"/>
+              </a:ext>
+            </a:extLst>
+          </a:blip>
+          <a:stretch>
+            <a:fillRect/>
+          </a:stretch>
+        </p:blipFill>
+        <p:spPr>
+          <a:xfrm>
+            <a:off x="0" y="0"/>
+            <a:ext cx="9180512" cy="6885384"/>
+          </a:xfrm>
+          <a:prstGeom prst="rect">
+            <a:avLst/>
+          </a:prstGeom>
+        </p:spPr>
+      </p:pic>
+      <p:sp>
+        <p:nvSpPr>
+          <p:cNvPr id="2" name="Title 1"/>
+          <p:cNvSpPr>
+            <a:spLocks noGrp="1"/>
+          </p:cNvSpPr>
+          <p:nvPr>
+            <p:ph type="title"/>
+          </p:nvPr>
+        </p:nvSpPr>
+        <p:spPr/>
+        <p:txBody>
+          <a:bodyPr/>
+          <a:lstStyle/>
+          <a:p>
+            <a:r>
+              <a:rPr lang="pt-PT" dirty="0" smtClean="0">
+                <a:solidFill>
+                  <a:schemeClr val="bg1">
+                    <a:lumMod val="85000"/>
+                  </a:schemeClr>
+                </a:solidFill>
+              </a:rPr>
+              <a:t>3. Content </a:t>
             </a:r>
             <a:r>
               <a:rPr lang="pt-PT" dirty="0" smtClean="0">
@@ -8269,13 +8649,6 @@
               </a:rPr>
               <a:t>Imagem:</a:t>
             </a:r>
-            <a:endParaRPr lang="pt-BR" dirty="0" smtClean="0">
-              <a:solidFill>
-                <a:schemeClr val="bg1">
-                  <a:lumMod val="75000"/>
-                </a:schemeClr>
-              </a:solidFill>
-            </a:endParaRPr>
           </a:p>
           <a:p>
             <a:endParaRPr lang="pt-BR" dirty="0"/>
@@ -8349,7 +8722,7 @@
     </p:spTree>
     <p:extLst>
       <p:ext uri="{BB962C8B-B14F-4D97-AF65-F5344CB8AC3E}">
-        <p14:creationId xmlns:p14="http://schemas.microsoft.com/office/powerpoint/2010/main" xmlns="" val="1156373279"/>
+        <p14:creationId xmlns="" xmlns:p14="http://schemas.microsoft.com/office/powerpoint/2010/main" val="1156373279"/>
       </p:ext>
     </p:extLst>
   </p:cSld>
@@ -8366,7 +8739,7 @@
 </p:sld>
 </file>
 
-<file path=ppt/slides/slide31.xml><?xml version="1.0" encoding="utf-8"?>
+<file path=ppt/slides/slide32.xml><?xml version="1.0" encoding="utf-8"?>
 <p:sld xmlns:a="http://schemas.openxmlformats.org/drawingml/2006/main" xmlns:r="http://schemas.openxmlformats.org/officeDocument/2006/relationships" xmlns:p="http://schemas.openxmlformats.org/presentationml/2006/main">
   <p:cSld>
     <p:spTree>
@@ -8395,7 +8768,7 @@
           <a:blip r:embed="rId2" cstate="print">
             <a:extLst>
               <a:ext uri="{28A0092B-C50C-407E-A947-70E740481C1C}">
-                <a14:useLocalDpi xmlns:a14="http://schemas.microsoft.com/office/drawing/2010/main" xmlns="" val="0"/>
+                <a14:useLocalDpi xmlns="" xmlns:a14="http://schemas.microsoft.com/office/drawing/2010/main" val="0"/>
               </a:ext>
             </a:extLst>
           </a:blip>
@@ -8436,7 +8809,7 @@
                   </a:schemeClr>
                 </a:solidFill>
               </a:rPr>
-              <a:t>Content </a:t>
+              <a:t>3. Content </a:t>
             </a:r>
             <a:r>
               <a:rPr lang="pt-PT" dirty="0" smtClean="0">
@@ -8628,112 +9001,7 @@
     </p:spTree>
     <p:extLst>
       <p:ext uri="{BB962C8B-B14F-4D97-AF65-F5344CB8AC3E}">
-        <p14:creationId xmlns:p14="http://schemas.microsoft.com/office/powerpoint/2010/main" xmlns="" val="1156373279"/>
-      </p:ext>
-    </p:extLst>
-  </p:cSld>
-  <p:clrMapOvr>
-    <a:masterClrMapping/>
-  </p:clrMapOvr>
-  <p:timing>
-    <p:tnLst>
-      <p:par>
-        <p:cTn id="1" dur="indefinite" restart="never" nodeType="tmRoot"/>
-      </p:par>
-    </p:tnLst>
-  </p:timing>
-</p:sld>
-</file>
-
-<file path=ppt/slides/slide32.xml><?xml version="1.0" encoding="utf-8"?>
-<p:sld xmlns:a="http://schemas.openxmlformats.org/drawingml/2006/main" xmlns:r="http://schemas.openxmlformats.org/officeDocument/2006/relationships" xmlns:p="http://schemas.openxmlformats.org/presentationml/2006/main">
-  <p:cSld>
-    <p:spTree>
-      <p:nvGrpSpPr>
-        <p:cNvPr id="1" name=""/>
-        <p:cNvGrpSpPr/>
-        <p:nvPr/>
-      </p:nvGrpSpPr>
-      <p:grpSpPr>
-        <a:xfrm>
-          <a:off x="0" y="0"/>
-          <a:ext cx="0" cy="0"/>
-          <a:chOff x="0" y="0"/>
-          <a:chExt cx="0" cy="0"/>
-        </a:xfrm>
-      </p:grpSpPr>
-      <p:pic>
-        <p:nvPicPr>
-          <p:cNvPr id="4" name="Picture 3"/>
-          <p:cNvPicPr>
-            <a:picLocks noChangeAspect="1"/>
-          </p:cNvPicPr>
-          <p:nvPr/>
-        </p:nvPicPr>
-        <p:blipFill>
-          <a:blip r:embed="rId2" cstate="print">
-            <a:extLst>
-              <a:ext uri="{28A0092B-C50C-407E-A947-70E740481C1C}">
-                <a14:useLocalDpi xmlns:a14="http://schemas.microsoft.com/office/drawing/2010/main" xmlns="" val="0"/>
-              </a:ext>
-            </a:extLst>
-          </a:blip>
-          <a:stretch>
-            <a:fillRect/>
-          </a:stretch>
-        </p:blipFill>
-        <p:spPr>
-          <a:xfrm>
-            <a:off x="0" y="0"/>
-            <a:ext cx="9180512" cy="6885384"/>
-          </a:xfrm>
-          <a:prstGeom prst="rect">
-            <a:avLst/>
-          </a:prstGeom>
-        </p:spPr>
-      </p:pic>
-      <p:sp>
-        <p:nvSpPr>
-          <p:cNvPr id="2" name="Title 1"/>
-          <p:cNvSpPr>
-            <a:spLocks noGrp="1"/>
-          </p:cNvSpPr>
-          <p:nvPr>
-            <p:ph type="title"/>
-          </p:nvPr>
-        </p:nvSpPr>
-        <p:spPr/>
-        <p:txBody>
-          <a:bodyPr/>
-          <a:lstStyle/>
-          <a:p>
-            <a:endParaRPr lang="pt-BR"/>
-          </a:p>
-        </p:txBody>
-      </p:sp>
-      <p:sp>
-        <p:nvSpPr>
-          <p:cNvPr id="3" name="Content Placeholder 2"/>
-          <p:cNvSpPr>
-            <a:spLocks noGrp="1"/>
-          </p:cNvSpPr>
-          <p:nvPr>
-            <p:ph idx="1"/>
-          </p:nvPr>
-        </p:nvSpPr>
-        <p:spPr/>
-        <p:txBody>
-          <a:bodyPr/>
-          <a:lstStyle/>
-          <a:p>
-            <a:endParaRPr lang="pt-BR"/>
-          </a:p>
-        </p:txBody>
-      </p:sp>
-    </p:spTree>
-    <p:extLst>
-      <p:ext uri="{BB962C8B-B14F-4D97-AF65-F5344CB8AC3E}">
-        <p14:creationId xmlns:p14="http://schemas.microsoft.com/office/powerpoint/2010/main" xmlns="" val="1156373279"/>
+        <p14:creationId xmlns="" xmlns:p14="http://schemas.microsoft.com/office/powerpoint/2010/main" val="1156373279"/>
       </p:ext>
     </p:extLst>
   </p:cSld>
@@ -8779,7 +9047,7 @@
           <a:blip r:embed="rId2" cstate="print">
             <a:extLst>
               <a:ext uri="{28A0092B-C50C-407E-A947-70E740481C1C}">
-                <a14:useLocalDpi xmlns:a14="http://schemas.microsoft.com/office/drawing/2010/main" xmlns="" val="0"/>
+                <a14:useLocalDpi xmlns="" xmlns:a14="http://schemas.microsoft.com/office/drawing/2010/main" val="0"/>
               </a:ext>
             </a:extLst>
           </a:blip>
@@ -8812,7 +9080,25 @@
           <a:bodyPr/>
           <a:lstStyle/>
           <a:p>
-            <a:endParaRPr lang="pt-BR"/>
+            <a:r>
+              <a:rPr lang="pt-PT" dirty="0" smtClean="0">
+                <a:solidFill>
+                  <a:schemeClr val="bg1">
+                    <a:lumMod val="85000"/>
+                  </a:schemeClr>
+                </a:solidFill>
+              </a:rPr>
+              <a:t>3. Content </a:t>
+            </a:r>
+            <a:r>
+              <a:rPr lang="pt-PT" dirty="0" smtClean="0">
+                <a:solidFill>
+                  <a:srgbClr val="AEC908"/>
+                </a:solidFill>
+              </a:rPr>
+              <a:t>Sharing</a:t>
+            </a:r>
+            <a:endParaRPr lang="pt-BR" dirty="0"/>
           </a:p>
         </p:txBody>
       </p:sp>
@@ -8831,14 +9117,159 @@
           <a:bodyPr/>
           <a:lstStyle/>
           <a:p>
-            <a:endParaRPr lang="pt-BR"/>
-          </a:p>
-        </p:txBody>
-      </p:sp>
+            <a:r>
+              <a:rPr lang="pt-BR" dirty="0" smtClean="0">
+                <a:solidFill>
+                  <a:srgbClr val="AEC908"/>
+                </a:solidFill>
+              </a:rPr>
+              <a:t>Twitter</a:t>
+            </a:r>
+          </a:p>
+          <a:p>
+            <a:pPr lvl="1"/>
+            <a:r>
+              <a:rPr lang="pt-BR" dirty="0" smtClean="0">
+                <a:solidFill>
+                  <a:schemeClr val="bg1">
+                    <a:lumMod val="75000"/>
+                  </a:schemeClr>
+                </a:solidFill>
+              </a:rPr>
+              <a:t>Tipo de </a:t>
+            </a:r>
+            <a:r>
+              <a:rPr lang="pt-BR" dirty="0" err="1" smtClean="0">
+                <a:solidFill>
+                  <a:schemeClr val="bg1">
+                    <a:lumMod val="75000"/>
+                  </a:schemeClr>
+                </a:solidFill>
+              </a:rPr>
+              <a:t>Card</a:t>
+            </a:r>
+            <a:r>
+              <a:rPr lang="pt-BR" dirty="0" smtClean="0">
+                <a:solidFill>
+                  <a:schemeClr val="bg1">
+                    <a:lumMod val="75000"/>
+                  </a:schemeClr>
+                </a:solidFill>
+              </a:rPr>
+              <a:t>:</a:t>
+            </a:r>
+          </a:p>
+          <a:p>
+            <a:pPr lvl="1"/>
+            <a:endParaRPr lang="pt-BR" dirty="0" smtClean="0">
+              <a:solidFill>
+                <a:schemeClr val="bg1">
+                  <a:lumMod val="75000"/>
+                </a:schemeClr>
+              </a:solidFill>
+            </a:endParaRPr>
+          </a:p>
+          <a:p>
+            <a:pPr lvl="1"/>
+            <a:endParaRPr lang="pt-BR" dirty="0" smtClean="0">
+              <a:solidFill>
+                <a:schemeClr val="bg1">
+                  <a:lumMod val="75000"/>
+                </a:schemeClr>
+              </a:solidFill>
+            </a:endParaRPr>
+          </a:p>
+          <a:p>
+            <a:pPr lvl="1"/>
+            <a:r>
+              <a:rPr lang="pt-BR" dirty="0" smtClean="0">
+                <a:solidFill>
+                  <a:schemeClr val="bg1">
+                    <a:lumMod val="75000"/>
+                  </a:schemeClr>
+                </a:solidFill>
+              </a:rPr>
+              <a:t>Site:</a:t>
+            </a:r>
+          </a:p>
+          <a:p>
+            <a:pPr lvl="1"/>
+            <a:endParaRPr lang="pt-BR" dirty="0" smtClean="0">
+              <a:solidFill>
+                <a:srgbClr val="AEC908"/>
+              </a:solidFill>
+            </a:endParaRPr>
+          </a:p>
+        </p:txBody>
+      </p:sp>
+      <p:pic>
+        <p:nvPicPr>
+          <p:cNvPr id="1026" name="Picture 2"/>
+          <p:cNvPicPr>
+            <a:picLocks noChangeAspect="1" noChangeArrowheads="1"/>
+          </p:cNvPicPr>
+          <p:nvPr/>
+        </p:nvPicPr>
+        <p:blipFill>
+          <a:blip r:embed="rId3" cstate="print"/>
+          <a:srcRect/>
+          <a:stretch>
+            <a:fillRect/>
+          </a:stretch>
+        </p:blipFill>
+        <p:spPr bwMode="auto">
+          <a:xfrm>
+            <a:off x="1043608" y="2780928"/>
+            <a:ext cx="6411592" cy="432048"/>
+          </a:xfrm>
+          <a:prstGeom prst="rect">
+            <a:avLst/>
+          </a:prstGeom>
+          <a:noFill/>
+          <a:ln w="9525">
+            <a:noFill/>
+            <a:miter lim="800000"/>
+            <a:headEnd/>
+            <a:tailEnd/>
+          </a:ln>
+        </p:spPr>
+      </p:pic>
+      <p:pic>
+        <p:nvPicPr>
+          <p:cNvPr id="1027" name="Picture 3"/>
+          <p:cNvPicPr>
+            <a:picLocks noChangeAspect="1" noChangeArrowheads="1"/>
+          </p:cNvPicPr>
+          <p:nvPr/>
+        </p:nvPicPr>
+        <p:blipFill>
+          <a:blip r:embed="rId4" cstate="print"/>
+          <a:srcRect/>
+          <a:stretch>
+            <a:fillRect/>
+          </a:stretch>
+        </p:blipFill>
+        <p:spPr bwMode="auto">
+          <a:xfrm>
+            <a:off x="1115616" y="4653136"/>
+            <a:ext cx="5505612" cy="360040"/>
+          </a:xfrm>
+          <a:prstGeom prst="rect">
+            <a:avLst/>
+          </a:prstGeom>
+          <a:noFill/>
+          <a:ln w="9525">
+            <a:noFill/>
+            <a:miter lim="800000"/>
+            <a:headEnd/>
+            <a:tailEnd/>
+          </a:ln>
+        </p:spPr>
+      </p:pic>
     </p:spTree>
     <p:extLst>
       <p:ext uri="{BB962C8B-B14F-4D97-AF65-F5344CB8AC3E}">
-        <p14:creationId xmlns:p14="http://schemas.microsoft.com/office/powerpoint/2010/main" xmlns="" val="1156373279"/>
+        <p14:creationId xmlns="" xmlns:p14="http://schemas.microsoft.com/office/powerpoint/2010/main" val="1156373279"/>
       </p:ext>
     </p:extLst>
   </p:cSld>
@@ -8884,7 +9315,7 @@
           <a:blip r:embed="rId2" cstate="print">
             <a:extLst>
               <a:ext uri="{28A0092B-C50C-407E-A947-70E740481C1C}">
-                <a14:useLocalDpi xmlns:a14="http://schemas.microsoft.com/office/drawing/2010/main" xmlns="" val="0"/>
+                <a14:useLocalDpi xmlns="" xmlns:a14="http://schemas.microsoft.com/office/drawing/2010/main" val="0"/>
               </a:ext>
             </a:extLst>
           </a:blip>
@@ -8917,7 +9348,25 @@
           <a:bodyPr/>
           <a:lstStyle/>
           <a:p>
-            <a:endParaRPr lang="pt-BR"/>
+            <a:r>
+              <a:rPr lang="pt-PT" dirty="0" smtClean="0">
+                <a:solidFill>
+                  <a:schemeClr val="bg1">
+                    <a:lumMod val="85000"/>
+                  </a:schemeClr>
+                </a:solidFill>
+              </a:rPr>
+              <a:t>3. Content </a:t>
+            </a:r>
+            <a:r>
+              <a:rPr lang="pt-PT" dirty="0" smtClean="0">
+                <a:solidFill>
+                  <a:srgbClr val="AEC908"/>
+                </a:solidFill>
+              </a:rPr>
+              <a:t>Sharing</a:t>
+            </a:r>
+            <a:endParaRPr lang="pt-BR" dirty="0"/>
           </a:p>
         </p:txBody>
       </p:sp>
@@ -8936,14 +9385,149 @@
           <a:bodyPr/>
           <a:lstStyle/>
           <a:p>
-            <a:endParaRPr lang="pt-BR"/>
-          </a:p>
-        </p:txBody>
-      </p:sp>
+            <a:r>
+              <a:rPr lang="pt-BR" dirty="0" smtClean="0">
+                <a:solidFill>
+                  <a:srgbClr val="AEC908"/>
+                </a:solidFill>
+              </a:rPr>
+              <a:t>Twitter</a:t>
+            </a:r>
+            <a:endParaRPr lang="pt-BR" dirty="0"/>
+          </a:p>
+          <a:p>
+            <a:pPr lvl="1"/>
+            <a:r>
+              <a:rPr lang="pt-BR" dirty="0" smtClean="0">
+                <a:solidFill>
+                  <a:schemeClr val="bg1">
+                    <a:lumMod val="75000"/>
+                  </a:schemeClr>
+                </a:solidFill>
+              </a:rPr>
+              <a:t>Título:</a:t>
+            </a:r>
+          </a:p>
+          <a:p>
+            <a:pPr lvl="1"/>
+            <a:endParaRPr lang="pt-BR" dirty="0" smtClean="0">
+              <a:solidFill>
+                <a:schemeClr val="bg1">
+                  <a:lumMod val="75000"/>
+                </a:schemeClr>
+              </a:solidFill>
+            </a:endParaRPr>
+          </a:p>
+          <a:p>
+            <a:pPr lvl="1"/>
+            <a:endParaRPr lang="pt-BR" dirty="0" smtClean="0">
+              <a:solidFill>
+                <a:schemeClr val="bg1">
+                  <a:lumMod val="75000"/>
+                </a:schemeClr>
+              </a:solidFill>
+            </a:endParaRPr>
+          </a:p>
+          <a:p>
+            <a:pPr lvl="1"/>
+            <a:endParaRPr lang="pt-BR" dirty="0" smtClean="0">
+              <a:solidFill>
+                <a:schemeClr val="bg1">
+                  <a:lumMod val="75000"/>
+                </a:schemeClr>
+              </a:solidFill>
+            </a:endParaRPr>
+          </a:p>
+          <a:p>
+            <a:pPr lvl="1"/>
+            <a:r>
+              <a:rPr lang="pt-BR" dirty="0" smtClean="0">
+                <a:solidFill>
+                  <a:schemeClr val="bg1">
+                    <a:lumMod val="75000"/>
+                  </a:schemeClr>
+                </a:solidFill>
+              </a:rPr>
+              <a:t>Descrição:</a:t>
+            </a:r>
+            <a:endParaRPr lang="pt-BR" dirty="0" smtClean="0">
+              <a:solidFill>
+                <a:schemeClr val="bg1">
+                  <a:lumMod val="75000"/>
+                </a:schemeClr>
+              </a:solidFill>
+            </a:endParaRPr>
+          </a:p>
+        </p:txBody>
+      </p:sp>
+      <p:pic>
+        <p:nvPicPr>
+          <p:cNvPr id="2050" name="Picture 2"/>
+          <p:cNvPicPr>
+            <a:picLocks noChangeAspect="1" noChangeArrowheads="1"/>
+          </p:cNvPicPr>
+          <p:nvPr/>
+        </p:nvPicPr>
+        <p:blipFill>
+          <a:blip r:embed="rId3" cstate="print"/>
+          <a:srcRect/>
+          <a:stretch>
+            <a:fillRect/>
+          </a:stretch>
+        </p:blipFill>
+        <p:spPr bwMode="auto">
+          <a:xfrm>
+            <a:off x="827584" y="2924944"/>
+            <a:ext cx="7807007" cy="648072"/>
+          </a:xfrm>
+          <a:prstGeom prst="rect">
+            <a:avLst/>
+          </a:prstGeom>
+          <a:noFill/>
+          <a:ln w="9525">
+            <a:noFill/>
+            <a:miter lim="800000"/>
+            <a:headEnd/>
+            <a:tailEnd/>
+          </a:ln>
+        </p:spPr>
+      </p:pic>
+      <p:pic>
+        <p:nvPicPr>
+          <p:cNvPr id="2051" name="Picture 3"/>
+          <p:cNvPicPr>
+            <a:picLocks noChangeAspect="1" noChangeArrowheads="1"/>
+          </p:cNvPicPr>
+          <p:nvPr/>
+        </p:nvPicPr>
+        <p:blipFill>
+          <a:blip r:embed="rId4" cstate="print"/>
+          <a:srcRect/>
+          <a:stretch>
+            <a:fillRect/>
+          </a:stretch>
+        </p:blipFill>
+        <p:spPr bwMode="auto">
+          <a:xfrm>
+            <a:off x="827583" y="5085184"/>
+            <a:ext cx="6993149" cy="648072"/>
+          </a:xfrm>
+          <a:prstGeom prst="rect">
+            <a:avLst/>
+          </a:prstGeom>
+          <a:noFill/>
+          <a:ln w="9525">
+            <a:noFill/>
+            <a:miter lim="800000"/>
+            <a:headEnd/>
+            <a:tailEnd/>
+          </a:ln>
+        </p:spPr>
+      </p:pic>
     </p:spTree>
     <p:extLst>
       <p:ext uri="{BB962C8B-B14F-4D97-AF65-F5344CB8AC3E}">
-        <p14:creationId xmlns:p14="http://schemas.microsoft.com/office/powerpoint/2010/main" xmlns="" val="1156373279"/>
+        <p14:creationId xmlns="" xmlns:p14="http://schemas.microsoft.com/office/powerpoint/2010/main" val="1156373279"/>
       </p:ext>
     </p:extLst>
   </p:cSld>
@@ -8989,7 +9573,7 @@
           <a:blip r:embed="rId2" cstate="print">
             <a:extLst>
               <a:ext uri="{28A0092B-C50C-407E-A947-70E740481C1C}">
-                <a14:useLocalDpi xmlns:a14="http://schemas.microsoft.com/office/drawing/2010/main" xmlns="" val="0"/>
+                <a14:useLocalDpi xmlns="" xmlns:a14="http://schemas.microsoft.com/office/drawing/2010/main" val="0"/>
               </a:ext>
             </a:extLst>
           </a:blip>
@@ -9019,156 +9603,165 @@
         </p:nvSpPr>
         <p:spPr/>
         <p:txBody>
+          <a:bodyPr>
+            <a:normAutofit/>
+          </a:bodyPr>
+          <a:lstStyle/>
+          <a:p>
+            <a:r>
+              <a:rPr lang="pt-PT" dirty="0" smtClean="0">
+                <a:solidFill>
+                  <a:srgbClr val="AEC908"/>
+                </a:solidFill>
+              </a:rPr>
+              <a:t>4. Arquitetura</a:t>
+            </a:r>
+            <a:r>
+              <a:rPr lang="pt-PT" dirty="0" smtClean="0">
+                <a:solidFill>
+                  <a:schemeClr val="bg1">
+                    <a:lumMod val="85000"/>
+                  </a:schemeClr>
+                </a:solidFill>
+              </a:rPr>
+              <a:t> </a:t>
+            </a:r>
+            <a:r>
+              <a:rPr lang="pt-PT" dirty="0" smtClean="0">
+                <a:solidFill>
+                  <a:schemeClr val="bg1">
+                    <a:lumMod val="85000"/>
+                  </a:schemeClr>
+                </a:solidFill>
+              </a:rPr>
+              <a:t>de </a:t>
+            </a:r>
+            <a:r>
+              <a:rPr lang="pt-PT" dirty="0" smtClean="0">
+                <a:solidFill>
+                  <a:schemeClr val="bg1">
+                    <a:lumMod val="85000"/>
+                  </a:schemeClr>
+                </a:solidFill>
+              </a:rPr>
+              <a:t>informação</a:t>
+            </a:r>
+            <a:endParaRPr lang="pt-BR" dirty="0"/>
+          </a:p>
+        </p:txBody>
+      </p:sp>
+      <p:sp>
+        <p:nvSpPr>
+          <p:cNvPr id="3" name="Content Placeholder 2"/>
+          <p:cNvSpPr>
+            <a:spLocks noGrp="1"/>
+          </p:cNvSpPr>
+          <p:nvPr>
+            <p:ph idx="1"/>
+          </p:nvPr>
+        </p:nvSpPr>
+        <p:spPr/>
+        <p:txBody>
           <a:bodyPr/>
           <a:lstStyle/>
           <a:p>
             <a:r>
-              <a:rPr lang="pt-PT" dirty="0" smtClean="0">
-                <a:solidFill>
-                  <a:schemeClr val="bg1">
-                    <a:lumMod val="85000"/>
-                  </a:schemeClr>
-                </a:solidFill>
-              </a:rPr>
-              <a:t>Referências</a:t>
-            </a:r>
-            <a:endParaRPr lang="pt-BR" dirty="0">
+              <a:rPr lang="pt-BR" dirty="0" smtClean="0">
+                <a:solidFill>
+                  <a:schemeClr val="bg1">
+                    <a:lumMod val="75000"/>
+                  </a:schemeClr>
+                </a:solidFill>
+              </a:rPr>
+              <a:t>A categorização da </a:t>
+            </a:r>
+            <a:r>
+              <a:rPr lang="pt-BR" dirty="0" smtClean="0">
+                <a:solidFill>
+                  <a:schemeClr val="bg1">
+                    <a:lumMod val="75000"/>
+                  </a:schemeClr>
+                </a:solidFill>
+              </a:rPr>
+              <a:t>informação em </a:t>
+            </a:r>
+            <a:r>
+              <a:rPr lang="pt-BR" dirty="0" smtClean="0">
+                <a:solidFill>
+                  <a:schemeClr val="bg1">
+                    <a:lumMod val="75000"/>
+                  </a:schemeClr>
+                </a:solidFill>
+              </a:rPr>
+              <a:t>uma </a:t>
+            </a:r>
+            <a:r>
+              <a:rPr lang="pt-BR" dirty="0" smtClean="0">
+                <a:solidFill>
+                  <a:schemeClr val="bg1">
+                    <a:lumMod val="75000"/>
+                  </a:schemeClr>
+                </a:solidFill>
+              </a:rPr>
+              <a:t>estrutura </a:t>
+            </a:r>
+            <a:r>
+              <a:rPr lang="pt-BR" dirty="0" smtClean="0">
+                <a:solidFill>
+                  <a:schemeClr val="bg1">
+                    <a:lumMod val="75000"/>
+                  </a:schemeClr>
+                </a:solidFill>
+              </a:rPr>
+              <a:t>coerente </a:t>
+            </a:r>
+            <a:r>
+              <a:rPr lang="pt-BR" dirty="0" smtClean="0">
+                <a:solidFill>
+                  <a:schemeClr val="bg1">
+                    <a:lumMod val="75000"/>
+                  </a:schemeClr>
+                </a:solidFill>
+              </a:rPr>
+              <a:t>e compreensível.</a:t>
+            </a:r>
+          </a:p>
+          <a:p>
+            <a:endParaRPr lang="pt-BR" dirty="0" smtClean="0">
               <a:solidFill>
                 <a:schemeClr val="bg1">
-                  <a:lumMod val="85000"/>
+                  <a:lumMod val="75000"/>
                 </a:schemeClr>
               </a:solidFill>
             </a:endParaRPr>
           </a:p>
-        </p:txBody>
-      </p:sp>
-      <p:sp>
-        <p:nvSpPr>
-          <p:cNvPr id="3" name="Content Placeholder 2"/>
-          <p:cNvSpPr>
-            <a:spLocks noGrp="1"/>
-          </p:cNvSpPr>
-          <p:nvPr>
-            <p:ph idx="1"/>
-          </p:nvPr>
-        </p:nvSpPr>
-        <p:spPr/>
-        <p:txBody>
-          <a:bodyPr>
-            <a:normAutofit fontScale="92500" lnSpcReduction="20000"/>
-          </a:bodyPr>
-          <a:lstStyle/>
-          <a:p>
-            <a:r>
-              <a:rPr lang="pt-BR" dirty="0">
-                <a:solidFill>
-                  <a:schemeClr val="bg1">
-                    <a:lumMod val="85000"/>
-                  </a:schemeClr>
-                </a:solidFill>
-              </a:rPr>
-              <a:t>http://</a:t>
-            </a:r>
-            <a:r>
-              <a:rPr lang="pt-BR" dirty="0" smtClean="0">
-                <a:solidFill>
-                  <a:schemeClr val="bg1">
-                    <a:lumMod val="85000"/>
-                  </a:schemeClr>
-                </a:solidFill>
-              </a:rPr>
-              <a:t>www.w3schools.com/html/html5_video.asp</a:t>
+          <a:p>
+            <a:r>
+              <a:rPr lang="pt-BR" dirty="0" smtClean="0">
+                <a:solidFill>
+                  <a:schemeClr val="bg1">
+                    <a:lumMod val="75000"/>
+                  </a:schemeClr>
+                </a:solidFill>
+              </a:rPr>
+              <a:t>A maioria das empresas está fazendo errado</a:t>
             </a:r>
           </a:p>
           <a:p>
             <a:endParaRPr lang="pt-BR" dirty="0" smtClean="0">
               <a:solidFill>
                 <a:schemeClr val="bg1">
-                  <a:lumMod val="85000"/>
+                  <a:lumMod val="75000"/>
                 </a:schemeClr>
               </a:solidFill>
             </a:endParaRPr>
           </a:p>
-          <a:p>
-            <a:r>
-              <a:rPr lang="pt-BR" dirty="0">
-                <a:solidFill>
-                  <a:schemeClr val="bg1">
-                    <a:lumMod val="85000"/>
-                  </a:schemeClr>
-                </a:solidFill>
-              </a:rPr>
-              <a:t>http://www.html5rocks.com/pt/tutorials/video/basics</a:t>
-            </a:r>
-            <a:r>
-              <a:rPr lang="pt-BR" dirty="0" smtClean="0">
-                <a:solidFill>
-                  <a:schemeClr val="bg1">
-                    <a:lumMod val="85000"/>
-                  </a:schemeClr>
-                </a:solidFill>
-              </a:rPr>
-              <a:t>/</a:t>
-            </a:r>
-          </a:p>
-          <a:p>
-            <a:endParaRPr lang="pt-BR" dirty="0" smtClean="0">
-              <a:solidFill>
-                <a:schemeClr val="bg1">
-                  <a:lumMod val="85000"/>
-                </a:schemeClr>
-              </a:solidFill>
-            </a:endParaRPr>
-          </a:p>
-          <a:p>
-            <a:r>
-              <a:rPr lang="pt-BR" dirty="0">
-                <a:solidFill>
-                  <a:schemeClr val="bg1">
-                    <a:lumMod val="85000"/>
-                  </a:schemeClr>
-                </a:solidFill>
-              </a:rPr>
-              <a:t>http://tableless.com.br/introducao-a-microdata-no-html5</a:t>
-            </a:r>
-            <a:r>
-              <a:rPr lang="pt-BR" dirty="0" smtClean="0">
-                <a:solidFill>
-                  <a:schemeClr val="bg1">
-                    <a:lumMod val="85000"/>
-                  </a:schemeClr>
-                </a:solidFill>
-              </a:rPr>
-              <a:t>/</a:t>
-            </a:r>
-          </a:p>
-          <a:p>
-            <a:endParaRPr lang="pt-BR" dirty="0" smtClean="0">
-              <a:solidFill>
-                <a:schemeClr val="bg1">
-                  <a:lumMod val="85000"/>
-                </a:schemeClr>
-              </a:solidFill>
-            </a:endParaRPr>
-          </a:p>
-          <a:p>
-            <a:r>
-              <a:rPr lang="pt-BR" dirty="0">
-                <a:solidFill>
-                  <a:schemeClr val="bg1">
-                    <a:lumMod val="85000"/>
-                  </a:schemeClr>
-                </a:solidFill>
-              </a:rPr>
-              <a:t>http://schema.org/</a:t>
-            </a:r>
-          </a:p>
         </p:txBody>
       </p:sp>
     </p:spTree>
     <p:extLst>
       <p:ext uri="{BB962C8B-B14F-4D97-AF65-F5344CB8AC3E}">
-        <p14:creationId xmlns:p14="http://schemas.microsoft.com/office/powerpoint/2010/main" xmlns="" val="1156373279"/>
+        <p14:creationId xmlns="" xmlns:p14="http://schemas.microsoft.com/office/powerpoint/2010/main" val="1156373279"/>
       </p:ext>
     </p:extLst>
   </p:cSld>
@@ -9214,7 +9807,7 @@
           <a:blip r:embed="rId2" cstate="print">
             <a:extLst>
               <a:ext uri="{28A0092B-C50C-407E-A947-70E740481C1C}">
-                <a14:useLocalDpi xmlns:a14="http://schemas.microsoft.com/office/drawing/2010/main" xmlns="" val="0"/>
+                <a14:useLocalDpi xmlns="" xmlns:a14="http://schemas.microsoft.com/office/drawing/2010/main" val="0"/>
               </a:ext>
             </a:extLst>
           </a:blip>
@@ -9250,20 +9843,22 @@
             <a:r>
               <a:rPr lang="pt-PT" dirty="0" smtClean="0">
                 <a:solidFill>
-                  <a:schemeClr val="bg1">
-                    <a:lumMod val="85000"/>
-                  </a:schemeClr>
-                </a:solidFill>
-              </a:rPr>
-              <a:t>Referências</a:t>
-            </a:r>
-            <a:endParaRPr lang="pt-BR" dirty="0">
-              <a:solidFill>
-                <a:schemeClr val="bg1">
-                  <a:lumMod val="85000"/>
-                </a:schemeClr>
-              </a:solidFill>
-            </a:endParaRPr>
+                  <a:srgbClr val="AEC908"/>
+                </a:solidFill>
+              </a:rPr>
+              <a:t>4. Arquitetura</a:t>
+            </a:r>
+            <a:r>
+              <a:rPr lang="pt-PT" dirty="0" smtClean="0">
+                <a:solidFill>
+                  <a:schemeClr val="bg1">
+                    <a:lumMod val="85000"/>
+                  </a:schemeClr>
+                </a:solidFill>
+              </a:rPr>
+              <a:t> de informação</a:t>
+            </a:r>
+            <a:endParaRPr lang="pt-BR" dirty="0"/>
           </a:p>
         </p:txBody>
       </p:sp>
@@ -9275,6 +9870,136 @@
           </p:cNvSpPr>
           <p:nvPr>
             <p:ph idx="1"/>
+          </p:nvPr>
+        </p:nvSpPr>
+        <p:spPr/>
+        <p:txBody>
+          <a:bodyPr/>
+          <a:lstStyle/>
+          <a:p>
+            <a:r>
+              <a:rPr lang="pt-BR" dirty="0" smtClean="0">
+                <a:solidFill>
+                  <a:schemeClr val="bg1">
+                    <a:lumMod val="75000"/>
+                  </a:schemeClr>
+                </a:solidFill>
+              </a:rPr>
+              <a:t>Importância hierárquica das informações</a:t>
+            </a:r>
+          </a:p>
+          <a:p>
+            <a:endParaRPr lang="pt-BR" dirty="0"/>
+          </a:p>
+        </p:txBody>
+      </p:sp>
+      <p:pic>
+        <p:nvPicPr>
+          <p:cNvPr id="5" name="Picture 2"/>
+          <p:cNvPicPr>
+            <a:picLocks noChangeAspect="1" noChangeArrowheads="1"/>
+          </p:cNvPicPr>
+          <p:nvPr/>
+        </p:nvPicPr>
+        <p:blipFill>
+          <a:blip r:embed="rId3" cstate="print"/>
+          <a:srcRect/>
+          <a:stretch>
+            <a:fillRect/>
+          </a:stretch>
+        </p:blipFill>
+        <p:spPr bwMode="auto">
+          <a:xfrm>
+            <a:off x="323528" y="2564904"/>
+            <a:ext cx="8461344" cy="2016224"/>
+          </a:xfrm>
+          <a:prstGeom prst="rect">
+            <a:avLst/>
+          </a:prstGeom>
+          <a:noFill/>
+          <a:ln w="9525">
+            <a:noFill/>
+            <a:miter lim="800000"/>
+            <a:headEnd/>
+            <a:tailEnd/>
+          </a:ln>
+        </p:spPr>
+      </p:pic>
+    </p:spTree>
+    <p:extLst>
+      <p:ext uri="{BB962C8B-B14F-4D97-AF65-F5344CB8AC3E}">
+        <p14:creationId xmlns="" xmlns:p14="http://schemas.microsoft.com/office/powerpoint/2010/main" val="1156373279"/>
+      </p:ext>
+    </p:extLst>
+  </p:cSld>
+  <p:clrMapOvr>
+    <a:masterClrMapping/>
+  </p:clrMapOvr>
+  <p:timing>
+    <p:tnLst>
+      <p:par>
+        <p:cTn id="1" dur="indefinite" restart="never" nodeType="tmRoot"/>
+      </p:par>
+    </p:tnLst>
+  </p:timing>
+</p:sld>
+</file>
+
+<file path=ppt/slides/slide37.xml><?xml version="1.0" encoding="utf-8"?>
+<p:sld xmlns:a="http://schemas.openxmlformats.org/drawingml/2006/main" xmlns:r="http://schemas.openxmlformats.org/officeDocument/2006/relationships" xmlns:p="http://schemas.openxmlformats.org/presentationml/2006/main">
+  <p:cSld>
+    <p:spTree>
+      <p:nvGrpSpPr>
+        <p:cNvPr id="1" name=""/>
+        <p:cNvGrpSpPr/>
+        <p:nvPr/>
+      </p:nvGrpSpPr>
+      <p:grpSpPr>
+        <a:xfrm>
+          <a:off x="0" y="0"/>
+          <a:ext cx="0" cy="0"/>
+          <a:chOff x="0" y="0"/>
+          <a:chExt cx="0" cy="0"/>
+        </a:xfrm>
+      </p:grpSpPr>
+      <p:pic>
+        <p:nvPicPr>
+          <p:cNvPr id="4" name="Picture 3"/>
+          <p:cNvPicPr>
+            <a:picLocks noChangeAspect="1"/>
+          </p:cNvPicPr>
+          <p:nvPr/>
+        </p:nvPicPr>
+        <p:blipFill>
+          <a:blip r:embed="rId2" cstate="print">
+            <a:extLst>
+              <a:ext uri="{28A0092B-C50C-407E-A947-70E740481C1C}">
+                <a14:useLocalDpi xmlns="" xmlns:a14="http://schemas.microsoft.com/office/drawing/2010/main" val="0"/>
+              </a:ext>
+            </a:extLst>
+          </a:blip>
+          <a:stretch>
+            <a:fillRect/>
+          </a:stretch>
+        </p:blipFill>
+        <p:spPr>
+          <a:xfrm>
+            <a:off x="0" y="0"/>
+            <a:ext cx="9180512" cy="6885384"/>
+          </a:xfrm>
+          <a:prstGeom prst="rect">
+            <a:avLst/>
+          </a:prstGeom>
+        </p:spPr>
+      </p:pic>
+      <p:sp>
+        <p:nvSpPr>
+          <p:cNvPr id="2" name="Title 1"/>
+          <p:cNvSpPr>
+            <a:spLocks noGrp="1"/>
+          </p:cNvSpPr>
+          <p:nvPr>
+            <p:ph type="title"/>
           </p:nvPr>
         </p:nvSpPr>
         <p:spPr/>
@@ -9285,22 +10010,411 @@
           <a:lstStyle/>
           <a:p>
             <a:r>
-              <a:rPr lang="pt-BR" dirty="0">
-                <a:solidFill>
-                  <a:schemeClr val="bg1">
-                    <a:lumMod val="85000"/>
-                  </a:schemeClr>
-                </a:solidFill>
-              </a:rPr>
-              <a:t>http://www.htmlprogressivo.net/2014/02/HTML-HTML5-Qual-a-Diferenca-O-que-muda.html</a:t>
-            </a:r>
+              <a:rPr lang="pt-PT" dirty="0" smtClean="0">
+                <a:solidFill>
+                  <a:srgbClr val="AEC908"/>
+                </a:solidFill>
+              </a:rPr>
+              <a:t>5. Responsividade</a:t>
+            </a:r>
+            <a:endParaRPr lang="pt-BR" dirty="0"/>
+          </a:p>
+        </p:txBody>
+      </p:sp>
+      <p:sp>
+        <p:nvSpPr>
+          <p:cNvPr id="3" name="Content Placeholder 2"/>
+          <p:cNvSpPr>
+            <a:spLocks noGrp="1"/>
+          </p:cNvSpPr>
+          <p:nvPr>
+            <p:ph idx="1"/>
+          </p:nvPr>
+        </p:nvSpPr>
+        <p:spPr/>
+        <p:txBody>
+          <a:bodyPr/>
+          <a:lstStyle/>
+          <a:p>
+            <a:r>
+              <a:rPr lang="pt-BR" dirty="0" err="1" smtClean="0">
+                <a:solidFill>
+                  <a:schemeClr val="bg1">
+                    <a:lumMod val="75000"/>
+                  </a:schemeClr>
+                </a:solidFill>
+              </a:rPr>
+              <a:t>Grids</a:t>
+            </a:r>
+            <a:r>
+              <a:rPr lang="pt-BR" dirty="0" smtClean="0">
+                <a:solidFill>
+                  <a:schemeClr val="bg1">
+                    <a:lumMod val="75000"/>
+                  </a:schemeClr>
+                </a:solidFill>
+              </a:rPr>
+              <a:t> </a:t>
+            </a:r>
+            <a:r>
+              <a:rPr lang="pt-BR" dirty="0" smtClean="0">
+                <a:solidFill>
+                  <a:schemeClr val="bg1">
+                    <a:lumMod val="75000"/>
+                  </a:schemeClr>
+                </a:solidFill>
+              </a:rPr>
+              <a:t>Fluidos</a:t>
+            </a:r>
+          </a:p>
+          <a:p>
+            <a:endParaRPr lang="pt-BR" dirty="0" smtClean="0">
+              <a:solidFill>
+                <a:schemeClr val="bg1">
+                  <a:lumMod val="75000"/>
+                </a:schemeClr>
+              </a:solidFill>
+            </a:endParaRPr>
+          </a:p>
+          <a:p>
+            <a:r>
+              <a:rPr lang="pt-BR" dirty="0" smtClean="0">
+                <a:solidFill>
+                  <a:schemeClr val="bg1">
+                    <a:lumMod val="75000"/>
+                  </a:schemeClr>
+                </a:solidFill>
+              </a:rPr>
+              <a:t>Design </a:t>
+            </a:r>
+            <a:r>
+              <a:rPr lang="pt-BR" dirty="0" smtClean="0">
+                <a:solidFill>
+                  <a:schemeClr val="bg1">
+                    <a:lumMod val="75000"/>
+                  </a:schemeClr>
+                </a:solidFill>
+              </a:rPr>
+              <a:t>Adaptativo</a:t>
+            </a:r>
+          </a:p>
+          <a:p>
+            <a:endParaRPr lang="pt-BR" dirty="0" smtClean="0">
+              <a:solidFill>
+                <a:schemeClr val="bg1">
+                  <a:lumMod val="75000"/>
+                </a:schemeClr>
+              </a:solidFill>
+            </a:endParaRPr>
+          </a:p>
+          <a:p>
+            <a:r>
+              <a:rPr lang="pt-BR" dirty="0" smtClean="0">
+                <a:solidFill>
+                  <a:schemeClr val="bg1">
+                    <a:lumMod val="75000"/>
+                  </a:schemeClr>
+                </a:solidFill>
+              </a:rPr>
+              <a:t>Conteúdo </a:t>
+            </a:r>
+            <a:r>
+              <a:rPr lang="pt-BR" dirty="0" smtClean="0">
+                <a:solidFill>
+                  <a:schemeClr val="bg1">
+                    <a:lumMod val="75000"/>
+                  </a:schemeClr>
+                </a:solidFill>
+              </a:rPr>
+              <a:t>Flexível</a:t>
+            </a:r>
+          </a:p>
+          <a:p>
+            <a:endParaRPr lang="pt-BR" dirty="0" smtClean="0">
+              <a:solidFill>
+                <a:schemeClr val="bg1">
+                  <a:lumMod val="75000"/>
+                </a:schemeClr>
+              </a:solidFill>
+            </a:endParaRPr>
+          </a:p>
+          <a:p>
+            <a:r>
+              <a:rPr lang="pt-BR" dirty="0" smtClean="0">
+                <a:solidFill>
+                  <a:schemeClr val="bg1">
+                    <a:lumMod val="75000"/>
+                  </a:schemeClr>
+                </a:solidFill>
+              </a:rPr>
+              <a:t>Otimização de desempenho</a:t>
+            </a:r>
+            <a:endParaRPr lang="pt-BR" dirty="0">
+              <a:solidFill>
+                <a:schemeClr val="bg1">
+                  <a:lumMod val="75000"/>
+                </a:schemeClr>
+              </a:solidFill>
+            </a:endParaRPr>
           </a:p>
         </p:txBody>
       </p:sp>
     </p:spTree>
     <p:extLst>
       <p:ext uri="{BB962C8B-B14F-4D97-AF65-F5344CB8AC3E}">
-        <p14:creationId xmlns:p14="http://schemas.microsoft.com/office/powerpoint/2010/main" xmlns="" val="1981461259"/>
+        <p14:creationId xmlns="" xmlns:p14="http://schemas.microsoft.com/office/powerpoint/2010/main" val="1156373279"/>
+      </p:ext>
+    </p:extLst>
+  </p:cSld>
+  <p:clrMapOvr>
+    <a:masterClrMapping/>
+  </p:clrMapOvr>
+  <p:timing>
+    <p:tnLst>
+      <p:par>
+        <p:cTn id="1" dur="indefinite" restart="never" nodeType="tmRoot"/>
+      </p:par>
+    </p:tnLst>
+  </p:timing>
+</p:sld>
+</file>
+
+<file path=ppt/slides/slide38.xml><?xml version="1.0" encoding="utf-8"?>
+<p:sld xmlns:a="http://schemas.openxmlformats.org/drawingml/2006/main" xmlns:r="http://schemas.openxmlformats.org/officeDocument/2006/relationships" xmlns:p="http://schemas.openxmlformats.org/presentationml/2006/main">
+  <p:cSld>
+    <p:spTree>
+      <p:nvGrpSpPr>
+        <p:cNvPr id="1" name=""/>
+        <p:cNvGrpSpPr/>
+        <p:nvPr/>
+      </p:nvGrpSpPr>
+      <p:grpSpPr>
+        <a:xfrm>
+          <a:off x="0" y="0"/>
+          <a:ext cx="0" cy="0"/>
+          <a:chOff x="0" y="0"/>
+          <a:chExt cx="0" cy="0"/>
+        </a:xfrm>
+      </p:grpSpPr>
+      <p:pic>
+        <p:nvPicPr>
+          <p:cNvPr id="4" name="Picture 3"/>
+          <p:cNvPicPr>
+            <a:picLocks noChangeAspect="1"/>
+          </p:cNvPicPr>
+          <p:nvPr/>
+        </p:nvPicPr>
+        <p:blipFill>
+          <a:blip r:embed="rId2" cstate="print">
+            <a:extLst>
+              <a:ext uri="{28A0092B-C50C-407E-A947-70E740481C1C}">
+                <a14:useLocalDpi xmlns="" xmlns:a14="http://schemas.microsoft.com/office/drawing/2010/main" val="0"/>
+              </a:ext>
+            </a:extLst>
+          </a:blip>
+          <a:stretch>
+            <a:fillRect/>
+          </a:stretch>
+        </p:blipFill>
+        <p:spPr>
+          <a:xfrm>
+            <a:off x="0" y="0"/>
+            <a:ext cx="9180512" cy="6885384"/>
+          </a:xfrm>
+          <a:prstGeom prst="rect">
+            <a:avLst/>
+          </a:prstGeom>
+        </p:spPr>
+      </p:pic>
+      <p:sp>
+        <p:nvSpPr>
+          <p:cNvPr id="2" name="Title 1"/>
+          <p:cNvSpPr>
+            <a:spLocks noGrp="1"/>
+          </p:cNvSpPr>
+          <p:nvPr>
+            <p:ph type="title"/>
+          </p:nvPr>
+        </p:nvSpPr>
+        <p:spPr/>
+        <p:txBody>
+          <a:bodyPr/>
+          <a:lstStyle/>
+          <a:p>
+            <a:r>
+              <a:rPr lang="pt-PT" dirty="0" smtClean="0">
+                <a:solidFill>
+                  <a:srgbClr val="AEC908"/>
+                </a:solidFill>
+              </a:rPr>
+              <a:t>5. Responsividade</a:t>
+            </a:r>
+            <a:endParaRPr lang="pt-BR" dirty="0"/>
+          </a:p>
+        </p:txBody>
+      </p:sp>
+      <p:pic>
+        <p:nvPicPr>
+          <p:cNvPr id="4098" name="Picture 2"/>
+          <p:cNvPicPr>
+            <a:picLocks noChangeAspect="1" noChangeArrowheads="1"/>
+          </p:cNvPicPr>
+          <p:nvPr/>
+        </p:nvPicPr>
+        <p:blipFill>
+          <a:blip r:embed="rId3" cstate="print"/>
+          <a:srcRect/>
+          <a:stretch>
+            <a:fillRect/>
+          </a:stretch>
+        </p:blipFill>
+        <p:spPr bwMode="auto">
+          <a:xfrm>
+            <a:off x="2267744" y="1268760"/>
+            <a:ext cx="4924425" cy="5410200"/>
+          </a:xfrm>
+          <a:prstGeom prst="rect">
+            <a:avLst/>
+          </a:prstGeom>
+          <a:noFill/>
+          <a:ln w="9525">
+            <a:noFill/>
+            <a:miter lim="800000"/>
+            <a:headEnd/>
+            <a:tailEnd/>
+          </a:ln>
+        </p:spPr>
+      </p:pic>
+    </p:spTree>
+    <p:extLst>
+      <p:ext uri="{BB962C8B-B14F-4D97-AF65-F5344CB8AC3E}">
+        <p14:creationId xmlns="" xmlns:p14="http://schemas.microsoft.com/office/powerpoint/2010/main" val="1156373279"/>
+      </p:ext>
+    </p:extLst>
+  </p:cSld>
+  <p:clrMapOvr>
+    <a:masterClrMapping/>
+  </p:clrMapOvr>
+  <p:timing>
+    <p:tnLst>
+      <p:par>
+        <p:cTn id="1" dur="indefinite" restart="never" nodeType="tmRoot"/>
+      </p:par>
+    </p:tnLst>
+  </p:timing>
+</p:sld>
+</file>
+
+<file path=ppt/slides/slide39.xml><?xml version="1.0" encoding="utf-8"?>
+<p:sld xmlns:a="http://schemas.openxmlformats.org/drawingml/2006/main" xmlns:r="http://schemas.openxmlformats.org/officeDocument/2006/relationships" xmlns:p="http://schemas.openxmlformats.org/presentationml/2006/main">
+  <p:cSld>
+    <p:spTree>
+      <p:nvGrpSpPr>
+        <p:cNvPr id="1" name=""/>
+        <p:cNvGrpSpPr/>
+        <p:nvPr/>
+      </p:nvGrpSpPr>
+      <p:grpSpPr>
+        <a:xfrm>
+          <a:off x="0" y="0"/>
+          <a:ext cx="0" cy="0"/>
+          <a:chOff x="0" y="0"/>
+          <a:chExt cx="0" cy="0"/>
+        </a:xfrm>
+      </p:grpSpPr>
+      <p:pic>
+        <p:nvPicPr>
+          <p:cNvPr id="4" name="Picture 3"/>
+          <p:cNvPicPr>
+            <a:picLocks noChangeAspect="1"/>
+          </p:cNvPicPr>
+          <p:nvPr/>
+        </p:nvPicPr>
+        <p:blipFill>
+          <a:blip r:embed="rId2" cstate="print">
+            <a:extLst>
+              <a:ext uri="{28A0092B-C50C-407E-A947-70E740481C1C}">
+                <a14:useLocalDpi xmlns="" xmlns:a14="http://schemas.microsoft.com/office/drawing/2010/main" val="0"/>
+              </a:ext>
+            </a:extLst>
+          </a:blip>
+          <a:stretch>
+            <a:fillRect/>
+          </a:stretch>
+        </p:blipFill>
+        <p:spPr>
+          <a:xfrm>
+            <a:off x="0" y="0"/>
+            <a:ext cx="9180512" cy="6885384"/>
+          </a:xfrm>
+          <a:prstGeom prst="rect">
+            <a:avLst/>
+          </a:prstGeom>
+        </p:spPr>
+      </p:pic>
+      <p:sp>
+        <p:nvSpPr>
+          <p:cNvPr id="2" name="Title 1"/>
+          <p:cNvSpPr>
+            <a:spLocks noGrp="1"/>
+          </p:cNvSpPr>
+          <p:nvPr>
+            <p:ph type="title"/>
+          </p:nvPr>
+        </p:nvSpPr>
+        <p:spPr/>
+        <p:txBody>
+          <a:bodyPr/>
+          <a:lstStyle/>
+          <a:p>
+            <a:r>
+              <a:rPr lang="pt-PT" dirty="0" smtClean="0">
+                <a:solidFill>
+                  <a:srgbClr val="AEC908"/>
+                </a:solidFill>
+              </a:rPr>
+              <a:t>5. Responsividade</a:t>
+            </a:r>
+            <a:endParaRPr lang="pt-BR" dirty="0"/>
+          </a:p>
+        </p:txBody>
+      </p:sp>
+      <p:pic>
+        <p:nvPicPr>
+          <p:cNvPr id="5122" name="Picture 2"/>
+          <p:cNvPicPr>
+            <a:picLocks noChangeAspect="1" noChangeArrowheads="1"/>
+          </p:cNvPicPr>
+          <p:nvPr/>
+        </p:nvPicPr>
+        <p:blipFill>
+          <a:blip r:embed="rId3" cstate="print"/>
+          <a:srcRect/>
+          <a:stretch>
+            <a:fillRect/>
+          </a:stretch>
+        </p:blipFill>
+        <p:spPr bwMode="auto">
+          <a:xfrm>
+            <a:off x="2987824" y="1340768"/>
+            <a:ext cx="3286125" cy="5286375"/>
+          </a:xfrm>
+          <a:prstGeom prst="rect">
+            <a:avLst/>
+          </a:prstGeom>
+          <a:noFill/>
+          <a:ln w="9525">
+            <a:noFill/>
+            <a:miter lim="800000"/>
+            <a:headEnd/>
+            <a:tailEnd/>
+          </a:ln>
+        </p:spPr>
+      </p:pic>
+    </p:spTree>
+    <p:extLst>
+      <p:ext uri="{BB962C8B-B14F-4D97-AF65-F5344CB8AC3E}">
+        <p14:creationId xmlns="" xmlns:p14="http://schemas.microsoft.com/office/powerpoint/2010/main" val="1156373279"/>
       </p:ext>
     </p:extLst>
   </p:cSld>
@@ -9346,7 +10460,7 @@
           <a:blip r:embed="rId2" cstate="print">
             <a:extLst>
               <a:ext uri="{28A0092B-C50C-407E-A947-70E740481C1C}">
-                <a14:useLocalDpi xmlns:a14="http://schemas.microsoft.com/office/drawing/2010/main" xmlns="" val="0"/>
+                <a14:useLocalDpi xmlns="" xmlns:a14="http://schemas.microsoft.com/office/drawing/2010/main" val="0"/>
               </a:ext>
             </a:extLst>
           </a:blip>
@@ -9397,37 +10511,6 @@
               </a:rPr>
               <a:t>mídia</a:t>
             </a:r>
-            <a:endParaRPr lang="pt-BR" dirty="0"/>
-          </a:p>
-        </p:txBody>
-      </p:sp>
-      <p:sp>
-        <p:nvSpPr>
-          <p:cNvPr id="3" name="Content Placeholder 2"/>
-          <p:cNvSpPr>
-            <a:spLocks noGrp="1"/>
-          </p:cNvSpPr>
-          <p:nvPr>
-            <p:ph idx="1"/>
-          </p:nvPr>
-        </p:nvSpPr>
-        <p:spPr/>
-        <p:txBody>
-          <a:bodyPr/>
-          <a:lstStyle/>
-          <a:p>
-            <a:r>
-              <a:rPr lang="pt-PT" dirty="0" smtClean="0">
-                <a:solidFill>
-                  <a:schemeClr val="bg1">
-                    <a:lumMod val="85000"/>
-                  </a:schemeClr>
-                </a:solidFill>
-              </a:rPr>
-              <a:t>Vídeos</a:t>
-            </a:r>
-          </a:p>
-          <a:p>
             <a:endParaRPr lang="pt-BR" dirty="0">
               <a:solidFill>
                 <a:schemeClr val="bg1">
@@ -9438,11 +10521,58 @@
           </a:p>
         </p:txBody>
       </p:sp>
+      <p:sp>
+        <p:nvSpPr>
+          <p:cNvPr id="3" name="Content Placeholder 2"/>
+          <p:cNvSpPr>
+            <a:spLocks noGrp="1"/>
+          </p:cNvSpPr>
+          <p:nvPr>
+            <p:ph idx="1"/>
+          </p:nvPr>
+        </p:nvSpPr>
+        <p:spPr/>
+        <p:txBody>
+          <a:bodyPr/>
+          <a:lstStyle/>
+          <a:p>
+            <a:r>
+              <a:rPr lang="pt-PT" dirty="0" smtClean="0">
+                <a:solidFill>
+                  <a:schemeClr val="bg1">
+                    <a:lumMod val="85000"/>
+                  </a:schemeClr>
+                </a:solidFill>
+              </a:rPr>
+              <a:t>Músicas</a:t>
+            </a:r>
+          </a:p>
+          <a:p>
+            <a:r>
+              <a:rPr lang="pt-PT" dirty="0" smtClean="0">
+                <a:solidFill>
+                  <a:schemeClr val="bg1">
+                    <a:lumMod val="85000"/>
+                  </a:schemeClr>
+                </a:solidFill>
+              </a:rPr>
+              <a:t>Vídeos </a:t>
+            </a:r>
+            <a:endParaRPr lang="pt-BR" strike="sngStrike" dirty="0" smtClean="0">
+              <a:solidFill>
+                <a:schemeClr val="bg1">
+                  <a:lumMod val="85000"/>
+                </a:schemeClr>
+              </a:solidFill>
+            </a:endParaRPr>
+          </a:p>
+        </p:txBody>
+      </p:sp>
       <p:pic>
         <p:nvPicPr>
-          <p:cNvPr id="1026" name="Picture 2"/>
+          <p:cNvPr id="5" name="Picture 4"/>
           <p:cNvPicPr>
-            <a:picLocks noChangeAspect="1" noChangeArrowheads="1"/>
+            <a:picLocks noChangeAspect="1"/>
           </p:cNvPicPr>
           <p:nvPr/>
         </p:nvPicPr>
@@ -9450,10 +10580,128 @@
           <a:blip r:embed="rId3" cstate="print">
             <a:extLst>
               <a:ext uri="{28A0092B-C50C-407E-A947-70E740481C1C}">
-                <a14:useLocalDpi xmlns:a14="http://schemas.microsoft.com/office/drawing/2010/main" xmlns="" val="0"/>
+                <a14:useLocalDpi xmlns="" xmlns:a14="http://schemas.microsoft.com/office/drawing/2010/main" val="0"/>
               </a:ext>
             </a:extLst>
           </a:blip>
+          <a:stretch>
+            <a:fillRect/>
+          </a:stretch>
+        </p:blipFill>
+        <p:spPr>
+          <a:xfrm>
+            <a:off x="2771800" y="3442692"/>
+            <a:ext cx="3371788" cy="1571253"/>
+          </a:xfrm>
+          <a:prstGeom prst="rect">
+            <a:avLst/>
+          </a:prstGeom>
+        </p:spPr>
+      </p:pic>
+    </p:spTree>
+    <p:extLst>
+      <p:ext uri="{BB962C8B-B14F-4D97-AF65-F5344CB8AC3E}">
+        <p14:creationId xmlns="" xmlns:p14="http://schemas.microsoft.com/office/powerpoint/2010/main" val="4060812770"/>
+      </p:ext>
+    </p:extLst>
+  </p:cSld>
+  <p:clrMapOvr>
+    <a:masterClrMapping/>
+  </p:clrMapOvr>
+  <p:timing>
+    <p:tnLst>
+      <p:par>
+        <p:cTn id="1" dur="indefinite" restart="never" nodeType="tmRoot"/>
+      </p:par>
+    </p:tnLst>
+  </p:timing>
+</p:sld>
+</file>
+
+<file path=ppt/slides/slide40.xml><?xml version="1.0" encoding="utf-8"?>
+<p:sld xmlns:a="http://schemas.openxmlformats.org/drawingml/2006/main" xmlns:r="http://schemas.openxmlformats.org/officeDocument/2006/relationships" xmlns:p="http://schemas.openxmlformats.org/presentationml/2006/main">
+  <p:cSld>
+    <p:spTree>
+      <p:nvGrpSpPr>
+        <p:cNvPr id="1" name=""/>
+        <p:cNvGrpSpPr/>
+        <p:nvPr/>
+      </p:nvGrpSpPr>
+      <p:grpSpPr>
+        <a:xfrm>
+          <a:off x="0" y="0"/>
+          <a:ext cx="0" cy="0"/>
+          <a:chOff x="0" y="0"/>
+          <a:chExt cx="0" cy="0"/>
+        </a:xfrm>
+      </p:grpSpPr>
+      <p:pic>
+        <p:nvPicPr>
+          <p:cNvPr id="4" name="Picture 3"/>
+          <p:cNvPicPr>
+            <a:picLocks noChangeAspect="1"/>
+          </p:cNvPicPr>
+          <p:nvPr/>
+        </p:nvPicPr>
+        <p:blipFill>
+          <a:blip r:embed="rId2" cstate="print">
+            <a:extLst>
+              <a:ext uri="{28A0092B-C50C-407E-A947-70E740481C1C}">
+                <a14:useLocalDpi xmlns="" xmlns:a14="http://schemas.microsoft.com/office/drawing/2010/main" val="0"/>
+              </a:ext>
+            </a:extLst>
+          </a:blip>
+          <a:stretch>
+            <a:fillRect/>
+          </a:stretch>
+        </p:blipFill>
+        <p:spPr>
+          <a:xfrm>
+            <a:off x="0" y="0"/>
+            <a:ext cx="9180512" cy="6885384"/>
+          </a:xfrm>
+          <a:prstGeom prst="rect">
+            <a:avLst/>
+          </a:prstGeom>
+        </p:spPr>
+      </p:pic>
+      <p:sp>
+        <p:nvSpPr>
+          <p:cNvPr id="2" name="Title 1"/>
+          <p:cNvSpPr>
+            <a:spLocks noGrp="1"/>
+          </p:cNvSpPr>
+          <p:nvPr>
+            <p:ph type="title"/>
+          </p:nvPr>
+        </p:nvSpPr>
+        <p:spPr/>
+        <p:txBody>
+          <a:bodyPr/>
+          <a:lstStyle/>
+          <a:p>
+            <a:r>
+              <a:rPr lang="pt-PT" dirty="0" smtClean="0">
+                <a:solidFill>
+                  <a:srgbClr val="AEC908"/>
+                </a:solidFill>
+              </a:rPr>
+              <a:t>5. Responsividade</a:t>
+            </a:r>
+            <a:endParaRPr lang="pt-BR" dirty="0"/>
+          </a:p>
+        </p:txBody>
+      </p:sp>
+      <p:pic>
+        <p:nvPicPr>
+          <p:cNvPr id="6147" name="Picture 3"/>
+          <p:cNvPicPr>
+            <a:picLocks noChangeAspect="1" noChangeArrowheads="1"/>
+          </p:cNvPicPr>
+          <p:nvPr/>
+        </p:nvPicPr>
+        <p:blipFill>
+          <a:blip r:embed="rId3" cstate="print"/>
           <a:srcRect/>
           <a:stretch>
             <a:fillRect/>
@@ -9461,51 +10709,2173 @@
         </p:blipFill>
         <p:spPr bwMode="auto">
           <a:xfrm>
-            <a:off x="1259632" y="2852936"/>
-            <a:ext cx="7021323" cy="1892424"/>
+            <a:off x="3779912" y="1268760"/>
+            <a:ext cx="1619250" cy="5400675"/>
           </a:xfrm>
           <a:prstGeom prst="rect">
             <a:avLst/>
           </a:prstGeom>
           <a:noFill/>
-          <a:ln>
+          <a:ln w="9525">
             <a:noFill/>
+            <a:miter lim="800000"/>
+            <a:headEnd/>
+            <a:tailEnd/>
           </a:ln>
-          <a:effectLst/>
-          <a:extLst>
-            <a:ext uri="{909E8E84-426E-40DD-AFC4-6F175D3DCCD1}">
-              <a14:hiddenFill xmlns:a14="http://schemas.microsoft.com/office/drawing/2010/main" xmlns="">
-                <a:solidFill>
-                  <a:schemeClr val="accent1"/>
-                </a:solidFill>
-              </a14:hiddenFill>
-            </a:ext>
-            <a:ext uri="{91240B29-F687-4F45-9708-019B960494DF}">
-              <a14:hiddenLine xmlns:a14="http://schemas.microsoft.com/office/drawing/2010/main" xmlns="" w="9525">
-                <a:solidFill>
-                  <a:schemeClr val="tx1"/>
-                </a:solidFill>
-                <a:miter lim="800000"/>
-                <a:headEnd/>
-                <a:tailEnd/>
-              </a14:hiddenLine>
-            </a:ext>
-            <a:ext uri="{AF507438-7753-43E0-B8FC-AC1667EBCBE1}">
-              <a14:hiddenEffects xmlns:a14="http://schemas.microsoft.com/office/drawing/2010/main" xmlns="">
-                <a:effectLst>
-                  <a:outerShdw dist="35921" dir="2700000" algn="ctr" rotWithShape="0">
-                    <a:schemeClr val="bg2"/>
-                  </a:outerShdw>
-                </a:effectLst>
-              </a14:hiddenEffects>
-            </a:ext>
-          </a:extLst>
         </p:spPr>
       </p:pic>
     </p:spTree>
     <p:extLst>
       <p:ext uri="{BB962C8B-B14F-4D97-AF65-F5344CB8AC3E}">
-        <p14:creationId xmlns:p14="http://schemas.microsoft.com/office/powerpoint/2010/main" xmlns="" val="4060812770"/>
+        <p14:creationId xmlns="" xmlns:p14="http://schemas.microsoft.com/office/powerpoint/2010/main" val="1156373279"/>
+      </p:ext>
+    </p:extLst>
+  </p:cSld>
+  <p:clrMapOvr>
+    <a:masterClrMapping/>
+  </p:clrMapOvr>
+  <p:timing>
+    <p:tnLst>
+      <p:par>
+        <p:cTn id="1" dur="indefinite" restart="never" nodeType="tmRoot"/>
+      </p:par>
+    </p:tnLst>
+  </p:timing>
+</p:sld>
+</file>
+
+<file path=ppt/slides/slide41.xml><?xml version="1.0" encoding="utf-8"?>
+<p:sld xmlns:a="http://schemas.openxmlformats.org/drawingml/2006/main" xmlns:r="http://schemas.openxmlformats.org/officeDocument/2006/relationships" xmlns:p="http://schemas.openxmlformats.org/presentationml/2006/main">
+  <p:cSld>
+    <p:spTree>
+      <p:nvGrpSpPr>
+        <p:cNvPr id="1" name=""/>
+        <p:cNvGrpSpPr/>
+        <p:nvPr/>
+      </p:nvGrpSpPr>
+      <p:grpSpPr>
+        <a:xfrm>
+          <a:off x="0" y="0"/>
+          <a:ext cx="0" cy="0"/>
+          <a:chOff x="0" y="0"/>
+          <a:chExt cx="0" cy="0"/>
+        </a:xfrm>
+      </p:grpSpPr>
+      <p:pic>
+        <p:nvPicPr>
+          <p:cNvPr id="4" name="Picture 3"/>
+          <p:cNvPicPr>
+            <a:picLocks noChangeAspect="1"/>
+          </p:cNvPicPr>
+          <p:nvPr/>
+        </p:nvPicPr>
+        <p:blipFill>
+          <a:blip r:embed="rId2" cstate="print">
+            <a:extLst>
+              <a:ext uri="{28A0092B-C50C-407E-A947-70E740481C1C}">
+                <a14:useLocalDpi xmlns="" xmlns:a14="http://schemas.microsoft.com/office/drawing/2010/main" val="0"/>
+              </a:ext>
+            </a:extLst>
+          </a:blip>
+          <a:stretch>
+            <a:fillRect/>
+          </a:stretch>
+        </p:blipFill>
+        <p:spPr>
+          <a:xfrm>
+            <a:off x="0" y="0"/>
+            <a:ext cx="9180512" cy="6885384"/>
+          </a:xfrm>
+          <a:prstGeom prst="rect">
+            <a:avLst/>
+          </a:prstGeom>
+        </p:spPr>
+      </p:pic>
+      <p:sp>
+        <p:nvSpPr>
+          <p:cNvPr id="2" name="Title 1"/>
+          <p:cNvSpPr>
+            <a:spLocks noGrp="1"/>
+          </p:cNvSpPr>
+          <p:nvPr>
+            <p:ph type="title"/>
+          </p:nvPr>
+        </p:nvSpPr>
+        <p:spPr/>
+        <p:txBody>
+          <a:bodyPr/>
+          <a:lstStyle/>
+          <a:p>
+            <a:r>
+              <a:rPr lang="pt-PT" dirty="0" smtClean="0">
+                <a:solidFill>
+                  <a:srgbClr val="AEC908"/>
+                </a:solidFill>
+              </a:rPr>
+              <a:t>5. Responsividade</a:t>
+            </a:r>
+            <a:endParaRPr lang="pt-BR" dirty="0"/>
+          </a:p>
+        </p:txBody>
+      </p:sp>
+      <p:sp>
+        <p:nvSpPr>
+          <p:cNvPr id="3" name="Content Placeholder 2"/>
+          <p:cNvSpPr>
+            <a:spLocks noGrp="1"/>
+          </p:cNvSpPr>
+          <p:nvPr>
+            <p:ph idx="1"/>
+          </p:nvPr>
+        </p:nvSpPr>
+        <p:spPr>
+          <a:xfrm>
+            <a:off x="457200" y="1600200"/>
+            <a:ext cx="8291264" cy="5069160"/>
+          </a:xfrm>
+        </p:spPr>
+        <p:txBody>
+          <a:bodyPr>
+            <a:normAutofit fontScale="92500"/>
+          </a:bodyPr>
+          <a:lstStyle/>
+          <a:p>
+            <a:pPr>
+              <a:buNone/>
+            </a:pPr>
+            <a:r>
+              <a:rPr lang="pt-BR" dirty="0" smtClean="0">
+                <a:solidFill>
+                  <a:schemeClr val="bg1">
+                    <a:lumMod val="75000"/>
+                  </a:schemeClr>
+                </a:solidFill>
+              </a:rPr>
+              <a:t>O Google </a:t>
+            </a:r>
+            <a:r>
+              <a:rPr lang="pt-BR" dirty="0" smtClean="0">
+                <a:solidFill>
+                  <a:schemeClr val="bg1">
+                    <a:lumMod val="75000"/>
+                  </a:schemeClr>
+                </a:solidFill>
+              </a:rPr>
+              <a:t>recomenda, e </a:t>
+            </a:r>
+            <a:r>
+              <a:rPr lang="pt-BR" dirty="0" smtClean="0">
+                <a:solidFill>
+                  <a:schemeClr val="bg1">
+                    <a:lumMod val="75000"/>
+                  </a:schemeClr>
+                </a:solidFill>
+              </a:rPr>
+              <a:t>também te recompensa</a:t>
+            </a:r>
+            <a:r>
+              <a:rPr lang="pt-BR" dirty="0" smtClean="0">
+                <a:solidFill>
+                  <a:schemeClr val="bg1">
+                    <a:lumMod val="75000"/>
+                  </a:schemeClr>
+                </a:solidFill>
+              </a:rPr>
+              <a:t>.</a:t>
+            </a:r>
+          </a:p>
+          <a:p>
+            <a:pPr>
+              <a:buNone/>
+            </a:pPr>
+            <a:endParaRPr lang="pt-BR" dirty="0" smtClean="0">
+              <a:solidFill>
+                <a:schemeClr val="bg1">
+                  <a:lumMod val="75000"/>
+                </a:schemeClr>
+              </a:solidFill>
+            </a:endParaRPr>
+          </a:p>
+          <a:p>
+            <a:pPr algn="ctr">
+              <a:buNone/>
+            </a:pPr>
+            <a:r>
+              <a:rPr lang="pt-BR" dirty="0" smtClean="0">
+                <a:solidFill>
+                  <a:schemeClr val="bg1">
+                    <a:lumMod val="75000"/>
+                  </a:schemeClr>
+                </a:solidFill>
+              </a:rPr>
+              <a:t>“Sites que usam Web Design Responsivo, isto é, sites </a:t>
+            </a:r>
+            <a:r>
+              <a:rPr lang="pt-BR" dirty="0" smtClean="0">
+                <a:solidFill>
+                  <a:schemeClr val="bg1">
+                    <a:lumMod val="75000"/>
+                  </a:schemeClr>
+                </a:solidFill>
+              </a:rPr>
+              <a:t>que funcionam </a:t>
+            </a:r>
+            <a:r>
+              <a:rPr lang="pt-BR" dirty="0" smtClean="0">
+                <a:solidFill>
+                  <a:schemeClr val="bg1">
+                    <a:lumMod val="75000"/>
+                  </a:schemeClr>
+                </a:solidFill>
+              </a:rPr>
+              <a:t>em todos os dispositivos com o </a:t>
+            </a:r>
+            <a:r>
+              <a:rPr lang="pt-BR" dirty="0" smtClean="0">
+                <a:solidFill>
+                  <a:schemeClr val="bg1">
+                    <a:lumMod val="75000"/>
+                  </a:schemeClr>
+                </a:solidFill>
+              </a:rPr>
+              <a:t>mesmo conjunto de </a:t>
+            </a:r>
+            <a:r>
+              <a:rPr lang="pt-BR" dirty="0" err="1" smtClean="0">
+                <a:solidFill>
+                  <a:schemeClr val="bg1">
+                    <a:lumMod val="75000"/>
+                  </a:schemeClr>
+                </a:solidFill>
+              </a:rPr>
+              <a:t>URLs</a:t>
+            </a:r>
+            <a:r>
+              <a:rPr lang="pt-BR" dirty="0" smtClean="0">
+                <a:solidFill>
+                  <a:schemeClr val="bg1">
+                    <a:lumMod val="75000"/>
+                  </a:schemeClr>
+                </a:solidFill>
+              </a:rPr>
+              <a:t>, com cada URL fornecendo o mesmo HTML a </a:t>
+            </a:r>
+            <a:r>
+              <a:rPr lang="pt-BR" dirty="0" smtClean="0">
+                <a:solidFill>
+                  <a:schemeClr val="bg1">
+                    <a:lumMod val="75000"/>
+                  </a:schemeClr>
+                </a:solidFill>
+              </a:rPr>
+              <a:t>todos os dispositivos </a:t>
+            </a:r>
+            <a:r>
+              <a:rPr lang="pt-BR" dirty="0" smtClean="0">
+                <a:solidFill>
+                  <a:schemeClr val="bg1">
+                    <a:lumMod val="75000"/>
+                  </a:schemeClr>
+                </a:solidFill>
+              </a:rPr>
+              <a:t>e usando apenas CSS para alterar como </a:t>
+            </a:r>
+            <a:r>
+              <a:rPr lang="pt-BR" dirty="0" smtClean="0">
+                <a:solidFill>
+                  <a:schemeClr val="bg1">
+                    <a:lumMod val="75000"/>
+                  </a:schemeClr>
+                </a:solidFill>
+              </a:rPr>
+              <a:t>a página </a:t>
+            </a:r>
+            <a:r>
+              <a:rPr lang="pt-BR" dirty="0" smtClean="0">
+                <a:solidFill>
+                  <a:schemeClr val="bg1">
+                    <a:lumMod val="75000"/>
+                  </a:schemeClr>
+                </a:solidFill>
+              </a:rPr>
+              <a:t>é processada no dispositivo. Essa é a </a:t>
+            </a:r>
+            <a:r>
+              <a:rPr lang="pt-BR" dirty="0" smtClean="0">
+                <a:solidFill>
+                  <a:schemeClr val="bg1">
+                    <a:lumMod val="75000"/>
+                  </a:schemeClr>
+                </a:solidFill>
+              </a:rPr>
+              <a:t>configuração recomendada </a:t>
+            </a:r>
+            <a:r>
+              <a:rPr lang="pt-BR" dirty="0" smtClean="0">
+                <a:solidFill>
+                  <a:schemeClr val="bg1">
+                    <a:lumMod val="75000"/>
+                  </a:schemeClr>
+                </a:solidFill>
+              </a:rPr>
+              <a:t>pelo Google</a:t>
+            </a:r>
+            <a:r>
+              <a:rPr lang="pt-BR" dirty="0" smtClean="0">
+                <a:solidFill>
+                  <a:schemeClr val="bg1">
+                    <a:lumMod val="75000"/>
+                  </a:schemeClr>
+                </a:solidFill>
+              </a:rPr>
+              <a:t>.”</a:t>
+            </a:r>
+          </a:p>
+          <a:p>
+            <a:pPr algn="ctr">
+              <a:buNone/>
+            </a:pPr>
+            <a:r>
+              <a:rPr lang="pt-BR" sz="2200" b="1" dirty="0" smtClean="0">
+                <a:solidFill>
+                  <a:schemeClr val="bg1">
+                    <a:lumMod val="75000"/>
+                  </a:schemeClr>
+                </a:solidFill>
+              </a:rPr>
+              <a:t>Fonte:</a:t>
+            </a:r>
+            <a:r>
+              <a:rPr lang="pt-BR" sz="2200" dirty="0" smtClean="0">
+                <a:solidFill>
+                  <a:schemeClr val="bg1">
+                    <a:lumMod val="75000"/>
+                  </a:schemeClr>
+                </a:solidFill>
+              </a:rPr>
+              <a:t> </a:t>
+            </a:r>
+            <a:r>
+              <a:rPr lang="pt-BR" sz="2200" dirty="0" smtClean="0">
+                <a:solidFill>
+                  <a:schemeClr val="bg1">
+                    <a:lumMod val="75000"/>
+                  </a:schemeClr>
+                </a:solidFill>
+              </a:rPr>
+              <a:t>https://developers.google.com/webmasters/smartphone-sites/details</a:t>
+            </a:r>
+            <a:endParaRPr lang="pt-BR" sz="2200" dirty="0">
+              <a:solidFill>
+                <a:schemeClr val="bg1">
+                  <a:lumMod val="75000"/>
+                </a:schemeClr>
+              </a:solidFill>
+            </a:endParaRPr>
+          </a:p>
+        </p:txBody>
+      </p:sp>
+    </p:spTree>
+    <p:extLst>
+      <p:ext uri="{BB962C8B-B14F-4D97-AF65-F5344CB8AC3E}">
+        <p14:creationId xmlns="" xmlns:p14="http://schemas.microsoft.com/office/powerpoint/2010/main" val="1156373279"/>
+      </p:ext>
+    </p:extLst>
+  </p:cSld>
+  <p:clrMapOvr>
+    <a:masterClrMapping/>
+  </p:clrMapOvr>
+  <p:timing>
+    <p:tnLst>
+      <p:par>
+        <p:cTn id="1" dur="indefinite" restart="never" nodeType="tmRoot"/>
+      </p:par>
+    </p:tnLst>
+  </p:timing>
+</p:sld>
+</file>
+
+<file path=ppt/slides/slide42.xml><?xml version="1.0" encoding="utf-8"?>
+<p:sld xmlns:a="http://schemas.openxmlformats.org/drawingml/2006/main" xmlns:r="http://schemas.openxmlformats.org/officeDocument/2006/relationships" xmlns:p="http://schemas.openxmlformats.org/presentationml/2006/main">
+  <p:cSld>
+    <p:spTree>
+      <p:nvGrpSpPr>
+        <p:cNvPr id="1" name=""/>
+        <p:cNvGrpSpPr/>
+        <p:nvPr/>
+      </p:nvGrpSpPr>
+      <p:grpSpPr>
+        <a:xfrm>
+          <a:off x="0" y="0"/>
+          <a:ext cx="0" cy="0"/>
+          <a:chOff x="0" y="0"/>
+          <a:chExt cx="0" cy="0"/>
+        </a:xfrm>
+      </p:grpSpPr>
+      <p:pic>
+        <p:nvPicPr>
+          <p:cNvPr id="4" name="Picture 3"/>
+          <p:cNvPicPr>
+            <a:picLocks noChangeAspect="1"/>
+          </p:cNvPicPr>
+          <p:nvPr/>
+        </p:nvPicPr>
+        <p:blipFill>
+          <a:blip r:embed="rId2" cstate="print">
+            <a:extLst>
+              <a:ext uri="{28A0092B-C50C-407E-A947-70E740481C1C}">
+                <a14:useLocalDpi xmlns="" xmlns:a14="http://schemas.microsoft.com/office/drawing/2010/main" val="0"/>
+              </a:ext>
+            </a:extLst>
+          </a:blip>
+          <a:stretch>
+            <a:fillRect/>
+          </a:stretch>
+        </p:blipFill>
+        <p:spPr>
+          <a:xfrm>
+            <a:off x="0" y="0"/>
+            <a:ext cx="9180512" cy="6885384"/>
+          </a:xfrm>
+          <a:prstGeom prst="rect">
+            <a:avLst/>
+          </a:prstGeom>
+        </p:spPr>
+      </p:pic>
+      <p:sp>
+        <p:nvSpPr>
+          <p:cNvPr id="2" name="Title 1"/>
+          <p:cNvSpPr>
+            <a:spLocks noGrp="1"/>
+          </p:cNvSpPr>
+          <p:nvPr>
+            <p:ph type="title"/>
+          </p:nvPr>
+        </p:nvSpPr>
+        <p:spPr/>
+        <p:txBody>
+          <a:bodyPr>
+            <a:normAutofit/>
+          </a:bodyPr>
+          <a:lstStyle/>
+          <a:p>
+            <a:r>
+              <a:rPr lang="pt-BR" dirty="0" smtClean="0">
+                <a:solidFill>
+                  <a:srgbClr val="AEC908"/>
+                </a:solidFill>
+              </a:rPr>
+              <a:t>Algumas </a:t>
+            </a:r>
+            <a:r>
+              <a:rPr lang="pt-BR" dirty="0" err="1" smtClean="0">
+                <a:solidFill>
+                  <a:srgbClr val="AEC908"/>
+                </a:solidFill>
+              </a:rPr>
+              <a:t>tags</a:t>
+            </a:r>
+            <a:r>
+              <a:rPr lang="pt-BR" dirty="0" smtClean="0">
+                <a:solidFill>
+                  <a:srgbClr val="AEC908"/>
+                </a:solidFill>
+              </a:rPr>
+              <a:t> muito utilizadas</a:t>
+            </a:r>
+            <a:endParaRPr lang="pt-BR" dirty="0">
+              <a:solidFill>
+                <a:srgbClr val="AEC908"/>
+              </a:solidFill>
+            </a:endParaRPr>
+          </a:p>
+        </p:txBody>
+      </p:sp>
+      <p:sp>
+        <p:nvSpPr>
+          <p:cNvPr id="3" name="Content Placeholder 2"/>
+          <p:cNvSpPr>
+            <a:spLocks noGrp="1"/>
+          </p:cNvSpPr>
+          <p:nvPr>
+            <p:ph idx="1"/>
+          </p:nvPr>
+        </p:nvSpPr>
+        <p:spPr/>
+        <p:txBody>
+          <a:bodyPr>
+            <a:normAutofit fontScale="92500"/>
+          </a:bodyPr>
+          <a:lstStyle/>
+          <a:p>
+            <a:r>
+              <a:rPr lang="pt-BR" dirty="0" smtClean="0">
+                <a:solidFill>
+                  <a:schemeClr val="bg1">
+                    <a:lumMod val="75000"/>
+                  </a:schemeClr>
+                </a:solidFill>
+              </a:rPr>
+              <a:t>&lt;header&gt; é usado para definir o cabeçalho de uma página ou </a:t>
+            </a:r>
+            <a:r>
+              <a:rPr lang="pt-BR" dirty="0" smtClean="0">
+                <a:solidFill>
+                  <a:schemeClr val="bg1">
+                    <a:lumMod val="75000"/>
+                  </a:schemeClr>
+                </a:solidFill>
+              </a:rPr>
+              <a:t>sessão, e </a:t>
+            </a:r>
+            <a:r>
+              <a:rPr lang="pt-BR" dirty="0" smtClean="0">
+                <a:solidFill>
+                  <a:schemeClr val="bg1">
+                    <a:lumMod val="75000"/>
+                  </a:schemeClr>
+                </a:solidFill>
+              </a:rPr>
+              <a:t>pode conter logo, títulos, menu de navegação, campo de </a:t>
+            </a:r>
+            <a:r>
+              <a:rPr lang="pt-BR" dirty="0" smtClean="0">
+                <a:solidFill>
+                  <a:schemeClr val="bg1">
+                    <a:lumMod val="75000"/>
+                  </a:schemeClr>
+                </a:solidFill>
+              </a:rPr>
+              <a:t>busca, etc.</a:t>
+            </a:r>
+          </a:p>
+          <a:p>
+            <a:endParaRPr lang="pt-BR" dirty="0" smtClean="0">
+              <a:solidFill>
+                <a:schemeClr val="bg1">
+                  <a:lumMod val="75000"/>
+                </a:schemeClr>
+              </a:solidFill>
+            </a:endParaRPr>
+          </a:p>
+          <a:p>
+            <a:r>
+              <a:rPr lang="pt-BR" dirty="0" smtClean="0">
+                <a:solidFill>
+                  <a:schemeClr val="bg1">
+                    <a:lumMod val="75000"/>
+                  </a:schemeClr>
+                </a:solidFill>
+              </a:rPr>
+              <a:t>&lt;</a:t>
+            </a:r>
+            <a:r>
+              <a:rPr lang="pt-BR" dirty="0" err="1" smtClean="0">
+                <a:solidFill>
+                  <a:schemeClr val="bg1">
+                    <a:lumMod val="75000"/>
+                  </a:schemeClr>
+                </a:solidFill>
+              </a:rPr>
+              <a:t>nav</a:t>
+            </a:r>
+            <a:r>
+              <a:rPr lang="pt-BR" dirty="0" smtClean="0">
+                <a:solidFill>
+                  <a:schemeClr val="bg1">
+                    <a:lumMod val="75000"/>
+                  </a:schemeClr>
+                </a:solidFill>
+              </a:rPr>
+              <a:t>&gt; serve para agrupar uma lista de links para outras partes do </a:t>
+            </a:r>
+            <a:r>
+              <a:rPr lang="pt-BR" dirty="0" smtClean="0">
+                <a:solidFill>
+                  <a:schemeClr val="bg1">
+                    <a:lumMod val="75000"/>
+                  </a:schemeClr>
+                </a:solidFill>
+              </a:rPr>
+              <a:t>site, seja </a:t>
+            </a:r>
+            <a:r>
+              <a:rPr lang="pt-BR" dirty="0" smtClean="0">
+                <a:solidFill>
+                  <a:schemeClr val="bg1">
+                    <a:lumMod val="75000"/>
+                  </a:schemeClr>
+                </a:solidFill>
+              </a:rPr>
+              <a:t>essa lista de navegação local ou global. Esses blocos de links </a:t>
+            </a:r>
+            <a:r>
+              <a:rPr lang="pt-BR" dirty="0" smtClean="0">
+                <a:solidFill>
+                  <a:schemeClr val="bg1">
+                    <a:lumMod val="75000"/>
+                  </a:schemeClr>
+                </a:solidFill>
+              </a:rPr>
+              <a:t>podem estar </a:t>
+            </a:r>
+            <a:r>
+              <a:rPr lang="pt-BR" dirty="0" smtClean="0">
+                <a:solidFill>
+                  <a:schemeClr val="bg1">
+                    <a:lumMod val="75000"/>
+                  </a:schemeClr>
+                </a:solidFill>
+              </a:rPr>
+              <a:t>em diferentes partes do layout, como no </a:t>
+            </a:r>
+            <a:r>
+              <a:rPr lang="pt-BR" dirty="0" smtClean="0">
+                <a:solidFill>
+                  <a:schemeClr val="bg1">
+                    <a:lumMod val="75000"/>
+                  </a:schemeClr>
+                </a:solidFill>
+              </a:rPr>
+              <a:t>cabeçalho </a:t>
+            </a:r>
+            <a:r>
+              <a:rPr lang="pt-BR" dirty="0" smtClean="0">
+                <a:solidFill>
+                  <a:schemeClr val="bg1">
+                    <a:lumMod val="75000"/>
+                  </a:schemeClr>
+                </a:solidFill>
+              </a:rPr>
+              <a:t>ou no rodapé.</a:t>
+            </a:r>
+            <a:endParaRPr lang="pt-BR" dirty="0">
+              <a:solidFill>
+                <a:schemeClr val="bg1">
+                  <a:lumMod val="75000"/>
+                </a:schemeClr>
+              </a:solidFill>
+            </a:endParaRPr>
+          </a:p>
+        </p:txBody>
+      </p:sp>
+    </p:spTree>
+    <p:extLst>
+      <p:ext uri="{BB962C8B-B14F-4D97-AF65-F5344CB8AC3E}">
+        <p14:creationId xmlns="" xmlns:p14="http://schemas.microsoft.com/office/powerpoint/2010/main" val="1156373279"/>
+      </p:ext>
+    </p:extLst>
+  </p:cSld>
+  <p:clrMapOvr>
+    <a:masterClrMapping/>
+  </p:clrMapOvr>
+  <p:timing>
+    <p:tnLst>
+      <p:par>
+        <p:cTn id="1" dur="indefinite" restart="never" nodeType="tmRoot"/>
+      </p:par>
+    </p:tnLst>
+  </p:timing>
+</p:sld>
+</file>
+
+<file path=ppt/slides/slide43.xml><?xml version="1.0" encoding="utf-8"?>
+<p:sld xmlns:a="http://schemas.openxmlformats.org/drawingml/2006/main" xmlns:r="http://schemas.openxmlformats.org/officeDocument/2006/relationships" xmlns:p="http://schemas.openxmlformats.org/presentationml/2006/main">
+  <p:cSld>
+    <p:spTree>
+      <p:nvGrpSpPr>
+        <p:cNvPr id="1" name=""/>
+        <p:cNvGrpSpPr/>
+        <p:nvPr/>
+      </p:nvGrpSpPr>
+      <p:grpSpPr>
+        <a:xfrm>
+          <a:off x="0" y="0"/>
+          <a:ext cx="0" cy="0"/>
+          <a:chOff x="0" y="0"/>
+          <a:chExt cx="0" cy="0"/>
+        </a:xfrm>
+      </p:grpSpPr>
+      <p:pic>
+        <p:nvPicPr>
+          <p:cNvPr id="4" name="Picture 3"/>
+          <p:cNvPicPr>
+            <a:picLocks noChangeAspect="1"/>
+          </p:cNvPicPr>
+          <p:nvPr/>
+        </p:nvPicPr>
+        <p:blipFill>
+          <a:blip r:embed="rId2" cstate="print">
+            <a:extLst>
+              <a:ext uri="{28A0092B-C50C-407E-A947-70E740481C1C}">
+                <a14:useLocalDpi xmlns="" xmlns:a14="http://schemas.microsoft.com/office/drawing/2010/main" val="0"/>
+              </a:ext>
+            </a:extLst>
+          </a:blip>
+          <a:stretch>
+            <a:fillRect/>
+          </a:stretch>
+        </p:blipFill>
+        <p:spPr>
+          <a:xfrm>
+            <a:off x="0" y="0"/>
+            <a:ext cx="9180512" cy="6885384"/>
+          </a:xfrm>
+          <a:prstGeom prst="rect">
+            <a:avLst/>
+          </a:prstGeom>
+        </p:spPr>
+      </p:pic>
+      <p:sp>
+        <p:nvSpPr>
+          <p:cNvPr id="2" name="Title 1"/>
+          <p:cNvSpPr>
+            <a:spLocks noGrp="1"/>
+          </p:cNvSpPr>
+          <p:nvPr>
+            <p:ph type="title"/>
+          </p:nvPr>
+        </p:nvSpPr>
+        <p:spPr/>
+        <p:txBody>
+          <a:bodyPr/>
+          <a:lstStyle/>
+          <a:p>
+            <a:r>
+              <a:rPr lang="pt-BR" dirty="0" smtClean="0">
+                <a:solidFill>
+                  <a:srgbClr val="AEC908"/>
+                </a:solidFill>
+              </a:rPr>
+              <a:t>Algumas </a:t>
+            </a:r>
+            <a:r>
+              <a:rPr lang="pt-BR" dirty="0" err="1" smtClean="0">
+                <a:solidFill>
+                  <a:srgbClr val="AEC908"/>
+                </a:solidFill>
+              </a:rPr>
+              <a:t>tags</a:t>
+            </a:r>
+            <a:r>
+              <a:rPr lang="pt-BR" dirty="0" smtClean="0">
+                <a:solidFill>
+                  <a:srgbClr val="AEC908"/>
+                </a:solidFill>
+              </a:rPr>
+              <a:t> muito utilizadas</a:t>
+            </a:r>
+            <a:endParaRPr lang="pt-BR" dirty="0"/>
+          </a:p>
+        </p:txBody>
+      </p:sp>
+      <p:sp>
+        <p:nvSpPr>
+          <p:cNvPr id="3" name="Content Placeholder 2"/>
+          <p:cNvSpPr>
+            <a:spLocks noGrp="1"/>
+          </p:cNvSpPr>
+          <p:nvPr>
+            <p:ph idx="1"/>
+          </p:nvPr>
+        </p:nvSpPr>
+        <p:spPr/>
+        <p:txBody>
+          <a:bodyPr>
+            <a:normAutofit/>
+          </a:bodyPr>
+          <a:lstStyle/>
+          <a:p>
+            <a:pPr algn="just"/>
+            <a:r>
+              <a:rPr lang="pt-BR" dirty="0" smtClean="0">
+                <a:solidFill>
+                  <a:schemeClr val="bg1">
+                    <a:lumMod val="75000"/>
+                  </a:schemeClr>
+                </a:solidFill>
+              </a:rPr>
+              <a:t>&lt;</a:t>
+            </a:r>
+            <a:r>
+              <a:rPr lang="pt-BR" dirty="0" err="1" smtClean="0">
+                <a:solidFill>
+                  <a:schemeClr val="bg1">
+                    <a:lumMod val="75000"/>
+                  </a:schemeClr>
+                </a:solidFill>
+              </a:rPr>
+              <a:t>section</a:t>
+            </a:r>
+            <a:r>
+              <a:rPr lang="pt-BR" dirty="0" smtClean="0">
+                <a:solidFill>
+                  <a:schemeClr val="bg1">
+                    <a:lumMod val="75000"/>
+                  </a:schemeClr>
+                </a:solidFill>
+              </a:rPr>
+              <a:t>&gt; é o menos </a:t>
+            </a:r>
+            <a:r>
+              <a:rPr lang="pt-BR" dirty="0" smtClean="0">
+                <a:solidFill>
+                  <a:schemeClr val="bg1">
+                    <a:lumMod val="75000"/>
+                  </a:schemeClr>
+                </a:solidFill>
+              </a:rPr>
+              <a:t>específico </a:t>
+            </a:r>
+            <a:r>
+              <a:rPr lang="pt-BR" dirty="0" smtClean="0">
+                <a:solidFill>
+                  <a:schemeClr val="bg1">
+                    <a:lumMod val="75000"/>
+                  </a:schemeClr>
+                </a:solidFill>
+              </a:rPr>
+              <a:t>entre as novas </a:t>
+            </a:r>
+            <a:r>
+              <a:rPr lang="pt-BR" dirty="0" err="1" smtClean="0">
+                <a:solidFill>
+                  <a:schemeClr val="bg1">
+                    <a:lumMod val="75000"/>
+                  </a:schemeClr>
+                </a:solidFill>
+              </a:rPr>
+              <a:t>tags</a:t>
+            </a:r>
+            <a:r>
+              <a:rPr lang="pt-BR" dirty="0" smtClean="0">
+                <a:solidFill>
+                  <a:schemeClr val="bg1">
+                    <a:lumMod val="75000"/>
+                  </a:schemeClr>
+                </a:solidFill>
+              </a:rPr>
+              <a:t> do HTML5. </a:t>
+            </a:r>
+            <a:r>
+              <a:rPr lang="pt-BR" dirty="0" smtClean="0">
+                <a:solidFill>
+                  <a:schemeClr val="bg1">
+                    <a:lumMod val="75000"/>
+                  </a:schemeClr>
+                </a:solidFill>
+              </a:rPr>
+              <a:t>A diferença </a:t>
+            </a:r>
+            <a:r>
+              <a:rPr lang="pt-BR" dirty="0" smtClean="0">
+                <a:solidFill>
+                  <a:schemeClr val="bg1">
+                    <a:lumMod val="75000"/>
+                  </a:schemeClr>
+                </a:solidFill>
+              </a:rPr>
+              <a:t>do &lt;</a:t>
+            </a:r>
+            <a:r>
+              <a:rPr lang="pt-BR" dirty="0" err="1" smtClean="0">
+                <a:solidFill>
+                  <a:schemeClr val="bg1">
+                    <a:lumMod val="75000"/>
+                  </a:schemeClr>
+                </a:solidFill>
+              </a:rPr>
+              <a:t>section</a:t>
+            </a:r>
+            <a:r>
+              <a:rPr lang="pt-BR" dirty="0" smtClean="0">
+                <a:solidFill>
+                  <a:schemeClr val="bg1">
+                    <a:lumMod val="75000"/>
+                  </a:schemeClr>
+                </a:solidFill>
+              </a:rPr>
+              <a:t>&gt; para um &lt;div&gt; é que o primeiro serve para </a:t>
+            </a:r>
+            <a:r>
+              <a:rPr lang="pt-BR" dirty="0" smtClean="0">
+                <a:solidFill>
+                  <a:schemeClr val="bg1">
+                    <a:lumMod val="75000"/>
+                  </a:schemeClr>
+                </a:solidFill>
+              </a:rPr>
+              <a:t>dividir o </a:t>
+            </a:r>
+            <a:r>
+              <a:rPr lang="pt-BR" dirty="0" smtClean="0">
+                <a:solidFill>
+                  <a:schemeClr val="bg1">
+                    <a:lumMod val="75000"/>
+                  </a:schemeClr>
+                </a:solidFill>
+              </a:rPr>
+              <a:t>conteúdo em diferentes sessões, que podem conter elementos </a:t>
+            </a:r>
+            <a:r>
+              <a:rPr lang="pt-BR" dirty="0" smtClean="0">
+                <a:solidFill>
+                  <a:schemeClr val="bg1">
+                    <a:lumMod val="75000"/>
+                  </a:schemeClr>
+                </a:solidFill>
+              </a:rPr>
+              <a:t>como &lt;header</a:t>
+            </a:r>
+            <a:r>
+              <a:rPr lang="pt-BR" dirty="0" smtClean="0">
+                <a:solidFill>
+                  <a:schemeClr val="bg1">
+                    <a:lumMod val="75000"/>
+                  </a:schemeClr>
+                </a:solidFill>
+              </a:rPr>
+              <a:t>&gt; ou &lt;</a:t>
+            </a:r>
+            <a:r>
+              <a:rPr lang="pt-BR" dirty="0" err="1" smtClean="0">
+                <a:solidFill>
+                  <a:schemeClr val="bg1">
+                    <a:lumMod val="75000"/>
+                  </a:schemeClr>
+                </a:solidFill>
+              </a:rPr>
+              <a:t>article</a:t>
+            </a:r>
+            <a:r>
+              <a:rPr lang="pt-BR" dirty="0" smtClean="0">
+                <a:solidFill>
+                  <a:schemeClr val="bg1">
+                    <a:lumMod val="75000"/>
+                  </a:schemeClr>
+                </a:solidFill>
+              </a:rPr>
+              <a:t>&gt;, enquanto o segundo divide qualquer </a:t>
+            </a:r>
+            <a:r>
+              <a:rPr lang="pt-BR" dirty="0" smtClean="0">
+                <a:solidFill>
+                  <a:schemeClr val="bg1">
+                    <a:lumMod val="75000"/>
+                  </a:schemeClr>
+                </a:solidFill>
+              </a:rPr>
+              <a:t>conteúdo, sem </a:t>
+            </a:r>
+            <a:r>
+              <a:rPr lang="pt-BR" dirty="0" smtClean="0">
+                <a:solidFill>
+                  <a:schemeClr val="bg1">
+                    <a:lumMod val="75000"/>
+                  </a:schemeClr>
+                </a:solidFill>
+              </a:rPr>
+              <a:t>uma finalidade específica.</a:t>
+            </a:r>
+            <a:endParaRPr lang="pt-BR" dirty="0">
+              <a:solidFill>
+                <a:schemeClr val="bg1">
+                  <a:lumMod val="75000"/>
+                </a:schemeClr>
+              </a:solidFill>
+            </a:endParaRPr>
+          </a:p>
+        </p:txBody>
+      </p:sp>
+    </p:spTree>
+    <p:extLst>
+      <p:ext uri="{BB962C8B-B14F-4D97-AF65-F5344CB8AC3E}">
+        <p14:creationId xmlns="" xmlns:p14="http://schemas.microsoft.com/office/powerpoint/2010/main" val="1156373279"/>
+      </p:ext>
+    </p:extLst>
+  </p:cSld>
+  <p:clrMapOvr>
+    <a:masterClrMapping/>
+  </p:clrMapOvr>
+  <p:timing>
+    <p:tnLst>
+      <p:par>
+        <p:cTn id="1" dur="indefinite" restart="never" nodeType="tmRoot"/>
+      </p:par>
+    </p:tnLst>
+  </p:timing>
+</p:sld>
+</file>
+
+<file path=ppt/slides/slide44.xml><?xml version="1.0" encoding="utf-8"?>
+<p:sld xmlns:a="http://schemas.openxmlformats.org/drawingml/2006/main" xmlns:r="http://schemas.openxmlformats.org/officeDocument/2006/relationships" xmlns:p="http://schemas.openxmlformats.org/presentationml/2006/main">
+  <p:cSld>
+    <p:spTree>
+      <p:nvGrpSpPr>
+        <p:cNvPr id="1" name=""/>
+        <p:cNvGrpSpPr/>
+        <p:nvPr/>
+      </p:nvGrpSpPr>
+      <p:grpSpPr>
+        <a:xfrm>
+          <a:off x="0" y="0"/>
+          <a:ext cx="0" cy="0"/>
+          <a:chOff x="0" y="0"/>
+          <a:chExt cx="0" cy="0"/>
+        </a:xfrm>
+      </p:grpSpPr>
+      <p:pic>
+        <p:nvPicPr>
+          <p:cNvPr id="4" name="Picture 3"/>
+          <p:cNvPicPr>
+            <a:picLocks noChangeAspect="1"/>
+          </p:cNvPicPr>
+          <p:nvPr/>
+        </p:nvPicPr>
+        <p:blipFill>
+          <a:blip r:embed="rId2" cstate="print">
+            <a:extLst>
+              <a:ext uri="{28A0092B-C50C-407E-A947-70E740481C1C}">
+                <a14:useLocalDpi xmlns="" xmlns:a14="http://schemas.microsoft.com/office/drawing/2010/main" val="0"/>
+              </a:ext>
+            </a:extLst>
+          </a:blip>
+          <a:stretch>
+            <a:fillRect/>
+          </a:stretch>
+        </p:blipFill>
+        <p:spPr>
+          <a:xfrm>
+            <a:off x="0" y="0"/>
+            <a:ext cx="9180512" cy="6885384"/>
+          </a:xfrm>
+          <a:prstGeom prst="rect">
+            <a:avLst/>
+          </a:prstGeom>
+        </p:spPr>
+      </p:pic>
+      <p:sp>
+        <p:nvSpPr>
+          <p:cNvPr id="2" name="Title 1"/>
+          <p:cNvSpPr>
+            <a:spLocks noGrp="1"/>
+          </p:cNvSpPr>
+          <p:nvPr>
+            <p:ph type="title"/>
+          </p:nvPr>
+        </p:nvSpPr>
+        <p:spPr/>
+        <p:txBody>
+          <a:bodyPr/>
+          <a:lstStyle/>
+          <a:p>
+            <a:r>
+              <a:rPr lang="pt-BR" dirty="0" smtClean="0">
+                <a:solidFill>
+                  <a:srgbClr val="AEC908"/>
+                </a:solidFill>
+              </a:rPr>
+              <a:t>Algumas </a:t>
+            </a:r>
+            <a:r>
+              <a:rPr lang="pt-BR" dirty="0" err="1" smtClean="0">
+                <a:solidFill>
+                  <a:srgbClr val="AEC908"/>
+                </a:solidFill>
+              </a:rPr>
+              <a:t>tags</a:t>
+            </a:r>
+            <a:r>
+              <a:rPr lang="pt-BR" dirty="0" smtClean="0">
+                <a:solidFill>
+                  <a:srgbClr val="AEC908"/>
+                </a:solidFill>
+              </a:rPr>
+              <a:t> muito utilizadas</a:t>
+            </a:r>
+            <a:endParaRPr lang="pt-BR" dirty="0"/>
+          </a:p>
+        </p:txBody>
+      </p:sp>
+      <p:sp>
+        <p:nvSpPr>
+          <p:cNvPr id="3" name="Content Placeholder 2"/>
+          <p:cNvSpPr>
+            <a:spLocks noGrp="1"/>
+          </p:cNvSpPr>
+          <p:nvPr>
+            <p:ph idx="1"/>
+          </p:nvPr>
+        </p:nvSpPr>
+        <p:spPr/>
+        <p:txBody>
+          <a:bodyPr/>
+          <a:lstStyle/>
+          <a:p>
+            <a:r>
+              <a:rPr lang="pt-BR" dirty="0" smtClean="0">
+                <a:solidFill>
+                  <a:schemeClr val="bg1">
+                    <a:lumMod val="75000"/>
+                  </a:schemeClr>
+                </a:solidFill>
+              </a:rPr>
+              <a:t>&lt;</a:t>
+            </a:r>
+            <a:r>
+              <a:rPr lang="pt-BR" dirty="0" err="1" smtClean="0">
+                <a:solidFill>
+                  <a:schemeClr val="bg1">
+                    <a:lumMod val="75000"/>
+                  </a:schemeClr>
+                </a:solidFill>
+              </a:rPr>
+              <a:t>article</a:t>
+            </a:r>
+            <a:r>
+              <a:rPr lang="pt-BR" dirty="0" smtClean="0">
+                <a:solidFill>
+                  <a:schemeClr val="bg1">
+                    <a:lumMod val="75000"/>
+                  </a:schemeClr>
+                </a:solidFill>
+              </a:rPr>
+              <a:t>&gt; serve para identificar um conteúdo independente e de </a:t>
+            </a:r>
+            <a:r>
+              <a:rPr lang="pt-BR" dirty="0" smtClean="0">
+                <a:solidFill>
+                  <a:schemeClr val="bg1">
+                    <a:lumMod val="75000"/>
+                  </a:schemeClr>
+                </a:solidFill>
+              </a:rPr>
+              <a:t>maior relevância </a:t>
+            </a:r>
+            <a:r>
+              <a:rPr lang="pt-BR" dirty="0" smtClean="0">
+                <a:solidFill>
+                  <a:schemeClr val="bg1">
+                    <a:lumMod val="75000"/>
+                  </a:schemeClr>
+                </a:solidFill>
+              </a:rPr>
+              <a:t>dentro da página, que pode ser </a:t>
+            </a:r>
+            <a:r>
+              <a:rPr lang="pt-BR" dirty="0" err="1" smtClean="0">
+                <a:solidFill>
+                  <a:schemeClr val="bg1">
+                    <a:lumMod val="75000"/>
+                  </a:schemeClr>
+                </a:solidFill>
+              </a:rPr>
+              <a:t>distribuido</a:t>
+            </a:r>
+            <a:r>
+              <a:rPr lang="pt-BR" dirty="0" smtClean="0">
+                <a:solidFill>
+                  <a:schemeClr val="bg1">
+                    <a:lumMod val="75000"/>
+                  </a:schemeClr>
+                </a:solidFill>
+              </a:rPr>
+              <a:t> via </a:t>
+            </a:r>
+            <a:r>
+              <a:rPr lang="pt-BR" dirty="0" err="1" smtClean="0">
+                <a:solidFill>
+                  <a:schemeClr val="bg1">
+                    <a:lumMod val="75000"/>
+                  </a:schemeClr>
+                </a:solidFill>
+              </a:rPr>
+              <a:t>feed</a:t>
+            </a:r>
+            <a:r>
+              <a:rPr lang="pt-BR" dirty="0" smtClean="0">
+                <a:solidFill>
+                  <a:schemeClr val="bg1">
+                    <a:lumMod val="75000"/>
+                  </a:schemeClr>
+                </a:solidFill>
+              </a:rPr>
+              <a:t>, </a:t>
+            </a:r>
+            <a:r>
+              <a:rPr lang="pt-BR" dirty="0" smtClean="0">
+                <a:solidFill>
+                  <a:schemeClr val="bg1">
+                    <a:lumMod val="75000"/>
+                  </a:schemeClr>
+                </a:solidFill>
+              </a:rPr>
+              <a:t>como um </a:t>
+            </a:r>
+            <a:r>
+              <a:rPr lang="pt-BR" dirty="0" err="1" smtClean="0">
+                <a:solidFill>
+                  <a:schemeClr val="bg1">
+                    <a:lumMod val="75000"/>
+                  </a:schemeClr>
+                </a:solidFill>
+              </a:rPr>
+              <a:t>post</a:t>
+            </a:r>
+            <a:r>
+              <a:rPr lang="pt-BR" dirty="0" smtClean="0">
+                <a:solidFill>
+                  <a:schemeClr val="bg1">
+                    <a:lumMod val="75000"/>
+                  </a:schemeClr>
+                </a:solidFill>
+              </a:rPr>
+              <a:t>, artigo ou bloco de </a:t>
+            </a:r>
+            <a:r>
+              <a:rPr lang="pt-BR" dirty="0" smtClean="0">
+                <a:solidFill>
+                  <a:schemeClr val="bg1">
+                    <a:lumMod val="75000"/>
+                  </a:schemeClr>
+                </a:solidFill>
+              </a:rPr>
+              <a:t>comentários</a:t>
+            </a:r>
+            <a:r>
+              <a:rPr lang="pt-BR" dirty="0" smtClean="0">
+                <a:solidFill>
+                  <a:schemeClr val="bg1">
+                    <a:lumMod val="75000"/>
+                  </a:schemeClr>
+                </a:solidFill>
+              </a:rPr>
+              <a:t>. O elemento &lt;</a:t>
+            </a:r>
+            <a:r>
+              <a:rPr lang="pt-BR" dirty="0" err="1" smtClean="0">
+                <a:solidFill>
+                  <a:schemeClr val="bg1">
+                    <a:lumMod val="75000"/>
+                  </a:schemeClr>
+                </a:solidFill>
+              </a:rPr>
+              <a:t>article</a:t>
+            </a:r>
+            <a:r>
+              <a:rPr lang="pt-BR" dirty="0" smtClean="0">
+                <a:solidFill>
+                  <a:schemeClr val="bg1">
+                    <a:lumMod val="75000"/>
+                  </a:schemeClr>
+                </a:solidFill>
+              </a:rPr>
+              <a:t>&gt; pode </a:t>
+            </a:r>
+            <a:r>
+              <a:rPr lang="pt-BR" dirty="0" smtClean="0">
+                <a:solidFill>
+                  <a:schemeClr val="bg1">
+                    <a:lumMod val="75000"/>
+                  </a:schemeClr>
+                </a:solidFill>
+              </a:rPr>
+              <a:t>conter outros </a:t>
+            </a:r>
+            <a:r>
+              <a:rPr lang="pt-BR" dirty="0" smtClean="0">
+                <a:solidFill>
+                  <a:schemeClr val="bg1">
+                    <a:lumMod val="75000"/>
+                  </a:schemeClr>
+                </a:solidFill>
+              </a:rPr>
+              <a:t>elementos como &lt;header&gt; ou &lt;</a:t>
+            </a:r>
+            <a:r>
+              <a:rPr lang="pt-BR" dirty="0" err="1" smtClean="0">
+                <a:solidFill>
+                  <a:schemeClr val="bg1">
+                    <a:lumMod val="75000"/>
+                  </a:schemeClr>
+                </a:solidFill>
+              </a:rPr>
+              <a:t>footer</a:t>
+            </a:r>
+            <a:r>
+              <a:rPr lang="pt-BR" dirty="0" smtClean="0">
+                <a:solidFill>
+                  <a:schemeClr val="bg1">
+                    <a:lumMod val="75000"/>
+                  </a:schemeClr>
+                </a:solidFill>
+              </a:rPr>
+              <a:t>&gt;.</a:t>
+            </a:r>
+            <a:endParaRPr lang="pt-BR" dirty="0">
+              <a:solidFill>
+                <a:schemeClr val="bg1">
+                  <a:lumMod val="75000"/>
+                </a:schemeClr>
+              </a:solidFill>
+            </a:endParaRPr>
+          </a:p>
+        </p:txBody>
+      </p:sp>
+    </p:spTree>
+    <p:extLst>
+      <p:ext uri="{BB962C8B-B14F-4D97-AF65-F5344CB8AC3E}">
+        <p14:creationId xmlns="" xmlns:p14="http://schemas.microsoft.com/office/powerpoint/2010/main" val="1156373279"/>
+      </p:ext>
+    </p:extLst>
+  </p:cSld>
+  <p:clrMapOvr>
+    <a:masterClrMapping/>
+  </p:clrMapOvr>
+  <p:timing>
+    <p:tnLst>
+      <p:par>
+        <p:cTn id="1" dur="indefinite" restart="never" nodeType="tmRoot"/>
+      </p:par>
+    </p:tnLst>
+  </p:timing>
+</p:sld>
+</file>
+
+<file path=ppt/slides/slide45.xml><?xml version="1.0" encoding="utf-8"?>
+<p:sld xmlns:a="http://schemas.openxmlformats.org/drawingml/2006/main" xmlns:r="http://schemas.openxmlformats.org/officeDocument/2006/relationships" xmlns:p="http://schemas.openxmlformats.org/presentationml/2006/main">
+  <p:cSld>
+    <p:spTree>
+      <p:nvGrpSpPr>
+        <p:cNvPr id="1" name=""/>
+        <p:cNvGrpSpPr/>
+        <p:nvPr/>
+      </p:nvGrpSpPr>
+      <p:grpSpPr>
+        <a:xfrm>
+          <a:off x="0" y="0"/>
+          <a:ext cx="0" cy="0"/>
+          <a:chOff x="0" y="0"/>
+          <a:chExt cx="0" cy="0"/>
+        </a:xfrm>
+      </p:grpSpPr>
+      <p:pic>
+        <p:nvPicPr>
+          <p:cNvPr id="4" name="Picture 3"/>
+          <p:cNvPicPr>
+            <a:picLocks noChangeAspect="1"/>
+          </p:cNvPicPr>
+          <p:nvPr/>
+        </p:nvPicPr>
+        <p:blipFill>
+          <a:blip r:embed="rId2" cstate="print">
+            <a:extLst>
+              <a:ext uri="{28A0092B-C50C-407E-A947-70E740481C1C}">
+                <a14:useLocalDpi xmlns="" xmlns:a14="http://schemas.microsoft.com/office/drawing/2010/main" val="0"/>
+              </a:ext>
+            </a:extLst>
+          </a:blip>
+          <a:stretch>
+            <a:fillRect/>
+          </a:stretch>
+        </p:blipFill>
+        <p:spPr>
+          <a:xfrm>
+            <a:off x="0" y="0"/>
+            <a:ext cx="9180512" cy="6885384"/>
+          </a:xfrm>
+          <a:prstGeom prst="rect">
+            <a:avLst/>
+          </a:prstGeom>
+        </p:spPr>
+      </p:pic>
+      <p:sp>
+        <p:nvSpPr>
+          <p:cNvPr id="2" name="Title 1"/>
+          <p:cNvSpPr>
+            <a:spLocks noGrp="1"/>
+          </p:cNvSpPr>
+          <p:nvPr>
+            <p:ph type="title"/>
+          </p:nvPr>
+        </p:nvSpPr>
+        <p:spPr/>
+        <p:txBody>
+          <a:bodyPr/>
+          <a:lstStyle/>
+          <a:p>
+            <a:r>
+              <a:rPr lang="pt-BR" dirty="0" smtClean="0">
+                <a:solidFill>
+                  <a:srgbClr val="AEC908"/>
+                </a:solidFill>
+              </a:rPr>
+              <a:t>Algumas </a:t>
+            </a:r>
+            <a:r>
+              <a:rPr lang="pt-BR" dirty="0" err="1" smtClean="0">
+                <a:solidFill>
+                  <a:srgbClr val="AEC908"/>
+                </a:solidFill>
+              </a:rPr>
+              <a:t>tags</a:t>
+            </a:r>
+            <a:r>
+              <a:rPr lang="pt-BR" dirty="0" smtClean="0">
+                <a:solidFill>
+                  <a:srgbClr val="AEC908"/>
+                </a:solidFill>
+              </a:rPr>
+              <a:t> muito utilizadas</a:t>
+            </a:r>
+            <a:endParaRPr lang="pt-BR" dirty="0"/>
+          </a:p>
+        </p:txBody>
+      </p:sp>
+      <p:sp>
+        <p:nvSpPr>
+          <p:cNvPr id="3" name="Content Placeholder 2"/>
+          <p:cNvSpPr>
+            <a:spLocks noGrp="1"/>
+          </p:cNvSpPr>
+          <p:nvPr>
+            <p:ph idx="1"/>
+          </p:nvPr>
+        </p:nvSpPr>
+        <p:spPr/>
+        <p:txBody>
+          <a:bodyPr/>
+          <a:lstStyle/>
+          <a:p>
+            <a:r>
+              <a:rPr lang="pt-BR" dirty="0" smtClean="0">
+                <a:solidFill>
+                  <a:schemeClr val="bg1">
+                    <a:lumMod val="75000"/>
+                  </a:schemeClr>
+                </a:solidFill>
+              </a:rPr>
+              <a:t>&lt;</a:t>
+            </a:r>
+            <a:r>
+              <a:rPr lang="pt-BR" dirty="0" err="1" smtClean="0">
+                <a:solidFill>
+                  <a:schemeClr val="bg1">
+                    <a:lumMod val="75000"/>
+                  </a:schemeClr>
+                </a:solidFill>
+              </a:rPr>
+              <a:t>aside</a:t>
+            </a:r>
+            <a:r>
+              <a:rPr lang="pt-BR" dirty="0" smtClean="0">
+                <a:solidFill>
+                  <a:schemeClr val="bg1">
+                    <a:lumMod val="75000"/>
+                  </a:schemeClr>
+                </a:solidFill>
+              </a:rPr>
+              <a:t>&gt; serve para mostrar conteúdos que fazem referência </a:t>
+            </a:r>
+            <a:r>
+              <a:rPr lang="pt-BR" dirty="0" smtClean="0">
+                <a:solidFill>
+                  <a:schemeClr val="bg1">
+                    <a:lumMod val="75000"/>
+                  </a:schemeClr>
+                </a:solidFill>
+              </a:rPr>
+              <a:t>ao conteúdo </a:t>
+            </a:r>
+            <a:r>
+              <a:rPr lang="pt-BR" dirty="0" smtClean="0">
+                <a:solidFill>
+                  <a:schemeClr val="bg1">
+                    <a:lumMod val="75000"/>
+                  </a:schemeClr>
+                </a:solidFill>
+              </a:rPr>
+              <a:t>principal à sua volta, como informações, blocos </a:t>
+            </a:r>
+            <a:r>
+              <a:rPr lang="pt-BR" dirty="0" smtClean="0">
+                <a:solidFill>
+                  <a:schemeClr val="bg1">
+                    <a:lumMod val="75000"/>
+                  </a:schemeClr>
+                </a:solidFill>
+              </a:rPr>
+              <a:t>de navegação </a:t>
+            </a:r>
+            <a:r>
+              <a:rPr lang="pt-BR" dirty="0" smtClean="0">
+                <a:solidFill>
+                  <a:schemeClr val="bg1">
+                    <a:lumMod val="75000"/>
+                  </a:schemeClr>
+                </a:solidFill>
+              </a:rPr>
+              <a:t>ou até mesmo publicidade.</a:t>
+            </a:r>
+            <a:endParaRPr lang="pt-BR" dirty="0">
+              <a:solidFill>
+                <a:schemeClr val="bg1">
+                  <a:lumMod val="75000"/>
+                </a:schemeClr>
+              </a:solidFill>
+            </a:endParaRPr>
+          </a:p>
+        </p:txBody>
+      </p:sp>
+    </p:spTree>
+    <p:extLst>
+      <p:ext uri="{BB962C8B-B14F-4D97-AF65-F5344CB8AC3E}">
+        <p14:creationId xmlns="" xmlns:p14="http://schemas.microsoft.com/office/powerpoint/2010/main" val="1156373279"/>
+      </p:ext>
+    </p:extLst>
+  </p:cSld>
+  <p:clrMapOvr>
+    <a:masterClrMapping/>
+  </p:clrMapOvr>
+  <p:timing>
+    <p:tnLst>
+      <p:par>
+        <p:cTn id="1" dur="indefinite" restart="never" nodeType="tmRoot"/>
+      </p:par>
+    </p:tnLst>
+  </p:timing>
+</p:sld>
+</file>
+
+<file path=ppt/slides/slide46.xml><?xml version="1.0" encoding="utf-8"?>
+<p:sld xmlns:a="http://schemas.openxmlformats.org/drawingml/2006/main" xmlns:r="http://schemas.openxmlformats.org/officeDocument/2006/relationships" xmlns:p="http://schemas.openxmlformats.org/presentationml/2006/main">
+  <p:cSld>
+    <p:spTree>
+      <p:nvGrpSpPr>
+        <p:cNvPr id="1" name=""/>
+        <p:cNvGrpSpPr/>
+        <p:nvPr/>
+      </p:nvGrpSpPr>
+      <p:grpSpPr>
+        <a:xfrm>
+          <a:off x="0" y="0"/>
+          <a:ext cx="0" cy="0"/>
+          <a:chOff x="0" y="0"/>
+          <a:chExt cx="0" cy="0"/>
+        </a:xfrm>
+      </p:grpSpPr>
+      <p:pic>
+        <p:nvPicPr>
+          <p:cNvPr id="4" name="Picture 3"/>
+          <p:cNvPicPr>
+            <a:picLocks noChangeAspect="1"/>
+          </p:cNvPicPr>
+          <p:nvPr/>
+        </p:nvPicPr>
+        <p:blipFill>
+          <a:blip r:embed="rId2" cstate="print">
+            <a:extLst>
+              <a:ext uri="{28A0092B-C50C-407E-A947-70E740481C1C}">
+                <a14:useLocalDpi xmlns="" xmlns:a14="http://schemas.microsoft.com/office/drawing/2010/main" val="0"/>
+              </a:ext>
+            </a:extLst>
+          </a:blip>
+          <a:stretch>
+            <a:fillRect/>
+          </a:stretch>
+        </p:blipFill>
+        <p:spPr>
+          <a:xfrm>
+            <a:off x="0" y="0"/>
+            <a:ext cx="9180512" cy="6885384"/>
+          </a:xfrm>
+          <a:prstGeom prst="rect">
+            <a:avLst/>
+          </a:prstGeom>
+        </p:spPr>
+      </p:pic>
+      <p:sp>
+        <p:nvSpPr>
+          <p:cNvPr id="2" name="Title 1"/>
+          <p:cNvSpPr>
+            <a:spLocks noGrp="1"/>
+          </p:cNvSpPr>
+          <p:nvPr>
+            <p:ph type="title"/>
+          </p:nvPr>
+        </p:nvSpPr>
+        <p:spPr/>
+        <p:txBody>
+          <a:bodyPr/>
+          <a:lstStyle/>
+          <a:p>
+            <a:r>
+              <a:rPr lang="pt-BR" dirty="0" smtClean="0">
+                <a:solidFill>
+                  <a:srgbClr val="AEC908"/>
+                </a:solidFill>
+              </a:rPr>
+              <a:t>Algumas </a:t>
+            </a:r>
+            <a:r>
+              <a:rPr lang="pt-BR" dirty="0" err="1" smtClean="0">
+                <a:solidFill>
+                  <a:srgbClr val="AEC908"/>
+                </a:solidFill>
+              </a:rPr>
+              <a:t>tags</a:t>
+            </a:r>
+            <a:r>
+              <a:rPr lang="pt-BR" dirty="0" smtClean="0">
+                <a:solidFill>
+                  <a:srgbClr val="AEC908"/>
+                </a:solidFill>
+              </a:rPr>
+              <a:t> muito utilizadas</a:t>
+            </a:r>
+            <a:endParaRPr lang="pt-BR" dirty="0"/>
+          </a:p>
+        </p:txBody>
+      </p:sp>
+      <p:sp>
+        <p:nvSpPr>
+          <p:cNvPr id="3" name="Content Placeholder 2"/>
+          <p:cNvSpPr>
+            <a:spLocks noGrp="1"/>
+          </p:cNvSpPr>
+          <p:nvPr>
+            <p:ph idx="1"/>
+          </p:nvPr>
+        </p:nvSpPr>
+        <p:spPr/>
+        <p:txBody>
+          <a:bodyPr/>
+          <a:lstStyle/>
+          <a:p>
+            <a:r>
+              <a:rPr lang="pt-BR" dirty="0" smtClean="0">
+                <a:solidFill>
+                  <a:schemeClr val="bg1">
+                    <a:lumMod val="75000"/>
+                  </a:schemeClr>
+                </a:solidFill>
+              </a:rPr>
+              <a:t>&lt;</a:t>
+            </a:r>
+            <a:r>
+              <a:rPr lang="pt-BR" dirty="0" err="1" smtClean="0">
+                <a:solidFill>
+                  <a:schemeClr val="bg1">
+                    <a:lumMod val="75000"/>
+                  </a:schemeClr>
+                </a:solidFill>
+              </a:rPr>
+              <a:t>footer</a:t>
+            </a:r>
+            <a:r>
+              <a:rPr lang="pt-BR" dirty="0" smtClean="0">
+                <a:solidFill>
+                  <a:schemeClr val="bg1">
+                    <a:lumMod val="75000"/>
+                  </a:schemeClr>
+                </a:solidFill>
+              </a:rPr>
+              <a:t>&gt; representa o rodapé de um documento ou de uma </a:t>
+            </a:r>
+            <a:r>
+              <a:rPr lang="pt-BR" dirty="0" smtClean="0">
+                <a:solidFill>
+                  <a:schemeClr val="bg1">
+                    <a:lumMod val="75000"/>
+                  </a:schemeClr>
+                </a:solidFill>
+              </a:rPr>
+              <a:t>sessão específica </a:t>
+            </a:r>
+            <a:r>
+              <a:rPr lang="pt-BR" dirty="0" smtClean="0">
+                <a:solidFill>
+                  <a:schemeClr val="bg1">
+                    <a:lumMod val="75000"/>
+                  </a:schemeClr>
+                </a:solidFill>
+              </a:rPr>
+              <a:t>do mesmo, podendo conter informações relacionadas </a:t>
+            </a:r>
+            <a:r>
+              <a:rPr lang="pt-BR" dirty="0" smtClean="0">
+                <a:solidFill>
+                  <a:schemeClr val="bg1">
+                    <a:lumMod val="75000"/>
+                  </a:schemeClr>
+                </a:solidFill>
+              </a:rPr>
+              <a:t>ao autor </a:t>
+            </a:r>
+            <a:r>
+              <a:rPr lang="pt-BR" dirty="0" smtClean="0">
+                <a:solidFill>
+                  <a:schemeClr val="bg1">
+                    <a:lumMod val="75000"/>
+                  </a:schemeClr>
+                </a:solidFill>
+              </a:rPr>
+              <a:t>e ao copyright, blocos de navegação ou links relacionados.</a:t>
+            </a:r>
+            <a:endParaRPr lang="pt-BR" dirty="0">
+              <a:solidFill>
+                <a:schemeClr val="bg1">
+                  <a:lumMod val="75000"/>
+                </a:schemeClr>
+              </a:solidFill>
+            </a:endParaRPr>
+          </a:p>
+        </p:txBody>
+      </p:sp>
+    </p:spTree>
+    <p:extLst>
+      <p:ext uri="{BB962C8B-B14F-4D97-AF65-F5344CB8AC3E}">
+        <p14:creationId xmlns="" xmlns:p14="http://schemas.microsoft.com/office/powerpoint/2010/main" val="1156373279"/>
+      </p:ext>
+    </p:extLst>
+  </p:cSld>
+  <p:clrMapOvr>
+    <a:masterClrMapping/>
+  </p:clrMapOvr>
+  <p:timing>
+    <p:tnLst>
+      <p:par>
+        <p:cTn id="1" dur="indefinite" restart="never" nodeType="tmRoot"/>
+      </p:par>
+    </p:tnLst>
+  </p:timing>
+</p:sld>
+</file>
+
+<file path=ppt/slides/slide47.xml><?xml version="1.0" encoding="utf-8"?>
+<p:sld xmlns:a="http://schemas.openxmlformats.org/drawingml/2006/main" xmlns:r="http://schemas.openxmlformats.org/officeDocument/2006/relationships" xmlns:p="http://schemas.openxmlformats.org/presentationml/2006/main">
+  <p:cSld>
+    <p:spTree>
+      <p:nvGrpSpPr>
+        <p:cNvPr id="1" name=""/>
+        <p:cNvGrpSpPr/>
+        <p:nvPr/>
+      </p:nvGrpSpPr>
+      <p:grpSpPr>
+        <a:xfrm>
+          <a:off x="0" y="0"/>
+          <a:ext cx="0" cy="0"/>
+          <a:chOff x="0" y="0"/>
+          <a:chExt cx="0" cy="0"/>
+        </a:xfrm>
+      </p:grpSpPr>
+      <p:pic>
+        <p:nvPicPr>
+          <p:cNvPr id="4" name="Picture 3"/>
+          <p:cNvPicPr>
+            <a:picLocks noChangeAspect="1"/>
+          </p:cNvPicPr>
+          <p:nvPr/>
+        </p:nvPicPr>
+        <p:blipFill>
+          <a:blip r:embed="rId2" cstate="print">
+            <a:extLst>
+              <a:ext uri="{28A0092B-C50C-407E-A947-70E740481C1C}">
+                <a14:useLocalDpi xmlns="" xmlns:a14="http://schemas.microsoft.com/office/drawing/2010/main" val="0"/>
+              </a:ext>
+            </a:extLst>
+          </a:blip>
+          <a:stretch>
+            <a:fillRect/>
+          </a:stretch>
+        </p:blipFill>
+        <p:spPr>
+          <a:xfrm>
+            <a:off x="0" y="0"/>
+            <a:ext cx="9180512" cy="6885384"/>
+          </a:xfrm>
+          <a:prstGeom prst="rect">
+            <a:avLst/>
+          </a:prstGeom>
+        </p:spPr>
+      </p:pic>
+      <p:sp>
+        <p:nvSpPr>
+          <p:cNvPr id="2" name="Title 1"/>
+          <p:cNvSpPr>
+            <a:spLocks noGrp="1"/>
+          </p:cNvSpPr>
+          <p:nvPr>
+            <p:ph type="title"/>
+          </p:nvPr>
+        </p:nvSpPr>
+        <p:spPr/>
+        <p:txBody>
+          <a:bodyPr/>
+          <a:lstStyle/>
+          <a:p>
+            <a:r>
+              <a:rPr lang="pt-BR" dirty="0" smtClean="0">
+                <a:solidFill>
+                  <a:srgbClr val="AEC908"/>
+                </a:solidFill>
+              </a:rPr>
+              <a:t>HTML4</a:t>
+            </a:r>
+            <a:r>
+              <a:rPr lang="pt-BR" dirty="0" smtClean="0">
+                <a:solidFill>
+                  <a:srgbClr val="AEC908"/>
+                </a:solidFill>
+              </a:rPr>
+              <a:t> </a:t>
+            </a:r>
+            <a:r>
+              <a:rPr lang="pt-BR" dirty="0" smtClean="0">
+                <a:solidFill>
+                  <a:srgbClr val="AEC908"/>
+                </a:solidFill>
+              </a:rPr>
+              <a:t>- velha estrutura</a:t>
+            </a:r>
+            <a:endParaRPr lang="pt-BR" dirty="0"/>
+          </a:p>
+        </p:txBody>
+      </p:sp>
+      <p:pic>
+        <p:nvPicPr>
+          <p:cNvPr id="8194" name="Picture 2"/>
+          <p:cNvPicPr>
+            <a:picLocks noChangeAspect="1" noChangeArrowheads="1"/>
+          </p:cNvPicPr>
+          <p:nvPr/>
+        </p:nvPicPr>
+        <p:blipFill>
+          <a:blip r:embed="rId3" cstate="print"/>
+          <a:srcRect/>
+          <a:stretch>
+            <a:fillRect/>
+          </a:stretch>
+        </p:blipFill>
+        <p:spPr bwMode="auto">
+          <a:xfrm>
+            <a:off x="827584" y="1700808"/>
+            <a:ext cx="7523360" cy="4577652"/>
+          </a:xfrm>
+          <a:prstGeom prst="rect">
+            <a:avLst/>
+          </a:prstGeom>
+          <a:noFill/>
+          <a:ln w="9525">
+            <a:noFill/>
+            <a:miter lim="800000"/>
+            <a:headEnd/>
+            <a:tailEnd/>
+          </a:ln>
+        </p:spPr>
+      </p:pic>
+    </p:spTree>
+    <p:extLst>
+      <p:ext uri="{BB962C8B-B14F-4D97-AF65-F5344CB8AC3E}">
+        <p14:creationId xmlns="" xmlns:p14="http://schemas.microsoft.com/office/powerpoint/2010/main" val="1156373279"/>
+      </p:ext>
+    </p:extLst>
+  </p:cSld>
+  <p:clrMapOvr>
+    <a:masterClrMapping/>
+  </p:clrMapOvr>
+  <p:timing>
+    <p:tnLst>
+      <p:par>
+        <p:cTn id="1" dur="indefinite" restart="never" nodeType="tmRoot"/>
+      </p:par>
+    </p:tnLst>
+  </p:timing>
+</p:sld>
+</file>
+
+<file path=ppt/slides/slide48.xml><?xml version="1.0" encoding="utf-8"?>
+<p:sld xmlns:a="http://schemas.openxmlformats.org/drawingml/2006/main" xmlns:r="http://schemas.openxmlformats.org/officeDocument/2006/relationships" xmlns:p="http://schemas.openxmlformats.org/presentationml/2006/main">
+  <p:cSld>
+    <p:spTree>
+      <p:nvGrpSpPr>
+        <p:cNvPr id="1" name=""/>
+        <p:cNvGrpSpPr/>
+        <p:nvPr/>
+      </p:nvGrpSpPr>
+      <p:grpSpPr>
+        <a:xfrm>
+          <a:off x="0" y="0"/>
+          <a:ext cx="0" cy="0"/>
+          <a:chOff x="0" y="0"/>
+          <a:chExt cx="0" cy="0"/>
+        </a:xfrm>
+      </p:grpSpPr>
+      <p:pic>
+        <p:nvPicPr>
+          <p:cNvPr id="4" name="Picture 3"/>
+          <p:cNvPicPr>
+            <a:picLocks noChangeAspect="1"/>
+          </p:cNvPicPr>
+          <p:nvPr/>
+        </p:nvPicPr>
+        <p:blipFill>
+          <a:blip r:embed="rId2" cstate="print">
+            <a:extLst>
+              <a:ext uri="{28A0092B-C50C-407E-A947-70E740481C1C}">
+                <a14:useLocalDpi xmlns="" xmlns:a14="http://schemas.microsoft.com/office/drawing/2010/main" val="0"/>
+              </a:ext>
+            </a:extLst>
+          </a:blip>
+          <a:stretch>
+            <a:fillRect/>
+          </a:stretch>
+        </p:blipFill>
+        <p:spPr>
+          <a:xfrm>
+            <a:off x="0" y="0"/>
+            <a:ext cx="9180512" cy="6885384"/>
+          </a:xfrm>
+          <a:prstGeom prst="rect">
+            <a:avLst/>
+          </a:prstGeom>
+        </p:spPr>
+      </p:pic>
+      <p:sp>
+        <p:nvSpPr>
+          <p:cNvPr id="2" name="Title 1"/>
+          <p:cNvSpPr>
+            <a:spLocks noGrp="1"/>
+          </p:cNvSpPr>
+          <p:nvPr>
+            <p:ph type="title"/>
+          </p:nvPr>
+        </p:nvSpPr>
+        <p:spPr/>
+        <p:txBody>
+          <a:bodyPr/>
+          <a:lstStyle/>
+          <a:p>
+            <a:r>
+              <a:rPr lang="pt-BR" dirty="0" smtClean="0">
+                <a:solidFill>
+                  <a:srgbClr val="AEC908"/>
+                </a:solidFill>
+              </a:rPr>
+              <a:t>HTML5 – novas marcações</a:t>
+            </a:r>
+            <a:endParaRPr lang="pt-BR" dirty="0"/>
+          </a:p>
+        </p:txBody>
+      </p:sp>
+      <p:pic>
+        <p:nvPicPr>
+          <p:cNvPr id="9218" name="Picture 2"/>
+          <p:cNvPicPr>
+            <a:picLocks noChangeAspect="1" noChangeArrowheads="1"/>
+          </p:cNvPicPr>
+          <p:nvPr/>
+        </p:nvPicPr>
+        <p:blipFill>
+          <a:blip r:embed="rId3" cstate="print"/>
+          <a:srcRect/>
+          <a:stretch>
+            <a:fillRect/>
+          </a:stretch>
+        </p:blipFill>
+        <p:spPr bwMode="auto">
+          <a:xfrm>
+            <a:off x="755576" y="1484784"/>
+            <a:ext cx="7670907" cy="4680198"/>
+          </a:xfrm>
+          <a:prstGeom prst="rect">
+            <a:avLst/>
+          </a:prstGeom>
+          <a:noFill/>
+          <a:ln w="9525">
+            <a:noFill/>
+            <a:miter lim="800000"/>
+            <a:headEnd/>
+            <a:tailEnd/>
+          </a:ln>
+        </p:spPr>
+      </p:pic>
+    </p:spTree>
+    <p:extLst>
+      <p:ext uri="{BB962C8B-B14F-4D97-AF65-F5344CB8AC3E}">
+        <p14:creationId xmlns="" xmlns:p14="http://schemas.microsoft.com/office/powerpoint/2010/main" val="1156373279"/>
+      </p:ext>
+    </p:extLst>
+  </p:cSld>
+  <p:clrMapOvr>
+    <a:masterClrMapping/>
+  </p:clrMapOvr>
+  <p:timing>
+    <p:tnLst>
+      <p:par>
+        <p:cTn id="1" dur="indefinite" restart="never" nodeType="tmRoot"/>
+      </p:par>
+    </p:tnLst>
+  </p:timing>
+</p:sld>
+</file>
+
+<file path=ppt/slides/slide49.xml><?xml version="1.0" encoding="utf-8"?>
+<p:sld xmlns:a="http://schemas.openxmlformats.org/drawingml/2006/main" xmlns:r="http://schemas.openxmlformats.org/officeDocument/2006/relationships" xmlns:p="http://schemas.openxmlformats.org/presentationml/2006/main">
+  <p:cSld>
+    <p:spTree>
+      <p:nvGrpSpPr>
+        <p:cNvPr id="1" name=""/>
+        <p:cNvGrpSpPr/>
+        <p:nvPr/>
+      </p:nvGrpSpPr>
+      <p:grpSpPr>
+        <a:xfrm>
+          <a:off x="0" y="0"/>
+          <a:ext cx="0" cy="0"/>
+          <a:chOff x="0" y="0"/>
+          <a:chExt cx="0" cy="0"/>
+        </a:xfrm>
+      </p:grpSpPr>
+      <p:pic>
+        <p:nvPicPr>
+          <p:cNvPr id="4" name="Picture 3"/>
+          <p:cNvPicPr>
+            <a:picLocks noChangeAspect="1"/>
+          </p:cNvPicPr>
+          <p:nvPr/>
+        </p:nvPicPr>
+        <p:blipFill>
+          <a:blip r:embed="rId2" cstate="print">
+            <a:extLst>
+              <a:ext uri="{28A0092B-C50C-407E-A947-70E740481C1C}">
+                <a14:useLocalDpi xmlns="" xmlns:a14="http://schemas.microsoft.com/office/drawing/2010/main" val="0"/>
+              </a:ext>
+            </a:extLst>
+          </a:blip>
+          <a:stretch>
+            <a:fillRect/>
+          </a:stretch>
+        </p:blipFill>
+        <p:spPr>
+          <a:xfrm>
+            <a:off x="0" y="0"/>
+            <a:ext cx="9180512" cy="6885384"/>
+          </a:xfrm>
+          <a:prstGeom prst="rect">
+            <a:avLst/>
+          </a:prstGeom>
+        </p:spPr>
+      </p:pic>
+      <p:sp>
+        <p:nvSpPr>
+          <p:cNvPr id="2" name="Title 1"/>
+          <p:cNvSpPr>
+            <a:spLocks noGrp="1"/>
+          </p:cNvSpPr>
+          <p:nvPr>
+            <p:ph type="title"/>
+          </p:nvPr>
+        </p:nvSpPr>
+        <p:spPr/>
+        <p:txBody>
+          <a:bodyPr/>
+          <a:lstStyle/>
+          <a:p>
+            <a:r>
+              <a:rPr lang="pt-BR" dirty="0" err="1" smtClean="0">
+                <a:solidFill>
+                  <a:srgbClr val="AEC908"/>
+                </a:solidFill>
+              </a:rPr>
+              <a:t>Bora</a:t>
+            </a:r>
+            <a:r>
+              <a:rPr lang="pt-BR" dirty="0" smtClean="0">
+                <a:solidFill>
+                  <a:srgbClr val="AEC908"/>
+                </a:solidFill>
+              </a:rPr>
+              <a:t> programar?</a:t>
+            </a:r>
+            <a:endParaRPr lang="pt-BR" dirty="0"/>
+          </a:p>
+        </p:txBody>
+      </p:sp>
+      <p:sp>
+        <p:nvSpPr>
+          <p:cNvPr id="3" name="Content Placeholder 2"/>
+          <p:cNvSpPr>
+            <a:spLocks noGrp="1"/>
+          </p:cNvSpPr>
+          <p:nvPr>
+            <p:ph idx="1"/>
+          </p:nvPr>
+        </p:nvSpPr>
+        <p:spPr/>
+        <p:txBody>
+          <a:bodyPr/>
+          <a:lstStyle/>
+          <a:p>
+            <a:r>
+              <a:rPr lang="pt-BR" dirty="0" smtClean="0">
+                <a:solidFill>
+                  <a:schemeClr val="bg1">
+                    <a:lumMod val="75000"/>
+                  </a:schemeClr>
+                </a:solidFill>
+              </a:rPr>
+              <a:t>Voltando ao </a:t>
+            </a:r>
+            <a:r>
+              <a:rPr lang="pt-BR" dirty="0" err="1" smtClean="0">
+                <a:solidFill>
+                  <a:schemeClr val="bg1">
+                    <a:lumMod val="75000"/>
+                  </a:schemeClr>
+                </a:solidFill>
+              </a:rPr>
+              <a:t>N</a:t>
+            </a:r>
+            <a:r>
+              <a:rPr lang="pt-BR" dirty="0" err="1" smtClean="0">
+                <a:solidFill>
+                  <a:schemeClr val="bg1">
+                    <a:lumMod val="75000"/>
+                  </a:schemeClr>
+                </a:solidFill>
+              </a:rPr>
+              <a:t>etbeans</a:t>
+            </a:r>
+            <a:r>
+              <a:rPr lang="pt-BR" dirty="0" smtClean="0">
+                <a:solidFill>
+                  <a:schemeClr val="bg1">
+                    <a:lumMod val="75000"/>
+                  </a:schemeClr>
+                </a:solidFill>
+              </a:rPr>
+              <a:t>...</a:t>
+            </a:r>
+          </a:p>
+          <a:p>
+            <a:pPr lvl="1">
+              <a:buNone/>
+            </a:pPr>
+            <a:endParaRPr lang="pt-BR" dirty="0" smtClean="0">
+              <a:solidFill>
+                <a:schemeClr val="bg1">
+                  <a:lumMod val="75000"/>
+                </a:schemeClr>
+              </a:solidFill>
+            </a:endParaRPr>
+          </a:p>
+        </p:txBody>
+      </p:sp>
+    </p:spTree>
+    <p:extLst>
+      <p:ext uri="{BB962C8B-B14F-4D97-AF65-F5344CB8AC3E}">
+        <p14:creationId xmlns="" xmlns:p14="http://schemas.microsoft.com/office/powerpoint/2010/main" val="1156373279"/>
       </p:ext>
     </p:extLst>
   </p:cSld>
@@ -9551,7 +12921,7 @@
           <a:blip r:embed="rId2" cstate="print">
             <a:extLst>
               <a:ext uri="{28A0092B-C50C-407E-A947-70E740481C1C}">
-                <a14:useLocalDpi xmlns:a14="http://schemas.microsoft.com/office/drawing/2010/main" xmlns="" val="0"/>
+                <a14:useLocalDpi xmlns="" xmlns:a14="http://schemas.microsoft.com/office/drawing/2010/main" val="0"/>
               </a:ext>
             </a:extLst>
           </a:blip>
@@ -9600,8 +12970,39 @@
                   </a:schemeClr>
                 </a:solidFill>
               </a:rPr>
-              <a:t>-plataforma e dispositivos</a:t>
-            </a:r>
+              <a:t>mídia</a:t>
+            </a:r>
+            <a:endParaRPr lang="pt-BR" dirty="0"/>
+          </a:p>
+        </p:txBody>
+      </p:sp>
+      <p:sp>
+        <p:nvSpPr>
+          <p:cNvPr id="3" name="Content Placeholder 2"/>
+          <p:cNvSpPr>
+            <a:spLocks noGrp="1"/>
+          </p:cNvSpPr>
+          <p:nvPr>
+            <p:ph idx="1"/>
+          </p:nvPr>
+        </p:nvSpPr>
+        <p:spPr/>
+        <p:txBody>
+          <a:bodyPr/>
+          <a:lstStyle/>
+          <a:p>
+            <a:r>
+              <a:rPr lang="pt-PT" dirty="0" smtClean="0">
+                <a:solidFill>
+                  <a:schemeClr val="bg1">
+                    <a:lumMod val="85000"/>
+                  </a:schemeClr>
+                </a:solidFill>
+              </a:rPr>
+              <a:t>Vídeos</a:t>
+            </a:r>
+          </a:p>
+          <a:p>
             <a:endParaRPr lang="pt-BR" dirty="0">
               <a:solidFill>
                 <a:schemeClr val="bg1">
@@ -9612,14 +13013,145 @@
           </a:p>
         </p:txBody>
       </p:sp>
-      <p:sp>
-        <p:nvSpPr>
-          <p:cNvPr id="3" name="Content Placeholder 2"/>
-          <p:cNvSpPr>
-            <a:spLocks noGrp="1"/>
-          </p:cNvSpPr>
-          <p:nvPr>
-            <p:ph idx="1"/>
+      <p:pic>
+        <p:nvPicPr>
+          <p:cNvPr id="1026" name="Picture 2"/>
+          <p:cNvPicPr>
+            <a:picLocks noChangeAspect="1" noChangeArrowheads="1"/>
+          </p:cNvPicPr>
+          <p:nvPr/>
+        </p:nvPicPr>
+        <p:blipFill>
+          <a:blip r:embed="rId3" cstate="print">
+            <a:extLst>
+              <a:ext uri="{28A0092B-C50C-407E-A947-70E740481C1C}">
+                <a14:useLocalDpi xmlns="" xmlns:a14="http://schemas.microsoft.com/office/drawing/2010/main" val="0"/>
+              </a:ext>
+            </a:extLst>
+          </a:blip>
+          <a:srcRect/>
+          <a:stretch>
+            <a:fillRect/>
+          </a:stretch>
+        </p:blipFill>
+        <p:spPr bwMode="auto">
+          <a:xfrm>
+            <a:off x="1259632" y="2852936"/>
+            <a:ext cx="7021323" cy="1892424"/>
+          </a:xfrm>
+          <a:prstGeom prst="rect">
+            <a:avLst/>
+          </a:prstGeom>
+          <a:noFill/>
+          <a:ln>
+            <a:noFill/>
+          </a:ln>
+          <a:effectLst/>
+          <a:extLst>
+            <a:ext uri="{909E8E84-426E-40DD-AFC4-6F175D3DCCD1}">
+              <a14:hiddenFill xmlns="" xmlns:a14="http://schemas.microsoft.com/office/drawing/2010/main">
+                <a:solidFill>
+                  <a:schemeClr val="accent1"/>
+                </a:solidFill>
+              </a14:hiddenFill>
+            </a:ext>
+            <a:ext uri="{91240B29-F687-4F45-9708-019B960494DF}">
+              <a14:hiddenLine xmlns="" xmlns:a14="http://schemas.microsoft.com/office/drawing/2010/main" w="9525">
+                <a:solidFill>
+                  <a:schemeClr val="tx1"/>
+                </a:solidFill>
+                <a:miter lim="800000"/>
+                <a:headEnd/>
+                <a:tailEnd/>
+              </a14:hiddenLine>
+            </a:ext>
+            <a:ext uri="{AF507438-7753-43E0-B8FC-AC1667EBCBE1}">
+              <a14:hiddenEffects xmlns="" xmlns:a14="http://schemas.microsoft.com/office/drawing/2010/main">
+                <a:effectLst>
+                  <a:outerShdw dist="35921" dir="2700000" algn="ctr" rotWithShape="0">
+                    <a:schemeClr val="bg2"/>
+                  </a:outerShdw>
+                </a:effectLst>
+              </a14:hiddenEffects>
+            </a:ext>
+          </a:extLst>
+        </p:spPr>
+      </p:pic>
+    </p:spTree>
+    <p:extLst>
+      <p:ext uri="{BB962C8B-B14F-4D97-AF65-F5344CB8AC3E}">
+        <p14:creationId xmlns="" xmlns:p14="http://schemas.microsoft.com/office/powerpoint/2010/main" val="4060812770"/>
+      </p:ext>
+    </p:extLst>
+  </p:cSld>
+  <p:clrMapOvr>
+    <a:masterClrMapping/>
+  </p:clrMapOvr>
+  <p:timing>
+    <p:tnLst>
+      <p:par>
+        <p:cTn id="1" dur="indefinite" restart="never" nodeType="tmRoot"/>
+      </p:par>
+    </p:tnLst>
+  </p:timing>
+</p:sld>
+</file>
+
+<file path=ppt/slides/slide50.xml><?xml version="1.0" encoding="utf-8"?>
+<p:sld xmlns:a="http://schemas.openxmlformats.org/drawingml/2006/main" xmlns:r="http://schemas.openxmlformats.org/officeDocument/2006/relationships" xmlns:p="http://schemas.openxmlformats.org/presentationml/2006/main">
+  <p:cSld>
+    <p:spTree>
+      <p:nvGrpSpPr>
+        <p:cNvPr id="1" name=""/>
+        <p:cNvGrpSpPr/>
+        <p:nvPr/>
+      </p:nvGrpSpPr>
+      <p:grpSpPr>
+        <a:xfrm>
+          <a:off x="0" y="0"/>
+          <a:ext cx="0" cy="0"/>
+          <a:chOff x="0" y="0"/>
+          <a:chExt cx="0" cy="0"/>
+        </a:xfrm>
+      </p:grpSpPr>
+      <p:pic>
+        <p:nvPicPr>
+          <p:cNvPr id="4" name="Picture 3"/>
+          <p:cNvPicPr>
+            <a:picLocks noChangeAspect="1"/>
+          </p:cNvPicPr>
+          <p:nvPr/>
+        </p:nvPicPr>
+        <p:blipFill>
+          <a:blip r:embed="rId2" cstate="print">
+            <a:extLst>
+              <a:ext uri="{28A0092B-C50C-407E-A947-70E740481C1C}">
+                <a14:useLocalDpi xmlns="" xmlns:a14="http://schemas.microsoft.com/office/drawing/2010/main" val="0"/>
+              </a:ext>
+            </a:extLst>
+          </a:blip>
+          <a:stretch>
+            <a:fillRect/>
+          </a:stretch>
+        </p:blipFill>
+        <p:spPr>
+          <a:xfrm>
+            <a:off x="0" y="0"/>
+            <a:ext cx="9180512" cy="6885384"/>
+          </a:xfrm>
+          <a:prstGeom prst="rect">
+            <a:avLst/>
+          </a:prstGeom>
+        </p:spPr>
+      </p:pic>
+      <p:sp>
+        <p:nvSpPr>
+          <p:cNvPr id="2" name="Title 1"/>
+          <p:cNvSpPr>
+            <a:spLocks noGrp="1"/>
+          </p:cNvSpPr>
+          <p:nvPr>
+            <p:ph type="title"/>
           </p:nvPr>
         </p:nvSpPr>
         <p:spPr/>
@@ -9635,49 +13167,8 @@
                   </a:schemeClr>
                 </a:solidFill>
               </a:rPr>
-              <a:t>S.O. (Browsers)</a:t>
-            </a:r>
-          </a:p>
-          <a:p>
-            <a:r>
-              <a:rPr lang="pt-PT" dirty="0" smtClean="0">
-                <a:solidFill>
-                  <a:schemeClr val="bg1">
-                    <a:lumMod val="85000"/>
-                  </a:schemeClr>
-                </a:solidFill>
-              </a:rPr>
-              <a:t>Monitores</a:t>
-            </a:r>
-          </a:p>
-          <a:p>
-            <a:r>
-              <a:rPr lang="pt-PT" dirty="0" smtClean="0">
-                <a:solidFill>
-                  <a:schemeClr val="bg1">
-                    <a:lumMod val="85000"/>
-                  </a:schemeClr>
-                </a:solidFill>
-              </a:rPr>
-              <a:t>Dispositivos (Celulares, tables, pc’s)</a:t>
-            </a:r>
-          </a:p>
-          <a:p>
-            <a:r>
-              <a:rPr lang="pt-PT" dirty="0" smtClean="0">
-                <a:solidFill>
-                  <a:schemeClr val="bg1">
-                    <a:lumMod val="85000"/>
-                  </a:schemeClr>
-                </a:solidFill>
-              </a:rPr>
-              <a:t>Integração entre as plataformas</a:t>
-            </a:r>
-          </a:p>
-          <a:p>
-            <a:pPr marL="0" indent="0">
-              <a:buNone/>
-            </a:pPr>
+              <a:t>Referências</a:t>
+            </a:r>
             <a:endParaRPr lang="pt-BR" dirty="0">
               <a:solidFill>
                 <a:schemeClr val="bg1">
@@ -9688,10 +13179,617 @@
           </a:p>
         </p:txBody>
       </p:sp>
+      <p:sp>
+        <p:nvSpPr>
+          <p:cNvPr id="3" name="Content Placeholder 2"/>
+          <p:cNvSpPr>
+            <a:spLocks noGrp="1"/>
+          </p:cNvSpPr>
+          <p:nvPr>
+            <p:ph idx="1"/>
+          </p:nvPr>
+        </p:nvSpPr>
+        <p:spPr/>
+        <p:txBody>
+          <a:bodyPr>
+            <a:normAutofit fontScale="85000" lnSpcReduction="20000"/>
+          </a:bodyPr>
+          <a:lstStyle/>
+          <a:p>
+            <a:r>
+              <a:rPr lang="pt-BR" dirty="0">
+                <a:solidFill>
+                  <a:schemeClr val="bg1">
+                    <a:lumMod val="85000"/>
+                  </a:schemeClr>
+                </a:solidFill>
+              </a:rPr>
+              <a:t>http://</a:t>
+            </a:r>
+            <a:r>
+              <a:rPr lang="pt-BR" dirty="0" smtClean="0">
+                <a:solidFill>
+                  <a:schemeClr val="bg1">
+                    <a:lumMod val="85000"/>
+                  </a:schemeClr>
+                </a:solidFill>
+              </a:rPr>
+              <a:t>www.w3schools.com/html/html5_video.asp</a:t>
+            </a:r>
+          </a:p>
+          <a:p>
+            <a:endParaRPr lang="pt-BR" dirty="0" smtClean="0">
+              <a:solidFill>
+                <a:schemeClr val="bg1">
+                  <a:lumMod val="85000"/>
+                </a:schemeClr>
+              </a:solidFill>
+            </a:endParaRPr>
+          </a:p>
+          <a:p>
+            <a:r>
+              <a:rPr lang="pt-BR" dirty="0">
+                <a:solidFill>
+                  <a:schemeClr val="bg1">
+                    <a:lumMod val="85000"/>
+                  </a:schemeClr>
+                </a:solidFill>
+              </a:rPr>
+              <a:t>http://www.html5rocks.com/pt/tutorials/video/basics</a:t>
+            </a:r>
+            <a:r>
+              <a:rPr lang="pt-BR" dirty="0" smtClean="0">
+                <a:solidFill>
+                  <a:schemeClr val="bg1">
+                    <a:lumMod val="85000"/>
+                  </a:schemeClr>
+                </a:solidFill>
+              </a:rPr>
+              <a:t>/</a:t>
+            </a:r>
+          </a:p>
+          <a:p>
+            <a:endParaRPr lang="pt-BR" dirty="0" smtClean="0">
+              <a:solidFill>
+                <a:schemeClr val="bg1">
+                  <a:lumMod val="85000"/>
+                </a:schemeClr>
+              </a:solidFill>
+            </a:endParaRPr>
+          </a:p>
+          <a:p>
+            <a:r>
+              <a:rPr lang="pt-BR" dirty="0">
+                <a:solidFill>
+                  <a:schemeClr val="bg1">
+                    <a:lumMod val="85000"/>
+                  </a:schemeClr>
+                </a:solidFill>
+              </a:rPr>
+              <a:t>http://tableless.com.br/introducao-a-microdata-no-html5</a:t>
+            </a:r>
+            <a:r>
+              <a:rPr lang="pt-BR" dirty="0" smtClean="0">
+                <a:solidFill>
+                  <a:schemeClr val="bg1">
+                    <a:lumMod val="85000"/>
+                  </a:schemeClr>
+                </a:solidFill>
+              </a:rPr>
+              <a:t>/</a:t>
+            </a:r>
+          </a:p>
+          <a:p>
+            <a:endParaRPr lang="pt-BR" dirty="0" smtClean="0">
+              <a:solidFill>
+                <a:schemeClr val="bg1">
+                  <a:lumMod val="85000"/>
+                </a:schemeClr>
+              </a:solidFill>
+            </a:endParaRPr>
+          </a:p>
+          <a:p>
+            <a:r>
+              <a:rPr lang="pt-BR" dirty="0">
+                <a:solidFill>
+                  <a:schemeClr val="bg1">
+                    <a:lumMod val="85000"/>
+                  </a:schemeClr>
+                </a:solidFill>
+              </a:rPr>
+              <a:t>http://schema.org</a:t>
+            </a:r>
+            <a:r>
+              <a:rPr lang="pt-BR" dirty="0" smtClean="0">
+                <a:solidFill>
+                  <a:schemeClr val="bg1">
+                    <a:lumMod val="85000"/>
+                  </a:schemeClr>
+                </a:solidFill>
+              </a:rPr>
+              <a:t>/</a:t>
+            </a:r>
+          </a:p>
+          <a:p>
+            <a:endParaRPr lang="pt-BR" dirty="0" smtClean="0">
+              <a:solidFill>
+                <a:schemeClr val="bg1">
+                  <a:lumMod val="85000"/>
+                </a:schemeClr>
+              </a:solidFill>
+            </a:endParaRPr>
+          </a:p>
+          <a:p>
+            <a:r>
+              <a:rPr lang="pt-BR" dirty="0" smtClean="0">
+                <a:solidFill>
+                  <a:schemeClr val="bg1">
+                    <a:lumMod val="85000"/>
+                  </a:schemeClr>
+                </a:solidFill>
+              </a:rPr>
+              <a:t>https://developers.facebook.com/docs/sharing/best-practices</a:t>
+            </a:r>
+            <a:endParaRPr lang="pt-BR" dirty="0">
+              <a:solidFill>
+                <a:schemeClr val="bg1">
+                  <a:lumMod val="85000"/>
+                </a:schemeClr>
+              </a:solidFill>
+            </a:endParaRPr>
+          </a:p>
+        </p:txBody>
+      </p:sp>
     </p:spTree>
     <p:extLst>
       <p:ext uri="{BB962C8B-B14F-4D97-AF65-F5344CB8AC3E}">
-        <p14:creationId xmlns:p14="http://schemas.microsoft.com/office/powerpoint/2010/main" xmlns="" val="4060812770"/>
+        <p14:creationId xmlns="" xmlns:p14="http://schemas.microsoft.com/office/powerpoint/2010/main" val="1156373279"/>
+      </p:ext>
+    </p:extLst>
+  </p:cSld>
+  <p:clrMapOvr>
+    <a:masterClrMapping/>
+  </p:clrMapOvr>
+  <p:timing>
+    <p:tnLst>
+      <p:par>
+        <p:cTn id="1" dur="indefinite" restart="never" nodeType="tmRoot"/>
+      </p:par>
+    </p:tnLst>
+  </p:timing>
+</p:sld>
+</file>
+
+<file path=ppt/slides/slide51.xml><?xml version="1.0" encoding="utf-8"?>
+<p:sld xmlns:a="http://schemas.openxmlformats.org/drawingml/2006/main" xmlns:r="http://schemas.openxmlformats.org/officeDocument/2006/relationships" xmlns:p="http://schemas.openxmlformats.org/presentationml/2006/main">
+  <p:cSld>
+    <p:spTree>
+      <p:nvGrpSpPr>
+        <p:cNvPr id="1" name=""/>
+        <p:cNvGrpSpPr/>
+        <p:nvPr/>
+      </p:nvGrpSpPr>
+      <p:grpSpPr>
+        <a:xfrm>
+          <a:off x="0" y="0"/>
+          <a:ext cx="0" cy="0"/>
+          <a:chOff x="0" y="0"/>
+          <a:chExt cx="0" cy="0"/>
+        </a:xfrm>
+      </p:grpSpPr>
+      <p:pic>
+        <p:nvPicPr>
+          <p:cNvPr id="4" name="Picture 3"/>
+          <p:cNvPicPr>
+            <a:picLocks noChangeAspect="1"/>
+          </p:cNvPicPr>
+          <p:nvPr/>
+        </p:nvPicPr>
+        <p:blipFill>
+          <a:blip r:embed="rId2" cstate="print">
+            <a:extLst>
+              <a:ext uri="{28A0092B-C50C-407E-A947-70E740481C1C}">
+                <a14:useLocalDpi xmlns="" xmlns:a14="http://schemas.microsoft.com/office/drawing/2010/main" val="0"/>
+              </a:ext>
+            </a:extLst>
+          </a:blip>
+          <a:stretch>
+            <a:fillRect/>
+          </a:stretch>
+        </p:blipFill>
+        <p:spPr>
+          <a:xfrm>
+            <a:off x="0" y="0"/>
+            <a:ext cx="9180512" cy="6885384"/>
+          </a:xfrm>
+          <a:prstGeom prst="rect">
+            <a:avLst/>
+          </a:prstGeom>
+        </p:spPr>
+      </p:pic>
+      <p:sp>
+        <p:nvSpPr>
+          <p:cNvPr id="2" name="Title 1"/>
+          <p:cNvSpPr>
+            <a:spLocks noGrp="1"/>
+          </p:cNvSpPr>
+          <p:nvPr>
+            <p:ph type="title"/>
+          </p:nvPr>
+        </p:nvSpPr>
+        <p:spPr/>
+        <p:txBody>
+          <a:bodyPr/>
+          <a:lstStyle/>
+          <a:p>
+            <a:r>
+              <a:rPr lang="pt-PT" dirty="0" smtClean="0">
+                <a:solidFill>
+                  <a:schemeClr val="bg1">
+                    <a:lumMod val="85000"/>
+                  </a:schemeClr>
+                </a:solidFill>
+              </a:rPr>
+              <a:t>Referências</a:t>
+            </a:r>
+            <a:endParaRPr lang="pt-BR" dirty="0">
+              <a:solidFill>
+                <a:schemeClr val="bg1">
+                  <a:lumMod val="85000"/>
+                </a:schemeClr>
+              </a:solidFill>
+            </a:endParaRPr>
+          </a:p>
+        </p:txBody>
+      </p:sp>
+      <p:sp>
+        <p:nvSpPr>
+          <p:cNvPr id="3" name="Content Placeholder 2"/>
+          <p:cNvSpPr>
+            <a:spLocks noGrp="1"/>
+          </p:cNvSpPr>
+          <p:nvPr>
+            <p:ph idx="1"/>
+          </p:nvPr>
+        </p:nvSpPr>
+        <p:spPr/>
+        <p:txBody>
+          <a:bodyPr>
+            <a:normAutofit fontScale="92500" lnSpcReduction="20000"/>
+          </a:bodyPr>
+          <a:lstStyle/>
+          <a:p>
+            <a:r>
+              <a:rPr lang="pt-BR" dirty="0">
+                <a:solidFill>
+                  <a:schemeClr val="bg1">
+                    <a:lumMod val="85000"/>
+                  </a:schemeClr>
+                </a:solidFill>
+              </a:rPr>
+              <a:t>http://</a:t>
+            </a:r>
+            <a:r>
+              <a:rPr lang="pt-BR" dirty="0" smtClean="0">
+                <a:solidFill>
+                  <a:schemeClr val="bg1">
+                    <a:lumMod val="85000"/>
+                  </a:schemeClr>
+                </a:solidFill>
+              </a:rPr>
+              <a:t>www.htmlprogressivo.net/2014/02/HTML-HTML5-Qual-a-Diferenca-O-que-muda.html</a:t>
+            </a:r>
+          </a:p>
+          <a:p>
+            <a:endParaRPr lang="pt-BR" dirty="0" smtClean="0">
+              <a:solidFill>
+                <a:schemeClr val="bg1">
+                  <a:lumMod val="85000"/>
+                </a:schemeClr>
+              </a:solidFill>
+            </a:endParaRPr>
+          </a:p>
+          <a:p>
+            <a:r>
+              <a:rPr lang="pt-BR" dirty="0" smtClean="0">
+                <a:solidFill>
+                  <a:schemeClr val="bg1">
+                    <a:lumMod val="85000"/>
+                  </a:schemeClr>
+                </a:solidFill>
+              </a:rPr>
+              <a:t>http://tableless.com.br/afinal-o-que-muda-com-o-html-5</a:t>
+            </a:r>
+            <a:r>
+              <a:rPr lang="pt-BR" dirty="0" smtClean="0">
+                <a:solidFill>
+                  <a:schemeClr val="bg1">
+                    <a:lumMod val="85000"/>
+                  </a:schemeClr>
+                </a:solidFill>
+              </a:rPr>
+              <a:t>/</a:t>
+            </a:r>
+          </a:p>
+          <a:p>
+            <a:endParaRPr lang="pt-BR" dirty="0" smtClean="0">
+              <a:solidFill>
+                <a:schemeClr val="bg1">
+                  <a:lumMod val="85000"/>
+                </a:schemeClr>
+              </a:solidFill>
+            </a:endParaRPr>
+          </a:p>
+          <a:p>
+            <a:r>
+              <a:rPr lang="pt-BR" dirty="0" smtClean="0">
+                <a:solidFill>
+                  <a:schemeClr val="bg1">
+                    <a:lumMod val="85000"/>
+                  </a:schemeClr>
+                </a:solidFill>
+              </a:rPr>
+              <a:t>http://www.uxdesign.blog.br/arquitetura-de-informacao/html-outline</a:t>
+            </a:r>
+            <a:r>
+              <a:rPr lang="pt-BR" dirty="0" smtClean="0">
+                <a:solidFill>
+                  <a:schemeClr val="bg1">
+                    <a:lumMod val="85000"/>
+                  </a:schemeClr>
+                </a:solidFill>
+              </a:rPr>
+              <a:t>/</a:t>
+            </a:r>
+          </a:p>
+          <a:p>
+            <a:endParaRPr lang="pt-BR" dirty="0" smtClean="0">
+              <a:solidFill>
+                <a:schemeClr val="bg1">
+                  <a:lumMod val="85000"/>
+                </a:schemeClr>
+              </a:solidFill>
+            </a:endParaRPr>
+          </a:p>
+          <a:p>
+            <a:r>
+              <a:rPr lang="pt-BR" dirty="0" smtClean="0">
+                <a:solidFill>
+                  <a:schemeClr val="bg1">
+                    <a:lumMod val="85000"/>
+                  </a:schemeClr>
+                </a:solidFill>
+              </a:rPr>
+              <a:t>https://dev.twitter.com/cards/types/summary</a:t>
+            </a:r>
+            <a:endParaRPr lang="pt-BR" dirty="0">
+              <a:solidFill>
+                <a:schemeClr val="bg1">
+                  <a:lumMod val="85000"/>
+                </a:schemeClr>
+              </a:solidFill>
+            </a:endParaRPr>
+          </a:p>
+        </p:txBody>
+      </p:sp>
+    </p:spTree>
+    <p:extLst>
+      <p:ext uri="{BB962C8B-B14F-4D97-AF65-F5344CB8AC3E}">
+        <p14:creationId xmlns="" xmlns:p14="http://schemas.microsoft.com/office/powerpoint/2010/main" val="1981461259"/>
+      </p:ext>
+    </p:extLst>
+  </p:cSld>
+  <p:clrMapOvr>
+    <a:masterClrMapping/>
+  </p:clrMapOvr>
+  <p:timing>
+    <p:tnLst>
+      <p:par>
+        <p:cTn id="1" dur="indefinite" restart="never" nodeType="tmRoot"/>
+      </p:par>
+    </p:tnLst>
+  </p:timing>
+</p:sld>
+</file>
+
+<file path=ppt/slides/slide52.xml><?xml version="1.0" encoding="utf-8"?>
+<p:sld xmlns:a="http://schemas.openxmlformats.org/drawingml/2006/main" xmlns:r="http://schemas.openxmlformats.org/officeDocument/2006/relationships" xmlns:p="http://schemas.openxmlformats.org/presentationml/2006/main">
+  <p:cSld>
+    <p:spTree>
+      <p:nvGrpSpPr>
+        <p:cNvPr id="1" name=""/>
+        <p:cNvGrpSpPr/>
+        <p:nvPr/>
+      </p:nvGrpSpPr>
+      <p:grpSpPr>
+        <a:xfrm>
+          <a:off x="0" y="0"/>
+          <a:ext cx="0" cy="0"/>
+          <a:chOff x="0" y="0"/>
+          <a:chExt cx="0" cy="0"/>
+        </a:xfrm>
+      </p:grpSpPr>
+      <p:pic>
+        <p:nvPicPr>
+          <p:cNvPr id="4" name="Picture 3"/>
+          <p:cNvPicPr>
+            <a:picLocks noChangeAspect="1"/>
+          </p:cNvPicPr>
+          <p:nvPr/>
+        </p:nvPicPr>
+        <p:blipFill>
+          <a:blip r:embed="rId2" cstate="print">
+            <a:extLst>
+              <a:ext uri="{28A0092B-C50C-407E-A947-70E740481C1C}">
+                <a14:useLocalDpi xmlns="" xmlns:a14="http://schemas.microsoft.com/office/drawing/2010/main" val="0"/>
+              </a:ext>
+            </a:extLst>
+          </a:blip>
+          <a:stretch>
+            <a:fillRect/>
+          </a:stretch>
+        </p:blipFill>
+        <p:spPr>
+          <a:xfrm>
+            <a:off x="0" y="0"/>
+            <a:ext cx="9180512" cy="6885384"/>
+          </a:xfrm>
+          <a:prstGeom prst="rect">
+            <a:avLst/>
+          </a:prstGeom>
+        </p:spPr>
+      </p:pic>
+      <p:sp>
+        <p:nvSpPr>
+          <p:cNvPr id="2" name="Title 1"/>
+          <p:cNvSpPr>
+            <a:spLocks noGrp="1"/>
+          </p:cNvSpPr>
+          <p:nvPr>
+            <p:ph type="title"/>
+          </p:nvPr>
+        </p:nvSpPr>
+        <p:spPr/>
+        <p:txBody>
+          <a:bodyPr/>
+          <a:lstStyle/>
+          <a:p>
+            <a:r>
+              <a:rPr lang="pt-BR" dirty="0" smtClean="0">
+                <a:solidFill>
+                  <a:srgbClr val="AEC908"/>
+                </a:solidFill>
+              </a:rPr>
+              <a:t>Contato</a:t>
+            </a:r>
+            <a:endParaRPr lang="pt-BR" dirty="0"/>
+          </a:p>
+        </p:txBody>
+      </p:sp>
+      <p:sp>
+        <p:nvSpPr>
+          <p:cNvPr id="3" name="Content Placeholder 2"/>
+          <p:cNvSpPr>
+            <a:spLocks noGrp="1"/>
+          </p:cNvSpPr>
+          <p:nvPr>
+            <p:ph idx="1"/>
+          </p:nvPr>
+        </p:nvSpPr>
+        <p:spPr/>
+        <p:txBody>
+          <a:bodyPr/>
+          <a:lstStyle/>
+          <a:p>
+            <a:r>
+              <a:rPr lang="pt-BR" dirty="0" smtClean="0">
+                <a:solidFill>
+                  <a:schemeClr val="bg1">
+                    <a:lumMod val="75000"/>
+                  </a:schemeClr>
+                </a:solidFill>
+              </a:rPr>
+              <a:t>Dúvidas: </a:t>
+            </a:r>
+          </a:p>
+          <a:p>
+            <a:pPr lvl="1"/>
+            <a:r>
+              <a:rPr lang="pt-BR" dirty="0" smtClean="0">
+                <a:solidFill>
+                  <a:schemeClr val="bg1">
+                    <a:lumMod val="75000"/>
+                  </a:schemeClr>
+                </a:solidFill>
+              </a:rPr>
+              <a:t>victorfrossard00@gmail.com</a:t>
+            </a:r>
+          </a:p>
+          <a:p>
+            <a:pPr>
+              <a:buNone/>
+            </a:pPr>
+            <a:endParaRPr lang="pt-BR" dirty="0" smtClean="0">
+              <a:solidFill>
+                <a:schemeClr val="bg1">
+                  <a:lumMod val="75000"/>
+                </a:schemeClr>
+              </a:solidFill>
+            </a:endParaRPr>
+          </a:p>
+          <a:p>
+            <a:r>
+              <a:rPr lang="pt-BR" dirty="0" smtClean="0">
+                <a:solidFill>
+                  <a:schemeClr val="bg1">
+                    <a:lumMod val="75000"/>
+                  </a:schemeClr>
+                </a:solidFill>
+              </a:rPr>
+              <a:t>Oportunidades</a:t>
+            </a:r>
+          </a:p>
+          <a:p>
+            <a:pPr lvl="1"/>
+            <a:r>
+              <a:rPr lang="pt-BR" dirty="0" smtClean="0">
+                <a:solidFill>
+                  <a:schemeClr val="bg1">
+                    <a:lumMod val="75000"/>
+                  </a:schemeClr>
+                </a:solidFill>
+              </a:rPr>
+              <a:t>oportunidade@clickativo.com.br</a:t>
+            </a:r>
+          </a:p>
+          <a:p>
+            <a:pPr lvl="1"/>
+            <a:r>
+              <a:rPr lang="pt-BR" dirty="0" smtClean="0">
+                <a:solidFill>
+                  <a:schemeClr val="bg1">
+                    <a:lumMod val="75000"/>
+                  </a:schemeClr>
+                </a:solidFill>
+              </a:rPr>
+              <a:t>clickativo.com.</a:t>
+            </a:r>
+            <a:r>
+              <a:rPr lang="pt-BR" dirty="0" err="1" smtClean="0">
+                <a:solidFill>
+                  <a:schemeClr val="bg1">
+                    <a:lumMod val="75000"/>
+                  </a:schemeClr>
+                </a:solidFill>
+              </a:rPr>
+              <a:t>br</a:t>
+            </a:r>
+            <a:endParaRPr lang="pt-BR" dirty="0" smtClean="0">
+              <a:solidFill>
+                <a:schemeClr val="bg1">
+                  <a:lumMod val="75000"/>
+                </a:schemeClr>
+              </a:solidFill>
+            </a:endParaRPr>
+          </a:p>
+          <a:p>
+            <a:pPr lvl="1">
+              <a:buNone/>
+            </a:pPr>
+            <a:endParaRPr lang="pt-BR" dirty="0" smtClean="0">
+              <a:solidFill>
+                <a:schemeClr val="bg1">
+                  <a:lumMod val="75000"/>
+                </a:schemeClr>
+              </a:solidFill>
+            </a:endParaRPr>
+          </a:p>
+        </p:txBody>
+      </p:sp>
+    </p:spTree>
+    <p:extLst>
+      <p:ext uri="{BB962C8B-B14F-4D97-AF65-F5344CB8AC3E}">
+        <p14:creationId xmlns="" xmlns:p14="http://schemas.microsoft.com/office/powerpoint/2010/main" val="1156373279"/>
       </p:ext>
     </p:extLst>
   </p:cSld>
@@ -9737,7 +13835,7 @@
           <a:blip r:embed="rId2" cstate="print">
             <a:extLst>
               <a:ext uri="{28A0092B-C50C-407E-A947-70E740481C1C}">
-                <a14:useLocalDpi xmlns:a14="http://schemas.microsoft.com/office/drawing/2010/main" xmlns="" val="0"/>
+                <a14:useLocalDpi xmlns="" xmlns:a14="http://schemas.microsoft.com/office/drawing/2010/main" val="0"/>
               </a:ext>
             </a:extLst>
           </a:blip>
@@ -9767,20 +13865,26 @@
         </p:nvSpPr>
         <p:spPr/>
         <p:txBody>
-          <a:bodyPr>
-            <a:normAutofit/>
-          </a:bodyPr>
+          <a:bodyPr/>
           <a:lstStyle/>
           <a:p>
             <a:r>
-              <a:rPr lang="pt-BR" dirty="0" smtClean="0">
-                <a:solidFill>
-                  <a:schemeClr val="bg1">
-                    <a:lumMod val="85000"/>
-                  </a:schemeClr>
-                </a:solidFill>
-              </a:rPr>
-              <a:t>Programação gráfica e de jogos</a:t>
+              <a:rPr lang="pt-PT" dirty="0">
+                <a:solidFill>
+                  <a:srgbClr val="AEC908"/>
+                </a:solidFill>
+              </a:rPr>
+              <a:t>Multi</a:t>
+            </a:r>
+            <a:r>
+              <a:rPr lang="pt-PT" dirty="0" smtClean="0">
+                <a:solidFill>
+                  <a:schemeClr val="bg1">
+                    <a:lumMod val="85000"/>
+                  </a:schemeClr>
+                </a:solidFill>
+              </a:rPr>
+              <a:t>-plataforma e dispositivos</a:t>
             </a:r>
             <a:endParaRPr lang="pt-BR" dirty="0">
               <a:solidFill>
@@ -9808,74 +13912,70 @@
           <a:lstStyle/>
           <a:p>
             <a:r>
-              <a:rPr lang="pt-PT" dirty="0">
-                <a:solidFill>
-                  <a:srgbClr val="AEC908"/>
-                </a:solidFill>
-                <a:ea typeface="+mj-ea"/>
-                <a:cs typeface="+mj-cs"/>
-              </a:rPr>
-              <a:t>Canvas</a:t>
-            </a:r>
-          </a:p>
-          <a:p>
-            <a:pPr lvl="1"/>
-            <a:r>
-              <a:rPr lang="pt-BR" dirty="0" smtClean="0">
-                <a:solidFill>
-                  <a:schemeClr val="bg1">
-                    <a:lumMod val="85000"/>
-                  </a:schemeClr>
-                </a:solidFill>
-              </a:rPr>
-              <a:t>Facilidade na criação de áreas para renderizar aplicações gráficas</a:t>
-            </a:r>
-          </a:p>
-          <a:p>
-            <a:pPr lvl="1"/>
-            <a:r>
-              <a:rPr lang="pt-PT" dirty="0" smtClean="0">
-                <a:solidFill>
-                  <a:schemeClr val="bg1">
-                    <a:lumMod val="85000"/>
-                  </a:schemeClr>
-                </a:solidFill>
-              </a:rPr>
-              <a:t>Simuladores</a:t>
-            </a:r>
-          </a:p>
-          <a:p>
-            <a:pPr lvl="1"/>
-            <a:r>
-              <a:rPr lang="pt-PT" dirty="0" smtClean="0">
-                <a:solidFill>
-                  <a:schemeClr val="bg1">
-                    <a:lumMod val="85000"/>
-                  </a:schemeClr>
-                </a:solidFill>
-              </a:rPr>
-              <a:t>Vídeos </a:t>
-            </a:r>
-          </a:p>
-          <a:p>
-            <a:pPr lvl="1"/>
-            <a:r>
-              <a:rPr lang="pt-PT" dirty="0" smtClean="0">
-                <a:solidFill>
-                  <a:schemeClr val="bg1">
-                    <a:lumMod val="85000"/>
-                  </a:schemeClr>
-                </a:solidFill>
-              </a:rPr>
-              <a:t>Jogos</a:t>
-            </a:r>
+              <a:rPr lang="pt-PT" dirty="0" smtClean="0">
+                <a:solidFill>
+                  <a:schemeClr val="bg1">
+                    <a:lumMod val="85000"/>
+                  </a:schemeClr>
+                </a:solidFill>
+              </a:rPr>
+              <a:t>S.O. (Browsers)</a:t>
+            </a:r>
+          </a:p>
+          <a:p>
+            <a:r>
+              <a:rPr lang="pt-PT" dirty="0" smtClean="0">
+                <a:solidFill>
+                  <a:schemeClr val="bg1">
+                    <a:lumMod val="85000"/>
+                  </a:schemeClr>
+                </a:solidFill>
+              </a:rPr>
+              <a:t>Monitores</a:t>
+            </a:r>
+          </a:p>
+          <a:p>
+            <a:r>
+              <a:rPr lang="pt-PT" dirty="0" smtClean="0">
+                <a:solidFill>
+                  <a:schemeClr val="bg1">
+                    <a:lumMod val="85000"/>
+                  </a:schemeClr>
+                </a:solidFill>
+              </a:rPr>
+              <a:t>Dispositivos (Celulares, tables, pc’s)</a:t>
+            </a:r>
+          </a:p>
+          <a:p>
+            <a:r>
+              <a:rPr lang="pt-PT" dirty="0" smtClean="0">
+                <a:solidFill>
+                  <a:schemeClr val="bg1">
+                    <a:lumMod val="85000"/>
+                  </a:schemeClr>
+                </a:solidFill>
+              </a:rPr>
+              <a:t>Integração entre as plataformas</a:t>
+            </a:r>
+          </a:p>
+          <a:p>
+            <a:pPr marL="0" indent="0">
+              <a:buNone/>
+            </a:pPr>
+            <a:endParaRPr lang="pt-BR" dirty="0">
+              <a:solidFill>
+                <a:schemeClr val="bg1">
+                  <a:lumMod val="85000"/>
+                </a:schemeClr>
+              </a:solidFill>
+            </a:endParaRPr>
           </a:p>
         </p:txBody>
       </p:sp>
     </p:spTree>
     <p:extLst>
       <p:ext uri="{BB962C8B-B14F-4D97-AF65-F5344CB8AC3E}">
-        <p14:creationId xmlns:p14="http://schemas.microsoft.com/office/powerpoint/2010/main" xmlns="" val="4060812770"/>
+        <p14:creationId xmlns="" xmlns:p14="http://schemas.microsoft.com/office/powerpoint/2010/main" val="4060812770"/>
       </p:ext>
     </p:extLst>
   </p:cSld>
@@ -9921,7 +14021,7 @@
           <a:blip r:embed="rId2" cstate="print">
             <a:extLst>
               <a:ext uri="{28A0092B-C50C-407E-A947-70E740481C1C}">
-                <a14:useLocalDpi xmlns:a14="http://schemas.microsoft.com/office/drawing/2010/main" xmlns="" val="0"/>
+                <a14:useLocalDpi xmlns="" xmlns:a14="http://schemas.microsoft.com/office/drawing/2010/main" val="0"/>
               </a:ext>
             </a:extLst>
           </a:blip>
@@ -9957,55 +14057,16 @@
           <a:lstStyle/>
           <a:p>
             <a:r>
-              <a:rPr lang="pt-PT" dirty="0" smtClean="0">
-                <a:solidFill>
-                  <a:srgbClr val="AEC908"/>
-                </a:solidFill>
-              </a:rPr>
-              <a:t>Simples</a:t>
-            </a:r>
-            <a:r>
-              <a:rPr lang="pt-PT" dirty="0" smtClean="0">
-                <a:solidFill>
-                  <a:schemeClr val="bg1">
-                    <a:lumMod val="85000"/>
-                  </a:schemeClr>
-                </a:solidFill>
-              </a:rPr>
-              <a:t>, direto e robusto</a:t>
-            </a:r>
-            <a:endParaRPr lang="pt-BR" dirty="0"/>
-          </a:p>
-        </p:txBody>
-      </p:sp>
-      <p:sp>
-        <p:nvSpPr>
-          <p:cNvPr id="3" name="Content Placeholder 2"/>
-          <p:cNvSpPr>
-            <a:spLocks noGrp="1"/>
-          </p:cNvSpPr>
-          <p:nvPr>
-            <p:ph idx="1"/>
-          </p:nvPr>
-        </p:nvSpPr>
-        <p:spPr/>
-        <p:txBody>
-          <a:bodyPr/>
-          <a:lstStyle/>
-          <a:p>
-            <a:r>
-              <a:rPr lang="pt-PT" dirty="0" smtClean="0">
-                <a:solidFill>
-                  <a:schemeClr val="bg1">
-                    <a:lumMod val="85000"/>
-                  </a:schemeClr>
-                </a:solidFill>
-              </a:rPr>
-              <a:t>Antes:</a:t>
-            </a:r>
-          </a:p>
-          <a:p>
-            <a:endParaRPr lang="pt-PT" dirty="0">
+              <a:rPr lang="pt-BR" dirty="0" smtClean="0">
+                <a:solidFill>
+                  <a:schemeClr val="bg1">
+                    <a:lumMod val="85000"/>
+                  </a:schemeClr>
+                </a:solidFill>
+              </a:rPr>
+              <a:t>Programação gráfica e de jogos</a:t>
+            </a:r>
+            <a:endParaRPr lang="pt-BR" dirty="0">
               <a:solidFill>
                 <a:schemeClr val="bg1">
                   <a:lumMod val="85000"/>
@@ -10013,15 +14074,22 @@
               </a:solidFill>
             </a:endParaRPr>
           </a:p>
-          <a:p>
-            <a:endParaRPr lang="pt-PT" dirty="0" smtClean="0">
-              <a:solidFill>
-                <a:schemeClr val="bg1">
-                  <a:lumMod val="85000"/>
-                </a:schemeClr>
-              </a:solidFill>
-            </a:endParaRPr>
-          </a:p>
+        </p:txBody>
+      </p:sp>
+      <p:sp>
+        <p:nvSpPr>
+          <p:cNvPr id="3" name="Content Placeholder 2"/>
+          <p:cNvSpPr>
+            <a:spLocks noGrp="1"/>
+          </p:cNvSpPr>
+          <p:nvPr>
+            <p:ph idx="1"/>
+          </p:nvPr>
+        </p:nvSpPr>
+        <p:spPr/>
+        <p:txBody>
+          <a:bodyPr/>
+          <a:lstStyle/>
           <a:p>
             <a:r>
               <a:rPr lang="pt-PT" dirty="0">
@@ -10031,150 +14099,67 @@
                 <a:ea typeface="+mj-ea"/>
                 <a:cs typeface="+mj-cs"/>
               </a:rPr>
-              <a:t>Depois:</a:t>
-            </a:r>
-            <a:endParaRPr lang="pt-BR" dirty="0">
-              <a:solidFill>
-                <a:srgbClr val="AEC908"/>
-              </a:solidFill>
-              <a:ea typeface="+mj-ea"/>
-              <a:cs typeface="+mj-cs"/>
-            </a:endParaRPr>
-          </a:p>
-        </p:txBody>
-      </p:sp>
-      <p:pic>
-        <p:nvPicPr>
-          <p:cNvPr id="2050" name="Picture 2"/>
-          <p:cNvPicPr>
-            <a:picLocks noChangeAspect="1" noChangeArrowheads="1"/>
-          </p:cNvPicPr>
-          <p:nvPr/>
-        </p:nvPicPr>
-        <p:blipFill>
-          <a:blip r:embed="rId3" cstate="print">
-            <a:extLst>
-              <a:ext uri="{28A0092B-C50C-407E-A947-70E740481C1C}">
-                <a14:useLocalDpi xmlns:a14="http://schemas.microsoft.com/office/drawing/2010/main" xmlns="" val="0"/>
-              </a:ext>
-            </a:extLst>
-          </a:blip>
-          <a:srcRect/>
-          <a:stretch>
-            <a:fillRect/>
-          </a:stretch>
-        </p:blipFill>
-        <p:spPr bwMode="auto">
-          <a:xfrm>
-            <a:off x="899592" y="4164058"/>
-            <a:ext cx="1789210" cy="345062"/>
-          </a:xfrm>
-          <a:prstGeom prst="rect">
-            <a:avLst/>
-          </a:prstGeom>
-          <a:noFill/>
-          <a:ln>
-            <a:noFill/>
-          </a:ln>
-          <a:effectLst/>
-          <a:extLst>
-            <a:ext uri="{909E8E84-426E-40DD-AFC4-6F175D3DCCD1}">
-              <a14:hiddenFill xmlns:a14="http://schemas.microsoft.com/office/drawing/2010/main" xmlns="">
-                <a:solidFill>
-                  <a:schemeClr val="accent1"/>
-                </a:solidFill>
-              </a14:hiddenFill>
-            </a:ext>
-            <a:ext uri="{91240B29-F687-4F45-9708-019B960494DF}">
-              <a14:hiddenLine xmlns:a14="http://schemas.microsoft.com/office/drawing/2010/main" xmlns="" w="9525">
-                <a:solidFill>
-                  <a:schemeClr val="tx1"/>
-                </a:solidFill>
-                <a:miter lim="800000"/>
-                <a:headEnd/>
-                <a:tailEnd/>
-              </a14:hiddenLine>
-            </a:ext>
-            <a:ext uri="{AF507438-7753-43E0-B8FC-AC1667EBCBE1}">
-              <a14:hiddenEffects xmlns:a14="http://schemas.microsoft.com/office/drawing/2010/main" xmlns="">
-                <a:effectLst>
-                  <a:outerShdw dist="35921" dir="2700000" algn="ctr" rotWithShape="0">
-                    <a:schemeClr val="bg2"/>
-                  </a:outerShdw>
-                </a:effectLst>
-              </a14:hiddenEffects>
-            </a:ext>
-          </a:extLst>
-        </p:spPr>
-      </p:pic>
-      <p:pic>
-        <p:nvPicPr>
-          <p:cNvPr id="2051" name="Picture 3"/>
-          <p:cNvPicPr>
-            <a:picLocks noChangeAspect="1" noChangeArrowheads="1"/>
-          </p:cNvPicPr>
-          <p:nvPr/>
-        </p:nvPicPr>
-        <p:blipFill>
-          <a:blip r:embed="rId4" cstate="print">
-            <a:extLst>
-              <a:ext uri="{28A0092B-C50C-407E-A947-70E740481C1C}">
-                <a14:useLocalDpi xmlns:a14="http://schemas.microsoft.com/office/drawing/2010/main" xmlns="" val="0"/>
-              </a:ext>
-            </a:extLst>
-          </a:blip>
-          <a:srcRect/>
-          <a:stretch>
-            <a:fillRect/>
-          </a:stretch>
-        </p:blipFill>
-        <p:spPr bwMode="auto">
-          <a:xfrm>
-            <a:off x="902554" y="2420888"/>
-            <a:ext cx="4667997" cy="504056"/>
-          </a:xfrm>
-          <a:prstGeom prst="rect">
-            <a:avLst/>
-          </a:prstGeom>
-          <a:noFill/>
-          <a:ln>
-            <a:noFill/>
-          </a:ln>
-          <a:effectLst/>
-          <a:extLst>
-            <a:ext uri="{909E8E84-426E-40DD-AFC4-6F175D3DCCD1}">
-              <a14:hiddenFill xmlns:a14="http://schemas.microsoft.com/office/drawing/2010/main" xmlns="">
-                <a:solidFill>
-                  <a:schemeClr val="accent1"/>
-                </a:solidFill>
-              </a14:hiddenFill>
-            </a:ext>
-            <a:ext uri="{91240B29-F687-4F45-9708-019B960494DF}">
-              <a14:hiddenLine xmlns:a14="http://schemas.microsoft.com/office/drawing/2010/main" xmlns="" w="9525">
-                <a:solidFill>
-                  <a:schemeClr val="tx1"/>
-                </a:solidFill>
-                <a:miter lim="800000"/>
-                <a:headEnd/>
-                <a:tailEnd/>
-              </a14:hiddenLine>
-            </a:ext>
-            <a:ext uri="{AF507438-7753-43E0-B8FC-AC1667EBCBE1}">
-              <a14:hiddenEffects xmlns:a14="http://schemas.microsoft.com/office/drawing/2010/main" xmlns="">
-                <a:effectLst>
-                  <a:outerShdw dist="35921" dir="2700000" algn="ctr" rotWithShape="0">
-                    <a:schemeClr val="bg2"/>
-                  </a:outerShdw>
-                </a:effectLst>
-              </a14:hiddenEffects>
-            </a:ext>
-          </a:extLst>
-        </p:spPr>
-      </p:pic>
+              <a:t>Canvas</a:t>
+            </a:r>
+          </a:p>
+          <a:p>
+            <a:pPr lvl="1"/>
+            <a:r>
+              <a:rPr lang="pt-BR" dirty="0" smtClean="0">
+                <a:solidFill>
+                  <a:schemeClr val="bg1">
+                    <a:lumMod val="85000"/>
+                  </a:schemeClr>
+                </a:solidFill>
+              </a:rPr>
+              <a:t>Facilidade na criação de áreas para renderizar aplicações gráficas</a:t>
+            </a:r>
+          </a:p>
+          <a:p>
+            <a:pPr lvl="1"/>
+            <a:r>
+              <a:rPr lang="pt-PT" dirty="0" smtClean="0">
+                <a:solidFill>
+                  <a:schemeClr val="bg1">
+                    <a:lumMod val="85000"/>
+                  </a:schemeClr>
+                </a:solidFill>
+              </a:rPr>
+              <a:t>Simuladores</a:t>
+            </a:r>
+          </a:p>
+          <a:p>
+            <a:pPr lvl="1"/>
+            <a:r>
+              <a:rPr lang="pt-PT" dirty="0" smtClean="0">
+                <a:solidFill>
+                  <a:schemeClr val="bg1">
+                    <a:lumMod val="85000"/>
+                  </a:schemeClr>
+                </a:solidFill>
+              </a:rPr>
+              <a:t>Vídeos </a:t>
+            </a:r>
+          </a:p>
+          <a:p>
+            <a:pPr lvl="1"/>
+            <a:r>
+              <a:rPr lang="pt-PT" dirty="0" smtClean="0">
+                <a:solidFill>
+                  <a:schemeClr val="bg1">
+                    <a:lumMod val="85000"/>
+                  </a:schemeClr>
+                </a:solidFill>
+              </a:rPr>
+              <a:t>Jogos</a:t>
+            </a:r>
+          </a:p>
+        </p:txBody>
+      </p:sp>
     </p:spTree>
     <p:extLst>
       <p:ext uri="{BB962C8B-B14F-4D97-AF65-F5344CB8AC3E}">
-        <p14:creationId xmlns:p14="http://schemas.microsoft.com/office/powerpoint/2010/main" xmlns="" val="4060812770"/>
+        <p14:creationId xmlns="" xmlns:p14="http://schemas.microsoft.com/office/powerpoint/2010/main" val="4060812770"/>
       </p:ext>
     </p:extLst>
   </p:cSld>
@@ -10220,7 +14205,7 @@
           <a:blip r:embed="rId2" cstate="print">
             <a:extLst>
               <a:ext uri="{28A0092B-C50C-407E-A947-70E740481C1C}">
-                <a14:useLocalDpi xmlns:a14="http://schemas.microsoft.com/office/drawing/2010/main" xmlns="" val="0"/>
+                <a14:useLocalDpi xmlns="" xmlns:a14="http://schemas.microsoft.com/office/drawing/2010/main" val="0"/>
               </a:ext>
             </a:extLst>
           </a:blip>
@@ -10250,7 +14235,9 @@
         </p:nvSpPr>
         <p:spPr/>
         <p:txBody>
-          <a:bodyPr/>
+          <a:bodyPr>
+            <a:normAutofit/>
+          </a:bodyPr>
           <a:lstStyle/>
           <a:p>
             <a:r>
@@ -10330,24 +14317,19 @@
               </a:rPr>
               <a:t>Depois:</a:t>
             </a:r>
-          </a:p>
-          <a:p>
-            <a:pPr marL="0" indent="0">
-              <a:buNone/>
-            </a:pPr>
             <a:endParaRPr lang="pt-BR" dirty="0">
               <a:solidFill>
-                <a:schemeClr val="bg1">
-                  <a:lumMod val="85000"/>
-                </a:schemeClr>
+                <a:srgbClr val="AEC908"/>
               </a:solidFill>
+              <a:ea typeface="+mj-ea"/>
+              <a:cs typeface="+mj-cs"/>
             </a:endParaRPr>
           </a:p>
         </p:txBody>
       </p:sp>
       <p:pic>
         <p:nvPicPr>
-          <p:cNvPr id="3074" name="Picture 2"/>
+          <p:cNvPr id="2050" name="Picture 2"/>
           <p:cNvPicPr>
             <a:picLocks noChangeAspect="1" noChangeArrowheads="1"/>
           </p:cNvPicPr>
@@ -10357,7 +14339,7 @@
           <a:blip r:embed="rId3" cstate="print">
             <a:extLst>
               <a:ext uri="{28A0092B-C50C-407E-A947-70E740481C1C}">
-                <a14:useLocalDpi xmlns:a14="http://schemas.microsoft.com/office/drawing/2010/main" xmlns="" val="0"/>
+                <a14:useLocalDpi xmlns="" xmlns:a14="http://schemas.microsoft.com/office/drawing/2010/main" val="0"/>
               </a:ext>
             </a:extLst>
           </a:blip>
@@ -10368,8 +14350,8 @@
         </p:blipFill>
         <p:spPr bwMode="auto">
           <a:xfrm>
-            <a:off x="899592" y="2492896"/>
-            <a:ext cx="5679991" cy="288032"/>
+            <a:off x="899592" y="4164058"/>
+            <a:ext cx="1789210" cy="345062"/>
           </a:xfrm>
           <a:prstGeom prst="rect">
             <a:avLst/>
@@ -10381,14 +14363,14 @@
           <a:effectLst/>
           <a:extLst>
             <a:ext uri="{909E8E84-426E-40DD-AFC4-6F175D3DCCD1}">
-              <a14:hiddenFill xmlns:a14="http://schemas.microsoft.com/office/drawing/2010/main" xmlns="">
+              <a14:hiddenFill xmlns="" xmlns:a14="http://schemas.microsoft.com/office/drawing/2010/main">
                 <a:solidFill>
                   <a:schemeClr val="accent1"/>
                 </a:solidFill>
               </a14:hiddenFill>
             </a:ext>
             <a:ext uri="{91240B29-F687-4F45-9708-019B960494DF}">
-              <a14:hiddenLine xmlns:a14="http://schemas.microsoft.com/office/drawing/2010/main" xmlns="" w="9525">
+              <a14:hiddenLine xmlns="" xmlns:a14="http://schemas.microsoft.com/office/drawing/2010/main" w="9525">
                 <a:solidFill>
                   <a:schemeClr val="tx1"/>
                 </a:solidFill>
@@ -10398,7 +14380,7 @@
               </a14:hiddenLine>
             </a:ext>
             <a:ext uri="{AF507438-7753-43E0-B8FC-AC1667EBCBE1}">
-              <a14:hiddenEffects xmlns:a14="http://schemas.microsoft.com/office/drawing/2010/main" xmlns="">
+              <a14:hiddenEffects xmlns="" xmlns:a14="http://schemas.microsoft.com/office/drawing/2010/main">
                 <a:effectLst>
                   <a:outerShdw dist="35921" dir="2700000" algn="ctr" rotWithShape="0">
                     <a:schemeClr val="bg2"/>
@@ -10411,7 +14393,7 @@
       </p:pic>
       <p:pic>
         <p:nvPicPr>
-          <p:cNvPr id="3075" name="Picture 3"/>
+          <p:cNvPr id="2051" name="Picture 3"/>
           <p:cNvPicPr>
             <a:picLocks noChangeAspect="1" noChangeArrowheads="1"/>
           </p:cNvPicPr>
@@ -10421,7 +14403,7 @@
           <a:blip r:embed="rId4" cstate="print">
             <a:extLst>
               <a:ext uri="{28A0092B-C50C-407E-A947-70E740481C1C}">
-                <a14:useLocalDpi xmlns:a14="http://schemas.microsoft.com/office/drawing/2010/main" xmlns="" val="0"/>
+                <a14:useLocalDpi xmlns="" xmlns:a14="http://schemas.microsoft.com/office/drawing/2010/main" val="0"/>
               </a:ext>
             </a:extLst>
           </a:blip>
@@ -10432,8 +14414,8 @@
         </p:blipFill>
         <p:spPr bwMode="auto">
           <a:xfrm>
-            <a:off x="883909" y="4221088"/>
-            <a:ext cx="3333750" cy="238125"/>
+            <a:off x="902554" y="2420888"/>
+            <a:ext cx="4667997" cy="504056"/>
           </a:xfrm>
           <a:prstGeom prst="rect">
             <a:avLst/>
@@ -10445,14 +14427,14 @@
           <a:effectLst/>
           <a:extLst>
             <a:ext uri="{909E8E84-426E-40DD-AFC4-6F175D3DCCD1}">
-              <a14:hiddenFill xmlns:a14="http://schemas.microsoft.com/office/drawing/2010/main" xmlns="">
+              <a14:hiddenFill xmlns="" xmlns:a14="http://schemas.microsoft.com/office/drawing/2010/main">
                 <a:solidFill>
                   <a:schemeClr val="accent1"/>
                 </a:solidFill>
               </a14:hiddenFill>
             </a:ext>
             <a:ext uri="{91240B29-F687-4F45-9708-019B960494DF}">
-              <a14:hiddenLine xmlns:a14="http://schemas.microsoft.com/office/drawing/2010/main" xmlns="" w="9525">
+              <a14:hiddenLine xmlns="" xmlns:a14="http://schemas.microsoft.com/office/drawing/2010/main" w="9525">
                 <a:solidFill>
                   <a:schemeClr val="tx1"/>
                 </a:solidFill>
@@ -10462,7 +14444,7 @@
               </a14:hiddenLine>
             </a:ext>
             <a:ext uri="{AF507438-7753-43E0-B8FC-AC1667EBCBE1}">
-              <a14:hiddenEffects xmlns:a14="http://schemas.microsoft.com/office/drawing/2010/main" xmlns="">
+              <a14:hiddenEffects xmlns="" xmlns:a14="http://schemas.microsoft.com/office/drawing/2010/main">
                 <a:effectLst>
                   <a:outerShdw dist="35921" dir="2700000" algn="ctr" rotWithShape="0">
                     <a:schemeClr val="bg2"/>
@@ -10476,7 +14458,7 @@
     </p:spTree>
     <p:extLst>
       <p:ext uri="{BB962C8B-B14F-4D97-AF65-F5344CB8AC3E}">
-        <p14:creationId xmlns:p14="http://schemas.microsoft.com/office/powerpoint/2010/main" xmlns="" val="4060812770"/>
+        <p14:creationId xmlns="" xmlns:p14="http://schemas.microsoft.com/office/powerpoint/2010/main" val="4060812770"/>
       </p:ext>
     </p:extLst>
   </p:cSld>
@@ -10522,7 +14504,7 @@
           <a:blip r:embed="rId2" cstate="print">
             <a:extLst>
               <a:ext uri="{28A0092B-C50C-407E-A947-70E740481C1C}">
-                <a14:useLocalDpi xmlns:a14="http://schemas.microsoft.com/office/drawing/2010/main" xmlns="" val="0"/>
+                <a14:useLocalDpi xmlns="" xmlns:a14="http://schemas.microsoft.com/office/drawing/2010/main" val="0"/>
               </a:ext>
             </a:extLst>
           </a:blip>
@@ -10632,19 +14614,24 @@
               </a:rPr>
               <a:t>Depois:</a:t>
             </a:r>
+          </a:p>
+          <a:p>
+            <a:pPr marL="0" indent="0">
+              <a:buNone/>
+            </a:pPr>
             <a:endParaRPr lang="pt-BR" dirty="0">
               <a:solidFill>
-                <a:srgbClr val="AEC908"/>
+                <a:schemeClr val="bg1">
+                  <a:lumMod val="85000"/>
+                </a:schemeClr>
               </a:solidFill>
-              <a:ea typeface="+mj-ea"/>
-              <a:cs typeface="+mj-cs"/>
             </a:endParaRPr>
           </a:p>
         </p:txBody>
       </p:sp>
       <p:pic>
         <p:nvPicPr>
-          <p:cNvPr id="4098" name="Picture 2"/>
+          <p:cNvPr id="3074" name="Picture 2"/>
           <p:cNvPicPr>
             <a:picLocks noChangeAspect="1" noChangeArrowheads="1"/>
           </p:cNvPicPr>
@@ -10654,7 +14641,7 @@
           <a:blip r:embed="rId3" cstate="print">
             <a:extLst>
               <a:ext uri="{28A0092B-C50C-407E-A947-70E740481C1C}">
-                <a14:useLocalDpi xmlns:a14="http://schemas.microsoft.com/office/drawing/2010/main" xmlns="" val="0"/>
+                <a14:useLocalDpi xmlns="" xmlns:a14="http://schemas.microsoft.com/office/drawing/2010/main" val="0"/>
               </a:ext>
             </a:extLst>
           </a:blip>
@@ -10665,8 +14652,8 @@
         </p:blipFill>
         <p:spPr bwMode="auto">
           <a:xfrm>
-            <a:off x="899592" y="2420888"/>
-            <a:ext cx="7175754" cy="288032"/>
+            <a:off x="899592" y="2492896"/>
+            <a:ext cx="5679991" cy="288032"/>
           </a:xfrm>
           <a:prstGeom prst="rect">
             <a:avLst/>
@@ -10678,14 +14665,14 @@
           <a:effectLst/>
           <a:extLst>
             <a:ext uri="{909E8E84-426E-40DD-AFC4-6F175D3DCCD1}">
-              <a14:hiddenFill xmlns:a14="http://schemas.microsoft.com/office/drawing/2010/main" xmlns="">
+              <a14:hiddenFill xmlns="" xmlns:a14="http://schemas.microsoft.com/office/drawing/2010/main">
                 <a:solidFill>
                   <a:schemeClr val="accent1"/>
                 </a:solidFill>
               </a14:hiddenFill>
             </a:ext>
             <a:ext uri="{91240B29-F687-4F45-9708-019B960494DF}">
-              <a14:hiddenLine xmlns:a14="http://schemas.microsoft.com/office/drawing/2010/main" xmlns="" w="9525">
+              <a14:hiddenLine xmlns="" xmlns:a14="http://schemas.microsoft.com/office/drawing/2010/main" w="9525">
                 <a:solidFill>
                   <a:schemeClr val="tx1"/>
                 </a:solidFill>
@@ -10695,7 +14682,7 @@
               </a14:hiddenLine>
             </a:ext>
             <a:ext uri="{AF507438-7753-43E0-B8FC-AC1667EBCBE1}">
-              <a14:hiddenEffects xmlns:a14="http://schemas.microsoft.com/office/drawing/2010/main" xmlns="">
+              <a14:hiddenEffects xmlns="" xmlns:a14="http://schemas.microsoft.com/office/drawing/2010/main">
                 <a:effectLst>
                   <a:outerShdw dist="35921" dir="2700000" algn="ctr" rotWithShape="0">
                     <a:schemeClr val="bg2"/>
@@ -10708,7 +14695,7 @@
       </p:pic>
       <p:pic>
         <p:nvPicPr>
-          <p:cNvPr id="4099" name="Picture 3"/>
+          <p:cNvPr id="3075" name="Picture 3"/>
           <p:cNvPicPr>
             <a:picLocks noChangeAspect="1" noChangeArrowheads="1"/>
           </p:cNvPicPr>
@@ -10718,7 +14705,7 @@
           <a:blip r:embed="rId4" cstate="print">
             <a:extLst>
               <a:ext uri="{28A0092B-C50C-407E-A947-70E740481C1C}">
-                <a14:useLocalDpi xmlns:a14="http://schemas.microsoft.com/office/drawing/2010/main" xmlns="" val="0"/>
+                <a14:useLocalDpi xmlns="" xmlns:a14="http://schemas.microsoft.com/office/drawing/2010/main" val="0"/>
               </a:ext>
             </a:extLst>
           </a:blip>
@@ -10729,8 +14716,8 @@
         </p:blipFill>
         <p:spPr bwMode="auto">
           <a:xfrm>
-            <a:off x="899592" y="4365104"/>
-            <a:ext cx="2808312" cy="345638"/>
+            <a:off x="883909" y="4221088"/>
+            <a:ext cx="3333750" cy="238125"/>
           </a:xfrm>
           <a:prstGeom prst="rect">
             <a:avLst/>
@@ -10742,14 +14729,14 @@
           <a:effectLst/>
           <a:extLst>
             <a:ext uri="{909E8E84-426E-40DD-AFC4-6F175D3DCCD1}">
-              <a14:hiddenFill xmlns:a14="http://schemas.microsoft.com/office/drawing/2010/main" xmlns="">
+              <a14:hiddenFill xmlns="" xmlns:a14="http://schemas.microsoft.com/office/drawing/2010/main">
                 <a:solidFill>
                   <a:schemeClr val="accent1"/>
                 </a:solidFill>
               </a14:hiddenFill>
             </a:ext>
             <a:ext uri="{91240B29-F687-4F45-9708-019B960494DF}">
-              <a14:hiddenLine xmlns:a14="http://schemas.microsoft.com/office/drawing/2010/main" xmlns="" w="9525">
+              <a14:hiddenLine xmlns="" xmlns:a14="http://schemas.microsoft.com/office/drawing/2010/main" w="9525">
                 <a:solidFill>
                   <a:schemeClr val="tx1"/>
                 </a:solidFill>
@@ -10759,7 +14746,7 @@
               </a14:hiddenLine>
             </a:ext>
             <a:ext uri="{AF507438-7753-43E0-B8FC-AC1667EBCBE1}">
-              <a14:hiddenEffects xmlns:a14="http://schemas.microsoft.com/office/drawing/2010/main" xmlns="">
+              <a14:hiddenEffects xmlns="" xmlns:a14="http://schemas.microsoft.com/office/drawing/2010/main">
                 <a:effectLst>
                   <a:outerShdw dist="35921" dir="2700000" algn="ctr" rotWithShape="0">
                     <a:schemeClr val="bg2"/>
@@ -10773,7 +14760,7 @@
     </p:spTree>
     <p:extLst>
       <p:ext uri="{BB962C8B-B14F-4D97-AF65-F5344CB8AC3E}">
-        <p14:creationId xmlns:p14="http://schemas.microsoft.com/office/powerpoint/2010/main" xmlns="" val="4060812770"/>
+        <p14:creationId xmlns="" xmlns:p14="http://schemas.microsoft.com/office/powerpoint/2010/main" val="4060812770"/>
       </p:ext>
     </p:extLst>
   </p:cSld>

--- a/_Presentation/apresentacao.pptx
+++ b/_Presentation/apresentacao.pptx
@@ -383,7 +383,7 @@
             <a:fld id="{E650F5AF-5A7A-4DEE-952A-AB5DF242B9CD}" type="slidenum">
               <a:rPr lang="pt-BR" smtClean="0"/>
               <a:pPr/>
-              <a:t>‹nº›</a:t>
+              <a:t>‹#›</a:t>
             </a:fld>
             <a:endParaRPr lang="pt-BR"/>
           </a:p>
@@ -392,7 +392,7 @@
     </p:spTree>
     <p:extLst>
       <p:ext uri="{BB962C8B-B14F-4D97-AF65-F5344CB8AC3E}">
-        <p14:creationId xmlns="" xmlns:p14="http://schemas.microsoft.com/office/powerpoint/2010/main" val="1871700233"/>
+        <p14:creationId xmlns:p14="http://schemas.microsoft.com/office/powerpoint/2010/main" val="1871700233"/>
       </p:ext>
     </p:extLst>
   </p:cSld>
@@ -555,7 +555,7 @@
             <a:fld id="{E650F5AF-5A7A-4DEE-952A-AB5DF242B9CD}" type="slidenum">
               <a:rPr lang="pt-BR" smtClean="0"/>
               <a:pPr/>
-              <a:t>‹nº›</a:t>
+              <a:t>‹#›</a:t>
             </a:fld>
             <a:endParaRPr lang="pt-BR"/>
           </a:p>
@@ -564,7 +564,7 @@
     </p:spTree>
     <p:extLst>
       <p:ext uri="{BB962C8B-B14F-4D97-AF65-F5344CB8AC3E}">
-        <p14:creationId xmlns="" xmlns:p14="http://schemas.microsoft.com/office/powerpoint/2010/main" val="3922913854"/>
+        <p14:creationId xmlns:p14="http://schemas.microsoft.com/office/powerpoint/2010/main" val="3922913854"/>
       </p:ext>
     </p:extLst>
   </p:cSld>
@@ -737,7 +737,7 @@
             <a:fld id="{E650F5AF-5A7A-4DEE-952A-AB5DF242B9CD}" type="slidenum">
               <a:rPr lang="pt-BR" smtClean="0"/>
               <a:pPr/>
-              <a:t>‹nº›</a:t>
+              <a:t>‹#›</a:t>
             </a:fld>
             <a:endParaRPr lang="pt-BR"/>
           </a:p>
@@ -746,7 +746,7 @@
     </p:spTree>
     <p:extLst>
       <p:ext uri="{BB962C8B-B14F-4D97-AF65-F5344CB8AC3E}">
-        <p14:creationId xmlns="" xmlns:p14="http://schemas.microsoft.com/office/powerpoint/2010/main" val="2432475685"/>
+        <p14:creationId xmlns:p14="http://schemas.microsoft.com/office/powerpoint/2010/main" val="2432475685"/>
       </p:ext>
     </p:extLst>
   </p:cSld>
@@ -909,7 +909,7 @@
             <a:fld id="{E650F5AF-5A7A-4DEE-952A-AB5DF242B9CD}" type="slidenum">
               <a:rPr lang="pt-BR" smtClean="0"/>
               <a:pPr/>
-              <a:t>‹nº›</a:t>
+              <a:t>‹#›</a:t>
             </a:fld>
             <a:endParaRPr lang="pt-BR"/>
           </a:p>
@@ -918,7 +918,7 @@
     </p:spTree>
     <p:extLst>
       <p:ext uri="{BB962C8B-B14F-4D97-AF65-F5344CB8AC3E}">
-        <p14:creationId xmlns="" xmlns:p14="http://schemas.microsoft.com/office/powerpoint/2010/main" val="2071654542"/>
+        <p14:creationId xmlns:p14="http://schemas.microsoft.com/office/powerpoint/2010/main" val="2071654542"/>
       </p:ext>
     </p:extLst>
   </p:cSld>
@@ -1157,7 +1157,7 @@
             <a:fld id="{E650F5AF-5A7A-4DEE-952A-AB5DF242B9CD}" type="slidenum">
               <a:rPr lang="pt-BR" smtClean="0"/>
               <a:pPr/>
-              <a:t>‹nº›</a:t>
+              <a:t>‹#›</a:t>
             </a:fld>
             <a:endParaRPr lang="pt-BR"/>
           </a:p>
@@ -1166,7 +1166,7 @@
     </p:spTree>
     <p:extLst>
       <p:ext uri="{BB962C8B-B14F-4D97-AF65-F5344CB8AC3E}">
-        <p14:creationId xmlns="" xmlns:p14="http://schemas.microsoft.com/office/powerpoint/2010/main" val="236866593"/>
+        <p14:creationId xmlns:p14="http://schemas.microsoft.com/office/powerpoint/2010/main" val="236866593"/>
       </p:ext>
     </p:extLst>
   </p:cSld>
@@ -1447,7 +1447,7 @@
             <a:fld id="{E650F5AF-5A7A-4DEE-952A-AB5DF242B9CD}" type="slidenum">
               <a:rPr lang="pt-BR" smtClean="0"/>
               <a:pPr/>
-              <a:t>‹nº›</a:t>
+              <a:t>‹#›</a:t>
             </a:fld>
             <a:endParaRPr lang="pt-BR"/>
           </a:p>
@@ -1456,7 +1456,7 @@
     </p:spTree>
     <p:extLst>
       <p:ext uri="{BB962C8B-B14F-4D97-AF65-F5344CB8AC3E}">
-        <p14:creationId xmlns="" xmlns:p14="http://schemas.microsoft.com/office/powerpoint/2010/main" val="220780165"/>
+        <p14:creationId xmlns:p14="http://schemas.microsoft.com/office/powerpoint/2010/main" val="220780165"/>
       </p:ext>
     </p:extLst>
   </p:cSld>
@@ -1871,7 +1871,7 @@
             <a:fld id="{E650F5AF-5A7A-4DEE-952A-AB5DF242B9CD}" type="slidenum">
               <a:rPr lang="pt-BR" smtClean="0"/>
               <a:pPr/>
-              <a:t>‹nº›</a:t>
+              <a:t>‹#›</a:t>
             </a:fld>
             <a:endParaRPr lang="pt-BR"/>
           </a:p>
@@ -1880,7 +1880,7 @@
     </p:spTree>
     <p:extLst>
       <p:ext uri="{BB962C8B-B14F-4D97-AF65-F5344CB8AC3E}">
-        <p14:creationId xmlns="" xmlns:p14="http://schemas.microsoft.com/office/powerpoint/2010/main" val="3569403052"/>
+        <p14:creationId xmlns:p14="http://schemas.microsoft.com/office/powerpoint/2010/main" val="3569403052"/>
       </p:ext>
     </p:extLst>
   </p:cSld>
@@ -1991,7 +1991,7 @@
             <a:fld id="{E650F5AF-5A7A-4DEE-952A-AB5DF242B9CD}" type="slidenum">
               <a:rPr lang="pt-BR" smtClean="0"/>
               <a:pPr/>
-              <a:t>‹nº›</a:t>
+              <a:t>‹#›</a:t>
             </a:fld>
             <a:endParaRPr lang="pt-BR"/>
           </a:p>
@@ -2000,7 +2000,7 @@
     </p:spTree>
     <p:extLst>
       <p:ext uri="{BB962C8B-B14F-4D97-AF65-F5344CB8AC3E}">
-        <p14:creationId xmlns="" xmlns:p14="http://schemas.microsoft.com/office/powerpoint/2010/main" val="2359431751"/>
+        <p14:creationId xmlns:p14="http://schemas.microsoft.com/office/powerpoint/2010/main" val="2359431751"/>
       </p:ext>
     </p:extLst>
   </p:cSld>
@@ -2088,7 +2088,7 @@
             <a:fld id="{E650F5AF-5A7A-4DEE-952A-AB5DF242B9CD}" type="slidenum">
               <a:rPr lang="pt-BR" smtClean="0"/>
               <a:pPr/>
-              <a:t>‹nº›</a:t>
+              <a:t>‹#›</a:t>
             </a:fld>
             <a:endParaRPr lang="pt-BR"/>
           </a:p>
@@ -2097,7 +2097,7 @@
     </p:spTree>
     <p:extLst>
       <p:ext uri="{BB962C8B-B14F-4D97-AF65-F5344CB8AC3E}">
-        <p14:creationId xmlns="" xmlns:p14="http://schemas.microsoft.com/office/powerpoint/2010/main" val="487197514"/>
+        <p14:creationId xmlns:p14="http://schemas.microsoft.com/office/powerpoint/2010/main" val="487197514"/>
       </p:ext>
     </p:extLst>
   </p:cSld>
@@ -2367,7 +2367,7 @@
             <a:fld id="{E650F5AF-5A7A-4DEE-952A-AB5DF242B9CD}" type="slidenum">
               <a:rPr lang="pt-BR" smtClean="0"/>
               <a:pPr/>
-              <a:t>‹nº›</a:t>
+              <a:t>‹#›</a:t>
             </a:fld>
             <a:endParaRPr lang="pt-BR"/>
           </a:p>
@@ -2376,7 +2376,7 @@
     </p:spTree>
     <p:extLst>
       <p:ext uri="{BB962C8B-B14F-4D97-AF65-F5344CB8AC3E}">
-        <p14:creationId xmlns="" xmlns:p14="http://schemas.microsoft.com/office/powerpoint/2010/main" val="3436097000"/>
+        <p14:creationId xmlns:p14="http://schemas.microsoft.com/office/powerpoint/2010/main" val="3436097000"/>
       </p:ext>
     </p:extLst>
   </p:cSld>
@@ -2622,7 +2622,7 @@
             <a:fld id="{E650F5AF-5A7A-4DEE-952A-AB5DF242B9CD}" type="slidenum">
               <a:rPr lang="pt-BR" smtClean="0"/>
               <a:pPr/>
-              <a:t>‹nº›</a:t>
+              <a:t>‹#›</a:t>
             </a:fld>
             <a:endParaRPr lang="pt-BR"/>
           </a:p>
@@ -2631,7 +2631,7 @@
     </p:spTree>
     <p:extLst>
       <p:ext uri="{BB962C8B-B14F-4D97-AF65-F5344CB8AC3E}">
-        <p14:creationId xmlns="" xmlns:p14="http://schemas.microsoft.com/office/powerpoint/2010/main" val="524006705"/>
+        <p14:creationId xmlns:p14="http://schemas.microsoft.com/office/powerpoint/2010/main" val="524006705"/>
       </p:ext>
     </p:extLst>
   </p:cSld>
@@ -2873,7 +2873,7 @@
             <a:fld id="{E650F5AF-5A7A-4DEE-952A-AB5DF242B9CD}" type="slidenum">
               <a:rPr lang="pt-BR" smtClean="0"/>
               <a:pPr/>
-              <a:t>‹nº›</a:t>
+              <a:t>‹#›</a:t>
             </a:fld>
             <a:endParaRPr lang="pt-BR"/>
           </a:p>
@@ -2882,7 +2882,7 @@
     </p:spTree>
     <p:extLst>
       <p:ext uri="{BB962C8B-B14F-4D97-AF65-F5344CB8AC3E}">
-        <p14:creationId xmlns="" xmlns:p14="http://schemas.microsoft.com/office/powerpoint/2010/main" val="1043027552"/>
+        <p14:creationId xmlns:p14="http://schemas.microsoft.com/office/powerpoint/2010/main" val="1043027552"/>
       </p:ext>
     </p:extLst>
   </p:cSld>
@@ -3182,7 +3182,7 @@
           <a:blip r:embed="rId2" cstate="print">
             <a:extLst>
               <a:ext uri="{28A0092B-C50C-407E-A947-70E740481C1C}">
-                <a14:useLocalDpi xmlns="" xmlns:a14="http://schemas.microsoft.com/office/drawing/2010/main" val="0"/>
+                <a14:useLocalDpi xmlns:a14="http://schemas.microsoft.com/office/drawing/2010/main" val="0"/>
               </a:ext>
             </a:extLst>
           </a:blip>
@@ -3302,7 +3302,7 @@
           <a:blip r:embed="rId3" cstate="print">
             <a:extLst>
               <a:ext uri="{28A0092B-C50C-407E-A947-70E740481C1C}">
-                <a14:useLocalDpi xmlns="" xmlns:a14="http://schemas.microsoft.com/office/drawing/2010/main" val="0"/>
+                <a14:useLocalDpi xmlns:a14="http://schemas.microsoft.com/office/drawing/2010/main" val="0"/>
               </a:ext>
             </a:extLst>
           </a:blip>
@@ -3323,7 +3323,7 @@
     </p:spTree>
     <p:extLst>
       <p:ext uri="{BB962C8B-B14F-4D97-AF65-F5344CB8AC3E}">
-        <p14:creationId xmlns="" xmlns:p14="http://schemas.microsoft.com/office/powerpoint/2010/main" val="1124906220"/>
+        <p14:creationId xmlns:p14="http://schemas.microsoft.com/office/powerpoint/2010/main" val="1124906220"/>
       </p:ext>
     </p:extLst>
   </p:cSld>
@@ -3369,7 +3369,7 @@
           <a:blip r:embed="rId2" cstate="print">
             <a:extLst>
               <a:ext uri="{28A0092B-C50C-407E-A947-70E740481C1C}">
-                <a14:useLocalDpi xmlns="" xmlns:a14="http://schemas.microsoft.com/office/drawing/2010/main" val="0"/>
+                <a14:useLocalDpi xmlns:a14="http://schemas.microsoft.com/office/drawing/2010/main" val="0"/>
               </a:ext>
             </a:extLst>
           </a:blip>
@@ -3501,7 +3501,7 @@
           <a:blip r:embed="rId3" cstate="print">
             <a:extLst>
               <a:ext uri="{28A0092B-C50C-407E-A947-70E740481C1C}">
-                <a14:useLocalDpi xmlns="" xmlns:a14="http://schemas.microsoft.com/office/drawing/2010/main" val="0"/>
+                <a14:useLocalDpi xmlns:a14="http://schemas.microsoft.com/office/drawing/2010/main" val="0"/>
               </a:ext>
             </a:extLst>
           </a:blip>
@@ -3525,14 +3525,14 @@
           <a:effectLst/>
           <a:extLst>
             <a:ext uri="{909E8E84-426E-40DD-AFC4-6F175D3DCCD1}">
-              <a14:hiddenFill xmlns="" xmlns:a14="http://schemas.microsoft.com/office/drawing/2010/main">
+              <a14:hiddenFill xmlns:a14="http://schemas.microsoft.com/office/drawing/2010/main">
                 <a:solidFill>
                   <a:schemeClr val="accent1"/>
                 </a:solidFill>
               </a14:hiddenFill>
             </a:ext>
             <a:ext uri="{91240B29-F687-4F45-9708-019B960494DF}">
-              <a14:hiddenLine xmlns="" xmlns:a14="http://schemas.microsoft.com/office/drawing/2010/main" w="9525">
+              <a14:hiddenLine xmlns:a14="http://schemas.microsoft.com/office/drawing/2010/main" w="9525">
                 <a:solidFill>
                   <a:schemeClr val="tx1"/>
                 </a:solidFill>
@@ -3542,7 +3542,7 @@
               </a14:hiddenLine>
             </a:ext>
             <a:ext uri="{AF507438-7753-43E0-B8FC-AC1667EBCBE1}">
-              <a14:hiddenEffects xmlns="" xmlns:a14="http://schemas.microsoft.com/office/drawing/2010/main">
+              <a14:hiddenEffects xmlns:a14="http://schemas.microsoft.com/office/drawing/2010/main">
                 <a:effectLst>
                   <a:outerShdw dist="35921" dir="2700000" algn="ctr" rotWithShape="0">
                     <a:schemeClr val="bg2"/>
@@ -3565,7 +3565,7 @@
           <a:blip r:embed="rId4" cstate="print">
             <a:extLst>
               <a:ext uri="{28A0092B-C50C-407E-A947-70E740481C1C}">
-                <a14:useLocalDpi xmlns="" xmlns:a14="http://schemas.microsoft.com/office/drawing/2010/main" val="0"/>
+                <a14:useLocalDpi xmlns:a14="http://schemas.microsoft.com/office/drawing/2010/main" val="0"/>
               </a:ext>
             </a:extLst>
           </a:blip>
@@ -3589,14 +3589,14 @@
           <a:effectLst/>
           <a:extLst>
             <a:ext uri="{909E8E84-426E-40DD-AFC4-6F175D3DCCD1}">
-              <a14:hiddenFill xmlns="" xmlns:a14="http://schemas.microsoft.com/office/drawing/2010/main">
+              <a14:hiddenFill xmlns:a14="http://schemas.microsoft.com/office/drawing/2010/main">
                 <a:solidFill>
                   <a:schemeClr val="accent1"/>
                 </a:solidFill>
               </a14:hiddenFill>
             </a:ext>
             <a:ext uri="{91240B29-F687-4F45-9708-019B960494DF}">
-              <a14:hiddenLine xmlns="" xmlns:a14="http://schemas.microsoft.com/office/drawing/2010/main" w="9525">
+              <a14:hiddenLine xmlns:a14="http://schemas.microsoft.com/office/drawing/2010/main" w="9525">
                 <a:solidFill>
                   <a:schemeClr val="tx1"/>
                 </a:solidFill>
@@ -3606,7 +3606,7 @@
               </a14:hiddenLine>
             </a:ext>
             <a:ext uri="{AF507438-7753-43E0-B8FC-AC1667EBCBE1}">
-              <a14:hiddenEffects xmlns="" xmlns:a14="http://schemas.microsoft.com/office/drawing/2010/main">
+              <a14:hiddenEffects xmlns:a14="http://schemas.microsoft.com/office/drawing/2010/main">
                 <a:effectLst>
                   <a:outerShdw dist="35921" dir="2700000" algn="ctr" rotWithShape="0">
                     <a:schemeClr val="bg2"/>
@@ -3620,7 +3620,7 @@
     </p:spTree>
     <p:extLst>
       <p:ext uri="{BB962C8B-B14F-4D97-AF65-F5344CB8AC3E}">
-        <p14:creationId xmlns="" xmlns:p14="http://schemas.microsoft.com/office/powerpoint/2010/main" val="4060812770"/>
+        <p14:creationId xmlns:p14="http://schemas.microsoft.com/office/powerpoint/2010/main" val="4060812770"/>
       </p:ext>
     </p:extLst>
   </p:cSld>
@@ -3666,7 +3666,7 @@
           <a:blip r:embed="rId2" cstate="print">
             <a:extLst>
               <a:ext uri="{28A0092B-C50C-407E-A947-70E740481C1C}">
-                <a14:useLocalDpi xmlns="" xmlns:a14="http://schemas.microsoft.com/office/drawing/2010/main" val="0"/>
+                <a14:useLocalDpi xmlns:a14="http://schemas.microsoft.com/office/drawing/2010/main" val="0"/>
               </a:ext>
             </a:extLst>
           </a:blip>
@@ -3779,7 +3779,7 @@
     </p:spTree>
     <p:extLst>
       <p:ext uri="{BB962C8B-B14F-4D97-AF65-F5344CB8AC3E}">
-        <p14:creationId xmlns="" xmlns:p14="http://schemas.microsoft.com/office/powerpoint/2010/main" val="4060812770"/>
+        <p14:creationId xmlns:p14="http://schemas.microsoft.com/office/powerpoint/2010/main" val="4060812770"/>
       </p:ext>
     </p:extLst>
   </p:cSld>
@@ -3825,7 +3825,7 @@
           <a:blip r:embed="rId2" cstate="print">
             <a:extLst>
               <a:ext uri="{28A0092B-C50C-407E-A947-70E740481C1C}">
-                <a14:useLocalDpi xmlns="" xmlns:a14="http://schemas.microsoft.com/office/drawing/2010/main" val="0"/>
+                <a14:useLocalDpi xmlns:a14="http://schemas.microsoft.com/office/drawing/2010/main" val="0"/>
               </a:ext>
             </a:extLst>
           </a:blip>
@@ -4040,7 +4040,7 @@
     </p:spTree>
     <p:extLst>
       <p:ext uri="{BB962C8B-B14F-4D97-AF65-F5344CB8AC3E}">
-        <p14:creationId xmlns="" xmlns:p14="http://schemas.microsoft.com/office/powerpoint/2010/main" val="1236626834"/>
+        <p14:creationId xmlns:p14="http://schemas.microsoft.com/office/powerpoint/2010/main" val="1236626834"/>
       </p:ext>
     </p:extLst>
   </p:cSld>
@@ -4086,7 +4086,7 @@
           <a:blip r:embed="rId2" cstate="print">
             <a:extLst>
               <a:ext uri="{28A0092B-C50C-407E-A947-70E740481C1C}">
-                <a14:useLocalDpi xmlns="" xmlns:a14="http://schemas.microsoft.com/office/drawing/2010/main" val="0"/>
+                <a14:useLocalDpi xmlns:a14="http://schemas.microsoft.com/office/drawing/2010/main" val="0"/>
               </a:ext>
             </a:extLst>
           </a:blip>
@@ -4284,7 +4284,7 @@
     </p:spTree>
     <p:extLst>
       <p:ext uri="{BB962C8B-B14F-4D97-AF65-F5344CB8AC3E}">
-        <p14:creationId xmlns="" xmlns:p14="http://schemas.microsoft.com/office/powerpoint/2010/main" val="4060812770"/>
+        <p14:creationId xmlns:p14="http://schemas.microsoft.com/office/powerpoint/2010/main" val="4060812770"/>
       </p:ext>
     </p:extLst>
   </p:cSld>
@@ -4330,7 +4330,7 @@
           <a:blip r:embed="rId2" cstate="print">
             <a:extLst>
               <a:ext uri="{28A0092B-C50C-407E-A947-70E740481C1C}">
-                <a14:useLocalDpi xmlns="" xmlns:a14="http://schemas.microsoft.com/office/drawing/2010/main" val="0"/>
+                <a14:useLocalDpi xmlns:a14="http://schemas.microsoft.com/office/drawing/2010/main" val="0"/>
               </a:ext>
             </a:extLst>
           </a:blip>
@@ -4509,7 +4509,7 @@
     </p:spTree>
     <p:extLst>
       <p:ext uri="{BB962C8B-B14F-4D97-AF65-F5344CB8AC3E}">
-        <p14:creationId xmlns="" xmlns:p14="http://schemas.microsoft.com/office/powerpoint/2010/main" val="3308039092"/>
+        <p14:creationId xmlns:p14="http://schemas.microsoft.com/office/powerpoint/2010/main" val="3308039092"/>
       </p:ext>
     </p:extLst>
   </p:cSld>
@@ -4555,7 +4555,7 @@
           <a:blip r:embed="rId2" cstate="print">
             <a:extLst>
               <a:ext uri="{28A0092B-C50C-407E-A947-70E740481C1C}">
-                <a14:useLocalDpi xmlns="" xmlns:a14="http://schemas.microsoft.com/office/drawing/2010/main" val="0"/>
+                <a14:useLocalDpi xmlns:a14="http://schemas.microsoft.com/office/drawing/2010/main" val="0"/>
               </a:ext>
             </a:extLst>
           </a:blip>
@@ -4699,7 +4699,7 @@
     </p:spTree>
     <p:extLst>
       <p:ext uri="{BB962C8B-B14F-4D97-AF65-F5344CB8AC3E}">
-        <p14:creationId xmlns="" xmlns:p14="http://schemas.microsoft.com/office/powerpoint/2010/main" val="3308039092"/>
+        <p14:creationId xmlns:p14="http://schemas.microsoft.com/office/powerpoint/2010/main" val="3308039092"/>
       </p:ext>
     </p:extLst>
   </p:cSld>
@@ -4745,7 +4745,7 @@
           <a:blip r:embed="rId2" cstate="print">
             <a:extLst>
               <a:ext uri="{28A0092B-C50C-407E-A947-70E740481C1C}">
-                <a14:useLocalDpi xmlns="" xmlns:a14="http://schemas.microsoft.com/office/drawing/2010/main" val="0"/>
+                <a14:useLocalDpi xmlns:a14="http://schemas.microsoft.com/office/drawing/2010/main" val="0"/>
               </a:ext>
             </a:extLst>
           </a:blip>
@@ -4916,7 +4916,7 @@
     </p:spTree>
     <p:extLst>
       <p:ext uri="{BB962C8B-B14F-4D97-AF65-F5344CB8AC3E}">
-        <p14:creationId xmlns="" xmlns:p14="http://schemas.microsoft.com/office/powerpoint/2010/main" val="3345411651"/>
+        <p14:creationId xmlns:p14="http://schemas.microsoft.com/office/powerpoint/2010/main" val="3345411651"/>
       </p:ext>
     </p:extLst>
   </p:cSld>
@@ -4962,7 +4962,7 @@
           <a:blip r:embed="rId2" cstate="print">
             <a:extLst>
               <a:ext uri="{28A0092B-C50C-407E-A947-70E740481C1C}">
-                <a14:useLocalDpi xmlns="" xmlns:a14="http://schemas.microsoft.com/office/drawing/2010/main" val="0"/>
+                <a14:useLocalDpi xmlns:a14="http://schemas.microsoft.com/office/drawing/2010/main" val="0"/>
               </a:ext>
             </a:extLst>
           </a:blip>
@@ -5069,7 +5069,7 @@
           <a:blip r:embed="rId3" cstate="print">
             <a:extLst>
               <a:ext uri="{28A0092B-C50C-407E-A947-70E740481C1C}">
-                <a14:useLocalDpi xmlns="" xmlns:a14="http://schemas.microsoft.com/office/drawing/2010/main" val="0"/>
+                <a14:useLocalDpi xmlns:a14="http://schemas.microsoft.com/office/drawing/2010/main" val="0"/>
               </a:ext>
             </a:extLst>
           </a:blip>
@@ -5087,7 +5087,7 @@
     </p:spTree>
     <p:extLst>
       <p:ext uri="{BB962C8B-B14F-4D97-AF65-F5344CB8AC3E}">
-        <p14:creationId xmlns="" xmlns:p14="http://schemas.microsoft.com/office/powerpoint/2010/main" val="3308039092"/>
+        <p14:creationId xmlns:p14="http://schemas.microsoft.com/office/powerpoint/2010/main" val="3308039092"/>
       </p:ext>
     </p:extLst>
   </p:cSld>
@@ -5133,7 +5133,7 @@
           <a:blip r:embed="rId2" cstate="print">
             <a:extLst>
               <a:ext uri="{28A0092B-C50C-407E-A947-70E740481C1C}">
-                <a14:useLocalDpi xmlns="" xmlns:a14="http://schemas.microsoft.com/office/drawing/2010/main" val="0"/>
+                <a14:useLocalDpi xmlns:a14="http://schemas.microsoft.com/office/drawing/2010/main" val="0"/>
               </a:ext>
             </a:extLst>
           </a:blip>
@@ -5240,7 +5240,7 @@
           <a:blip r:embed="rId3" cstate="print">
             <a:extLst>
               <a:ext uri="{28A0092B-C50C-407E-A947-70E740481C1C}">
-                <a14:useLocalDpi xmlns="" xmlns:a14="http://schemas.microsoft.com/office/drawing/2010/main" val="0"/>
+                <a14:useLocalDpi xmlns:a14="http://schemas.microsoft.com/office/drawing/2010/main" val="0"/>
               </a:ext>
             </a:extLst>
           </a:blip>
@@ -5258,7 +5258,7 @@
     </p:spTree>
     <p:extLst>
       <p:ext uri="{BB962C8B-B14F-4D97-AF65-F5344CB8AC3E}">
-        <p14:creationId xmlns="" xmlns:p14="http://schemas.microsoft.com/office/powerpoint/2010/main" val="3308039092"/>
+        <p14:creationId xmlns:p14="http://schemas.microsoft.com/office/powerpoint/2010/main" val="3308039092"/>
       </p:ext>
     </p:extLst>
   </p:cSld>
@@ -5304,7 +5304,7 @@
           <a:blip r:embed="rId2" cstate="print">
             <a:extLst>
               <a:ext uri="{28A0092B-C50C-407E-A947-70E740481C1C}">
-                <a14:useLocalDpi xmlns="" xmlns:a14="http://schemas.microsoft.com/office/drawing/2010/main" val="0"/>
+                <a14:useLocalDpi xmlns:a14="http://schemas.microsoft.com/office/drawing/2010/main" val="0"/>
               </a:ext>
             </a:extLst>
           </a:blip>
@@ -5538,7 +5538,7 @@
     </p:spTree>
     <p:extLst>
       <p:ext uri="{BB962C8B-B14F-4D97-AF65-F5344CB8AC3E}">
-        <p14:creationId xmlns="" xmlns:p14="http://schemas.microsoft.com/office/powerpoint/2010/main" val="3308039092"/>
+        <p14:creationId xmlns:p14="http://schemas.microsoft.com/office/powerpoint/2010/main" val="3308039092"/>
       </p:ext>
     </p:extLst>
   </p:cSld>
@@ -5584,7 +5584,7 @@
           <a:blip r:embed="rId2" cstate="print">
             <a:extLst>
               <a:ext uri="{28A0092B-C50C-407E-A947-70E740481C1C}">
-                <a14:useLocalDpi xmlns="" xmlns:a14="http://schemas.microsoft.com/office/drawing/2010/main" val="0"/>
+                <a14:useLocalDpi xmlns:a14="http://schemas.microsoft.com/office/drawing/2010/main" val="0"/>
               </a:ext>
             </a:extLst>
           </a:blip>
@@ -5694,13 +5694,6 @@
               </a:rPr>
               <a:t>: </a:t>
             </a:r>
-            <a:endParaRPr lang="pt-BR" dirty="0" smtClean="0">
-              <a:solidFill>
-                <a:schemeClr val="bg1">
-                  <a:lumMod val="75000"/>
-                </a:schemeClr>
-              </a:solidFill>
-            </a:endParaRPr>
           </a:p>
           <a:p>
             <a:pPr lvl="1"/>
@@ -5712,17 +5705,7 @@
                   </a:schemeClr>
                 </a:solidFill>
               </a:rPr>
-              <a:t>https://</a:t>
-            </a:r>
-            <a:r>
-              <a:rPr lang="pt-BR" dirty="0" smtClean="0">
-                <a:solidFill>
-                  <a:schemeClr val="bg1">
-                    <a:lumMod val="75000"/>
-                  </a:schemeClr>
-                </a:solidFill>
-              </a:rPr>
-              <a:t>github.com/Frossard/HTML5-na-pratica</a:t>
+              <a:t>https://github.com/Frossard/HTML5-na-pratica</a:t>
             </a:r>
           </a:p>
           <a:p>
@@ -5759,7 +5742,7 @@
     </p:spTree>
     <p:extLst>
       <p:ext uri="{BB962C8B-B14F-4D97-AF65-F5344CB8AC3E}">
-        <p14:creationId xmlns="" xmlns:p14="http://schemas.microsoft.com/office/powerpoint/2010/main" val="1156373279"/>
+        <p14:creationId xmlns:p14="http://schemas.microsoft.com/office/powerpoint/2010/main" val="1156373279"/>
       </p:ext>
     </p:extLst>
   </p:cSld>
@@ -5805,7 +5788,7 @@
           <a:blip r:embed="rId2" cstate="print">
             <a:extLst>
               <a:ext uri="{28A0092B-C50C-407E-A947-70E740481C1C}">
-                <a14:useLocalDpi xmlns="" xmlns:a14="http://schemas.microsoft.com/office/drawing/2010/main" val="0"/>
+                <a14:useLocalDpi xmlns:a14="http://schemas.microsoft.com/office/drawing/2010/main" val="0"/>
               </a:ext>
             </a:extLst>
           </a:blip>
@@ -6013,7 +5996,7 @@
     </p:spTree>
     <p:extLst>
       <p:ext uri="{BB962C8B-B14F-4D97-AF65-F5344CB8AC3E}">
-        <p14:creationId xmlns="" xmlns:p14="http://schemas.microsoft.com/office/powerpoint/2010/main" val="3308039092"/>
+        <p14:creationId xmlns:p14="http://schemas.microsoft.com/office/powerpoint/2010/main" val="3308039092"/>
       </p:ext>
     </p:extLst>
   </p:cSld>
@@ -6059,7 +6042,7 @@
           <a:blip r:embed="rId2" cstate="print">
             <a:extLst>
               <a:ext uri="{28A0092B-C50C-407E-A947-70E740481C1C}">
-                <a14:useLocalDpi xmlns="" xmlns:a14="http://schemas.microsoft.com/office/drawing/2010/main" val="0"/>
+                <a14:useLocalDpi xmlns:a14="http://schemas.microsoft.com/office/drawing/2010/main" val="0"/>
               </a:ext>
             </a:extLst>
           </a:blip>
@@ -6245,7 +6228,7 @@
     </p:spTree>
     <p:extLst>
       <p:ext uri="{BB962C8B-B14F-4D97-AF65-F5344CB8AC3E}">
-        <p14:creationId xmlns="" xmlns:p14="http://schemas.microsoft.com/office/powerpoint/2010/main" val="3308039092"/>
+        <p14:creationId xmlns:p14="http://schemas.microsoft.com/office/powerpoint/2010/main" val="3308039092"/>
       </p:ext>
     </p:extLst>
   </p:cSld>
@@ -6291,7 +6274,7 @@
           <a:blip r:embed="rId2" cstate="print">
             <a:extLst>
               <a:ext uri="{28A0092B-C50C-407E-A947-70E740481C1C}">
-                <a14:useLocalDpi xmlns="" xmlns:a14="http://schemas.microsoft.com/office/drawing/2010/main" val="0"/>
+                <a14:useLocalDpi xmlns:a14="http://schemas.microsoft.com/office/drawing/2010/main" val="0"/>
               </a:ext>
             </a:extLst>
           </a:blip>
@@ -6522,7 +6505,7 @@
     </p:spTree>
     <p:extLst>
       <p:ext uri="{BB962C8B-B14F-4D97-AF65-F5344CB8AC3E}">
-        <p14:creationId xmlns="" xmlns:p14="http://schemas.microsoft.com/office/powerpoint/2010/main" val="3308039092"/>
+        <p14:creationId xmlns:p14="http://schemas.microsoft.com/office/powerpoint/2010/main" val="3308039092"/>
       </p:ext>
     </p:extLst>
   </p:cSld>
@@ -6568,7 +6551,7 @@
           <a:blip r:embed="rId2" cstate="print">
             <a:extLst>
               <a:ext uri="{28A0092B-C50C-407E-A947-70E740481C1C}">
-                <a14:useLocalDpi xmlns="" xmlns:a14="http://schemas.microsoft.com/office/drawing/2010/main" val="0"/>
+                <a14:useLocalDpi xmlns:a14="http://schemas.microsoft.com/office/drawing/2010/main" val="0"/>
               </a:ext>
             </a:extLst>
           </a:blip>
@@ -6758,7 +6741,7 @@
     </p:spTree>
     <p:extLst>
       <p:ext uri="{BB962C8B-B14F-4D97-AF65-F5344CB8AC3E}">
-        <p14:creationId xmlns="" xmlns:p14="http://schemas.microsoft.com/office/powerpoint/2010/main" val="3308039092"/>
+        <p14:creationId xmlns:p14="http://schemas.microsoft.com/office/powerpoint/2010/main" val="3308039092"/>
       </p:ext>
     </p:extLst>
   </p:cSld>
@@ -6804,7 +6787,7 @@
           <a:blip r:embed="rId2" cstate="print">
             <a:extLst>
               <a:ext uri="{28A0092B-C50C-407E-A947-70E740481C1C}">
-                <a14:useLocalDpi xmlns="" xmlns:a14="http://schemas.microsoft.com/office/drawing/2010/main" val="0"/>
+                <a14:useLocalDpi xmlns:a14="http://schemas.microsoft.com/office/drawing/2010/main" val="0"/>
               </a:ext>
             </a:extLst>
           </a:blip>
@@ -6965,7 +6948,7 @@
     </p:spTree>
     <p:extLst>
       <p:ext uri="{BB962C8B-B14F-4D97-AF65-F5344CB8AC3E}">
-        <p14:creationId xmlns="" xmlns:p14="http://schemas.microsoft.com/office/powerpoint/2010/main" val="3308039092"/>
+        <p14:creationId xmlns:p14="http://schemas.microsoft.com/office/powerpoint/2010/main" val="3308039092"/>
       </p:ext>
     </p:extLst>
   </p:cSld>
@@ -7011,7 +6994,7 @@
           <a:blip r:embed="rId2" cstate="print">
             <a:extLst>
               <a:ext uri="{28A0092B-C50C-407E-A947-70E740481C1C}">
-                <a14:useLocalDpi xmlns="" xmlns:a14="http://schemas.microsoft.com/office/drawing/2010/main" val="0"/>
+                <a14:useLocalDpi xmlns:a14="http://schemas.microsoft.com/office/drawing/2010/main" val="0"/>
               </a:ext>
             </a:extLst>
           </a:blip>
@@ -7186,7 +7169,7 @@
     </p:spTree>
     <p:extLst>
       <p:ext uri="{BB962C8B-B14F-4D97-AF65-F5344CB8AC3E}">
-        <p14:creationId xmlns="" xmlns:p14="http://schemas.microsoft.com/office/powerpoint/2010/main" val="3308039092"/>
+        <p14:creationId xmlns:p14="http://schemas.microsoft.com/office/powerpoint/2010/main" val="3308039092"/>
       </p:ext>
     </p:extLst>
   </p:cSld>
@@ -7232,7 +7215,7 @@
           <a:blip r:embed="rId2" cstate="print">
             <a:extLst>
               <a:ext uri="{28A0092B-C50C-407E-A947-70E740481C1C}">
-                <a14:useLocalDpi xmlns="" xmlns:a14="http://schemas.microsoft.com/office/drawing/2010/main" val="0"/>
+                <a14:useLocalDpi xmlns:a14="http://schemas.microsoft.com/office/drawing/2010/main" val="0"/>
               </a:ext>
             </a:extLst>
           </a:blip>
@@ -7364,7 +7347,7 @@
           <a:blip r:embed="rId3" cstate="print">
             <a:extLst>
               <a:ext uri="{28A0092B-C50C-407E-A947-70E740481C1C}">
-                <a14:useLocalDpi xmlns="" xmlns:a14="http://schemas.microsoft.com/office/drawing/2010/main" val="0"/>
+                <a14:useLocalDpi xmlns:a14="http://schemas.microsoft.com/office/drawing/2010/main" val="0"/>
               </a:ext>
             </a:extLst>
           </a:blip>
@@ -7388,14 +7371,14 @@
           <a:effectLst/>
           <a:extLst>
             <a:ext uri="{909E8E84-426E-40DD-AFC4-6F175D3DCCD1}">
-              <a14:hiddenFill xmlns="" xmlns:a14="http://schemas.microsoft.com/office/drawing/2010/main">
+              <a14:hiddenFill xmlns:a14="http://schemas.microsoft.com/office/drawing/2010/main">
                 <a:solidFill>
                   <a:schemeClr val="accent1"/>
                 </a:solidFill>
               </a14:hiddenFill>
             </a:ext>
             <a:ext uri="{91240B29-F687-4F45-9708-019B960494DF}">
-              <a14:hiddenLine xmlns="" xmlns:a14="http://schemas.microsoft.com/office/drawing/2010/main" w="9525">
+              <a14:hiddenLine xmlns:a14="http://schemas.microsoft.com/office/drawing/2010/main" w="9525">
                 <a:solidFill>
                   <a:schemeClr val="tx1"/>
                 </a:solidFill>
@@ -7405,7 +7388,7 @@
               </a14:hiddenLine>
             </a:ext>
             <a:ext uri="{AF507438-7753-43E0-B8FC-AC1667EBCBE1}">
-              <a14:hiddenEffects xmlns="" xmlns:a14="http://schemas.microsoft.com/office/drawing/2010/main">
+              <a14:hiddenEffects xmlns:a14="http://schemas.microsoft.com/office/drawing/2010/main">
                 <a:effectLst>
                   <a:outerShdw dist="35921" dir="2700000" algn="ctr" rotWithShape="0">
                     <a:schemeClr val="bg2"/>
@@ -7419,7 +7402,7 @@
     </p:spTree>
     <p:extLst>
       <p:ext uri="{BB962C8B-B14F-4D97-AF65-F5344CB8AC3E}">
-        <p14:creationId xmlns="" xmlns:p14="http://schemas.microsoft.com/office/powerpoint/2010/main" val="1156373279"/>
+        <p14:creationId xmlns:p14="http://schemas.microsoft.com/office/powerpoint/2010/main" val="1156373279"/>
       </p:ext>
     </p:extLst>
   </p:cSld>
@@ -7465,7 +7448,7 @@
           <a:blip r:embed="rId2" cstate="print">
             <a:extLst>
               <a:ext uri="{28A0092B-C50C-407E-A947-70E740481C1C}">
-                <a14:useLocalDpi xmlns="" xmlns:a14="http://schemas.microsoft.com/office/drawing/2010/main" val="0"/>
+                <a14:useLocalDpi xmlns:a14="http://schemas.microsoft.com/office/drawing/2010/main" val="0"/>
               </a:ext>
             </a:extLst>
           </a:blip>
@@ -7570,7 +7553,7 @@
           <a:blip r:embed="rId3" cstate="print">
             <a:extLst>
               <a:ext uri="{28A0092B-C50C-407E-A947-70E740481C1C}">
-                <a14:useLocalDpi xmlns="" xmlns:a14="http://schemas.microsoft.com/office/drawing/2010/main" val="0"/>
+                <a14:useLocalDpi xmlns:a14="http://schemas.microsoft.com/office/drawing/2010/main" val="0"/>
               </a:ext>
             </a:extLst>
           </a:blip>
@@ -7594,14 +7577,14 @@
           <a:effectLst/>
           <a:extLst>
             <a:ext uri="{909E8E84-426E-40DD-AFC4-6F175D3DCCD1}">
-              <a14:hiddenFill xmlns="" xmlns:a14="http://schemas.microsoft.com/office/drawing/2010/main">
+              <a14:hiddenFill xmlns:a14="http://schemas.microsoft.com/office/drawing/2010/main">
                 <a:solidFill>
                   <a:schemeClr val="accent1"/>
                 </a:solidFill>
               </a14:hiddenFill>
             </a:ext>
             <a:ext uri="{91240B29-F687-4F45-9708-019B960494DF}">
-              <a14:hiddenLine xmlns="" xmlns:a14="http://schemas.microsoft.com/office/drawing/2010/main" w="9525">
+              <a14:hiddenLine xmlns:a14="http://schemas.microsoft.com/office/drawing/2010/main" w="9525">
                 <a:solidFill>
                   <a:schemeClr val="tx1"/>
                 </a:solidFill>
@@ -7611,7 +7594,7 @@
               </a14:hiddenLine>
             </a:ext>
             <a:ext uri="{AF507438-7753-43E0-B8FC-AC1667EBCBE1}">
-              <a14:hiddenEffects xmlns="" xmlns:a14="http://schemas.microsoft.com/office/drawing/2010/main">
+              <a14:hiddenEffects xmlns:a14="http://schemas.microsoft.com/office/drawing/2010/main">
                 <a:effectLst>
                   <a:outerShdw dist="35921" dir="2700000" algn="ctr" rotWithShape="0">
                     <a:schemeClr val="bg2"/>
@@ -7625,7 +7608,7 @@
     </p:spTree>
     <p:extLst>
       <p:ext uri="{BB962C8B-B14F-4D97-AF65-F5344CB8AC3E}">
-        <p14:creationId xmlns="" xmlns:p14="http://schemas.microsoft.com/office/powerpoint/2010/main" val="1156373279"/>
+        <p14:creationId xmlns:p14="http://schemas.microsoft.com/office/powerpoint/2010/main" val="1156373279"/>
       </p:ext>
     </p:extLst>
   </p:cSld>
@@ -7671,7 +7654,7 @@
           <a:blip r:embed="rId2" cstate="print">
             <a:extLst>
               <a:ext uri="{28A0092B-C50C-407E-A947-70E740481C1C}">
-                <a14:useLocalDpi xmlns="" xmlns:a14="http://schemas.microsoft.com/office/drawing/2010/main" val="0"/>
+                <a14:useLocalDpi xmlns:a14="http://schemas.microsoft.com/office/drawing/2010/main" val="0"/>
               </a:ext>
             </a:extLst>
           </a:blip>
@@ -7840,7 +7823,7 @@
     </p:spTree>
     <p:extLst>
       <p:ext uri="{BB962C8B-B14F-4D97-AF65-F5344CB8AC3E}">
-        <p14:creationId xmlns="" xmlns:p14="http://schemas.microsoft.com/office/powerpoint/2010/main" val="1156373279"/>
+        <p14:creationId xmlns:p14="http://schemas.microsoft.com/office/powerpoint/2010/main" val="1156373279"/>
       </p:ext>
     </p:extLst>
   </p:cSld>
@@ -7886,7 +7869,7 @@
           <a:blip r:embed="rId2" cstate="print">
             <a:extLst>
               <a:ext uri="{28A0092B-C50C-407E-A947-70E740481C1C}">
-                <a14:useLocalDpi xmlns="" xmlns:a14="http://schemas.microsoft.com/office/drawing/2010/main" val="0"/>
+                <a14:useLocalDpi xmlns:a14="http://schemas.microsoft.com/office/drawing/2010/main" val="0"/>
               </a:ext>
             </a:extLst>
           </a:blip>
@@ -8100,7 +8083,7 @@
     </p:spTree>
     <p:extLst>
       <p:ext uri="{BB962C8B-B14F-4D97-AF65-F5344CB8AC3E}">
-        <p14:creationId xmlns="" xmlns:p14="http://schemas.microsoft.com/office/powerpoint/2010/main" val="1156373279"/>
+        <p14:creationId xmlns:p14="http://schemas.microsoft.com/office/powerpoint/2010/main" val="1156373279"/>
       </p:ext>
     </p:extLst>
   </p:cSld>
@@ -8146,7 +8129,7 @@
           <a:blip r:embed="rId2" cstate="print">
             <a:extLst>
               <a:ext uri="{28A0092B-C50C-407E-A947-70E740481C1C}">
-                <a14:useLocalDpi xmlns="" xmlns:a14="http://schemas.microsoft.com/office/drawing/2010/main" val="0"/>
+                <a14:useLocalDpi xmlns:a14="http://schemas.microsoft.com/office/drawing/2010/main" val="0"/>
               </a:ext>
             </a:extLst>
           </a:blip>
@@ -8293,7 +8276,7 @@
     </p:spTree>
     <p:extLst>
       <p:ext uri="{BB962C8B-B14F-4D97-AF65-F5344CB8AC3E}">
-        <p14:creationId xmlns="" xmlns:p14="http://schemas.microsoft.com/office/powerpoint/2010/main" val="4060812770"/>
+        <p14:creationId xmlns:p14="http://schemas.microsoft.com/office/powerpoint/2010/main" val="4060812770"/>
       </p:ext>
     </p:extLst>
   </p:cSld>
@@ -8339,7 +8322,7 @@
           <a:blip r:embed="rId2" cstate="print">
             <a:extLst>
               <a:ext uri="{28A0092B-C50C-407E-A947-70E740481C1C}">
-                <a14:useLocalDpi xmlns="" xmlns:a14="http://schemas.microsoft.com/office/drawing/2010/main" val="0"/>
+                <a14:useLocalDpi xmlns:a14="http://schemas.microsoft.com/office/drawing/2010/main" val="0"/>
               </a:ext>
             </a:extLst>
           </a:blip>
@@ -8469,7 +8452,7 @@
     </p:spTree>
     <p:extLst>
       <p:ext uri="{BB962C8B-B14F-4D97-AF65-F5344CB8AC3E}">
-        <p14:creationId xmlns="" xmlns:p14="http://schemas.microsoft.com/office/powerpoint/2010/main" val="1156373279"/>
+        <p14:creationId xmlns:p14="http://schemas.microsoft.com/office/powerpoint/2010/main" val="1156373279"/>
       </p:ext>
     </p:extLst>
   </p:cSld>
@@ -8515,7 +8498,7 @@
           <a:blip r:embed="rId2" cstate="print">
             <a:extLst>
               <a:ext uri="{28A0092B-C50C-407E-A947-70E740481C1C}">
-                <a14:useLocalDpi xmlns="" xmlns:a14="http://schemas.microsoft.com/office/drawing/2010/main" val="0"/>
+                <a14:useLocalDpi xmlns:a14="http://schemas.microsoft.com/office/drawing/2010/main" val="0"/>
               </a:ext>
             </a:extLst>
           </a:blip>
@@ -8722,7 +8705,7 @@
     </p:spTree>
     <p:extLst>
       <p:ext uri="{BB962C8B-B14F-4D97-AF65-F5344CB8AC3E}">
-        <p14:creationId xmlns="" xmlns:p14="http://schemas.microsoft.com/office/powerpoint/2010/main" val="1156373279"/>
+        <p14:creationId xmlns:p14="http://schemas.microsoft.com/office/powerpoint/2010/main" val="1156373279"/>
       </p:ext>
     </p:extLst>
   </p:cSld>
@@ -8768,7 +8751,7 @@
           <a:blip r:embed="rId2" cstate="print">
             <a:extLst>
               <a:ext uri="{28A0092B-C50C-407E-A947-70E740481C1C}">
-                <a14:useLocalDpi xmlns="" xmlns:a14="http://schemas.microsoft.com/office/drawing/2010/main" val="0"/>
+                <a14:useLocalDpi xmlns:a14="http://schemas.microsoft.com/office/drawing/2010/main" val="0"/>
               </a:ext>
             </a:extLst>
           </a:blip>
@@ -9001,7 +8984,7 @@
     </p:spTree>
     <p:extLst>
       <p:ext uri="{BB962C8B-B14F-4D97-AF65-F5344CB8AC3E}">
-        <p14:creationId xmlns="" xmlns:p14="http://schemas.microsoft.com/office/powerpoint/2010/main" val="1156373279"/>
+        <p14:creationId xmlns:p14="http://schemas.microsoft.com/office/powerpoint/2010/main" val="1156373279"/>
       </p:ext>
     </p:extLst>
   </p:cSld>
@@ -9047,7 +9030,7 @@
           <a:blip r:embed="rId2" cstate="print">
             <a:extLst>
               <a:ext uri="{28A0092B-C50C-407E-A947-70E740481C1C}">
-                <a14:useLocalDpi xmlns="" xmlns:a14="http://schemas.microsoft.com/office/drawing/2010/main" val="0"/>
+                <a14:useLocalDpi xmlns:a14="http://schemas.microsoft.com/office/drawing/2010/main" val="0"/>
               </a:ext>
             </a:extLst>
           </a:blip>
@@ -9269,7 +9252,7 @@
     </p:spTree>
     <p:extLst>
       <p:ext uri="{BB962C8B-B14F-4D97-AF65-F5344CB8AC3E}">
-        <p14:creationId xmlns="" xmlns:p14="http://schemas.microsoft.com/office/powerpoint/2010/main" val="1156373279"/>
+        <p14:creationId xmlns:p14="http://schemas.microsoft.com/office/powerpoint/2010/main" val="1156373279"/>
       </p:ext>
     </p:extLst>
   </p:cSld>
@@ -9315,7 +9298,7 @@
           <a:blip r:embed="rId2" cstate="print">
             <a:extLst>
               <a:ext uri="{28A0092B-C50C-407E-A947-70E740481C1C}">
-                <a14:useLocalDpi xmlns="" xmlns:a14="http://schemas.microsoft.com/office/drawing/2010/main" val="0"/>
+                <a14:useLocalDpi xmlns:a14="http://schemas.microsoft.com/office/drawing/2010/main" val="0"/>
               </a:ext>
             </a:extLst>
           </a:blip>
@@ -9450,13 +9433,6 @@
               </a:rPr>
               <a:t>Descrição:</a:t>
             </a:r>
-            <a:endParaRPr lang="pt-BR" dirty="0" smtClean="0">
-              <a:solidFill>
-                <a:schemeClr val="bg1">
-                  <a:lumMod val="75000"/>
-                </a:schemeClr>
-              </a:solidFill>
-            </a:endParaRPr>
           </a:p>
         </p:txBody>
       </p:sp>
@@ -9527,7 +9503,7 @@
     </p:spTree>
     <p:extLst>
       <p:ext uri="{BB962C8B-B14F-4D97-AF65-F5344CB8AC3E}">
-        <p14:creationId xmlns="" xmlns:p14="http://schemas.microsoft.com/office/powerpoint/2010/main" val="1156373279"/>
+        <p14:creationId xmlns:p14="http://schemas.microsoft.com/office/powerpoint/2010/main" val="1156373279"/>
       </p:ext>
     </p:extLst>
   </p:cSld>
@@ -9573,7 +9549,7 @@
           <a:blip r:embed="rId2" cstate="print">
             <a:extLst>
               <a:ext uri="{28A0092B-C50C-407E-A947-70E740481C1C}">
-                <a14:useLocalDpi xmlns="" xmlns:a14="http://schemas.microsoft.com/office/drawing/2010/main" val="0"/>
+                <a14:useLocalDpi xmlns:a14="http://schemas.microsoft.com/office/drawing/2010/main" val="0"/>
               </a:ext>
             </a:extLst>
           </a:blip>
@@ -9624,27 +9600,7 @@
                   </a:schemeClr>
                 </a:solidFill>
               </a:rPr>
-              <a:t> </a:t>
-            </a:r>
-            <a:r>
-              <a:rPr lang="pt-PT" dirty="0" smtClean="0">
-                <a:solidFill>
-                  <a:schemeClr val="bg1">
-                    <a:lumMod val="85000"/>
-                  </a:schemeClr>
-                </a:solidFill>
-              </a:rPr>
-              <a:t>de </a:t>
-            </a:r>
-            <a:r>
-              <a:rPr lang="pt-PT" dirty="0" smtClean="0">
-                <a:solidFill>
-                  <a:schemeClr val="bg1">
-                    <a:lumMod val="85000"/>
-                  </a:schemeClr>
-                </a:solidFill>
-              </a:rPr>
-              <a:t>informação</a:t>
+              <a:t> de informação</a:t>
             </a:r>
             <a:endParaRPr lang="pt-BR" dirty="0"/>
           </a:p>
@@ -9673,57 +9629,7 @@
                   </a:schemeClr>
                 </a:solidFill>
               </a:rPr>
-              <a:t>A categorização da </a:t>
-            </a:r>
-            <a:r>
-              <a:rPr lang="pt-BR" dirty="0" smtClean="0">
-                <a:solidFill>
-                  <a:schemeClr val="bg1">
-                    <a:lumMod val="75000"/>
-                  </a:schemeClr>
-                </a:solidFill>
-              </a:rPr>
-              <a:t>informação em </a:t>
-            </a:r>
-            <a:r>
-              <a:rPr lang="pt-BR" dirty="0" smtClean="0">
-                <a:solidFill>
-                  <a:schemeClr val="bg1">
-                    <a:lumMod val="75000"/>
-                  </a:schemeClr>
-                </a:solidFill>
-              </a:rPr>
-              <a:t>uma </a:t>
-            </a:r>
-            <a:r>
-              <a:rPr lang="pt-BR" dirty="0" smtClean="0">
-                <a:solidFill>
-                  <a:schemeClr val="bg1">
-                    <a:lumMod val="75000"/>
-                  </a:schemeClr>
-                </a:solidFill>
-              </a:rPr>
-              <a:t>estrutura </a:t>
-            </a:r>
-            <a:r>
-              <a:rPr lang="pt-BR" dirty="0" smtClean="0">
-                <a:solidFill>
-                  <a:schemeClr val="bg1">
-                    <a:lumMod val="75000"/>
-                  </a:schemeClr>
-                </a:solidFill>
-              </a:rPr>
-              <a:t>coerente </a:t>
-            </a:r>
-            <a:r>
-              <a:rPr lang="pt-BR" dirty="0" smtClean="0">
-                <a:solidFill>
-                  <a:schemeClr val="bg1">
-                    <a:lumMod val="75000"/>
-                  </a:schemeClr>
-                </a:solidFill>
-              </a:rPr>
-              <a:t>e compreensível.</a:t>
+              <a:t>A categorização da informação em uma estrutura coerente e compreensível.</a:t>
             </a:r>
           </a:p>
           <a:p>
@@ -9761,7 +9667,7 @@
     </p:spTree>
     <p:extLst>
       <p:ext uri="{BB962C8B-B14F-4D97-AF65-F5344CB8AC3E}">
-        <p14:creationId xmlns="" xmlns:p14="http://schemas.microsoft.com/office/powerpoint/2010/main" val="1156373279"/>
+        <p14:creationId xmlns:p14="http://schemas.microsoft.com/office/powerpoint/2010/main" val="1156373279"/>
       </p:ext>
     </p:extLst>
   </p:cSld>
@@ -9807,7 +9713,7 @@
           <a:blip r:embed="rId2" cstate="print">
             <a:extLst>
               <a:ext uri="{28A0092B-C50C-407E-A947-70E740481C1C}">
-                <a14:useLocalDpi xmlns="" xmlns:a14="http://schemas.microsoft.com/office/drawing/2010/main" val="0"/>
+                <a14:useLocalDpi xmlns:a14="http://schemas.microsoft.com/office/drawing/2010/main" val="0"/>
               </a:ext>
             </a:extLst>
           </a:blip>
@@ -9928,7 +9834,7 @@
     </p:spTree>
     <p:extLst>
       <p:ext uri="{BB962C8B-B14F-4D97-AF65-F5344CB8AC3E}">
-        <p14:creationId xmlns="" xmlns:p14="http://schemas.microsoft.com/office/powerpoint/2010/main" val="1156373279"/>
+        <p14:creationId xmlns:p14="http://schemas.microsoft.com/office/powerpoint/2010/main" val="1156373279"/>
       </p:ext>
     </p:extLst>
   </p:cSld>
@@ -9974,7 +9880,7 @@
           <a:blip r:embed="rId2" cstate="print">
             <a:extLst>
               <a:ext uri="{28A0092B-C50C-407E-A947-70E740481C1C}">
-                <a14:useLocalDpi xmlns="" xmlns:a14="http://schemas.microsoft.com/office/drawing/2010/main" val="0"/>
+                <a14:useLocalDpi xmlns:a14="http://schemas.microsoft.com/office/drawing/2010/main" val="0"/>
               </a:ext>
             </a:extLst>
           </a:blip>
@@ -10054,17 +9960,7 @@
                   </a:schemeClr>
                 </a:solidFill>
               </a:rPr>
-              <a:t> </a:t>
-            </a:r>
-            <a:r>
-              <a:rPr lang="pt-BR" dirty="0" smtClean="0">
-                <a:solidFill>
-                  <a:schemeClr val="bg1">
-                    <a:lumMod val="75000"/>
-                  </a:schemeClr>
-                </a:solidFill>
-              </a:rPr>
-              <a:t>Fluidos</a:t>
+              <a:t> Fluidos</a:t>
             </a:r>
           </a:p>
           <a:p>
@@ -10085,17 +9981,7 @@
                   </a:schemeClr>
                 </a:solidFill>
               </a:rPr>
-              <a:t>Design </a:t>
-            </a:r>
-            <a:r>
-              <a:rPr lang="pt-BR" dirty="0" smtClean="0">
-                <a:solidFill>
-                  <a:schemeClr val="bg1">
-                    <a:lumMod val="75000"/>
-                  </a:schemeClr>
-                </a:solidFill>
-              </a:rPr>
-              <a:t>Adaptativo</a:t>
+              <a:t>Design Adaptativo</a:t>
             </a:r>
           </a:p>
           <a:p>
@@ -10116,17 +10002,7 @@
                   </a:schemeClr>
                 </a:solidFill>
               </a:rPr>
-              <a:t>Conteúdo </a:t>
-            </a:r>
-            <a:r>
-              <a:rPr lang="pt-BR" dirty="0" smtClean="0">
-                <a:solidFill>
-                  <a:schemeClr val="bg1">
-                    <a:lumMod val="75000"/>
-                  </a:schemeClr>
-                </a:solidFill>
-              </a:rPr>
-              <a:t>Flexível</a:t>
+              <a:t>Conteúdo Flexível</a:t>
             </a:r>
           </a:p>
           <a:p>
@@ -10162,7 +10038,7 @@
     </p:spTree>
     <p:extLst>
       <p:ext uri="{BB962C8B-B14F-4D97-AF65-F5344CB8AC3E}">
-        <p14:creationId xmlns="" xmlns:p14="http://schemas.microsoft.com/office/powerpoint/2010/main" val="1156373279"/>
+        <p14:creationId xmlns:p14="http://schemas.microsoft.com/office/powerpoint/2010/main" val="1156373279"/>
       </p:ext>
     </p:extLst>
   </p:cSld>
@@ -10208,7 +10084,7 @@
           <a:blip r:embed="rId2" cstate="print">
             <a:extLst>
               <a:ext uri="{28A0092B-C50C-407E-A947-70E740481C1C}">
-                <a14:useLocalDpi xmlns="" xmlns:a14="http://schemas.microsoft.com/office/drawing/2010/main" val="0"/>
+                <a14:useLocalDpi xmlns:a14="http://schemas.microsoft.com/office/drawing/2010/main" val="0"/>
               </a:ext>
             </a:extLst>
           </a:blip>
@@ -10288,7 +10164,7 @@
     </p:spTree>
     <p:extLst>
       <p:ext uri="{BB962C8B-B14F-4D97-AF65-F5344CB8AC3E}">
-        <p14:creationId xmlns="" xmlns:p14="http://schemas.microsoft.com/office/powerpoint/2010/main" val="1156373279"/>
+        <p14:creationId xmlns:p14="http://schemas.microsoft.com/office/powerpoint/2010/main" val="1156373279"/>
       </p:ext>
     </p:extLst>
   </p:cSld>
@@ -10334,7 +10210,7 @@
           <a:blip r:embed="rId2" cstate="print">
             <a:extLst>
               <a:ext uri="{28A0092B-C50C-407E-A947-70E740481C1C}">
-                <a14:useLocalDpi xmlns="" xmlns:a14="http://schemas.microsoft.com/office/drawing/2010/main" val="0"/>
+                <a14:useLocalDpi xmlns:a14="http://schemas.microsoft.com/office/drawing/2010/main" val="0"/>
               </a:ext>
             </a:extLst>
           </a:blip>
@@ -10414,7 +10290,7 @@
     </p:spTree>
     <p:extLst>
       <p:ext uri="{BB962C8B-B14F-4D97-AF65-F5344CB8AC3E}">
-        <p14:creationId xmlns="" xmlns:p14="http://schemas.microsoft.com/office/powerpoint/2010/main" val="1156373279"/>
+        <p14:creationId xmlns:p14="http://schemas.microsoft.com/office/powerpoint/2010/main" val="1156373279"/>
       </p:ext>
     </p:extLst>
   </p:cSld>
@@ -10460,7 +10336,7 @@
           <a:blip r:embed="rId2" cstate="print">
             <a:extLst>
               <a:ext uri="{28A0092B-C50C-407E-A947-70E740481C1C}">
-                <a14:useLocalDpi xmlns="" xmlns:a14="http://schemas.microsoft.com/office/drawing/2010/main" val="0"/>
+                <a14:useLocalDpi xmlns:a14="http://schemas.microsoft.com/office/drawing/2010/main" val="0"/>
               </a:ext>
             </a:extLst>
           </a:blip>
@@ -10580,7 +10456,7 @@
           <a:blip r:embed="rId3" cstate="print">
             <a:extLst>
               <a:ext uri="{28A0092B-C50C-407E-A947-70E740481C1C}">
-                <a14:useLocalDpi xmlns="" xmlns:a14="http://schemas.microsoft.com/office/drawing/2010/main" val="0"/>
+                <a14:useLocalDpi xmlns:a14="http://schemas.microsoft.com/office/drawing/2010/main" val="0"/>
               </a:ext>
             </a:extLst>
           </a:blip>
@@ -10601,7 +10477,7 @@
     </p:spTree>
     <p:extLst>
       <p:ext uri="{BB962C8B-B14F-4D97-AF65-F5344CB8AC3E}">
-        <p14:creationId xmlns="" xmlns:p14="http://schemas.microsoft.com/office/powerpoint/2010/main" val="4060812770"/>
+        <p14:creationId xmlns:p14="http://schemas.microsoft.com/office/powerpoint/2010/main" val="4060812770"/>
       </p:ext>
     </p:extLst>
   </p:cSld>
@@ -10647,7 +10523,7 @@
           <a:blip r:embed="rId2" cstate="print">
             <a:extLst>
               <a:ext uri="{28A0092B-C50C-407E-A947-70E740481C1C}">
-                <a14:useLocalDpi xmlns="" xmlns:a14="http://schemas.microsoft.com/office/drawing/2010/main" val="0"/>
+                <a14:useLocalDpi xmlns:a14="http://schemas.microsoft.com/office/drawing/2010/main" val="0"/>
               </a:ext>
             </a:extLst>
           </a:blip>
@@ -10727,7 +10603,7 @@
     </p:spTree>
     <p:extLst>
       <p:ext uri="{BB962C8B-B14F-4D97-AF65-F5344CB8AC3E}">
-        <p14:creationId xmlns="" xmlns:p14="http://schemas.microsoft.com/office/powerpoint/2010/main" val="1156373279"/>
+        <p14:creationId xmlns:p14="http://schemas.microsoft.com/office/powerpoint/2010/main" val="1156373279"/>
       </p:ext>
     </p:extLst>
   </p:cSld>
@@ -10773,7 +10649,7 @@
           <a:blip r:embed="rId2" cstate="print">
             <a:extLst>
               <a:ext uri="{28A0092B-C50C-407E-A947-70E740481C1C}">
-                <a14:useLocalDpi xmlns="" xmlns:a14="http://schemas.microsoft.com/office/drawing/2010/main" val="0"/>
+                <a14:useLocalDpi xmlns:a14="http://schemas.microsoft.com/office/drawing/2010/main" val="0"/>
               </a:ext>
             </a:extLst>
           </a:blip>
@@ -10851,37 +10727,7 @@
                   </a:schemeClr>
                 </a:solidFill>
               </a:rPr>
-              <a:t>O Google </a:t>
-            </a:r>
-            <a:r>
-              <a:rPr lang="pt-BR" dirty="0" smtClean="0">
-                <a:solidFill>
-                  <a:schemeClr val="bg1">
-                    <a:lumMod val="75000"/>
-                  </a:schemeClr>
-                </a:solidFill>
-              </a:rPr>
-              <a:t>recomenda, e </a:t>
-            </a:r>
-            <a:r>
-              <a:rPr lang="pt-BR" dirty="0" smtClean="0">
-                <a:solidFill>
-                  <a:schemeClr val="bg1">
-                    <a:lumMod val="75000"/>
-                  </a:schemeClr>
-                </a:solidFill>
-              </a:rPr>
-              <a:t>também te recompensa</a:t>
-            </a:r>
-            <a:r>
-              <a:rPr lang="pt-BR" dirty="0" smtClean="0">
-                <a:solidFill>
-                  <a:schemeClr val="bg1">
-                    <a:lumMod val="75000"/>
-                  </a:schemeClr>
-                </a:solidFill>
-              </a:rPr>
-              <a:t>.</a:t>
+              <a:t>O Google recomenda, e também te recompensa.</a:t>
             </a:r>
           </a:p>
           <a:p>
@@ -10908,7 +10754,17 @@
                   </a:schemeClr>
                 </a:solidFill>
               </a:rPr>
-              <a:t>“Sites que usam Web Design Responsivo, isto é, sites </a:t>
+              <a:t>“Sites que usam Web Design Responsivo, isto é, sites que funcionam em todos os dispositivos com o mesmo conjunto de </a:t>
+            </a:r>
+            <a:r>
+              <a:rPr lang="pt-BR" dirty="0" err="1" smtClean="0">
+                <a:solidFill>
+                  <a:schemeClr val="bg1">
+                    <a:lumMod val="75000"/>
+                  </a:schemeClr>
+                </a:solidFill>
+              </a:rPr>
+              <a:t>URLs</a:t>
             </a:r>
             <a:r>
               <a:rPr lang="pt-BR" dirty="0" smtClean="0">
@@ -10918,117 +10774,7 @@
                   </a:schemeClr>
                 </a:solidFill>
               </a:rPr>
-              <a:t>que funcionam </a:t>
-            </a:r>
-            <a:r>
-              <a:rPr lang="pt-BR" dirty="0" smtClean="0">
-                <a:solidFill>
-                  <a:schemeClr val="bg1">
-                    <a:lumMod val="75000"/>
-                  </a:schemeClr>
-                </a:solidFill>
-              </a:rPr>
-              <a:t>em todos os dispositivos com o </a:t>
-            </a:r>
-            <a:r>
-              <a:rPr lang="pt-BR" dirty="0" smtClean="0">
-                <a:solidFill>
-                  <a:schemeClr val="bg1">
-                    <a:lumMod val="75000"/>
-                  </a:schemeClr>
-                </a:solidFill>
-              </a:rPr>
-              <a:t>mesmo conjunto de </a:t>
-            </a:r>
-            <a:r>
-              <a:rPr lang="pt-BR" dirty="0" err="1" smtClean="0">
-                <a:solidFill>
-                  <a:schemeClr val="bg1">
-                    <a:lumMod val="75000"/>
-                  </a:schemeClr>
-                </a:solidFill>
-              </a:rPr>
-              <a:t>URLs</a:t>
-            </a:r>
-            <a:r>
-              <a:rPr lang="pt-BR" dirty="0" smtClean="0">
-                <a:solidFill>
-                  <a:schemeClr val="bg1">
-                    <a:lumMod val="75000"/>
-                  </a:schemeClr>
-                </a:solidFill>
-              </a:rPr>
-              <a:t>, com cada URL fornecendo o mesmo HTML a </a:t>
-            </a:r>
-            <a:r>
-              <a:rPr lang="pt-BR" dirty="0" smtClean="0">
-                <a:solidFill>
-                  <a:schemeClr val="bg1">
-                    <a:lumMod val="75000"/>
-                  </a:schemeClr>
-                </a:solidFill>
-              </a:rPr>
-              <a:t>todos os dispositivos </a:t>
-            </a:r>
-            <a:r>
-              <a:rPr lang="pt-BR" dirty="0" smtClean="0">
-                <a:solidFill>
-                  <a:schemeClr val="bg1">
-                    <a:lumMod val="75000"/>
-                  </a:schemeClr>
-                </a:solidFill>
-              </a:rPr>
-              <a:t>e usando apenas CSS para alterar como </a:t>
-            </a:r>
-            <a:r>
-              <a:rPr lang="pt-BR" dirty="0" smtClean="0">
-                <a:solidFill>
-                  <a:schemeClr val="bg1">
-                    <a:lumMod val="75000"/>
-                  </a:schemeClr>
-                </a:solidFill>
-              </a:rPr>
-              <a:t>a página </a:t>
-            </a:r>
-            <a:r>
-              <a:rPr lang="pt-BR" dirty="0" smtClean="0">
-                <a:solidFill>
-                  <a:schemeClr val="bg1">
-                    <a:lumMod val="75000"/>
-                  </a:schemeClr>
-                </a:solidFill>
-              </a:rPr>
-              <a:t>é processada no dispositivo. Essa é a </a:t>
-            </a:r>
-            <a:r>
-              <a:rPr lang="pt-BR" dirty="0" smtClean="0">
-                <a:solidFill>
-                  <a:schemeClr val="bg1">
-                    <a:lumMod val="75000"/>
-                  </a:schemeClr>
-                </a:solidFill>
-              </a:rPr>
-              <a:t>configuração recomendada </a:t>
-            </a:r>
-            <a:r>
-              <a:rPr lang="pt-BR" dirty="0" smtClean="0">
-                <a:solidFill>
-                  <a:schemeClr val="bg1">
-                    <a:lumMod val="75000"/>
-                  </a:schemeClr>
-                </a:solidFill>
-              </a:rPr>
-              <a:t>pelo Google</a:t>
-            </a:r>
-            <a:r>
-              <a:rPr lang="pt-BR" dirty="0" smtClean="0">
-                <a:solidFill>
-                  <a:schemeClr val="bg1">
-                    <a:lumMod val="75000"/>
-                  </a:schemeClr>
-                </a:solidFill>
-              </a:rPr>
-              <a:t>.”</a:t>
+              <a:t>, com cada URL fornecendo o mesmo HTML a todos os dispositivos e usando apenas CSS para alterar como a página é processada no dispositivo. Essa é a configuração recomendada pelo Google.”</a:t>
             </a:r>
           </a:p>
           <a:p>
@@ -11053,17 +10799,7 @@
                   </a:schemeClr>
                 </a:solidFill>
               </a:rPr>
-              <a:t> </a:t>
-            </a:r>
-            <a:r>
-              <a:rPr lang="pt-BR" sz="2200" dirty="0" smtClean="0">
-                <a:solidFill>
-                  <a:schemeClr val="bg1">
-                    <a:lumMod val="75000"/>
-                  </a:schemeClr>
-                </a:solidFill>
-              </a:rPr>
-              <a:t>https://developers.google.com/webmasters/smartphone-sites/details</a:t>
+              <a:t> https://developers.google.com/webmasters/smartphone-sites/details</a:t>
             </a:r>
             <a:endParaRPr lang="pt-BR" sz="2200" dirty="0">
               <a:solidFill>
@@ -11078,7 +10814,7 @@
     </p:spTree>
     <p:extLst>
       <p:ext uri="{BB962C8B-B14F-4D97-AF65-F5344CB8AC3E}">
-        <p14:creationId xmlns="" xmlns:p14="http://schemas.microsoft.com/office/powerpoint/2010/main" val="1156373279"/>
+        <p14:creationId xmlns:p14="http://schemas.microsoft.com/office/powerpoint/2010/main" val="1156373279"/>
       </p:ext>
     </p:extLst>
   </p:cSld>
@@ -11124,7 +10860,7 @@
           <a:blip r:embed="rId2" cstate="print">
             <a:extLst>
               <a:ext uri="{28A0092B-C50C-407E-A947-70E740481C1C}">
-                <a14:useLocalDpi xmlns="" xmlns:a14="http://schemas.microsoft.com/office/drawing/2010/main" val="0"/>
+                <a14:useLocalDpi xmlns:a14="http://schemas.microsoft.com/office/drawing/2010/main" val="0"/>
               </a:ext>
             </a:extLst>
           </a:blip>
@@ -11216,37 +10952,7 @@
                   </a:schemeClr>
                 </a:solidFill>
               </a:rPr>
-              <a:t>&lt;header&gt; é usado para definir o cabeçalho de uma página ou </a:t>
-            </a:r>
-            <a:r>
-              <a:rPr lang="pt-BR" dirty="0" smtClean="0">
-                <a:solidFill>
-                  <a:schemeClr val="bg1">
-                    <a:lumMod val="75000"/>
-                  </a:schemeClr>
-                </a:solidFill>
-              </a:rPr>
-              <a:t>sessão, e </a:t>
-            </a:r>
-            <a:r>
-              <a:rPr lang="pt-BR" dirty="0" smtClean="0">
-                <a:solidFill>
-                  <a:schemeClr val="bg1">
-                    <a:lumMod val="75000"/>
-                  </a:schemeClr>
-                </a:solidFill>
-              </a:rPr>
-              <a:t>pode conter logo, títulos, menu de navegação, campo de </a:t>
-            </a:r>
-            <a:r>
-              <a:rPr lang="pt-BR" dirty="0" smtClean="0">
-                <a:solidFill>
-                  <a:schemeClr val="bg1">
-                    <a:lumMod val="75000"/>
-                  </a:schemeClr>
-                </a:solidFill>
-              </a:rPr>
-              <a:t>busca, etc.</a:t>
+              <a:t>&lt;header&gt; é usado para definir o cabeçalho de uma página ou sessão, e pode conter logo, títulos, menu de navegação, campo de busca, etc.</a:t>
             </a:r>
           </a:p>
           <a:p>
@@ -11287,67 +10993,7 @@
                   </a:schemeClr>
                 </a:solidFill>
               </a:rPr>
-              <a:t>&gt; serve para agrupar uma lista de links para outras partes do </a:t>
-            </a:r>
-            <a:r>
-              <a:rPr lang="pt-BR" dirty="0" smtClean="0">
-                <a:solidFill>
-                  <a:schemeClr val="bg1">
-                    <a:lumMod val="75000"/>
-                  </a:schemeClr>
-                </a:solidFill>
-              </a:rPr>
-              <a:t>site, seja </a:t>
-            </a:r>
-            <a:r>
-              <a:rPr lang="pt-BR" dirty="0" smtClean="0">
-                <a:solidFill>
-                  <a:schemeClr val="bg1">
-                    <a:lumMod val="75000"/>
-                  </a:schemeClr>
-                </a:solidFill>
-              </a:rPr>
-              <a:t>essa lista de navegação local ou global. Esses blocos de links </a:t>
-            </a:r>
-            <a:r>
-              <a:rPr lang="pt-BR" dirty="0" smtClean="0">
-                <a:solidFill>
-                  <a:schemeClr val="bg1">
-                    <a:lumMod val="75000"/>
-                  </a:schemeClr>
-                </a:solidFill>
-              </a:rPr>
-              <a:t>podem estar </a:t>
-            </a:r>
-            <a:r>
-              <a:rPr lang="pt-BR" dirty="0" smtClean="0">
-                <a:solidFill>
-                  <a:schemeClr val="bg1">
-                    <a:lumMod val="75000"/>
-                  </a:schemeClr>
-                </a:solidFill>
-              </a:rPr>
-              <a:t>em diferentes partes do layout, como no </a:t>
-            </a:r>
-            <a:r>
-              <a:rPr lang="pt-BR" dirty="0" smtClean="0">
-                <a:solidFill>
-                  <a:schemeClr val="bg1">
-                    <a:lumMod val="75000"/>
-                  </a:schemeClr>
-                </a:solidFill>
-              </a:rPr>
-              <a:t>cabeçalho </a:t>
-            </a:r>
-            <a:r>
-              <a:rPr lang="pt-BR" dirty="0" smtClean="0">
-                <a:solidFill>
-                  <a:schemeClr val="bg1">
-                    <a:lumMod val="75000"/>
-                  </a:schemeClr>
-                </a:solidFill>
-              </a:rPr>
-              <a:t>ou no rodapé.</a:t>
+              <a:t>&gt; serve para agrupar uma lista de links para outras partes do site, seja essa lista de navegação local ou global. Esses blocos de links podem estar em diferentes partes do layout, como no cabeçalho ou no rodapé.</a:t>
             </a:r>
             <a:endParaRPr lang="pt-BR" dirty="0">
               <a:solidFill>
@@ -11362,7 +11008,7 @@
     </p:spTree>
     <p:extLst>
       <p:ext uri="{BB962C8B-B14F-4D97-AF65-F5344CB8AC3E}">
-        <p14:creationId xmlns="" xmlns:p14="http://schemas.microsoft.com/office/powerpoint/2010/main" val="1156373279"/>
+        <p14:creationId xmlns:p14="http://schemas.microsoft.com/office/powerpoint/2010/main" val="1156373279"/>
       </p:ext>
     </p:extLst>
   </p:cSld>
@@ -11408,7 +11054,7 @@
           <a:blip r:embed="rId2" cstate="print">
             <a:extLst>
               <a:ext uri="{28A0092B-C50C-407E-A947-70E740481C1C}">
-                <a14:useLocalDpi xmlns="" xmlns:a14="http://schemas.microsoft.com/office/drawing/2010/main" val="0"/>
+                <a14:useLocalDpi xmlns:a14="http://schemas.microsoft.com/office/drawing/2010/main" val="0"/>
               </a:ext>
             </a:extLst>
           </a:blip>
@@ -11515,7 +11161,17 @@
                   </a:schemeClr>
                 </a:solidFill>
               </a:rPr>
-              <a:t>&gt; é o menos </a:t>
+              <a:t>&gt; é o menos específico entre as novas </a:t>
+            </a:r>
+            <a:r>
+              <a:rPr lang="pt-BR" dirty="0" err="1" smtClean="0">
+                <a:solidFill>
+                  <a:schemeClr val="bg1">
+                    <a:lumMod val="75000"/>
+                  </a:schemeClr>
+                </a:solidFill>
+              </a:rPr>
+              <a:t>tags</a:t>
             </a:r>
             <a:r>
               <a:rPr lang="pt-BR" dirty="0" smtClean="0">
@@ -11525,7 +11181,17 @@
                   </a:schemeClr>
                 </a:solidFill>
               </a:rPr>
-              <a:t>específico </a:t>
+              <a:t> do HTML5. A diferença do &lt;</a:t>
+            </a:r>
+            <a:r>
+              <a:rPr lang="pt-BR" dirty="0" err="1" smtClean="0">
+                <a:solidFill>
+                  <a:schemeClr val="bg1">
+                    <a:lumMod val="75000"/>
+                  </a:schemeClr>
+                </a:solidFill>
+              </a:rPr>
+              <a:t>section</a:t>
             </a:r>
             <a:r>
               <a:rPr lang="pt-BR" dirty="0" smtClean="0">
@@ -11535,7 +11201,7 @@
                   </a:schemeClr>
                 </a:solidFill>
               </a:rPr>
-              <a:t>entre as novas </a:t>
+              <a:t>&gt; para um &lt;div&gt; é que o primeiro serve para dividir o conteúdo em diferentes sessões, que podem conter elementos como &lt;header&gt; ou &lt;</a:t>
             </a:r>
             <a:r>
               <a:rPr lang="pt-BR" dirty="0" err="1" smtClean="0">
@@ -11545,7 +11211,7 @@
                   </a:schemeClr>
                 </a:solidFill>
               </a:rPr>
-              <a:t>tags</a:t>
+              <a:t>article</a:t>
             </a:r>
             <a:r>
               <a:rPr lang="pt-BR" dirty="0" smtClean="0">
@@ -11555,127 +11221,7 @@
                   </a:schemeClr>
                 </a:solidFill>
               </a:rPr>
-              <a:t> do HTML5. </a:t>
-            </a:r>
-            <a:r>
-              <a:rPr lang="pt-BR" dirty="0" smtClean="0">
-                <a:solidFill>
-                  <a:schemeClr val="bg1">
-                    <a:lumMod val="75000"/>
-                  </a:schemeClr>
-                </a:solidFill>
-              </a:rPr>
-              <a:t>A diferença </a:t>
-            </a:r>
-            <a:r>
-              <a:rPr lang="pt-BR" dirty="0" smtClean="0">
-                <a:solidFill>
-                  <a:schemeClr val="bg1">
-                    <a:lumMod val="75000"/>
-                  </a:schemeClr>
-                </a:solidFill>
-              </a:rPr>
-              <a:t>do &lt;</a:t>
-            </a:r>
-            <a:r>
-              <a:rPr lang="pt-BR" dirty="0" err="1" smtClean="0">
-                <a:solidFill>
-                  <a:schemeClr val="bg1">
-                    <a:lumMod val="75000"/>
-                  </a:schemeClr>
-                </a:solidFill>
-              </a:rPr>
-              <a:t>section</a:t>
-            </a:r>
-            <a:r>
-              <a:rPr lang="pt-BR" dirty="0" smtClean="0">
-                <a:solidFill>
-                  <a:schemeClr val="bg1">
-                    <a:lumMod val="75000"/>
-                  </a:schemeClr>
-                </a:solidFill>
-              </a:rPr>
-              <a:t>&gt; para um &lt;div&gt; é que o primeiro serve para </a:t>
-            </a:r>
-            <a:r>
-              <a:rPr lang="pt-BR" dirty="0" smtClean="0">
-                <a:solidFill>
-                  <a:schemeClr val="bg1">
-                    <a:lumMod val="75000"/>
-                  </a:schemeClr>
-                </a:solidFill>
-              </a:rPr>
-              <a:t>dividir o </a:t>
-            </a:r>
-            <a:r>
-              <a:rPr lang="pt-BR" dirty="0" smtClean="0">
-                <a:solidFill>
-                  <a:schemeClr val="bg1">
-                    <a:lumMod val="75000"/>
-                  </a:schemeClr>
-                </a:solidFill>
-              </a:rPr>
-              <a:t>conteúdo em diferentes sessões, que podem conter elementos </a:t>
-            </a:r>
-            <a:r>
-              <a:rPr lang="pt-BR" dirty="0" smtClean="0">
-                <a:solidFill>
-                  <a:schemeClr val="bg1">
-                    <a:lumMod val="75000"/>
-                  </a:schemeClr>
-                </a:solidFill>
-              </a:rPr>
-              <a:t>como &lt;header</a:t>
-            </a:r>
-            <a:r>
-              <a:rPr lang="pt-BR" dirty="0" smtClean="0">
-                <a:solidFill>
-                  <a:schemeClr val="bg1">
-                    <a:lumMod val="75000"/>
-                  </a:schemeClr>
-                </a:solidFill>
-              </a:rPr>
-              <a:t>&gt; ou &lt;</a:t>
-            </a:r>
-            <a:r>
-              <a:rPr lang="pt-BR" dirty="0" err="1" smtClean="0">
-                <a:solidFill>
-                  <a:schemeClr val="bg1">
-                    <a:lumMod val="75000"/>
-                  </a:schemeClr>
-                </a:solidFill>
-              </a:rPr>
-              <a:t>article</a:t>
-            </a:r>
-            <a:r>
-              <a:rPr lang="pt-BR" dirty="0" smtClean="0">
-                <a:solidFill>
-                  <a:schemeClr val="bg1">
-                    <a:lumMod val="75000"/>
-                  </a:schemeClr>
-                </a:solidFill>
-              </a:rPr>
-              <a:t>&gt;, enquanto o segundo divide qualquer </a:t>
-            </a:r>
-            <a:r>
-              <a:rPr lang="pt-BR" dirty="0" smtClean="0">
-                <a:solidFill>
-                  <a:schemeClr val="bg1">
-                    <a:lumMod val="75000"/>
-                  </a:schemeClr>
-                </a:solidFill>
-              </a:rPr>
-              <a:t>conteúdo, sem </a:t>
-            </a:r>
-            <a:r>
-              <a:rPr lang="pt-BR" dirty="0" smtClean="0">
-                <a:solidFill>
-                  <a:schemeClr val="bg1">
-                    <a:lumMod val="75000"/>
-                  </a:schemeClr>
-                </a:solidFill>
-              </a:rPr>
-              <a:t>uma finalidade específica.</a:t>
+              <a:t>&gt;, enquanto o segundo divide qualquer conteúdo, sem uma finalidade específica.</a:t>
             </a:r>
             <a:endParaRPr lang="pt-BR" dirty="0">
               <a:solidFill>
@@ -11690,7 +11236,7 @@
     </p:spTree>
     <p:extLst>
       <p:ext uri="{BB962C8B-B14F-4D97-AF65-F5344CB8AC3E}">
-        <p14:creationId xmlns="" xmlns:p14="http://schemas.microsoft.com/office/powerpoint/2010/main" val="1156373279"/>
+        <p14:creationId xmlns:p14="http://schemas.microsoft.com/office/powerpoint/2010/main" val="1156373279"/>
       </p:ext>
     </p:extLst>
   </p:cSld>
@@ -11736,7 +11282,7 @@
           <a:blip r:embed="rId2" cstate="print">
             <a:extLst>
               <a:ext uri="{28A0092B-C50C-407E-A947-70E740481C1C}">
-                <a14:useLocalDpi xmlns="" xmlns:a14="http://schemas.microsoft.com/office/drawing/2010/main" val="0"/>
+                <a14:useLocalDpi xmlns:a14="http://schemas.microsoft.com/office/drawing/2010/main" val="0"/>
               </a:ext>
             </a:extLst>
           </a:blip>
@@ -11840,7 +11386,17 @@
                   </a:schemeClr>
                 </a:solidFill>
               </a:rPr>
-              <a:t>&gt; serve para identificar um conteúdo independente e de </a:t>
+              <a:t>&gt; serve para identificar um conteúdo independente e de maior relevância dentro da página, que pode ser </a:t>
+            </a:r>
+            <a:r>
+              <a:rPr lang="pt-BR" dirty="0" err="1" smtClean="0">
+                <a:solidFill>
+                  <a:schemeClr val="bg1">
+                    <a:lumMod val="75000"/>
+                  </a:schemeClr>
+                </a:solidFill>
+              </a:rPr>
+              <a:t>distribuido</a:t>
             </a:r>
             <a:r>
               <a:rPr lang="pt-BR" dirty="0" smtClean="0">
@@ -11850,7 +11406,17 @@
                   </a:schemeClr>
                 </a:solidFill>
               </a:rPr>
-              <a:t>maior relevância </a:t>
+              <a:t> via </a:t>
+            </a:r>
+            <a:r>
+              <a:rPr lang="pt-BR" dirty="0" err="1" smtClean="0">
+                <a:solidFill>
+                  <a:schemeClr val="bg1">
+                    <a:lumMod val="75000"/>
+                  </a:schemeClr>
+                </a:solidFill>
+              </a:rPr>
+              <a:t>feed</a:t>
             </a:r>
             <a:r>
               <a:rPr lang="pt-BR" dirty="0" smtClean="0">
@@ -11860,7 +11426,7 @@
                   </a:schemeClr>
                 </a:solidFill>
               </a:rPr>
-              <a:t>dentro da página, que pode ser </a:t>
+              <a:t>, como um </a:t>
             </a:r>
             <a:r>
               <a:rPr lang="pt-BR" dirty="0" err="1" smtClean="0">
@@ -11870,7 +11436,7 @@
                   </a:schemeClr>
                 </a:solidFill>
               </a:rPr>
-              <a:t>distribuido</a:t>
+              <a:t>post</a:t>
             </a:r>
             <a:r>
               <a:rPr lang="pt-BR" dirty="0" smtClean="0">
@@ -11880,7 +11446,7 @@
                   </a:schemeClr>
                 </a:solidFill>
               </a:rPr>
-              <a:t> via </a:t>
+              <a:t>, artigo ou bloco de comentários. O elemento &lt;</a:t>
             </a:r>
             <a:r>
               <a:rPr lang="pt-BR" dirty="0" err="1" smtClean="0">
@@ -11890,7 +11456,7 @@
                   </a:schemeClr>
                 </a:solidFill>
               </a:rPr>
-              <a:t>feed</a:t>
+              <a:t>article</a:t>
             </a:r>
             <a:r>
               <a:rPr lang="pt-BR" dirty="0" smtClean="0">
@@ -11900,97 +11466,7 @@
                   </a:schemeClr>
                 </a:solidFill>
               </a:rPr>
-              <a:t>, </a:t>
-            </a:r>
-            <a:r>
-              <a:rPr lang="pt-BR" dirty="0" smtClean="0">
-                <a:solidFill>
-                  <a:schemeClr val="bg1">
-                    <a:lumMod val="75000"/>
-                  </a:schemeClr>
-                </a:solidFill>
-              </a:rPr>
-              <a:t>como um </a:t>
-            </a:r>
-            <a:r>
-              <a:rPr lang="pt-BR" dirty="0" err="1" smtClean="0">
-                <a:solidFill>
-                  <a:schemeClr val="bg1">
-                    <a:lumMod val="75000"/>
-                  </a:schemeClr>
-                </a:solidFill>
-              </a:rPr>
-              <a:t>post</a:t>
-            </a:r>
-            <a:r>
-              <a:rPr lang="pt-BR" dirty="0" smtClean="0">
-                <a:solidFill>
-                  <a:schemeClr val="bg1">
-                    <a:lumMod val="75000"/>
-                  </a:schemeClr>
-                </a:solidFill>
-              </a:rPr>
-              <a:t>, artigo ou bloco de </a:t>
-            </a:r>
-            <a:r>
-              <a:rPr lang="pt-BR" dirty="0" smtClean="0">
-                <a:solidFill>
-                  <a:schemeClr val="bg1">
-                    <a:lumMod val="75000"/>
-                  </a:schemeClr>
-                </a:solidFill>
-              </a:rPr>
-              <a:t>comentários</a:t>
-            </a:r>
-            <a:r>
-              <a:rPr lang="pt-BR" dirty="0" smtClean="0">
-                <a:solidFill>
-                  <a:schemeClr val="bg1">
-                    <a:lumMod val="75000"/>
-                  </a:schemeClr>
-                </a:solidFill>
-              </a:rPr>
-              <a:t>. O elemento &lt;</a:t>
-            </a:r>
-            <a:r>
-              <a:rPr lang="pt-BR" dirty="0" err="1" smtClean="0">
-                <a:solidFill>
-                  <a:schemeClr val="bg1">
-                    <a:lumMod val="75000"/>
-                  </a:schemeClr>
-                </a:solidFill>
-              </a:rPr>
-              <a:t>article</a:t>
-            </a:r>
-            <a:r>
-              <a:rPr lang="pt-BR" dirty="0" smtClean="0">
-                <a:solidFill>
-                  <a:schemeClr val="bg1">
-                    <a:lumMod val="75000"/>
-                  </a:schemeClr>
-                </a:solidFill>
-              </a:rPr>
-              <a:t>&gt; pode </a:t>
-            </a:r>
-            <a:r>
-              <a:rPr lang="pt-BR" dirty="0" smtClean="0">
-                <a:solidFill>
-                  <a:schemeClr val="bg1">
-                    <a:lumMod val="75000"/>
-                  </a:schemeClr>
-                </a:solidFill>
-              </a:rPr>
-              <a:t>conter outros </a:t>
-            </a:r>
-            <a:r>
-              <a:rPr lang="pt-BR" dirty="0" smtClean="0">
-                <a:solidFill>
-                  <a:schemeClr val="bg1">
-                    <a:lumMod val="75000"/>
-                  </a:schemeClr>
-                </a:solidFill>
-              </a:rPr>
-              <a:t>elementos como &lt;header&gt; ou &lt;</a:t>
+              <a:t>&gt; pode conter outros elementos como &lt;header&gt; ou &lt;</a:t>
             </a:r>
             <a:r>
               <a:rPr lang="pt-BR" dirty="0" err="1" smtClean="0">
@@ -12025,7 +11501,7 @@
     </p:spTree>
     <p:extLst>
       <p:ext uri="{BB962C8B-B14F-4D97-AF65-F5344CB8AC3E}">
-        <p14:creationId xmlns="" xmlns:p14="http://schemas.microsoft.com/office/powerpoint/2010/main" val="1156373279"/>
+        <p14:creationId xmlns:p14="http://schemas.microsoft.com/office/powerpoint/2010/main" val="1156373279"/>
       </p:ext>
     </p:extLst>
   </p:cSld>
@@ -12071,7 +11547,7 @@
           <a:blip r:embed="rId2" cstate="print">
             <a:extLst>
               <a:ext uri="{28A0092B-C50C-407E-A947-70E740481C1C}">
-                <a14:useLocalDpi xmlns="" xmlns:a14="http://schemas.microsoft.com/office/drawing/2010/main" val="0"/>
+                <a14:useLocalDpi xmlns:a14="http://schemas.microsoft.com/office/drawing/2010/main" val="0"/>
               </a:ext>
             </a:extLst>
           </a:blip>
@@ -12175,47 +11651,7 @@
                   </a:schemeClr>
                 </a:solidFill>
               </a:rPr>
-              <a:t>&gt; serve para mostrar conteúdos que fazem referência </a:t>
-            </a:r>
-            <a:r>
-              <a:rPr lang="pt-BR" dirty="0" smtClean="0">
-                <a:solidFill>
-                  <a:schemeClr val="bg1">
-                    <a:lumMod val="75000"/>
-                  </a:schemeClr>
-                </a:solidFill>
-              </a:rPr>
-              <a:t>ao conteúdo </a:t>
-            </a:r>
-            <a:r>
-              <a:rPr lang="pt-BR" dirty="0" smtClean="0">
-                <a:solidFill>
-                  <a:schemeClr val="bg1">
-                    <a:lumMod val="75000"/>
-                  </a:schemeClr>
-                </a:solidFill>
-              </a:rPr>
-              <a:t>principal à sua volta, como informações, blocos </a:t>
-            </a:r>
-            <a:r>
-              <a:rPr lang="pt-BR" dirty="0" smtClean="0">
-                <a:solidFill>
-                  <a:schemeClr val="bg1">
-                    <a:lumMod val="75000"/>
-                  </a:schemeClr>
-                </a:solidFill>
-              </a:rPr>
-              <a:t>de navegação </a:t>
-            </a:r>
-            <a:r>
-              <a:rPr lang="pt-BR" dirty="0" smtClean="0">
-                <a:solidFill>
-                  <a:schemeClr val="bg1">
-                    <a:lumMod val="75000"/>
-                  </a:schemeClr>
-                </a:solidFill>
-              </a:rPr>
-              <a:t>ou até mesmo publicidade.</a:t>
+              <a:t>&gt; serve para mostrar conteúdos que fazem referência ao conteúdo principal à sua volta, como informações, blocos de navegação ou até mesmo publicidade.</a:t>
             </a:r>
             <a:endParaRPr lang="pt-BR" dirty="0">
               <a:solidFill>
@@ -12230,7 +11666,7 @@
     </p:spTree>
     <p:extLst>
       <p:ext uri="{BB962C8B-B14F-4D97-AF65-F5344CB8AC3E}">
-        <p14:creationId xmlns="" xmlns:p14="http://schemas.microsoft.com/office/powerpoint/2010/main" val="1156373279"/>
+        <p14:creationId xmlns:p14="http://schemas.microsoft.com/office/powerpoint/2010/main" val="1156373279"/>
       </p:ext>
     </p:extLst>
   </p:cSld>
@@ -12276,7 +11712,7 @@
           <a:blip r:embed="rId2" cstate="print">
             <a:extLst>
               <a:ext uri="{28A0092B-C50C-407E-A947-70E740481C1C}">
-                <a14:useLocalDpi xmlns="" xmlns:a14="http://schemas.microsoft.com/office/drawing/2010/main" val="0"/>
+                <a14:useLocalDpi xmlns:a14="http://schemas.microsoft.com/office/drawing/2010/main" val="0"/>
               </a:ext>
             </a:extLst>
           </a:blip>
@@ -12380,47 +11816,7 @@
                   </a:schemeClr>
                 </a:solidFill>
               </a:rPr>
-              <a:t>&gt; representa o rodapé de um documento ou de uma </a:t>
-            </a:r>
-            <a:r>
-              <a:rPr lang="pt-BR" dirty="0" smtClean="0">
-                <a:solidFill>
-                  <a:schemeClr val="bg1">
-                    <a:lumMod val="75000"/>
-                  </a:schemeClr>
-                </a:solidFill>
-              </a:rPr>
-              <a:t>sessão específica </a:t>
-            </a:r>
-            <a:r>
-              <a:rPr lang="pt-BR" dirty="0" smtClean="0">
-                <a:solidFill>
-                  <a:schemeClr val="bg1">
-                    <a:lumMod val="75000"/>
-                  </a:schemeClr>
-                </a:solidFill>
-              </a:rPr>
-              <a:t>do mesmo, podendo conter informações relacionadas </a:t>
-            </a:r>
-            <a:r>
-              <a:rPr lang="pt-BR" dirty="0" smtClean="0">
-                <a:solidFill>
-                  <a:schemeClr val="bg1">
-                    <a:lumMod val="75000"/>
-                  </a:schemeClr>
-                </a:solidFill>
-              </a:rPr>
-              <a:t>ao autor </a:t>
-            </a:r>
-            <a:r>
-              <a:rPr lang="pt-BR" dirty="0" smtClean="0">
-                <a:solidFill>
-                  <a:schemeClr val="bg1">
-                    <a:lumMod val="75000"/>
-                  </a:schemeClr>
-                </a:solidFill>
-              </a:rPr>
-              <a:t>e ao copyright, blocos de navegação ou links relacionados.</a:t>
+              <a:t>&gt; representa o rodapé de um documento ou de uma sessão específica do mesmo, podendo conter informações relacionadas ao autor e ao copyright, blocos de navegação ou links relacionados.</a:t>
             </a:r>
             <a:endParaRPr lang="pt-BR" dirty="0">
               <a:solidFill>
@@ -12435,7 +11831,7 @@
     </p:spTree>
     <p:extLst>
       <p:ext uri="{BB962C8B-B14F-4D97-AF65-F5344CB8AC3E}">
-        <p14:creationId xmlns="" xmlns:p14="http://schemas.microsoft.com/office/powerpoint/2010/main" val="1156373279"/>
+        <p14:creationId xmlns:p14="http://schemas.microsoft.com/office/powerpoint/2010/main" val="1156373279"/>
       </p:ext>
     </p:extLst>
   </p:cSld>
@@ -12481,7 +11877,7 @@
           <a:blip r:embed="rId2" cstate="print">
             <a:extLst>
               <a:ext uri="{28A0092B-C50C-407E-A947-70E740481C1C}">
-                <a14:useLocalDpi xmlns="" xmlns:a14="http://schemas.microsoft.com/office/drawing/2010/main" val="0"/>
+                <a14:useLocalDpi xmlns:a14="http://schemas.microsoft.com/office/drawing/2010/main" val="0"/>
               </a:ext>
             </a:extLst>
           </a:blip>
@@ -12520,23 +11916,7 @@
                   <a:srgbClr val="AEC908"/>
                 </a:solidFill>
               </a:rPr>
-              <a:t>HTML4</a:t>
-            </a:r>
-            <a:r>
-              <a:rPr lang="pt-BR" dirty="0" smtClean="0">
-                <a:solidFill>
-                  <a:srgbClr val="AEC908"/>
-                </a:solidFill>
-              </a:rPr>
-              <a:t> </a:t>
-            </a:r>
-            <a:r>
-              <a:rPr lang="pt-BR" dirty="0" smtClean="0">
-                <a:solidFill>
-                  <a:srgbClr val="AEC908"/>
-                </a:solidFill>
-              </a:rPr>
-              <a:t>- velha estrutura</a:t>
+              <a:t>HTML4 - velha estrutura</a:t>
             </a:r>
             <a:endParaRPr lang="pt-BR" dirty="0"/>
           </a:p>
@@ -12577,7 +11957,7 @@
     </p:spTree>
     <p:extLst>
       <p:ext uri="{BB962C8B-B14F-4D97-AF65-F5344CB8AC3E}">
-        <p14:creationId xmlns="" xmlns:p14="http://schemas.microsoft.com/office/powerpoint/2010/main" val="1156373279"/>
+        <p14:creationId xmlns:p14="http://schemas.microsoft.com/office/powerpoint/2010/main" val="1156373279"/>
       </p:ext>
     </p:extLst>
   </p:cSld>
@@ -12623,7 +12003,7 @@
           <a:blip r:embed="rId2" cstate="print">
             <a:extLst>
               <a:ext uri="{28A0092B-C50C-407E-A947-70E740481C1C}">
-                <a14:useLocalDpi xmlns="" xmlns:a14="http://schemas.microsoft.com/office/drawing/2010/main" val="0"/>
+                <a14:useLocalDpi xmlns:a14="http://schemas.microsoft.com/office/drawing/2010/main" val="0"/>
               </a:ext>
             </a:extLst>
           </a:blip>
@@ -12703,7 +12083,7 @@
     </p:spTree>
     <p:extLst>
       <p:ext uri="{BB962C8B-B14F-4D97-AF65-F5344CB8AC3E}">
-        <p14:creationId xmlns="" xmlns:p14="http://schemas.microsoft.com/office/powerpoint/2010/main" val="1156373279"/>
+        <p14:creationId xmlns:p14="http://schemas.microsoft.com/office/powerpoint/2010/main" val="1156373279"/>
       </p:ext>
     </p:extLst>
   </p:cSld>
@@ -12749,7 +12129,7 @@
           <a:blip r:embed="rId2" cstate="print">
             <a:extLst>
               <a:ext uri="{28A0092B-C50C-407E-A947-70E740481C1C}">
-                <a14:useLocalDpi xmlns="" xmlns:a14="http://schemas.microsoft.com/office/drawing/2010/main" val="0"/>
+                <a14:useLocalDpi xmlns:a14="http://schemas.microsoft.com/office/drawing/2010/main" val="0"/>
               </a:ext>
             </a:extLst>
           </a:blip>
@@ -12835,17 +12215,7 @@
                   </a:schemeClr>
                 </a:solidFill>
               </a:rPr>
-              <a:t>N</a:t>
-            </a:r>
-            <a:r>
-              <a:rPr lang="pt-BR" dirty="0" err="1" smtClean="0">
-                <a:solidFill>
-                  <a:schemeClr val="bg1">
-                    <a:lumMod val="75000"/>
-                  </a:schemeClr>
-                </a:solidFill>
-              </a:rPr>
-              <a:t>etbeans</a:t>
+              <a:t>Netbeans</a:t>
             </a:r>
             <a:r>
               <a:rPr lang="pt-BR" dirty="0" smtClean="0">
@@ -12875,7 +12245,7 @@
     </p:spTree>
     <p:extLst>
       <p:ext uri="{BB962C8B-B14F-4D97-AF65-F5344CB8AC3E}">
-        <p14:creationId xmlns="" xmlns:p14="http://schemas.microsoft.com/office/powerpoint/2010/main" val="1156373279"/>
+        <p14:creationId xmlns:p14="http://schemas.microsoft.com/office/powerpoint/2010/main" val="1156373279"/>
       </p:ext>
     </p:extLst>
   </p:cSld>
@@ -12921,7 +12291,7 @@
           <a:blip r:embed="rId2" cstate="print">
             <a:extLst>
               <a:ext uri="{28A0092B-C50C-407E-A947-70E740481C1C}">
-                <a14:useLocalDpi xmlns="" xmlns:a14="http://schemas.microsoft.com/office/drawing/2010/main" val="0"/>
+                <a14:useLocalDpi xmlns:a14="http://schemas.microsoft.com/office/drawing/2010/main" val="0"/>
               </a:ext>
             </a:extLst>
           </a:blip>
@@ -13025,7 +12395,7 @@
           <a:blip r:embed="rId3" cstate="print">
             <a:extLst>
               <a:ext uri="{28A0092B-C50C-407E-A947-70E740481C1C}">
-                <a14:useLocalDpi xmlns="" xmlns:a14="http://schemas.microsoft.com/office/drawing/2010/main" val="0"/>
+                <a14:useLocalDpi xmlns:a14="http://schemas.microsoft.com/office/drawing/2010/main" val="0"/>
               </a:ext>
             </a:extLst>
           </a:blip>
@@ -13036,8 +12406,8 @@
         </p:blipFill>
         <p:spPr bwMode="auto">
           <a:xfrm>
-            <a:off x="1259632" y="2852936"/>
-            <a:ext cx="7021323" cy="1892424"/>
+            <a:off x="716347" y="2852936"/>
+            <a:ext cx="7747815" cy="2088232"/>
           </a:xfrm>
           <a:prstGeom prst="rect">
             <a:avLst/>
@@ -13049,14 +12419,14 @@
           <a:effectLst/>
           <a:extLst>
             <a:ext uri="{909E8E84-426E-40DD-AFC4-6F175D3DCCD1}">
-              <a14:hiddenFill xmlns="" xmlns:a14="http://schemas.microsoft.com/office/drawing/2010/main">
+              <a14:hiddenFill xmlns:a14="http://schemas.microsoft.com/office/drawing/2010/main">
                 <a:solidFill>
                   <a:schemeClr val="accent1"/>
                 </a:solidFill>
               </a14:hiddenFill>
             </a:ext>
             <a:ext uri="{91240B29-F687-4F45-9708-019B960494DF}">
-              <a14:hiddenLine xmlns="" xmlns:a14="http://schemas.microsoft.com/office/drawing/2010/main" w="9525">
+              <a14:hiddenLine xmlns:a14="http://schemas.microsoft.com/office/drawing/2010/main" w="9525">
                 <a:solidFill>
                   <a:schemeClr val="tx1"/>
                 </a:solidFill>
@@ -13066,7 +12436,7 @@
               </a14:hiddenLine>
             </a:ext>
             <a:ext uri="{AF507438-7753-43E0-B8FC-AC1667EBCBE1}">
-              <a14:hiddenEffects xmlns="" xmlns:a14="http://schemas.microsoft.com/office/drawing/2010/main">
+              <a14:hiddenEffects xmlns:a14="http://schemas.microsoft.com/office/drawing/2010/main">
                 <a:effectLst>
                   <a:outerShdw dist="35921" dir="2700000" algn="ctr" rotWithShape="0">
                     <a:schemeClr val="bg2"/>
@@ -13080,7 +12450,7 @@
     </p:spTree>
     <p:extLst>
       <p:ext uri="{BB962C8B-B14F-4D97-AF65-F5344CB8AC3E}">
-        <p14:creationId xmlns="" xmlns:p14="http://schemas.microsoft.com/office/powerpoint/2010/main" val="4060812770"/>
+        <p14:creationId xmlns:p14="http://schemas.microsoft.com/office/powerpoint/2010/main" val="4060812770"/>
       </p:ext>
     </p:extLst>
   </p:cSld>
@@ -13126,7 +12496,7 @@
           <a:blip r:embed="rId2" cstate="print">
             <a:extLst>
               <a:ext uri="{28A0092B-C50C-407E-A947-70E740481C1C}">
-                <a14:useLocalDpi xmlns="" xmlns:a14="http://schemas.microsoft.com/office/drawing/2010/main" val="0"/>
+                <a14:useLocalDpi xmlns:a14="http://schemas.microsoft.com/office/drawing/2010/main" val="0"/>
               </a:ext>
             </a:extLst>
           </a:blip>
@@ -13343,7 +12713,7 @@
     </p:spTree>
     <p:extLst>
       <p:ext uri="{BB962C8B-B14F-4D97-AF65-F5344CB8AC3E}">
-        <p14:creationId xmlns="" xmlns:p14="http://schemas.microsoft.com/office/powerpoint/2010/main" val="1156373279"/>
+        <p14:creationId xmlns:p14="http://schemas.microsoft.com/office/powerpoint/2010/main" val="1156373279"/>
       </p:ext>
     </p:extLst>
   </p:cSld>
@@ -13389,7 +12759,7 @@
           <a:blip r:embed="rId2" cstate="print">
             <a:extLst>
               <a:ext uri="{28A0092B-C50C-407E-A947-70E740481C1C}">
-                <a14:useLocalDpi xmlns="" xmlns:a14="http://schemas.microsoft.com/office/drawing/2010/main" val="0"/>
+                <a14:useLocalDpi xmlns:a14="http://schemas.microsoft.com/office/drawing/2010/main" val="0"/>
               </a:ext>
             </a:extLst>
           </a:blip>
@@ -13455,7 +12825,7 @@
         <p:spPr/>
         <p:txBody>
           <a:bodyPr>
-            <a:normAutofit fontScale="92500" lnSpcReduction="20000"/>
+            <a:normAutofit fontScale="77500" lnSpcReduction="20000"/>
           </a:bodyPr>
           <a:lstStyle/>
           <a:p>
@@ -13467,7 +12837,48 @@
                   </a:schemeClr>
                 </a:solidFill>
               </a:rPr>
-              <a:t>http://</a:t>
+              <a:t>http://thejakegroup.com/blog/search-engine-optimization</a:t>
+            </a:r>
+            <a:r>
+              <a:rPr lang="pt-BR" dirty="0" smtClean="0">
+                <a:solidFill>
+                  <a:schemeClr val="bg1">
+                    <a:lumMod val="85000"/>
+                  </a:schemeClr>
+                </a:solidFill>
+              </a:rPr>
+              <a:t>/</a:t>
+            </a:r>
+          </a:p>
+          <a:p>
+            <a:endParaRPr lang="pt-BR" dirty="0">
+              <a:solidFill>
+                <a:schemeClr val="bg1">
+                  <a:lumMod val="85000"/>
+                </a:schemeClr>
+              </a:solidFill>
+            </a:endParaRPr>
+          </a:p>
+          <a:p>
+            <a:r>
+              <a:rPr lang="pt-BR" dirty="0" smtClean="0">
+                <a:solidFill>
+                  <a:schemeClr val="bg1">
+                    <a:lumMod val="85000"/>
+                  </a:schemeClr>
+                </a:solidFill>
+              </a:rPr>
+              <a:t>http</a:t>
+            </a:r>
+            <a:r>
+              <a:rPr lang="pt-BR" dirty="0">
+                <a:solidFill>
+                  <a:schemeClr val="bg1">
+                    <a:lumMod val="85000"/>
+                  </a:schemeClr>
+                </a:solidFill>
+              </a:rPr>
+              <a:t>://</a:t>
             </a:r>
             <a:r>
               <a:rPr lang="pt-BR" dirty="0" smtClean="0">
@@ -13498,17 +12909,7 @@
                   </a:schemeClr>
                 </a:solidFill>
               </a:rPr>
-              <a:t>http://tableless.com.br/afinal-o-que-muda-com-o-html-5</a:t>
-            </a:r>
-            <a:r>
-              <a:rPr lang="pt-BR" dirty="0" smtClean="0">
-                <a:solidFill>
-                  <a:schemeClr val="bg1">
-                    <a:lumMod val="85000"/>
-                  </a:schemeClr>
-                </a:solidFill>
-              </a:rPr>
-              <a:t>/</a:t>
+              <a:t>http://tableless.com.br/afinal-o-que-muda-com-o-html-5/</a:t>
             </a:r>
           </a:p>
           <a:p>
@@ -13529,17 +12930,7 @@
                   </a:schemeClr>
                 </a:solidFill>
               </a:rPr>
-              <a:t>http://www.uxdesign.blog.br/arquitetura-de-informacao/html-outline</a:t>
-            </a:r>
-            <a:r>
-              <a:rPr lang="pt-BR" dirty="0" smtClean="0">
-                <a:solidFill>
-                  <a:schemeClr val="bg1">
-                    <a:lumMod val="85000"/>
-                  </a:schemeClr>
-                </a:solidFill>
-              </a:rPr>
-              <a:t>/</a:t>
+              <a:t>http://www.uxdesign.blog.br/arquitetura-de-informacao/html-outline/</a:t>
             </a:r>
           </a:p>
           <a:p>
@@ -13575,7 +12966,7 @@
     </p:spTree>
     <p:extLst>
       <p:ext uri="{BB962C8B-B14F-4D97-AF65-F5344CB8AC3E}">
-        <p14:creationId xmlns="" xmlns:p14="http://schemas.microsoft.com/office/powerpoint/2010/main" val="1981461259"/>
+        <p14:creationId xmlns:p14="http://schemas.microsoft.com/office/powerpoint/2010/main" val="1981461259"/>
       </p:ext>
     </p:extLst>
   </p:cSld>
@@ -13621,7 +13012,7 @@
           <a:blip r:embed="rId2" cstate="print">
             <a:extLst>
               <a:ext uri="{28A0092B-C50C-407E-A947-70E740481C1C}">
-                <a14:useLocalDpi xmlns="" xmlns:a14="http://schemas.microsoft.com/office/drawing/2010/main" val="0"/>
+                <a14:useLocalDpi xmlns:a14="http://schemas.microsoft.com/office/drawing/2010/main" val="0"/>
               </a:ext>
             </a:extLst>
           </a:blip>
@@ -13789,7 +13180,7 @@
     </p:spTree>
     <p:extLst>
       <p:ext uri="{BB962C8B-B14F-4D97-AF65-F5344CB8AC3E}">
-        <p14:creationId xmlns="" xmlns:p14="http://schemas.microsoft.com/office/powerpoint/2010/main" val="1156373279"/>
+        <p14:creationId xmlns:p14="http://schemas.microsoft.com/office/powerpoint/2010/main" val="1156373279"/>
       </p:ext>
     </p:extLst>
   </p:cSld>
@@ -13835,7 +13226,7 @@
           <a:blip r:embed="rId2" cstate="print">
             <a:extLst>
               <a:ext uri="{28A0092B-C50C-407E-A947-70E740481C1C}">
-                <a14:useLocalDpi xmlns="" xmlns:a14="http://schemas.microsoft.com/office/drawing/2010/main" val="0"/>
+                <a14:useLocalDpi xmlns:a14="http://schemas.microsoft.com/office/drawing/2010/main" val="0"/>
               </a:ext>
             </a:extLst>
           </a:blip>
@@ -13975,7 +13366,7 @@
     </p:spTree>
     <p:extLst>
       <p:ext uri="{BB962C8B-B14F-4D97-AF65-F5344CB8AC3E}">
-        <p14:creationId xmlns="" xmlns:p14="http://schemas.microsoft.com/office/powerpoint/2010/main" val="4060812770"/>
+        <p14:creationId xmlns:p14="http://schemas.microsoft.com/office/powerpoint/2010/main" val="4060812770"/>
       </p:ext>
     </p:extLst>
   </p:cSld>
@@ -14021,7 +13412,7 @@
           <a:blip r:embed="rId2" cstate="print">
             <a:extLst>
               <a:ext uri="{28A0092B-C50C-407E-A947-70E740481C1C}">
-                <a14:useLocalDpi xmlns="" xmlns:a14="http://schemas.microsoft.com/office/drawing/2010/main" val="0"/>
+                <a14:useLocalDpi xmlns:a14="http://schemas.microsoft.com/office/drawing/2010/main" val="0"/>
               </a:ext>
             </a:extLst>
           </a:blip>
@@ -14159,7 +13550,7 @@
     </p:spTree>
     <p:extLst>
       <p:ext uri="{BB962C8B-B14F-4D97-AF65-F5344CB8AC3E}">
-        <p14:creationId xmlns="" xmlns:p14="http://schemas.microsoft.com/office/powerpoint/2010/main" val="4060812770"/>
+        <p14:creationId xmlns:p14="http://schemas.microsoft.com/office/powerpoint/2010/main" val="4060812770"/>
       </p:ext>
     </p:extLst>
   </p:cSld>
@@ -14205,7 +13596,7 @@
           <a:blip r:embed="rId2" cstate="print">
             <a:extLst>
               <a:ext uri="{28A0092B-C50C-407E-A947-70E740481C1C}">
-                <a14:useLocalDpi xmlns="" xmlns:a14="http://schemas.microsoft.com/office/drawing/2010/main" val="0"/>
+                <a14:useLocalDpi xmlns:a14="http://schemas.microsoft.com/office/drawing/2010/main" val="0"/>
               </a:ext>
             </a:extLst>
           </a:blip>
@@ -14339,7 +13730,7 @@
           <a:blip r:embed="rId3" cstate="print">
             <a:extLst>
               <a:ext uri="{28A0092B-C50C-407E-A947-70E740481C1C}">
-                <a14:useLocalDpi xmlns="" xmlns:a14="http://schemas.microsoft.com/office/drawing/2010/main" val="0"/>
+                <a14:useLocalDpi xmlns:a14="http://schemas.microsoft.com/office/drawing/2010/main" val="0"/>
               </a:ext>
             </a:extLst>
           </a:blip>
@@ -14363,14 +13754,14 @@
           <a:effectLst/>
           <a:extLst>
             <a:ext uri="{909E8E84-426E-40DD-AFC4-6F175D3DCCD1}">
-              <a14:hiddenFill xmlns="" xmlns:a14="http://schemas.microsoft.com/office/drawing/2010/main">
+              <a14:hiddenFill xmlns:a14="http://schemas.microsoft.com/office/drawing/2010/main">
                 <a:solidFill>
                   <a:schemeClr val="accent1"/>
                 </a:solidFill>
               </a14:hiddenFill>
             </a:ext>
             <a:ext uri="{91240B29-F687-4F45-9708-019B960494DF}">
-              <a14:hiddenLine xmlns="" xmlns:a14="http://schemas.microsoft.com/office/drawing/2010/main" w="9525">
+              <a14:hiddenLine xmlns:a14="http://schemas.microsoft.com/office/drawing/2010/main" w="9525">
                 <a:solidFill>
                   <a:schemeClr val="tx1"/>
                 </a:solidFill>
@@ -14380,7 +13771,7 @@
               </a14:hiddenLine>
             </a:ext>
             <a:ext uri="{AF507438-7753-43E0-B8FC-AC1667EBCBE1}">
-              <a14:hiddenEffects xmlns="" xmlns:a14="http://schemas.microsoft.com/office/drawing/2010/main">
+              <a14:hiddenEffects xmlns:a14="http://schemas.microsoft.com/office/drawing/2010/main">
                 <a:effectLst>
                   <a:outerShdw dist="35921" dir="2700000" algn="ctr" rotWithShape="0">
                     <a:schemeClr val="bg2"/>
@@ -14403,7 +13794,7 @@
           <a:blip r:embed="rId4" cstate="print">
             <a:extLst>
               <a:ext uri="{28A0092B-C50C-407E-A947-70E740481C1C}">
-                <a14:useLocalDpi xmlns="" xmlns:a14="http://schemas.microsoft.com/office/drawing/2010/main" val="0"/>
+                <a14:useLocalDpi xmlns:a14="http://schemas.microsoft.com/office/drawing/2010/main" val="0"/>
               </a:ext>
             </a:extLst>
           </a:blip>
@@ -14427,14 +13818,14 @@
           <a:effectLst/>
           <a:extLst>
             <a:ext uri="{909E8E84-426E-40DD-AFC4-6F175D3DCCD1}">
-              <a14:hiddenFill xmlns="" xmlns:a14="http://schemas.microsoft.com/office/drawing/2010/main">
+              <a14:hiddenFill xmlns:a14="http://schemas.microsoft.com/office/drawing/2010/main">
                 <a:solidFill>
                   <a:schemeClr val="accent1"/>
                 </a:solidFill>
               </a14:hiddenFill>
             </a:ext>
             <a:ext uri="{91240B29-F687-4F45-9708-019B960494DF}">
-              <a14:hiddenLine xmlns="" xmlns:a14="http://schemas.microsoft.com/office/drawing/2010/main" w="9525">
+              <a14:hiddenLine xmlns:a14="http://schemas.microsoft.com/office/drawing/2010/main" w="9525">
                 <a:solidFill>
                   <a:schemeClr val="tx1"/>
                 </a:solidFill>
@@ -14444,7 +13835,7 @@
               </a14:hiddenLine>
             </a:ext>
             <a:ext uri="{AF507438-7753-43E0-B8FC-AC1667EBCBE1}">
-              <a14:hiddenEffects xmlns="" xmlns:a14="http://schemas.microsoft.com/office/drawing/2010/main">
+              <a14:hiddenEffects xmlns:a14="http://schemas.microsoft.com/office/drawing/2010/main">
                 <a:effectLst>
                   <a:outerShdw dist="35921" dir="2700000" algn="ctr" rotWithShape="0">
                     <a:schemeClr val="bg2"/>
@@ -14458,7 +13849,7 @@
     </p:spTree>
     <p:extLst>
       <p:ext uri="{BB962C8B-B14F-4D97-AF65-F5344CB8AC3E}">
-        <p14:creationId xmlns="" xmlns:p14="http://schemas.microsoft.com/office/powerpoint/2010/main" val="4060812770"/>
+        <p14:creationId xmlns:p14="http://schemas.microsoft.com/office/powerpoint/2010/main" val="4060812770"/>
       </p:ext>
     </p:extLst>
   </p:cSld>
@@ -14504,7 +13895,7 @@
           <a:blip r:embed="rId2" cstate="print">
             <a:extLst>
               <a:ext uri="{28A0092B-C50C-407E-A947-70E740481C1C}">
-                <a14:useLocalDpi xmlns="" xmlns:a14="http://schemas.microsoft.com/office/drawing/2010/main" val="0"/>
+                <a14:useLocalDpi xmlns:a14="http://schemas.microsoft.com/office/drawing/2010/main" val="0"/>
               </a:ext>
             </a:extLst>
           </a:blip>
@@ -14641,7 +14032,7 @@
           <a:blip r:embed="rId3" cstate="print">
             <a:extLst>
               <a:ext uri="{28A0092B-C50C-407E-A947-70E740481C1C}">
-                <a14:useLocalDpi xmlns="" xmlns:a14="http://schemas.microsoft.com/office/drawing/2010/main" val="0"/>
+                <a14:useLocalDpi xmlns:a14="http://schemas.microsoft.com/office/drawing/2010/main" val="0"/>
               </a:ext>
             </a:extLst>
           </a:blip>
@@ -14665,14 +14056,14 @@
           <a:effectLst/>
           <a:extLst>
             <a:ext uri="{909E8E84-426E-40DD-AFC4-6F175D3DCCD1}">
-              <a14:hiddenFill xmlns="" xmlns:a14="http://schemas.microsoft.com/office/drawing/2010/main">
+              <a14:hiddenFill xmlns:a14="http://schemas.microsoft.com/office/drawing/2010/main">
                 <a:solidFill>
                   <a:schemeClr val="accent1"/>
                 </a:solidFill>
               </a14:hiddenFill>
             </a:ext>
             <a:ext uri="{91240B29-F687-4F45-9708-019B960494DF}">
-              <a14:hiddenLine xmlns="" xmlns:a14="http://schemas.microsoft.com/office/drawing/2010/main" w="9525">
+              <a14:hiddenLine xmlns:a14="http://schemas.microsoft.com/office/drawing/2010/main" w="9525">
                 <a:solidFill>
                   <a:schemeClr val="tx1"/>
                 </a:solidFill>
@@ -14682,7 +14073,7 @@
               </a14:hiddenLine>
             </a:ext>
             <a:ext uri="{AF507438-7753-43E0-B8FC-AC1667EBCBE1}">
-              <a14:hiddenEffects xmlns="" xmlns:a14="http://schemas.microsoft.com/office/drawing/2010/main">
+              <a14:hiddenEffects xmlns:a14="http://schemas.microsoft.com/office/drawing/2010/main">
                 <a:effectLst>
                   <a:outerShdw dist="35921" dir="2700000" algn="ctr" rotWithShape="0">
                     <a:schemeClr val="bg2"/>
@@ -14705,7 +14096,7 @@
           <a:blip r:embed="rId4" cstate="print">
             <a:extLst>
               <a:ext uri="{28A0092B-C50C-407E-A947-70E740481C1C}">
-                <a14:useLocalDpi xmlns="" xmlns:a14="http://schemas.microsoft.com/office/drawing/2010/main" val="0"/>
+                <a14:useLocalDpi xmlns:a14="http://schemas.microsoft.com/office/drawing/2010/main" val="0"/>
               </a:ext>
             </a:extLst>
           </a:blip>
@@ -14729,14 +14120,14 @@
           <a:effectLst/>
           <a:extLst>
             <a:ext uri="{909E8E84-426E-40DD-AFC4-6F175D3DCCD1}">
-              <a14:hiddenFill xmlns="" xmlns:a14="http://schemas.microsoft.com/office/drawing/2010/main">
+              <a14:hiddenFill xmlns:a14="http://schemas.microsoft.com/office/drawing/2010/main">
                 <a:solidFill>
                   <a:schemeClr val="accent1"/>
                 </a:solidFill>
               </a14:hiddenFill>
             </a:ext>
             <a:ext uri="{91240B29-F687-4F45-9708-019B960494DF}">
-              <a14:hiddenLine xmlns="" xmlns:a14="http://schemas.microsoft.com/office/drawing/2010/main" w="9525">
+              <a14:hiddenLine xmlns:a14="http://schemas.microsoft.com/office/drawing/2010/main" w="9525">
                 <a:solidFill>
                   <a:schemeClr val="tx1"/>
                 </a:solidFill>
@@ -14746,7 +14137,7 @@
               </a14:hiddenLine>
             </a:ext>
             <a:ext uri="{AF507438-7753-43E0-B8FC-AC1667EBCBE1}">
-              <a14:hiddenEffects xmlns="" xmlns:a14="http://schemas.microsoft.com/office/drawing/2010/main">
+              <a14:hiddenEffects xmlns:a14="http://schemas.microsoft.com/office/drawing/2010/main">
                 <a:effectLst>
                   <a:outerShdw dist="35921" dir="2700000" algn="ctr" rotWithShape="0">
                     <a:schemeClr val="bg2"/>
@@ -14760,7 +14151,7 @@
     </p:spTree>
     <p:extLst>
       <p:ext uri="{BB962C8B-B14F-4D97-AF65-F5344CB8AC3E}">
-        <p14:creationId xmlns="" xmlns:p14="http://schemas.microsoft.com/office/powerpoint/2010/main" val="4060812770"/>
+        <p14:creationId xmlns:p14="http://schemas.microsoft.com/office/powerpoint/2010/main" val="4060812770"/>
       </p:ext>
     </p:extLst>
   </p:cSld>

--- a/_Presentation/apresentacao.pptx
+++ b/_Presentation/apresentacao.pptx
@@ -57,6 +57,7 @@
     <p:sldId id="290" r:id="rId51"/>
     <p:sldId id="291" r:id="rId52"/>
     <p:sldId id="305" r:id="rId53"/>
+    <p:sldId id="308" r:id="rId54"/>
   </p:sldIdLst>
   <p:sldSz cx="9144000" cy="6858000" type="screen4x3"/>
   <p:notesSz cx="6858000" cy="9144000"/>
@@ -340,7 +341,7 @@
             <a:fld id="{42D09E55-3BF8-45D5-80BD-5A745629D33A}" type="datetimeFigureOut">
               <a:rPr lang="pt-BR" smtClean="0"/>
               <a:pPr/>
-              <a:t>25/10/2015</a:t>
+              <a:t>28/10/2015</a:t>
             </a:fld>
             <a:endParaRPr lang="pt-BR"/>
           </a:p>
@@ -383,7 +384,7 @@
             <a:fld id="{E650F5AF-5A7A-4DEE-952A-AB5DF242B9CD}" type="slidenum">
               <a:rPr lang="pt-BR" smtClean="0"/>
               <a:pPr/>
-              <a:t>‹#›</a:t>
+              <a:t>‹nº›</a:t>
             </a:fld>
             <a:endParaRPr lang="pt-BR"/>
           </a:p>
@@ -392,7 +393,7 @@
     </p:spTree>
     <p:extLst>
       <p:ext uri="{BB962C8B-B14F-4D97-AF65-F5344CB8AC3E}">
-        <p14:creationId xmlns:p14="http://schemas.microsoft.com/office/powerpoint/2010/main" val="1871700233"/>
+        <p14:creationId xmlns:p14="http://schemas.microsoft.com/office/powerpoint/2010/main" xmlns="" val="1871700233"/>
       </p:ext>
     </p:extLst>
   </p:cSld>
@@ -512,7 +513,7 @@
             <a:fld id="{42D09E55-3BF8-45D5-80BD-5A745629D33A}" type="datetimeFigureOut">
               <a:rPr lang="pt-BR" smtClean="0"/>
               <a:pPr/>
-              <a:t>25/10/2015</a:t>
+              <a:t>28/10/2015</a:t>
             </a:fld>
             <a:endParaRPr lang="pt-BR"/>
           </a:p>
@@ -555,7 +556,7 @@
             <a:fld id="{E650F5AF-5A7A-4DEE-952A-AB5DF242B9CD}" type="slidenum">
               <a:rPr lang="pt-BR" smtClean="0"/>
               <a:pPr/>
-              <a:t>‹#›</a:t>
+              <a:t>‹nº›</a:t>
             </a:fld>
             <a:endParaRPr lang="pt-BR"/>
           </a:p>
@@ -564,7 +565,7 @@
     </p:spTree>
     <p:extLst>
       <p:ext uri="{BB962C8B-B14F-4D97-AF65-F5344CB8AC3E}">
-        <p14:creationId xmlns:p14="http://schemas.microsoft.com/office/powerpoint/2010/main" val="3922913854"/>
+        <p14:creationId xmlns:p14="http://schemas.microsoft.com/office/powerpoint/2010/main" xmlns="" val="3922913854"/>
       </p:ext>
     </p:extLst>
   </p:cSld>
@@ -694,7 +695,7 @@
             <a:fld id="{42D09E55-3BF8-45D5-80BD-5A745629D33A}" type="datetimeFigureOut">
               <a:rPr lang="pt-BR" smtClean="0"/>
               <a:pPr/>
-              <a:t>25/10/2015</a:t>
+              <a:t>28/10/2015</a:t>
             </a:fld>
             <a:endParaRPr lang="pt-BR"/>
           </a:p>
@@ -737,7 +738,7 @@
             <a:fld id="{E650F5AF-5A7A-4DEE-952A-AB5DF242B9CD}" type="slidenum">
               <a:rPr lang="pt-BR" smtClean="0"/>
               <a:pPr/>
-              <a:t>‹#›</a:t>
+              <a:t>‹nº›</a:t>
             </a:fld>
             <a:endParaRPr lang="pt-BR"/>
           </a:p>
@@ -746,7 +747,7 @@
     </p:spTree>
     <p:extLst>
       <p:ext uri="{BB962C8B-B14F-4D97-AF65-F5344CB8AC3E}">
-        <p14:creationId xmlns:p14="http://schemas.microsoft.com/office/powerpoint/2010/main" val="2432475685"/>
+        <p14:creationId xmlns:p14="http://schemas.microsoft.com/office/powerpoint/2010/main" xmlns="" val="2432475685"/>
       </p:ext>
     </p:extLst>
   </p:cSld>
@@ -866,7 +867,7 @@
             <a:fld id="{42D09E55-3BF8-45D5-80BD-5A745629D33A}" type="datetimeFigureOut">
               <a:rPr lang="pt-BR" smtClean="0"/>
               <a:pPr/>
-              <a:t>25/10/2015</a:t>
+              <a:t>28/10/2015</a:t>
             </a:fld>
             <a:endParaRPr lang="pt-BR"/>
           </a:p>
@@ -909,7 +910,7 @@
             <a:fld id="{E650F5AF-5A7A-4DEE-952A-AB5DF242B9CD}" type="slidenum">
               <a:rPr lang="pt-BR" smtClean="0"/>
               <a:pPr/>
-              <a:t>‹#›</a:t>
+              <a:t>‹nº›</a:t>
             </a:fld>
             <a:endParaRPr lang="pt-BR"/>
           </a:p>
@@ -918,7 +919,7 @@
     </p:spTree>
     <p:extLst>
       <p:ext uri="{BB962C8B-B14F-4D97-AF65-F5344CB8AC3E}">
-        <p14:creationId xmlns:p14="http://schemas.microsoft.com/office/powerpoint/2010/main" val="2071654542"/>
+        <p14:creationId xmlns:p14="http://schemas.microsoft.com/office/powerpoint/2010/main" xmlns="" val="2071654542"/>
       </p:ext>
     </p:extLst>
   </p:cSld>
@@ -1114,7 +1115,7 @@
             <a:fld id="{42D09E55-3BF8-45D5-80BD-5A745629D33A}" type="datetimeFigureOut">
               <a:rPr lang="pt-BR" smtClean="0"/>
               <a:pPr/>
-              <a:t>25/10/2015</a:t>
+              <a:t>28/10/2015</a:t>
             </a:fld>
             <a:endParaRPr lang="pt-BR"/>
           </a:p>
@@ -1157,7 +1158,7 @@
             <a:fld id="{E650F5AF-5A7A-4DEE-952A-AB5DF242B9CD}" type="slidenum">
               <a:rPr lang="pt-BR" smtClean="0"/>
               <a:pPr/>
-              <a:t>‹#›</a:t>
+              <a:t>‹nº›</a:t>
             </a:fld>
             <a:endParaRPr lang="pt-BR"/>
           </a:p>
@@ -1166,7 +1167,7 @@
     </p:spTree>
     <p:extLst>
       <p:ext uri="{BB962C8B-B14F-4D97-AF65-F5344CB8AC3E}">
-        <p14:creationId xmlns:p14="http://schemas.microsoft.com/office/powerpoint/2010/main" val="236866593"/>
+        <p14:creationId xmlns:p14="http://schemas.microsoft.com/office/powerpoint/2010/main" xmlns="" val="236866593"/>
       </p:ext>
     </p:extLst>
   </p:cSld>
@@ -1404,7 +1405,7 @@
             <a:fld id="{42D09E55-3BF8-45D5-80BD-5A745629D33A}" type="datetimeFigureOut">
               <a:rPr lang="pt-BR" smtClean="0"/>
               <a:pPr/>
-              <a:t>25/10/2015</a:t>
+              <a:t>28/10/2015</a:t>
             </a:fld>
             <a:endParaRPr lang="pt-BR"/>
           </a:p>
@@ -1447,7 +1448,7 @@
             <a:fld id="{E650F5AF-5A7A-4DEE-952A-AB5DF242B9CD}" type="slidenum">
               <a:rPr lang="pt-BR" smtClean="0"/>
               <a:pPr/>
-              <a:t>‹#›</a:t>
+              <a:t>‹nº›</a:t>
             </a:fld>
             <a:endParaRPr lang="pt-BR"/>
           </a:p>
@@ -1456,7 +1457,7 @@
     </p:spTree>
     <p:extLst>
       <p:ext uri="{BB962C8B-B14F-4D97-AF65-F5344CB8AC3E}">
-        <p14:creationId xmlns:p14="http://schemas.microsoft.com/office/powerpoint/2010/main" val="220780165"/>
+        <p14:creationId xmlns:p14="http://schemas.microsoft.com/office/powerpoint/2010/main" xmlns="" val="220780165"/>
       </p:ext>
     </p:extLst>
   </p:cSld>
@@ -1828,7 +1829,7 @@
             <a:fld id="{42D09E55-3BF8-45D5-80BD-5A745629D33A}" type="datetimeFigureOut">
               <a:rPr lang="pt-BR" smtClean="0"/>
               <a:pPr/>
-              <a:t>25/10/2015</a:t>
+              <a:t>28/10/2015</a:t>
             </a:fld>
             <a:endParaRPr lang="pt-BR"/>
           </a:p>
@@ -1871,7 +1872,7 @@
             <a:fld id="{E650F5AF-5A7A-4DEE-952A-AB5DF242B9CD}" type="slidenum">
               <a:rPr lang="pt-BR" smtClean="0"/>
               <a:pPr/>
-              <a:t>‹#›</a:t>
+              <a:t>‹nº›</a:t>
             </a:fld>
             <a:endParaRPr lang="pt-BR"/>
           </a:p>
@@ -1880,7 +1881,7 @@
     </p:spTree>
     <p:extLst>
       <p:ext uri="{BB962C8B-B14F-4D97-AF65-F5344CB8AC3E}">
-        <p14:creationId xmlns:p14="http://schemas.microsoft.com/office/powerpoint/2010/main" val="3569403052"/>
+        <p14:creationId xmlns:p14="http://schemas.microsoft.com/office/powerpoint/2010/main" xmlns="" val="3569403052"/>
       </p:ext>
     </p:extLst>
   </p:cSld>
@@ -1948,7 +1949,7 @@
             <a:fld id="{42D09E55-3BF8-45D5-80BD-5A745629D33A}" type="datetimeFigureOut">
               <a:rPr lang="pt-BR" smtClean="0"/>
               <a:pPr/>
-              <a:t>25/10/2015</a:t>
+              <a:t>28/10/2015</a:t>
             </a:fld>
             <a:endParaRPr lang="pt-BR"/>
           </a:p>
@@ -1991,7 +1992,7 @@
             <a:fld id="{E650F5AF-5A7A-4DEE-952A-AB5DF242B9CD}" type="slidenum">
               <a:rPr lang="pt-BR" smtClean="0"/>
               <a:pPr/>
-              <a:t>‹#›</a:t>
+              <a:t>‹nº›</a:t>
             </a:fld>
             <a:endParaRPr lang="pt-BR"/>
           </a:p>
@@ -2000,7 +2001,7 @@
     </p:spTree>
     <p:extLst>
       <p:ext uri="{BB962C8B-B14F-4D97-AF65-F5344CB8AC3E}">
-        <p14:creationId xmlns:p14="http://schemas.microsoft.com/office/powerpoint/2010/main" val="2359431751"/>
+        <p14:creationId xmlns:p14="http://schemas.microsoft.com/office/powerpoint/2010/main" xmlns="" val="2359431751"/>
       </p:ext>
     </p:extLst>
   </p:cSld>
@@ -2045,7 +2046,7 @@
             <a:fld id="{42D09E55-3BF8-45D5-80BD-5A745629D33A}" type="datetimeFigureOut">
               <a:rPr lang="pt-BR" smtClean="0"/>
               <a:pPr/>
-              <a:t>25/10/2015</a:t>
+              <a:t>28/10/2015</a:t>
             </a:fld>
             <a:endParaRPr lang="pt-BR"/>
           </a:p>
@@ -2088,7 +2089,7 @@
             <a:fld id="{E650F5AF-5A7A-4DEE-952A-AB5DF242B9CD}" type="slidenum">
               <a:rPr lang="pt-BR" smtClean="0"/>
               <a:pPr/>
-              <a:t>‹#›</a:t>
+              <a:t>‹nº›</a:t>
             </a:fld>
             <a:endParaRPr lang="pt-BR"/>
           </a:p>
@@ -2097,7 +2098,7 @@
     </p:spTree>
     <p:extLst>
       <p:ext uri="{BB962C8B-B14F-4D97-AF65-F5344CB8AC3E}">
-        <p14:creationId xmlns:p14="http://schemas.microsoft.com/office/powerpoint/2010/main" val="487197514"/>
+        <p14:creationId xmlns:p14="http://schemas.microsoft.com/office/powerpoint/2010/main" xmlns="" val="487197514"/>
       </p:ext>
     </p:extLst>
   </p:cSld>
@@ -2324,7 +2325,7 @@
             <a:fld id="{42D09E55-3BF8-45D5-80BD-5A745629D33A}" type="datetimeFigureOut">
               <a:rPr lang="pt-BR" smtClean="0"/>
               <a:pPr/>
-              <a:t>25/10/2015</a:t>
+              <a:t>28/10/2015</a:t>
             </a:fld>
             <a:endParaRPr lang="pt-BR"/>
           </a:p>
@@ -2367,7 +2368,7 @@
             <a:fld id="{E650F5AF-5A7A-4DEE-952A-AB5DF242B9CD}" type="slidenum">
               <a:rPr lang="pt-BR" smtClean="0"/>
               <a:pPr/>
-              <a:t>‹#›</a:t>
+              <a:t>‹nº›</a:t>
             </a:fld>
             <a:endParaRPr lang="pt-BR"/>
           </a:p>
@@ -2376,7 +2377,7 @@
     </p:spTree>
     <p:extLst>
       <p:ext uri="{BB962C8B-B14F-4D97-AF65-F5344CB8AC3E}">
-        <p14:creationId xmlns:p14="http://schemas.microsoft.com/office/powerpoint/2010/main" val="3436097000"/>
+        <p14:creationId xmlns:p14="http://schemas.microsoft.com/office/powerpoint/2010/main" xmlns="" val="3436097000"/>
       </p:ext>
     </p:extLst>
   </p:cSld>
@@ -2579,7 +2580,7 @@
             <a:fld id="{42D09E55-3BF8-45D5-80BD-5A745629D33A}" type="datetimeFigureOut">
               <a:rPr lang="pt-BR" smtClean="0"/>
               <a:pPr/>
-              <a:t>25/10/2015</a:t>
+              <a:t>28/10/2015</a:t>
             </a:fld>
             <a:endParaRPr lang="pt-BR"/>
           </a:p>
@@ -2622,7 +2623,7 @@
             <a:fld id="{E650F5AF-5A7A-4DEE-952A-AB5DF242B9CD}" type="slidenum">
               <a:rPr lang="pt-BR" smtClean="0"/>
               <a:pPr/>
-              <a:t>‹#›</a:t>
+              <a:t>‹nº›</a:t>
             </a:fld>
             <a:endParaRPr lang="pt-BR"/>
           </a:p>
@@ -2631,7 +2632,7 @@
     </p:spTree>
     <p:extLst>
       <p:ext uri="{BB962C8B-B14F-4D97-AF65-F5344CB8AC3E}">
-        <p14:creationId xmlns:p14="http://schemas.microsoft.com/office/powerpoint/2010/main" val="524006705"/>
+        <p14:creationId xmlns:p14="http://schemas.microsoft.com/office/powerpoint/2010/main" xmlns="" val="524006705"/>
       </p:ext>
     </p:extLst>
   </p:cSld>
@@ -2794,7 +2795,7 @@
             <a:fld id="{42D09E55-3BF8-45D5-80BD-5A745629D33A}" type="datetimeFigureOut">
               <a:rPr lang="pt-BR" smtClean="0"/>
               <a:pPr/>
-              <a:t>25/10/2015</a:t>
+              <a:t>28/10/2015</a:t>
             </a:fld>
             <a:endParaRPr lang="pt-BR"/>
           </a:p>
@@ -2873,7 +2874,7 @@
             <a:fld id="{E650F5AF-5A7A-4DEE-952A-AB5DF242B9CD}" type="slidenum">
               <a:rPr lang="pt-BR" smtClean="0"/>
               <a:pPr/>
-              <a:t>‹#›</a:t>
+              <a:t>‹nº›</a:t>
             </a:fld>
             <a:endParaRPr lang="pt-BR"/>
           </a:p>
@@ -2882,7 +2883,7 @@
     </p:spTree>
     <p:extLst>
       <p:ext uri="{BB962C8B-B14F-4D97-AF65-F5344CB8AC3E}">
-        <p14:creationId xmlns:p14="http://schemas.microsoft.com/office/powerpoint/2010/main" val="1043027552"/>
+        <p14:creationId xmlns:p14="http://schemas.microsoft.com/office/powerpoint/2010/main" xmlns="" val="1043027552"/>
       </p:ext>
     </p:extLst>
   </p:cSld>
@@ -3182,7 +3183,7 @@
           <a:blip r:embed="rId2" cstate="print">
             <a:extLst>
               <a:ext uri="{28A0092B-C50C-407E-A947-70E740481C1C}">
-                <a14:useLocalDpi xmlns:a14="http://schemas.microsoft.com/office/drawing/2010/main" val="0"/>
+                <a14:useLocalDpi xmlns:a14="http://schemas.microsoft.com/office/drawing/2010/main" xmlns="" val="0"/>
               </a:ext>
             </a:extLst>
           </a:blip>
@@ -3302,7 +3303,7 @@
           <a:blip r:embed="rId3" cstate="print">
             <a:extLst>
               <a:ext uri="{28A0092B-C50C-407E-A947-70E740481C1C}">
-                <a14:useLocalDpi xmlns:a14="http://schemas.microsoft.com/office/drawing/2010/main" val="0"/>
+                <a14:useLocalDpi xmlns:a14="http://schemas.microsoft.com/office/drawing/2010/main" xmlns="" val="0"/>
               </a:ext>
             </a:extLst>
           </a:blip>
@@ -3323,7 +3324,7 @@
     </p:spTree>
     <p:extLst>
       <p:ext uri="{BB962C8B-B14F-4D97-AF65-F5344CB8AC3E}">
-        <p14:creationId xmlns:p14="http://schemas.microsoft.com/office/powerpoint/2010/main" val="1124906220"/>
+        <p14:creationId xmlns:p14="http://schemas.microsoft.com/office/powerpoint/2010/main" xmlns="" val="1124906220"/>
       </p:ext>
     </p:extLst>
   </p:cSld>
@@ -3369,7 +3370,7 @@
           <a:blip r:embed="rId2" cstate="print">
             <a:extLst>
               <a:ext uri="{28A0092B-C50C-407E-A947-70E740481C1C}">
-                <a14:useLocalDpi xmlns:a14="http://schemas.microsoft.com/office/drawing/2010/main" val="0"/>
+                <a14:useLocalDpi xmlns:a14="http://schemas.microsoft.com/office/drawing/2010/main" xmlns="" val="0"/>
               </a:ext>
             </a:extLst>
           </a:blip>
@@ -3501,7 +3502,7 @@
           <a:blip r:embed="rId3" cstate="print">
             <a:extLst>
               <a:ext uri="{28A0092B-C50C-407E-A947-70E740481C1C}">
-                <a14:useLocalDpi xmlns:a14="http://schemas.microsoft.com/office/drawing/2010/main" val="0"/>
+                <a14:useLocalDpi xmlns:a14="http://schemas.microsoft.com/office/drawing/2010/main" xmlns="" val="0"/>
               </a:ext>
             </a:extLst>
           </a:blip>
@@ -3525,14 +3526,14 @@
           <a:effectLst/>
           <a:extLst>
             <a:ext uri="{909E8E84-426E-40DD-AFC4-6F175D3DCCD1}">
-              <a14:hiddenFill xmlns:a14="http://schemas.microsoft.com/office/drawing/2010/main">
+              <a14:hiddenFill xmlns:a14="http://schemas.microsoft.com/office/drawing/2010/main" xmlns="">
                 <a:solidFill>
                   <a:schemeClr val="accent1"/>
                 </a:solidFill>
               </a14:hiddenFill>
             </a:ext>
             <a:ext uri="{91240B29-F687-4F45-9708-019B960494DF}">
-              <a14:hiddenLine xmlns:a14="http://schemas.microsoft.com/office/drawing/2010/main" w="9525">
+              <a14:hiddenLine xmlns:a14="http://schemas.microsoft.com/office/drawing/2010/main" xmlns="" w="9525">
                 <a:solidFill>
                   <a:schemeClr val="tx1"/>
                 </a:solidFill>
@@ -3542,7 +3543,7 @@
               </a14:hiddenLine>
             </a:ext>
             <a:ext uri="{AF507438-7753-43E0-B8FC-AC1667EBCBE1}">
-              <a14:hiddenEffects xmlns:a14="http://schemas.microsoft.com/office/drawing/2010/main">
+              <a14:hiddenEffects xmlns:a14="http://schemas.microsoft.com/office/drawing/2010/main" xmlns="">
                 <a:effectLst>
                   <a:outerShdw dist="35921" dir="2700000" algn="ctr" rotWithShape="0">
                     <a:schemeClr val="bg2"/>
@@ -3565,7 +3566,7 @@
           <a:blip r:embed="rId4" cstate="print">
             <a:extLst>
               <a:ext uri="{28A0092B-C50C-407E-A947-70E740481C1C}">
-                <a14:useLocalDpi xmlns:a14="http://schemas.microsoft.com/office/drawing/2010/main" val="0"/>
+                <a14:useLocalDpi xmlns:a14="http://schemas.microsoft.com/office/drawing/2010/main" xmlns="" val="0"/>
               </a:ext>
             </a:extLst>
           </a:blip>
@@ -3589,14 +3590,14 @@
           <a:effectLst/>
           <a:extLst>
             <a:ext uri="{909E8E84-426E-40DD-AFC4-6F175D3DCCD1}">
-              <a14:hiddenFill xmlns:a14="http://schemas.microsoft.com/office/drawing/2010/main">
+              <a14:hiddenFill xmlns:a14="http://schemas.microsoft.com/office/drawing/2010/main" xmlns="">
                 <a:solidFill>
                   <a:schemeClr val="accent1"/>
                 </a:solidFill>
               </a14:hiddenFill>
             </a:ext>
             <a:ext uri="{91240B29-F687-4F45-9708-019B960494DF}">
-              <a14:hiddenLine xmlns:a14="http://schemas.microsoft.com/office/drawing/2010/main" w="9525">
+              <a14:hiddenLine xmlns:a14="http://schemas.microsoft.com/office/drawing/2010/main" xmlns="" w="9525">
                 <a:solidFill>
                   <a:schemeClr val="tx1"/>
                 </a:solidFill>
@@ -3606,7 +3607,7 @@
               </a14:hiddenLine>
             </a:ext>
             <a:ext uri="{AF507438-7753-43E0-B8FC-AC1667EBCBE1}">
-              <a14:hiddenEffects xmlns:a14="http://schemas.microsoft.com/office/drawing/2010/main">
+              <a14:hiddenEffects xmlns:a14="http://schemas.microsoft.com/office/drawing/2010/main" xmlns="">
                 <a:effectLst>
                   <a:outerShdw dist="35921" dir="2700000" algn="ctr" rotWithShape="0">
                     <a:schemeClr val="bg2"/>
@@ -3620,7 +3621,7 @@
     </p:spTree>
     <p:extLst>
       <p:ext uri="{BB962C8B-B14F-4D97-AF65-F5344CB8AC3E}">
-        <p14:creationId xmlns:p14="http://schemas.microsoft.com/office/powerpoint/2010/main" val="4060812770"/>
+        <p14:creationId xmlns:p14="http://schemas.microsoft.com/office/powerpoint/2010/main" xmlns="" val="4060812770"/>
       </p:ext>
     </p:extLst>
   </p:cSld>
@@ -3666,7 +3667,7 @@
           <a:blip r:embed="rId2" cstate="print">
             <a:extLst>
               <a:ext uri="{28A0092B-C50C-407E-A947-70E740481C1C}">
-                <a14:useLocalDpi xmlns:a14="http://schemas.microsoft.com/office/drawing/2010/main" val="0"/>
+                <a14:useLocalDpi xmlns:a14="http://schemas.microsoft.com/office/drawing/2010/main" xmlns="" val="0"/>
               </a:ext>
             </a:extLst>
           </a:blip>
@@ -3779,7 +3780,7 @@
     </p:spTree>
     <p:extLst>
       <p:ext uri="{BB962C8B-B14F-4D97-AF65-F5344CB8AC3E}">
-        <p14:creationId xmlns:p14="http://schemas.microsoft.com/office/powerpoint/2010/main" val="4060812770"/>
+        <p14:creationId xmlns:p14="http://schemas.microsoft.com/office/powerpoint/2010/main" xmlns="" val="4060812770"/>
       </p:ext>
     </p:extLst>
   </p:cSld>
@@ -3825,7 +3826,7 @@
           <a:blip r:embed="rId2" cstate="print">
             <a:extLst>
               <a:ext uri="{28A0092B-C50C-407E-A947-70E740481C1C}">
-                <a14:useLocalDpi xmlns:a14="http://schemas.microsoft.com/office/drawing/2010/main" val="0"/>
+                <a14:useLocalDpi xmlns:a14="http://schemas.microsoft.com/office/drawing/2010/main" xmlns="" val="0"/>
               </a:ext>
             </a:extLst>
           </a:blip>
@@ -4040,7 +4041,7 @@
     </p:spTree>
     <p:extLst>
       <p:ext uri="{BB962C8B-B14F-4D97-AF65-F5344CB8AC3E}">
-        <p14:creationId xmlns:p14="http://schemas.microsoft.com/office/powerpoint/2010/main" val="1236626834"/>
+        <p14:creationId xmlns:p14="http://schemas.microsoft.com/office/powerpoint/2010/main" xmlns="" val="1236626834"/>
       </p:ext>
     </p:extLst>
   </p:cSld>
@@ -4086,7 +4087,7 @@
           <a:blip r:embed="rId2" cstate="print">
             <a:extLst>
               <a:ext uri="{28A0092B-C50C-407E-A947-70E740481C1C}">
-                <a14:useLocalDpi xmlns:a14="http://schemas.microsoft.com/office/drawing/2010/main" val="0"/>
+                <a14:useLocalDpi xmlns:a14="http://schemas.microsoft.com/office/drawing/2010/main" xmlns="" val="0"/>
               </a:ext>
             </a:extLst>
           </a:blip>
@@ -4284,7 +4285,7 @@
     </p:spTree>
     <p:extLst>
       <p:ext uri="{BB962C8B-B14F-4D97-AF65-F5344CB8AC3E}">
-        <p14:creationId xmlns:p14="http://schemas.microsoft.com/office/powerpoint/2010/main" val="4060812770"/>
+        <p14:creationId xmlns:p14="http://schemas.microsoft.com/office/powerpoint/2010/main" xmlns="" val="4060812770"/>
       </p:ext>
     </p:extLst>
   </p:cSld>
@@ -4330,7 +4331,7 @@
           <a:blip r:embed="rId2" cstate="print">
             <a:extLst>
               <a:ext uri="{28A0092B-C50C-407E-A947-70E740481C1C}">
-                <a14:useLocalDpi xmlns:a14="http://schemas.microsoft.com/office/drawing/2010/main" val="0"/>
+                <a14:useLocalDpi xmlns:a14="http://schemas.microsoft.com/office/drawing/2010/main" xmlns="" val="0"/>
               </a:ext>
             </a:extLst>
           </a:blip>
@@ -4509,7 +4510,7 @@
     </p:spTree>
     <p:extLst>
       <p:ext uri="{BB962C8B-B14F-4D97-AF65-F5344CB8AC3E}">
-        <p14:creationId xmlns:p14="http://schemas.microsoft.com/office/powerpoint/2010/main" val="3308039092"/>
+        <p14:creationId xmlns:p14="http://schemas.microsoft.com/office/powerpoint/2010/main" xmlns="" val="3308039092"/>
       </p:ext>
     </p:extLst>
   </p:cSld>
@@ -4555,7 +4556,7 @@
           <a:blip r:embed="rId2" cstate="print">
             <a:extLst>
               <a:ext uri="{28A0092B-C50C-407E-A947-70E740481C1C}">
-                <a14:useLocalDpi xmlns:a14="http://schemas.microsoft.com/office/drawing/2010/main" val="0"/>
+                <a14:useLocalDpi xmlns:a14="http://schemas.microsoft.com/office/drawing/2010/main" xmlns="" val="0"/>
               </a:ext>
             </a:extLst>
           </a:blip>
@@ -4699,7 +4700,7 @@
     </p:spTree>
     <p:extLst>
       <p:ext uri="{BB962C8B-B14F-4D97-AF65-F5344CB8AC3E}">
-        <p14:creationId xmlns:p14="http://schemas.microsoft.com/office/powerpoint/2010/main" val="3308039092"/>
+        <p14:creationId xmlns:p14="http://schemas.microsoft.com/office/powerpoint/2010/main" xmlns="" val="3308039092"/>
       </p:ext>
     </p:extLst>
   </p:cSld>
@@ -4745,7 +4746,7 @@
           <a:blip r:embed="rId2" cstate="print">
             <a:extLst>
               <a:ext uri="{28A0092B-C50C-407E-A947-70E740481C1C}">
-                <a14:useLocalDpi xmlns:a14="http://schemas.microsoft.com/office/drawing/2010/main" val="0"/>
+                <a14:useLocalDpi xmlns:a14="http://schemas.microsoft.com/office/drawing/2010/main" xmlns="" val="0"/>
               </a:ext>
             </a:extLst>
           </a:blip>
@@ -4916,7 +4917,7 @@
     </p:spTree>
     <p:extLst>
       <p:ext uri="{BB962C8B-B14F-4D97-AF65-F5344CB8AC3E}">
-        <p14:creationId xmlns:p14="http://schemas.microsoft.com/office/powerpoint/2010/main" val="3345411651"/>
+        <p14:creationId xmlns:p14="http://schemas.microsoft.com/office/powerpoint/2010/main" xmlns="" val="3345411651"/>
       </p:ext>
     </p:extLst>
   </p:cSld>
@@ -4962,7 +4963,7 @@
           <a:blip r:embed="rId2" cstate="print">
             <a:extLst>
               <a:ext uri="{28A0092B-C50C-407E-A947-70E740481C1C}">
-                <a14:useLocalDpi xmlns:a14="http://schemas.microsoft.com/office/drawing/2010/main" val="0"/>
+                <a14:useLocalDpi xmlns:a14="http://schemas.microsoft.com/office/drawing/2010/main" xmlns="" val="0"/>
               </a:ext>
             </a:extLst>
           </a:blip>
@@ -5069,7 +5070,7 @@
           <a:blip r:embed="rId3" cstate="print">
             <a:extLst>
               <a:ext uri="{28A0092B-C50C-407E-A947-70E740481C1C}">
-                <a14:useLocalDpi xmlns:a14="http://schemas.microsoft.com/office/drawing/2010/main" val="0"/>
+                <a14:useLocalDpi xmlns:a14="http://schemas.microsoft.com/office/drawing/2010/main" xmlns="" val="0"/>
               </a:ext>
             </a:extLst>
           </a:blip>
@@ -5087,7 +5088,7 @@
     </p:spTree>
     <p:extLst>
       <p:ext uri="{BB962C8B-B14F-4D97-AF65-F5344CB8AC3E}">
-        <p14:creationId xmlns:p14="http://schemas.microsoft.com/office/powerpoint/2010/main" val="3308039092"/>
+        <p14:creationId xmlns:p14="http://schemas.microsoft.com/office/powerpoint/2010/main" xmlns="" val="3308039092"/>
       </p:ext>
     </p:extLst>
   </p:cSld>
@@ -5133,7 +5134,7 @@
           <a:blip r:embed="rId2" cstate="print">
             <a:extLst>
               <a:ext uri="{28A0092B-C50C-407E-A947-70E740481C1C}">
-                <a14:useLocalDpi xmlns:a14="http://schemas.microsoft.com/office/drawing/2010/main" val="0"/>
+                <a14:useLocalDpi xmlns:a14="http://schemas.microsoft.com/office/drawing/2010/main" xmlns="" val="0"/>
               </a:ext>
             </a:extLst>
           </a:blip>
@@ -5240,7 +5241,7 @@
           <a:blip r:embed="rId3" cstate="print">
             <a:extLst>
               <a:ext uri="{28A0092B-C50C-407E-A947-70E740481C1C}">
-                <a14:useLocalDpi xmlns:a14="http://schemas.microsoft.com/office/drawing/2010/main" val="0"/>
+                <a14:useLocalDpi xmlns:a14="http://schemas.microsoft.com/office/drawing/2010/main" xmlns="" val="0"/>
               </a:ext>
             </a:extLst>
           </a:blip>
@@ -5258,7 +5259,7 @@
     </p:spTree>
     <p:extLst>
       <p:ext uri="{BB962C8B-B14F-4D97-AF65-F5344CB8AC3E}">
-        <p14:creationId xmlns:p14="http://schemas.microsoft.com/office/powerpoint/2010/main" val="3308039092"/>
+        <p14:creationId xmlns:p14="http://schemas.microsoft.com/office/powerpoint/2010/main" xmlns="" val="3308039092"/>
       </p:ext>
     </p:extLst>
   </p:cSld>
@@ -5304,7 +5305,7 @@
           <a:blip r:embed="rId2" cstate="print">
             <a:extLst>
               <a:ext uri="{28A0092B-C50C-407E-A947-70E740481C1C}">
-                <a14:useLocalDpi xmlns:a14="http://schemas.microsoft.com/office/drawing/2010/main" val="0"/>
+                <a14:useLocalDpi xmlns:a14="http://schemas.microsoft.com/office/drawing/2010/main" xmlns="" val="0"/>
               </a:ext>
             </a:extLst>
           </a:blip>
@@ -5538,7 +5539,7 @@
     </p:spTree>
     <p:extLst>
       <p:ext uri="{BB962C8B-B14F-4D97-AF65-F5344CB8AC3E}">
-        <p14:creationId xmlns:p14="http://schemas.microsoft.com/office/powerpoint/2010/main" val="3308039092"/>
+        <p14:creationId xmlns:p14="http://schemas.microsoft.com/office/powerpoint/2010/main" xmlns="" val="3308039092"/>
       </p:ext>
     </p:extLst>
   </p:cSld>
@@ -5584,7 +5585,7 @@
           <a:blip r:embed="rId2" cstate="print">
             <a:extLst>
               <a:ext uri="{28A0092B-C50C-407E-A947-70E740481C1C}">
-                <a14:useLocalDpi xmlns:a14="http://schemas.microsoft.com/office/drawing/2010/main" val="0"/>
+                <a14:useLocalDpi xmlns:a14="http://schemas.microsoft.com/office/drawing/2010/main" xmlns="" val="0"/>
               </a:ext>
             </a:extLst>
           </a:blip>
@@ -5742,7 +5743,7 @@
     </p:spTree>
     <p:extLst>
       <p:ext uri="{BB962C8B-B14F-4D97-AF65-F5344CB8AC3E}">
-        <p14:creationId xmlns:p14="http://schemas.microsoft.com/office/powerpoint/2010/main" val="1156373279"/>
+        <p14:creationId xmlns:p14="http://schemas.microsoft.com/office/powerpoint/2010/main" xmlns="" val="1156373279"/>
       </p:ext>
     </p:extLst>
   </p:cSld>
@@ -5788,7 +5789,7 @@
           <a:blip r:embed="rId2" cstate="print">
             <a:extLst>
               <a:ext uri="{28A0092B-C50C-407E-A947-70E740481C1C}">
-                <a14:useLocalDpi xmlns:a14="http://schemas.microsoft.com/office/drawing/2010/main" val="0"/>
+                <a14:useLocalDpi xmlns:a14="http://schemas.microsoft.com/office/drawing/2010/main" xmlns="" val="0"/>
               </a:ext>
             </a:extLst>
           </a:blip>
@@ -5996,7 +5997,7 @@
     </p:spTree>
     <p:extLst>
       <p:ext uri="{BB962C8B-B14F-4D97-AF65-F5344CB8AC3E}">
-        <p14:creationId xmlns:p14="http://schemas.microsoft.com/office/powerpoint/2010/main" val="3308039092"/>
+        <p14:creationId xmlns:p14="http://schemas.microsoft.com/office/powerpoint/2010/main" xmlns="" val="3308039092"/>
       </p:ext>
     </p:extLst>
   </p:cSld>
@@ -6042,7 +6043,7 @@
           <a:blip r:embed="rId2" cstate="print">
             <a:extLst>
               <a:ext uri="{28A0092B-C50C-407E-A947-70E740481C1C}">
-                <a14:useLocalDpi xmlns:a14="http://schemas.microsoft.com/office/drawing/2010/main" val="0"/>
+                <a14:useLocalDpi xmlns:a14="http://schemas.microsoft.com/office/drawing/2010/main" xmlns="" val="0"/>
               </a:ext>
             </a:extLst>
           </a:blip>
@@ -6228,7 +6229,7 @@
     </p:spTree>
     <p:extLst>
       <p:ext uri="{BB962C8B-B14F-4D97-AF65-F5344CB8AC3E}">
-        <p14:creationId xmlns:p14="http://schemas.microsoft.com/office/powerpoint/2010/main" val="3308039092"/>
+        <p14:creationId xmlns:p14="http://schemas.microsoft.com/office/powerpoint/2010/main" xmlns="" val="3308039092"/>
       </p:ext>
     </p:extLst>
   </p:cSld>
@@ -6274,7 +6275,7 @@
           <a:blip r:embed="rId2" cstate="print">
             <a:extLst>
               <a:ext uri="{28A0092B-C50C-407E-A947-70E740481C1C}">
-                <a14:useLocalDpi xmlns:a14="http://schemas.microsoft.com/office/drawing/2010/main" val="0"/>
+                <a14:useLocalDpi xmlns:a14="http://schemas.microsoft.com/office/drawing/2010/main" xmlns="" val="0"/>
               </a:ext>
             </a:extLst>
           </a:blip>
@@ -6505,7 +6506,7 @@
     </p:spTree>
     <p:extLst>
       <p:ext uri="{BB962C8B-B14F-4D97-AF65-F5344CB8AC3E}">
-        <p14:creationId xmlns:p14="http://schemas.microsoft.com/office/powerpoint/2010/main" val="3308039092"/>
+        <p14:creationId xmlns:p14="http://schemas.microsoft.com/office/powerpoint/2010/main" xmlns="" val="3308039092"/>
       </p:ext>
     </p:extLst>
   </p:cSld>
@@ -6551,7 +6552,7 @@
           <a:blip r:embed="rId2" cstate="print">
             <a:extLst>
               <a:ext uri="{28A0092B-C50C-407E-A947-70E740481C1C}">
-                <a14:useLocalDpi xmlns:a14="http://schemas.microsoft.com/office/drawing/2010/main" val="0"/>
+                <a14:useLocalDpi xmlns:a14="http://schemas.microsoft.com/office/drawing/2010/main" xmlns="" val="0"/>
               </a:ext>
             </a:extLst>
           </a:blip>
@@ -6741,7 +6742,7 @@
     </p:spTree>
     <p:extLst>
       <p:ext uri="{BB962C8B-B14F-4D97-AF65-F5344CB8AC3E}">
-        <p14:creationId xmlns:p14="http://schemas.microsoft.com/office/powerpoint/2010/main" val="3308039092"/>
+        <p14:creationId xmlns:p14="http://schemas.microsoft.com/office/powerpoint/2010/main" xmlns="" val="3308039092"/>
       </p:ext>
     </p:extLst>
   </p:cSld>
@@ -6787,7 +6788,7 @@
           <a:blip r:embed="rId2" cstate="print">
             <a:extLst>
               <a:ext uri="{28A0092B-C50C-407E-A947-70E740481C1C}">
-                <a14:useLocalDpi xmlns:a14="http://schemas.microsoft.com/office/drawing/2010/main" val="0"/>
+                <a14:useLocalDpi xmlns:a14="http://schemas.microsoft.com/office/drawing/2010/main" xmlns="" val="0"/>
               </a:ext>
             </a:extLst>
           </a:blip>
@@ -6948,7 +6949,7 @@
     </p:spTree>
     <p:extLst>
       <p:ext uri="{BB962C8B-B14F-4D97-AF65-F5344CB8AC3E}">
-        <p14:creationId xmlns:p14="http://schemas.microsoft.com/office/powerpoint/2010/main" val="3308039092"/>
+        <p14:creationId xmlns:p14="http://schemas.microsoft.com/office/powerpoint/2010/main" xmlns="" val="3308039092"/>
       </p:ext>
     </p:extLst>
   </p:cSld>
@@ -6994,7 +6995,7 @@
           <a:blip r:embed="rId2" cstate="print">
             <a:extLst>
               <a:ext uri="{28A0092B-C50C-407E-A947-70E740481C1C}">
-                <a14:useLocalDpi xmlns:a14="http://schemas.microsoft.com/office/drawing/2010/main" val="0"/>
+                <a14:useLocalDpi xmlns:a14="http://schemas.microsoft.com/office/drawing/2010/main" xmlns="" val="0"/>
               </a:ext>
             </a:extLst>
           </a:blip>
@@ -7169,7 +7170,7 @@
     </p:spTree>
     <p:extLst>
       <p:ext uri="{BB962C8B-B14F-4D97-AF65-F5344CB8AC3E}">
-        <p14:creationId xmlns:p14="http://schemas.microsoft.com/office/powerpoint/2010/main" val="3308039092"/>
+        <p14:creationId xmlns:p14="http://schemas.microsoft.com/office/powerpoint/2010/main" xmlns="" val="3308039092"/>
       </p:ext>
     </p:extLst>
   </p:cSld>
@@ -7215,7 +7216,7 @@
           <a:blip r:embed="rId2" cstate="print">
             <a:extLst>
               <a:ext uri="{28A0092B-C50C-407E-A947-70E740481C1C}">
-                <a14:useLocalDpi xmlns:a14="http://schemas.microsoft.com/office/drawing/2010/main" val="0"/>
+                <a14:useLocalDpi xmlns:a14="http://schemas.microsoft.com/office/drawing/2010/main" xmlns="" val="0"/>
               </a:ext>
             </a:extLst>
           </a:blip>
@@ -7347,7 +7348,7 @@
           <a:blip r:embed="rId3" cstate="print">
             <a:extLst>
               <a:ext uri="{28A0092B-C50C-407E-A947-70E740481C1C}">
-                <a14:useLocalDpi xmlns:a14="http://schemas.microsoft.com/office/drawing/2010/main" val="0"/>
+                <a14:useLocalDpi xmlns:a14="http://schemas.microsoft.com/office/drawing/2010/main" xmlns="" val="0"/>
               </a:ext>
             </a:extLst>
           </a:blip>
@@ -7371,14 +7372,14 @@
           <a:effectLst/>
           <a:extLst>
             <a:ext uri="{909E8E84-426E-40DD-AFC4-6F175D3DCCD1}">
-              <a14:hiddenFill xmlns:a14="http://schemas.microsoft.com/office/drawing/2010/main">
+              <a14:hiddenFill xmlns:a14="http://schemas.microsoft.com/office/drawing/2010/main" xmlns="">
                 <a:solidFill>
                   <a:schemeClr val="accent1"/>
                 </a:solidFill>
               </a14:hiddenFill>
             </a:ext>
             <a:ext uri="{91240B29-F687-4F45-9708-019B960494DF}">
-              <a14:hiddenLine xmlns:a14="http://schemas.microsoft.com/office/drawing/2010/main" w="9525">
+              <a14:hiddenLine xmlns:a14="http://schemas.microsoft.com/office/drawing/2010/main" xmlns="" w="9525">
                 <a:solidFill>
                   <a:schemeClr val="tx1"/>
                 </a:solidFill>
@@ -7388,7 +7389,7 @@
               </a14:hiddenLine>
             </a:ext>
             <a:ext uri="{AF507438-7753-43E0-B8FC-AC1667EBCBE1}">
-              <a14:hiddenEffects xmlns:a14="http://schemas.microsoft.com/office/drawing/2010/main">
+              <a14:hiddenEffects xmlns:a14="http://schemas.microsoft.com/office/drawing/2010/main" xmlns="">
                 <a:effectLst>
                   <a:outerShdw dist="35921" dir="2700000" algn="ctr" rotWithShape="0">
                     <a:schemeClr val="bg2"/>
@@ -7402,7 +7403,7 @@
     </p:spTree>
     <p:extLst>
       <p:ext uri="{BB962C8B-B14F-4D97-AF65-F5344CB8AC3E}">
-        <p14:creationId xmlns:p14="http://schemas.microsoft.com/office/powerpoint/2010/main" val="1156373279"/>
+        <p14:creationId xmlns:p14="http://schemas.microsoft.com/office/powerpoint/2010/main" xmlns="" val="1156373279"/>
       </p:ext>
     </p:extLst>
   </p:cSld>
@@ -7448,7 +7449,7 @@
           <a:blip r:embed="rId2" cstate="print">
             <a:extLst>
               <a:ext uri="{28A0092B-C50C-407E-A947-70E740481C1C}">
-                <a14:useLocalDpi xmlns:a14="http://schemas.microsoft.com/office/drawing/2010/main" val="0"/>
+                <a14:useLocalDpi xmlns:a14="http://schemas.microsoft.com/office/drawing/2010/main" xmlns="" val="0"/>
               </a:ext>
             </a:extLst>
           </a:blip>
@@ -7553,7 +7554,7 @@
           <a:blip r:embed="rId3" cstate="print">
             <a:extLst>
               <a:ext uri="{28A0092B-C50C-407E-A947-70E740481C1C}">
-                <a14:useLocalDpi xmlns:a14="http://schemas.microsoft.com/office/drawing/2010/main" val="0"/>
+                <a14:useLocalDpi xmlns:a14="http://schemas.microsoft.com/office/drawing/2010/main" xmlns="" val="0"/>
               </a:ext>
             </a:extLst>
           </a:blip>
@@ -7577,14 +7578,14 @@
           <a:effectLst/>
           <a:extLst>
             <a:ext uri="{909E8E84-426E-40DD-AFC4-6F175D3DCCD1}">
-              <a14:hiddenFill xmlns:a14="http://schemas.microsoft.com/office/drawing/2010/main">
+              <a14:hiddenFill xmlns:a14="http://schemas.microsoft.com/office/drawing/2010/main" xmlns="">
                 <a:solidFill>
                   <a:schemeClr val="accent1"/>
                 </a:solidFill>
               </a14:hiddenFill>
             </a:ext>
             <a:ext uri="{91240B29-F687-4F45-9708-019B960494DF}">
-              <a14:hiddenLine xmlns:a14="http://schemas.microsoft.com/office/drawing/2010/main" w="9525">
+              <a14:hiddenLine xmlns:a14="http://schemas.microsoft.com/office/drawing/2010/main" xmlns="" w="9525">
                 <a:solidFill>
                   <a:schemeClr val="tx1"/>
                 </a:solidFill>
@@ -7594,7 +7595,7 @@
               </a14:hiddenLine>
             </a:ext>
             <a:ext uri="{AF507438-7753-43E0-B8FC-AC1667EBCBE1}">
-              <a14:hiddenEffects xmlns:a14="http://schemas.microsoft.com/office/drawing/2010/main">
+              <a14:hiddenEffects xmlns:a14="http://schemas.microsoft.com/office/drawing/2010/main" xmlns="">
                 <a:effectLst>
                   <a:outerShdw dist="35921" dir="2700000" algn="ctr" rotWithShape="0">
                     <a:schemeClr val="bg2"/>
@@ -7608,7 +7609,7 @@
     </p:spTree>
     <p:extLst>
       <p:ext uri="{BB962C8B-B14F-4D97-AF65-F5344CB8AC3E}">
-        <p14:creationId xmlns:p14="http://schemas.microsoft.com/office/powerpoint/2010/main" val="1156373279"/>
+        <p14:creationId xmlns:p14="http://schemas.microsoft.com/office/powerpoint/2010/main" xmlns="" val="1156373279"/>
       </p:ext>
     </p:extLst>
   </p:cSld>
@@ -7654,7 +7655,7 @@
           <a:blip r:embed="rId2" cstate="print">
             <a:extLst>
               <a:ext uri="{28A0092B-C50C-407E-A947-70E740481C1C}">
-                <a14:useLocalDpi xmlns:a14="http://schemas.microsoft.com/office/drawing/2010/main" val="0"/>
+                <a14:useLocalDpi xmlns:a14="http://schemas.microsoft.com/office/drawing/2010/main" xmlns="" val="0"/>
               </a:ext>
             </a:extLst>
           </a:blip>
@@ -7823,7 +7824,7 @@
     </p:spTree>
     <p:extLst>
       <p:ext uri="{BB962C8B-B14F-4D97-AF65-F5344CB8AC3E}">
-        <p14:creationId xmlns:p14="http://schemas.microsoft.com/office/powerpoint/2010/main" val="1156373279"/>
+        <p14:creationId xmlns:p14="http://schemas.microsoft.com/office/powerpoint/2010/main" xmlns="" val="1156373279"/>
       </p:ext>
     </p:extLst>
   </p:cSld>
@@ -7869,7 +7870,7 @@
           <a:blip r:embed="rId2" cstate="print">
             <a:extLst>
               <a:ext uri="{28A0092B-C50C-407E-A947-70E740481C1C}">
-                <a14:useLocalDpi xmlns:a14="http://schemas.microsoft.com/office/drawing/2010/main" val="0"/>
+                <a14:useLocalDpi xmlns:a14="http://schemas.microsoft.com/office/drawing/2010/main" xmlns="" val="0"/>
               </a:ext>
             </a:extLst>
           </a:blip>
@@ -8083,7 +8084,7 @@
     </p:spTree>
     <p:extLst>
       <p:ext uri="{BB962C8B-B14F-4D97-AF65-F5344CB8AC3E}">
-        <p14:creationId xmlns:p14="http://schemas.microsoft.com/office/powerpoint/2010/main" val="1156373279"/>
+        <p14:creationId xmlns:p14="http://schemas.microsoft.com/office/powerpoint/2010/main" xmlns="" val="1156373279"/>
       </p:ext>
     </p:extLst>
   </p:cSld>
@@ -8129,7 +8130,7 @@
           <a:blip r:embed="rId2" cstate="print">
             <a:extLst>
               <a:ext uri="{28A0092B-C50C-407E-A947-70E740481C1C}">
-                <a14:useLocalDpi xmlns:a14="http://schemas.microsoft.com/office/drawing/2010/main" val="0"/>
+                <a14:useLocalDpi xmlns:a14="http://schemas.microsoft.com/office/drawing/2010/main" xmlns="" val="0"/>
               </a:ext>
             </a:extLst>
           </a:blip>
@@ -8276,7 +8277,7 @@
     </p:spTree>
     <p:extLst>
       <p:ext uri="{BB962C8B-B14F-4D97-AF65-F5344CB8AC3E}">
-        <p14:creationId xmlns:p14="http://schemas.microsoft.com/office/powerpoint/2010/main" val="4060812770"/>
+        <p14:creationId xmlns:p14="http://schemas.microsoft.com/office/powerpoint/2010/main" xmlns="" val="4060812770"/>
       </p:ext>
     </p:extLst>
   </p:cSld>
@@ -8322,7 +8323,7 @@
           <a:blip r:embed="rId2" cstate="print">
             <a:extLst>
               <a:ext uri="{28A0092B-C50C-407E-A947-70E740481C1C}">
-                <a14:useLocalDpi xmlns:a14="http://schemas.microsoft.com/office/drawing/2010/main" val="0"/>
+                <a14:useLocalDpi xmlns:a14="http://schemas.microsoft.com/office/drawing/2010/main" xmlns="" val="0"/>
               </a:ext>
             </a:extLst>
           </a:blip>
@@ -8452,7 +8453,7 @@
     </p:spTree>
     <p:extLst>
       <p:ext uri="{BB962C8B-B14F-4D97-AF65-F5344CB8AC3E}">
-        <p14:creationId xmlns:p14="http://schemas.microsoft.com/office/powerpoint/2010/main" val="1156373279"/>
+        <p14:creationId xmlns:p14="http://schemas.microsoft.com/office/powerpoint/2010/main" xmlns="" val="1156373279"/>
       </p:ext>
     </p:extLst>
   </p:cSld>
@@ -8498,7 +8499,7 @@
           <a:blip r:embed="rId2" cstate="print">
             <a:extLst>
               <a:ext uri="{28A0092B-C50C-407E-A947-70E740481C1C}">
-                <a14:useLocalDpi xmlns:a14="http://schemas.microsoft.com/office/drawing/2010/main" val="0"/>
+                <a14:useLocalDpi xmlns:a14="http://schemas.microsoft.com/office/drawing/2010/main" xmlns="" val="0"/>
               </a:ext>
             </a:extLst>
           </a:blip>
@@ -8705,7 +8706,7 @@
     </p:spTree>
     <p:extLst>
       <p:ext uri="{BB962C8B-B14F-4D97-AF65-F5344CB8AC3E}">
-        <p14:creationId xmlns:p14="http://schemas.microsoft.com/office/powerpoint/2010/main" val="1156373279"/>
+        <p14:creationId xmlns:p14="http://schemas.microsoft.com/office/powerpoint/2010/main" xmlns="" val="1156373279"/>
       </p:ext>
     </p:extLst>
   </p:cSld>
@@ -8751,7 +8752,7 @@
           <a:blip r:embed="rId2" cstate="print">
             <a:extLst>
               <a:ext uri="{28A0092B-C50C-407E-A947-70E740481C1C}">
-                <a14:useLocalDpi xmlns:a14="http://schemas.microsoft.com/office/drawing/2010/main" val="0"/>
+                <a14:useLocalDpi xmlns:a14="http://schemas.microsoft.com/office/drawing/2010/main" xmlns="" val="0"/>
               </a:ext>
             </a:extLst>
           </a:blip>
@@ -8984,7 +8985,7 @@
     </p:spTree>
     <p:extLst>
       <p:ext uri="{BB962C8B-B14F-4D97-AF65-F5344CB8AC3E}">
-        <p14:creationId xmlns:p14="http://schemas.microsoft.com/office/powerpoint/2010/main" val="1156373279"/>
+        <p14:creationId xmlns:p14="http://schemas.microsoft.com/office/powerpoint/2010/main" xmlns="" val="1156373279"/>
       </p:ext>
     </p:extLst>
   </p:cSld>
@@ -9030,7 +9031,7 @@
           <a:blip r:embed="rId2" cstate="print">
             <a:extLst>
               <a:ext uri="{28A0092B-C50C-407E-A947-70E740481C1C}">
-                <a14:useLocalDpi xmlns:a14="http://schemas.microsoft.com/office/drawing/2010/main" val="0"/>
+                <a14:useLocalDpi xmlns:a14="http://schemas.microsoft.com/office/drawing/2010/main" xmlns="" val="0"/>
               </a:ext>
             </a:extLst>
           </a:blip>
@@ -9252,7 +9253,7 @@
     </p:spTree>
     <p:extLst>
       <p:ext uri="{BB962C8B-B14F-4D97-AF65-F5344CB8AC3E}">
-        <p14:creationId xmlns:p14="http://schemas.microsoft.com/office/powerpoint/2010/main" val="1156373279"/>
+        <p14:creationId xmlns:p14="http://schemas.microsoft.com/office/powerpoint/2010/main" xmlns="" val="1156373279"/>
       </p:ext>
     </p:extLst>
   </p:cSld>
@@ -9298,7 +9299,7 @@
           <a:blip r:embed="rId2" cstate="print">
             <a:extLst>
               <a:ext uri="{28A0092B-C50C-407E-A947-70E740481C1C}">
-                <a14:useLocalDpi xmlns:a14="http://schemas.microsoft.com/office/drawing/2010/main" val="0"/>
+                <a14:useLocalDpi xmlns:a14="http://schemas.microsoft.com/office/drawing/2010/main" xmlns="" val="0"/>
               </a:ext>
             </a:extLst>
           </a:blip>
@@ -9503,7 +9504,7 @@
     </p:spTree>
     <p:extLst>
       <p:ext uri="{BB962C8B-B14F-4D97-AF65-F5344CB8AC3E}">
-        <p14:creationId xmlns:p14="http://schemas.microsoft.com/office/powerpoint/2010/main" val="1156373279"/>
+        <p14:creationId xmlns:p14="http://schemas.microsoft.com/office/powerpoint/2010/main" xmlns="" val="1156373279"/>
       </p:ext>
     </p:extLst>
   </p:cSld>
@@ -9549,7 +9550,7 @@
           <a:blip r:embed="rId2" cstate="print">
             <a:extLst>
               <a:ext uri="{28A0092B-C50C-407E-A947-70E740481C1C}">
-                <a14:useLocalDpi xmlns:a14="http://schemas.microsoft.com/office/drawing/2010/main" val="0"/>
+                <a14:useLocalDpi xmlns:a14="http://schemas.microsoft.com/office/drawing/2010/main" xmlns="" val="0"/>
               </a:ext>
             </a:extLst>
           </a:blip>
@@ -9667,7 +9668,7 @@
     </p:spTree>
     <p:extLst>
       <p:ext uri="{BB962C8B-B14F-4D97-AF65-F5344CB8AC3E}">
-        <p14:creationId xmlns:p14="http://schemas.microsoft.com/office/powerpoint/2010/main" val="1156373279"/>
+        <p14:creationId xmlns:p14="http://schemas.microsoft.com/office/powerpoint/2010/main" xmlns="" val="1156373279"/>
       </p:ext>
     </p:extLst>
   </p:cSld>
@@ -9713,7 +9714,7 @@
           <a:blip r:embed="rId2" cstate="print">
             <a:extLst>
               <a:ext uri="{28A0092B-C50C-407E-A947-70E740481C1C}">
-                <a14:useLocalDpi xmlns:a14="http://schemas.microsoft.com/office/drawing/2010/main" val="0"/>
+                <a14:useLocalDpi xmlns:a14="http://schemas.microsoft.com/office/drawing/2010/main" xmlns="" val="0"/>
               </a:ext>
             </a:extLst>
           </a:blip>
@@ -9834,7 +9835,7 @@
     </p:spTree>
     <p:extLst>
       <p:ext uri="{BB962C8B-B14F-4D97-AF65-F5344CB8AC3E}">
-        <p14:creationId xmlns:p14="http://schemas.microsoft.com/office/powerpoint/2010/main" val="1156373279"/>
+        <p14:creationId xmlns:p14="http://schemas.microsoft.com/office/powerpoint/2010/main" xmlns="" val="1156373279"/>
       </p:ext>
     </p:extLst>
   </p:cSld>
@@ -9880,7 +9881,7 @@
           <a:blip r:embed="rId2" cstate="print">
             <a:extLst>
               <a:ext uri="{28A0092B-C50C-407E-A947-70E740481C1C}">
-                <a14:useLocalDpi xmlns:a14="http://schemas.microsoft.com/office/drawing/2010/main" val="0"/>
+                <a14:useLocalDpi xmlns:a14="http://schemas.microsoft.com/office/drawing/2010/main" xmlns="" val="0"/>
               </a:ext>
             </a:extLst>
           </a:blip>
@@ -10038,7 +10039,7 @@
     </p:spTree>
     <p:extLst>
       <p:ext uri="{BB962C8B-B14F-4D97-AF65-F5344CB8AC3E}">
-        <p14:creationId xmlns:p14="http://schemas.microsoft.com/office/powerpoint/2010/main" val="1156373279"/>
+        <p14:creationId xmlns:p14="http://schemas.microsoft.com/office/powerpoint/2010/main" xmlns="" val="1156373279"/>
       </p:ext>
     </p:extLst>
   </p:cSld>
@@ -10084,7 +10085,7 @@
           <a:blip r:embed="rId2" cstate="print">
             <a:extLst>
               <a:ext uri="{28A0092B-C50C-407E-A947-70E740481C1C}">
-                <a14:useLocalDpi xmlns:a14="http://schemas.microsoft.com/office/drawing/2010/main" val="0"/>
+                <a14:useLocalDpi xmlns:a14="http://schemas.microsoft.com/office/drawing/2010/main" xmlns="" val="0"/>
               </a:ext>
             </a:extLst>
           </a:blip>
@@ -10164,7 +10165,7 @@
     </p:spTree>
     <p:extLst>
       <p:ext uri="{BB962C8B-B14F-4D97-AF65-F5344CB8AC3E}">
-        <p14:creationId xmlns:p14="http://schemas.microsoft.com/office/powerpoint/2010/main" val="1156373279"/>
+        <p14:creationId xmlns:p14="http://schemas.microsoft.com/office/powerpoint/2010/main" xmlns="" val="1156373279"/>
       </p:ext>
     </p:extLst>
   </p:cSld>
@@ -10210,7 +10211,7 @@
           <a:blip r:embed="rId2" cstate="print">
             <a:extLst>
               <a:ext uri="{28A0092B-C50C-407E-A947-70E740481C1C}">
-                <a14:useLocalDpi xmlns:a14="http://schemas.microsoft.com/office/drawing/2010/main" val="0"/>
+                <a14:useLocalDpi xmlns:a14="http://schemas.microsoft.com/office/drawing/2010/main" xmlns="" val="0"/>
               </a:ext>
             </a:extLst>
           </a:blip>
@@ -10290,7 +10291,7 @@
     </p:spTree>
     <p:extLst>
       <p:ext uri="{BB962C8B-B14F-4D97-AF65-F5344CB8AC3E}">
-        <p14:creationId xmlns:p14="http://schemas.microsoft.com/office/powerpoint/2010/main" val="1156373279"/>
+        <p14:creationId xmlns:p14="http://schemas.microsoft.com/office/powerpoint/2010/main" xmlns="" val="1156373279"/>
       </p:ext>
     </p:extLst>
   </p:cSld>
@@ -10336,7 +10337,7 @@
           <a:blip r:embed="rId2" cstate="print">
             <a:extLst>
               <a:ext uri="{28A0092B-C50C-407E-A947-70E740481C1C}">
-                <a14:useLocalDpi xmlns:a14="http://schemas.microsoft.com/office/drawing/2010/main" val="0"/>
+                <a14:useLocalDpi xmlns:a14="http://schemas.microsoft.com/office/drawing/2010/main" xmlns="" val="0"/>
               </a:ext>
             </a:extLst>
           </a:blip>
@@ -10456,7 +10457,7 @@
           <a:blip r:embed="rId3" cstate="print">
             <a:extLst>
               <a:ext uri="{28A0092B-C50C-407E-A947-70E740481C1C}">
-                <a14:useLocalDpi xmlns:a14="http://schemas.microsoft.com/office/drawing/2010/main" val="0"/>
+                <a14:useLocalDpi xmlns:a14="http://schemas.microsoft.com/office/drawing/2010/main" xmlns="" val="0"/>
               </a:ext>
             </a:extLst>
           </a:blip>
@@ -10477,7 +10478,7 @@
     </p:spTree>
     <p:extLst>
       <p:ext uri="{BB962C8B-B14F-4D97-AF65-F5344CB8AC3E}">
-        <p14:creationId xmlns:p14="http://schemas.microsoft.com/office/powerpoint/2010/main" val="4060812770"/>
+        <p14:creationId xmlns:p14="http://schemas.microsoft.com/office/powerpoint/2010/main" xmlns="" val="4060812770"/>
       </p:ext>
     </p:extLst>
   </p:cSld>
@@ -10523,7 +10524,7 @@
           <a:blip r:embed="rId2" cstate="print">
             <a:extLst>
               <a:ext uri="{28A0092B-C50C-407E-A947-70E740481C1C}">
-                <a14:useLocalDpi xmlns:a14="http://schemas.microsoft.com/office/drawing/2010/main" val="0"/>
+                <a14:useLocalDpi xmlns:a14="http://schemas.microsoft.com/office/drawing/2010/main" xmlns="" val="0"/>
               </a:ext>
             </a:extLst>
           </a:blip>
@@ -10603,7 +10604,7 @@
     </p:spTree>
     <p:extLst>
       <p:ext uri="{BB962C8B-B14F-4D97-AF65-F5344CB8AC3E}">
-        <p14:creationId xmlns:p14="http://schemas.microsoft.com/office/powerpoint/2010/main" val="1156373279"/>
+        <p14:creationId xmlns:p14="http://schemas.microsoft.com/office/powerpoint/2010/main" xmlns="" val="1156373279"/>
       </p:ext>
     </p:extLst>
   </p:cSld>
@@ -10649,7 +10650,7 @@
           <a:blip r:embed="rId2" cstate="print">
             <a:extLst>
               <a:ext uri="{28A0092B-C50C-407E-A947-70E740481C1C}">
-                <a14:useLocalDpi xmlns:a14="http://schemas.microsoft.com/office/drawing/2010/main" val="0"/>
+                <a14:useLocalDpi xmlns:a14="http://schemas.microsoft.com/office/drawing/2010/main" xmlns="" val="0"/>
               </a:ext>
             </a:extLst>
           </a:blip>
@@ -10814,7 +10815,7 @@
     </p:spTree>
     <p:extLst>
       <p:ext uri="{BB962C8B-B14F-4D97-AF65-F5344CB8AC3E}">
-        <p14:creationId xmlns:p14="http://schemas.microsoft.com/office/powerpoint/2010/main" val="1156373279"/>
+        <p14:creationId xmlns:p14="http://schemas.microsoft.com/office/powerpoint/2010/main" xmlns="" val="1156373279"/>
       </p:ext>
     </p:extLst>
   </p:cSld>
@@ -10860,7 +10861,7 @@
           <a:blip r:embed="rId2" cstate="print">
             <a:extLst>
               <a:ext uri="{28A0092B-C50C-407E-A947-70E740481C1C}">
-                <a14:useLocalDpi xmlns:a14="http://schemas.microsoft.com/office/drawing/2010/main" val="0"/>
+                <a14:useLocalDpi xmlns:a14="http://schemas.microsoft.com/office/drawing/2010/main" xmlns="" val="0"/>
               </a:ext>
             </a:extLst>
           </a:blip>
@@ -11008,7 +11009,7 @@
     </p:spTree>
     <p:extLst>
       <p:ext uri="{BB962C8B-B14F-4D97-AF65-F5344CB8AC3E}">
-        <p14:creationId xmlns:p14="http://schemas.microsoft.com/office/powerpoint/2010/main" val="1156373279"/>
+        <p14:creationId xmlns:p14="http://schemas.microsoft.com/office/powerpoint/2010/main" xmlns="" val="1156373279"/>
       </p:ext>
     </p:extLst>
   </p:cSld>
@@ -11054,7 +11055,7 @@
           <a:blip r:embed="rId2" cstate="print">
             <a:extLst>
               <a:ext uri="{28A0092B-C50C-407E-A947-70E740481C1C}">
-                <a14:useLocalDpi xmlns:a14="http://schemas.microsoft.com/office/drawing/2010/main" val="0"/>
+                <a14:useLocalDpi xmlns:a14="http://schemas.microsoft.com/office/drawing/2010/main" xmlns="" val="0"/>
               </a:ext>
             </a:extLst>
           </a:blip>
@@ -11236,7 +11237,7 @@
     </p:spTree>
     <p:extLst>
       <p:ext uri="{BB962C8B-B14F-4D97-AF65-F5344CB8AC3E}">
-        <p14:creationId xmlns:p14="http://schemas.microsoft.com/office/powerpoint/2010/main" val="1156373279"/>
+        <p14:creationId xmlns:p14="http://schemas.microsoft.com/office/powerpoint/2010/main" xmlns="" val="1156373279"/>
       </p:ext>
     </p:extLst>
   </p:cSld>
@@ -11282,7 +11283,7 @@
           <a:blip r:embed="rId2" cstate="print">
             <a:extLst>
               <a:ext uri="{28A0092B-C50C-407E-A947-70E740481C1C}">
-                <a14:useLocalDpi xmlns:a14="http://schemas.microsoft.com/office/drawing/2010/main" val="0"/>
+                <a14:useLocalDpi xmlns:a14="http://schemas.microsoft.com/office/drawing/2010/main" xmlns="" val="0"/>
               </a:ext>
             </a:extLst>
           </a:blip>
@@ -11501,7 +11502,7 @@
     </p:spTree>
     <p:extLst>
       <p:ext uri="{BB962C8B-B14F-4D97-AF65-F5344CB8AC3E}">
-        <p14:creationId xmlns:p14="http://schemas.microsoft.com/office/powerpoint/2010/main" val="1156373279"/>
+        <p14:creationId xmlns:p14="http://schemas.microsoft.com/office/powerpoint/2010/main" xmlns="" val="1156373279"/>
       </p:ext>
     </p:extLst>
   </p:cSld>
@@ -11547,7 +11548,7 @@
           <a:blip r:embed="rId2" cstate="print">
             <a:extLst>
               <a:ext uri="{28A0092B-C50C-407E-A947-70E740481C1C}">
-                <a14:useLocalDpi xmlns:a14="http://schemas.microsoft.com/office/drawing/2010/main" val="0"/>
+                <a14:useLocalDpi xmlns:a14="http://schemas.microsoft.com/office/drawing/2010/main" xmlns="" val="0"/>
               </a:ext>
             </a:extLst>
           </a:blip>
@@ -11666,7 +11667,7 @@
     </p:spTree>
     <p:extLst>
       <p:ext uri="{BB962C8B-B14F-4D97-AF65-F5344CB8AC3E}">
-        <p14:creationId xmlns:p14="http://schemas.microsoft.com/office/powerpoint/2010/main" val="1156373279"/>
+        <p14:creationId xmlns:p14="http://schemas.microsoft.com/office/powerpoint/2010/main" xmlns="" val="1156373279"/>
       </p:ext>
     </p:extLst>
   </p:cSld>
@@ -11712,7 +11713,7 @@
           <a:blip r:embed="rId2" cstate="print">
             <a:extLst>
               <a:ext uri="{28A0092B-C50C-407E-A947-70E740481C1C}">
-                <a14:useLocalDpi xmlns:a14="http://schemas.microsoft.com/office/drawing/2010/main" val="0"/>
+                <a14:useLocalDpi xmlns:a14="http://schemas.microsoft.com/office/drawing/2010/main" xmlns="" val="0"/>
               </a:ext>
             </a:extLst>
           </a:blip>
@@ -11831,7 +11832,7 @@
     </p:spTree>
     <p:extLst>
       <p:ext uri="{BB962C8B-B14F-4D97-AF65-F5344CB8AC3E}">
-        <p14:creationId xmlns:p14="http://schemas.microsoft.com/office/powerpoint/2010/main" val="1156373279"/>
+        <p14:creationId xmlns:p14="http://schemas.microsoft.com/office/powerpoint/2010/main" xmlns="" val="1156373279"/>
       </p:ext>
     </p:extLst>
   </p:cSld>
@@ -11877,7 +11878,7 @@
           <a:blip r:embed="rId2" cstate="print">
             <a:extLst>
               <a:ext uri="{28A0092B-C50C-407E-A947-70E740481C1C}">
-                <a14:useLocalDpi xmlns:a14="http://schemas.microsoft.com/office/drawing/2010/main" val="0"/>
+                <a14:useLocalDpi xmlns:a14="http://schemas.microsoft.com/office/drawing/2010/main" xmlns="" val="0"/>
               </a:ext>
             </a:extLst>
           </a:blip>
@@ -11957,7 +11958,7 @@
     </p:spTree>
     <p:extLst>
       <p:ext uri="{BB962C8B-B14F-4D97-AF65-F5344CB8AC3E}">
-        <p14:creationId xmlns:p14="http://schemas.microsoft.com/office/powerpoint/2010/main" val="1156373279"/>
+        <p14:creationId xmlns:p14="http://schemas.microsoft.com/office/powerpoint/2010/main" xmlns="" val="1156373279"/>
       </p:ext>
     </p:extLst>
   </p:cSld>
@@ -12003,7 +12004,7 @@
           <a:blip r:embed="rId2" cstate="print">
             <a:extLst>
               <a:ext uri="{28A0092B-C50C-407E-A947-70E740481C1C}">
-                <a14:useLocalDpi xmlns:a14="http://schemas.microsoft.com/office/drawing/2010/main" val="0"/>
+                <a14:useLocalDpi xmlns:a14="http://schemas.microsoft.com/office/drawing/2010/main" xmlns="" val="0"/>
               </a:ext>
             </a:extLst>
           </a:blip>
@@ -12083,7 +12084,7 @@
     </p:spTree>
     <p:extLst>
       <p:ext uri="{BB962C8B-B14F-4D97-AF65-F5344CB8AC3E}">
-        <p14:creationId xmlns:p14="http://schemas.microsoft.com/office/powerpoint/2010/main" val="1156373279"/>
+        <p14:creationId xmlns:p14="http://schemas.microsoft.com/office/powerpoint/2010/main" xmlns="" val="1156373279"/>
       </p:ext>
     </p:extLst>
   </p:cSld>
@@ -12129,7 +12130,7 @@
           <a:blip r:embed="rId2" cstate="print">
             <a:extLst>
               <a:ext uri="{28A0092B-C50C-407E-A947-70E740481C1C}">
-                <a14:useLocalDpi xmlns:a14="http://schemas.microsoft.com/office/drawing/2010/main" val="0"/>
+                <a14:useLocalDpi xmlns:a14="http://schemas.microsoft.com/office/drawing/2010/main" xmlns="" val="0"/>
               </a:ext>
             </a:extLst>
           </a:blip>
@@ -12245,7 +12246,7 @@
     </p:spTree>
     <p:extLst>
       <p:ext uri="{BB962C8B-B14F-4D97-AF65-F5344CB8AC3E}">
-        <p14:creationId xmlns:p14="http://schemas.microsoft.com/office/powerpoint/2010/main" val="1156373279"/>
+        <p14:creationId xmlns:p14="http://schemas.microsoft.com/office/powerpoint/2010/main" xmlns="" val="1156373279"/>
       </p:ext>
     </p:extLst>
   </p:cSld>
@@ -12291,7 +12292,7 @@
           <a:blip r:embed="rId2" cstate="print">
             <a:extLst>
               <a:ext uri="{28A0092B-C50C-407E-A947-70E740481C1C}">
-                <a14:useLocalDpi xmlns:a14="http://schemas.microsoft.com/office/drawing/2010/main" val="0"/>
+                <a14:useLocalDpi xmlns:a14="http://schemas.microsoft.com/office/drawing/2010/main" xmlns="" val="0"/>
               </a:ext>
             </a:extLst>
           </a:blip>
@@ -12385,20 +12386,14 @@
       </p:sp>
       <p:pic>
         <p:nvPicPr>
-          <p:cNvPr id="1026" name="Picture 2"/>
+          <p:cNvPr id="1028" name="Picture 4"/>
           <p:cNvPicPr>
             <a:picLocks noChangeAspect="1" noChangeArrowheads="1"/>
           </p:cNvPicPr>
           <p:nvPr/>
         </p:nvPicPr>
         <p:blipFill>
-          <a:blip r:embed="rId3" cstate="print">
-            <a:extLst>
-              <a:ext uri="{28A0092B-C50C-407E-A947-70E740481C1C}">
-                <a14:useLocalDpi xmlns:a14="http://schemas.microsoft.com/office/drawing/2010/main" val="0"/>
-              </a:ext>
-            </a:extLst>
-          </a:blip>
+          <a:blip r:embed="rId3"/>
           <a:srcRect/>
           <a:stretch>
             <a:fillRect/>
@@ -12406,51 +12401,26 @@
         </p:blipFill>
         <p:spPr bwMode="auto">
           <a:xfrm>
-            <a:off x="716347" y="2852936"/>
-            <a:ext cx="7747815" cy="2088232"/>
+            <a:off x="368576" y="2605087"/>
+            <a:ext cx="8561142" cy="2109797"/>
           </a:xfrm>
           <a:prstGeom prst="rect">
             <a:avLst/>
           </a:prstGeom>
           <a:noFill/>
-          <a:ln>
+          <a:ln w="9525">
             <a:noFill/>
+            <a:miter lim="800000"/>
+            <a:headEnd/>
+            <a:tailEnd/>
           </a:ln>
           <a:effectLst/>
-          <a:extLst>
-            <a:ext uri="{909E8E84-426E-40DD-AFC4-6F175D3DCCD1}">
-              <a14:hiddenFill xmlns:a14="http://schemas.microsoft.com/office/drawing/2010/main">
-                <a:solidFill>
-                  <a:schemeClr val="accent1"/>
-                </a:solidFill>
-              </a14:hiddenFill>
-            </a:ext>
-            <a:ext uri="{91240B29-F687-4F45-9708-019B960494DF}">
-              <a14:hiddenLine xmlns:a14="http://schemas.microsoft.com/office/drawing/2010/main" w="9525">
-                <a:solidFill>
-                  <a:schemeClr val="tx1"/>
-                </a:solidFill>
-                <a:miter lim="800000"/>
-                <a:headEnd/>
-                <a:tailEnd/>
-              </a14:hiddenLine>
-            </a:ext>
-            <a:ext uri="{AF507438-7753-43E0-B8FC-AC1667EBCBE1}">
-              <a14:hiddenEffects xmlns:a14="http://schemas.microsoft.com/office/drawing/2010/main">
-                <a:effectLst>
-                  <a:outerShdw dist="35921" dir="2700000" algn="ctr" rotWithShape="0">
-                    <a:schemeClr val="bg2"/>
-                  </a:outerShdw>
-                </a:effectLst>
-              </a14:hiddenEffects>
-            </a:ext>
-          </a:extLst>
         </p:spPr>
       </p:pic>
     </p:spTree>
     <p:extLst>
       <p:ext uri="{BB962C8B-B14F-4D97-AF65-F5344CB8AC3E}">
-        <p14:creationId xmlns:p14="http://schemas.microsoft.com/office/powerpoint/2010/main" val="4060812770"/>
+        <p14:creationId xmlns:p14="http://schemas.microsoft.com/office/powerpoint/2010/main" xmlns="" val="4060812770"/>
       </p:ext>
     </p:extLst>
   </p:cSld>
@@ -12496,7 +12466,7 @@
           <a:blip r:embed="rId2" cstate="print">
             <a:extLst>
               <a:ext uri="{28A0092B-C50C-407E-A947-70E740481C1C}">
-                <a14:useLocalDpi xmlns:a14="http://schemas.microsoft.com/office/drawing/2010/main" val="0"/>
+                <a14:useLocalDpi xmlns:a14="http://schemas.microsoft.com/office/drawing/2010/main" xmlns="" val="0"/>
               </a:ext>
             </a:extLst>
           </a:blip>
@@ -12713,7 +12683,7 @@
     </p:spTree>
     <p:extLst>
       <p:ext uri="{BB962C8B-B14F-4D97-AF65-F5344CB8AC3E}">
-        <p14:creationId xmlns:p14="http://schemas.microsoft.com/office/powerpoint/2010/main" val="1156373279"/>
+        <p14:creationId xmlns:p14="http://schemas.microsoft.com/office/powerpoint/2010/main" xmlns="" val="1156373279"/>
       </p:ext>
     </p:extLst>
   </p:cSld>
@@ -12759,7 +12729,7 @@
           <a:blip r:embed="rId2" cstate="print">
             <a:extLst>
               <a:ext uri="{28A0092B-C50C-407E-A947-70E740481C1C}">
-                <a14:useLocalDpi xmlns:a14="http://schemas.microsoft.com/office/drawing/2010/main" val="0"/>
+                <a14:useLocalDpi xmlns:a14="http://schemas.microsoft.com/office/drawing/2010/main" xmlns="" val="0"/>
               </a:ext>
             </a:extLst>
           </a:blip>
@@ -12966,7 +12936,7 @@
     </p:spTree>
     <p:extLst>
       <p:ext uri="{BB962C8B-B14F-4D97-AF65-F5344CB8AC3E}">
-        <p14:creationId xmlns:p14="http://schemas.microsoft.com/office/powerpoint/2010/main" val="1981461259"/>
+        <p14:creationId xmlns:p14="http://schemas.microsoft.com/office/powerpoint/2010/main" xmlns="" val="1981461259"/>
       </p:ext>
     </p:extLst>
   </p:cSld>
@@ -13012,7 +12982,7 @@
           <a:blip r:embed="rId2" cstate="print">
             <a:extLst>
               <a:ext uri="{28A0092B-C50C-407E-A947-70E740481C1C}">
-                <a14:useLocalDpi xmlns:a14="http://schemas.microsoft.com/office/drawing/2010/main" val="0"/>
+                <a14:useLocalDpi xmlns:a14="http://schemas.microsoft.com/office/drawing/2010/main" xmlns="" val="0"/>
               </a:ext>
             </a:extLst>
           </a:blip>
@@ -13180,7 +13150,149 @@
     </p:spTree>
     <p:extLst>
       <p:ext uri="{BB962C8B-B14F-4D97-AF65-F5344CB8AC3E}">
-        <p14:creationId xmlns:p14="http://schemas.microsoft.com/office/powerpoint/2010/main" val="1156373279"/>
+        <p14:creationId xmlns:p14="http://schemas.microsoft.com/office/powerpoint/2010/main" xmlns="" val="1156373279"/>
+      </p:ext>
+    </p:extLst>
+  </p:cSld>
+  <p:clrMapOvr>
+    <a:masterClrMapping/>
+  </p:clrMapOvr>
+  <p:timing>
+    <p:tnLst>
+      <p:par>
+        <p:cTn id="1" dur="indefinite" restart="never" nodeType="tmRoot"/>
+      </p:par>
+    </p:tnLst>
+  </p:timing>
+</p:sld>
+</file>
+
+<file path=ppt/slides/slide53.xml><?xml version="1.0" encoding="utf-8"?>
+<p:sld xmlns:a="http://schemas.openxmlformats.org/drawingml/2006/main" xmlns:r="http://schemas.openxmlformats.org/officeDocument/2006/relationships" xmlns:p="http://schemas.openxmlformats.org/presentationml/2006/main">
+  <p:cSld>
+    <p:spTree>
+      <p:nvGrpSpPr>
+        <p:cNvPr id="1" name=""/>
+        <p:cNvGrpSpPr/>
+        <p:nvPr/>
+      </p:nvGrpSpPr>
+      <p:grpSpPr>
+        <a:xfrm>
+          <a:off x="0" y="0"/>
+          <a:ext cx="0" cy="0"/>
+          <a:chOff x="0" y="0"/>
+          <a:chExt cx="0" cy="0"/>
+        </a:xfrm>
+      </p:grpSpPr>
+      <p:pic>
+        <p:nvPicPr>
+          <p:cNvPr id="4" name="Picture 3"/>
+          <p:cNvPicPr>
+            <a:picLocks noChangeAspect="1"/>
+          </p:cNvPicPr>
+          <p:nvPr/>
+        </p:nvPicPr>
+        <p:blipFill>
+          <a:blip r:embed="rId2" cstate="print">
+            <a:extLst>
+              <a:ext uri="{28A0092B-C50C-407E-A947-70E740481C1C}">
+                <a14:useLocalDpi xmlns:a14="http://schemas.microsoft.com/office/drawing/2010/main" xmlns="" val="0"/>
+              </a:ext>
+            </a:extLst>
+          </a:blip>
+          <a:stretch>
+            <a:fillRect/>
+          </a:stretch>
+        </p:blipFill>
+        <p:spPr>
+          <a:xfrm>
+            <a:off x="0" y="0"/>
+            <a:ext cx="9180512" cy="6885384"/>
+          </a:xfrm>
+          <a:prstGeom prst="rect">
+            <a:avLst/>
+          </a:prstGeom>
+        </p:spPr>
+      </p:pic>
+      <p:sp>
+        <p:nvSpPr>
+          <p:cNvPr id="2" name="Title 1"/>
+          <p:cNvSpPr>
+            <a:spLocks noGrp="1"/>
+          </p:cNvSpPr>
+          <p:nvPr>
+            <p:ph type="title"/>
+          </p:nvPr>
+        </p:nvSpPr>
+        <p:spPr/>
+        <p:txBody>
+          <a:bodyPr/>
+          <a:lstStyle/>
+          <a:p>
+            <a:r>
+              <a:rPr lang="pt-BR" dirty="0" smtClean="0">
+                <a:solidFill>
+                  <a:srgbClr val="AEC908"/>
+                </a:solidFill>
+              </a:rPr>
+              <a:t>Pesquisa UVV</a:t>
+            </a:r>
+            <a:endParaRPr lang="pt-BR" dirty="0"/>
+          </a:p>
+        </p:txBody>
+      </p:sp>
+      <p:sp>
+        <p:nvSpPr>
+          <p:cNvPr id="3" name="Content Placeholder 2"/>
+          <p:cNvSpPr>
+            <a:spLocks noGrp="1"/>
+          </p:cNvSpPr>
+          <p:nvPr>
+            <p:ph idx="1"/>
+          </p:nvPr>
+        </p:nvSpPr>
+        <p:spPr/>
+        <p:txBody>
+          <a:bodyPr/>
+          <a:lstStyle/>
+          <a:p>
+            <a:r>
+              <a:rPr lang="pt-BR" dirty="0" smtClean="0">
+                <a:solidFill>
+                  <a:schemeClr val="bg1">
+                    <a:lumMod val="75000"/>
+                  </a:schemeClr>
+                </a:solidFill>
+              </a:rPr>
+              <a:t>Acessem:</a:t>
+            </a:r>
+          </a:p>
+          <a:p>
+            <a:pPr lvl="1"/>
+            <a:r>
+              <a:rPr lang="pt-BR" dirty="0" smtClean="0">
+                <a:solidFill>
+                  <a:schemeClr val="bg1">
+                    <a:lumMod val="75000"/>
+                  </a:schemeClr>
+                </a:solidFill>
+              </a:rPr>
+              <a:t>http://goo.gl/forms/P6vHK1Ydib</a:t>
+            </a:r>
+            <a:endParaRPr lang="pt-BR" dirty="0" smtClean="0">
+              <a:solidFill>
+                <a:schemeClr val="bg1">
+                  <a:lumMod val="75000"/>
+                </a:schemeClr>
+              </a:solidFill>
+            </a:endParaRPr>
+          </a:p>
+        </p:txBody>
+      </p:sp>
+    </p:spTree>
+    <p:extLst>
+      <p:ext uri="{BB962C8B-B14F-4D97-AF65-F5344CB8AC3E}">
+        <p14:creationId xmlns:p14="http://schemas.microsoft.com/office/powerpoint/2010/main" xmlns="" val="1156373279"/>
       </p:ext>
     </p:extLst>
   </p:cSld>
@@ -13226,7 +13338,7 @@
           <a:blip r:embed="rId2" cstate="print">
             <a:extLst>
               <a:ext uri="{28A0092B-C50C-407E-A947-70E740481C1C}">
-                <a14:useLocalDpi xmlns:a14="http://schemas.microsoft.com/office/drawing/2010/main" val="0"/>
+                <a14:useLocalDpi xmlns:a14="http://schemas.microsoft.com/office/drawing/2010/main" xmlns="" val="0"/>
               </a:ext>
             </a:extLst>
           </a:blip>
@@ -13366,7 +13478,7 @@
     </p:spTree>
     <p:extLst>
       <p:ext uri="{BB962C8B-B14F-4D97-AF65-F5344CB8AC3E}">
-        <p14:creationId xmlns:p14="http://schemas.microsoft.com/office/powerpoint/2010/main" val="4060812770"/>
+        <p14:creationId xmlns:p14="http://schemas.microsoft.com/office/powerpoint/2010/main" xmlns="" val="4060812770"/>
       </p:ext>
     </p:extLst>
   </p:cSld>
@@ -13412,7 +13524,7 @@
           <a:blip r:embed="rId2" cstate="print">
             <a:extLst>
               <a:ext uri="{28A0092B-C50C-407E-A947-70E740481C1C}">
-                <a14:useLocalDpi xmlns:a14="http://schemas.microsoft.com/office/drawing/2010/main" val="0"/>
+                <a14:useLocalDpi xmlns:a14="http://schemas.microsoft.com/office/drawing/2010/main" xmlns="" val="0"/>
               </a:ext>
             </a:extLst>
           </a:blip>
@@ -13550,7 +13662,7 @@
     </p:spTree>
     <p:extLst>
       <p:ext uri="{BB962C8B-B14F-4D97-AF65-F5344CB8AC3E}">
-        <p14:creationId xmlns:p14="http://schemas.microsoft.com/office/powerpoint/2010/main" val="4060812770"/>
+        <p14:creationId xmlns:p14="http://schemas.microsoft.com/office/powerpoint/2010/main" xmlns="" val="4060812770"/>
       </p:ext>
     </p:extLst>
   </p:cSld>
@@ -13596,7 +13708,7 @@
           <a:blip r:embed="rId2" cstate="print">
             <a:extLst>
               <a:ext uri="{28A0092B-C50C-407E-A947-70E740481C1C}">
-                <a14:useLocalDpi xmlns:a14="http://schemas.microsoft.com/office/drawing/2010/main" val="0"/>
+                <a14:useLocalDpi xmlns:a14="http://schemas.microsoft.com/office/drawing/2010/main" xmlns="" val="0"/>
               </a:ext>
             </a:extLst>
           </a:blip>
@@ -13730,7 +13842,7 @@
           <a:blip r:embed="rId3" cstate="print">
             <a:extLst>
               <a:ext uri="{28A0092B-C50C-407E-A947-70E740481C1C}">
-                <a14:useLocalDpi xmlns:a14="http://schemas.microsoft.com/office/drawing/2010/main" val="0"/>
+                <a14:useLocalDpi xmlns:a14="http://schemas.microsoft.com/office/drawing/2010/main" xmlns="" val="0"/>
               </a:ext>
             </a:extLst>
           </a:blip>
@@ -13754,14 +13866,14 @@
           <a:effectLst/>
           <a:extLst>
             <a:ext uri="{909E8E84-426E-40DD-AFC4-6F175D3DCCD1}">
-              <a14:hiddenFill xmlns:a14="http://schemas.microsoft.com/office/drawing/2010/main">
+              <a14:hiddenFill xmlns:a14="http://schemas.microsoft.com/office/drawing/2010/main" xmlns="">
                 <a:solidFill>
                   <a:schemeClr val="accent1"/>
                 </a:solidFill>
               </a14:hiddenFill>
             </a:ext>
             <a:ext uri="{91240B29-F687-4F45-9708-019B960494DF}">
-              <a14:hiddenLine xmlns:a14="http://schemas.microsoft.com/office/drawing/2010/main" w="9525">
+              <a14:hiddenLine xmlns:a14="http://schemas.microsoft.com/office/drawing/2010/main" xmlns="" w="9525">
                 <a:solidFill>
                   <a:schemeClr val="tx1"/>
                 </a:solidFill>
@@ -13771,7 +13883,7 @@
               </a14:hiddenLine>
             </a:ext>
             <a:ext uri="{AF507438-7753-43E0-B8FC-AC1667EBCBE1}">
-              <a14:hiddenEffects xmlns:a14="http://schemas.microsoft.com/office/drawing/2010/main">
+              <a14:hiddenEffects xmlns:a14="http://schemas.microsoft.com/office/drawing/2010/main" xmlns="">
                 <a:effectLst>
                   <a:outerShdw dist="35921" dir="2700000" algn="ctr" rotWithShape="0">
                     <a:schemeClr val="bg2"/>
@@ -13794,7 +13906,7 @@
           <a:blip r:embed="rId4" cstate="print">
             <a:extLst>
               <a:ext uri="{28A0092B-C50C-407E-A947-70E740481C1C}">
-                <a14:useLocalDpi xmlns:a14="http://schemas.microsoft.com/office/drawing/2010/main" val="0"/>
+                <a14:useLocalDpi xmlns:a14="http://schemas.microsoft.com/office/drawing/2010/main" xmlns="" val="0"/>
               </a:ext>
             </a:extLst>
           </a:blip>
@@ -13818,14 +13930,14 @@
           <a:effectLst/>
           <a:extLst>
             <a:ext uri="{909E8E84-426E-40DD-AFC4-6F175D3DCCD1}">
-              <a14:hiddenFill xmlns:a14="http://schemas.microsoft.com/office/drawing/2010/main">
+              <a14:hiddenFill xmlns:a14="http://schemas.microsoft.com/office/drawing/2010/main" xmlns="">
                 <a:solidFill>
                   <a:schemeClr val="accent1"/>
                 </a:solidFill>
               </a14:hiddenFill>
             </a:ext>
             <a:ext uri="{91240B29-F687-4F45-9708-019B960494DF}">
-              <a14:hiddenLine xmlns:a14="http://schemas.microsoft.com/office/drawing/2010/main" w="9525">
+              <a14:hiddenLine xmlns:a14="http://schemas.microsoft.com/office/drawing/2010/main" xmlns="" w="9525">
                 <a:solidFill>
                   <a:schemeClr val="tx1"/>
                 </a:solidFill>
@@ -13835,7 +13947,7 @@
               </a14:hiddenLine>
             </a:ext>
             <a:ext uri="{AF507438-7753-43E0-B8FC-AC1667EBCBE1}">
-              <a14:hiddenEffects xmlns:a14="http://schemas.microsoft.com/office/drawing/2010/main">
+              <a14:hiddenEffects xmlns:a14="http://schemas.microsoft.com/office/drawing/2010/main" xmlns="">
                 <a:effectLst>
                   <a:outerShdw dist="35921" dir="2700000" algn="ctr" rotWithShape="0">
                     <a:schemeClr val="bg2"/>
@@ -13849,7 +13961,7 @@
     </p:spTree>
     <p:extLst>
       <p:ext uri="{BB962C8B-B14F-4D97-AF65-F5344CB8AC3E}">
-        <p14:creationId xmlns:p14="http://schemas.microsoft.com/office/powerpoint/2010/main" val="4060812770"/>
+        <p14:creationId xmlns:p14="http://schemas.microsoft.com/office/powerpoint/2010/main" xmlns="" val="4060812770"/>
       </p:ext>
     </p:extLst>
   </p:cSld>
@@ -13895,7 +14007,7 @@
           <a:blip r:embed="rId2" cstate="print">
             <a:extLst>
               <a:ext uri="{28A0092B-C50C-407E-A947-70E740481C1C}">
-                <a14:useLocalDpi xmlns:a14="http://schemas.microsoft.com/office/drawing/2010/main" val="0"/>
+                <a14:useLocalDpi xmlns:a14="http://schemas.microsoft.com/office/drawing/2010/main" xmlns="" val="0"/>
               </a:ext>
             </a:extLst>
           </a:blip>
@@ -14032,7 +14144,7 @@
           <a:blip r:embed="rId3" cstate="print">
             <a:extLst>
               <a:ext uri="{28A0092B-C50C-407E-A947-70E740481C1C}">
-                <a14:useLocalDpi xmlns:a14="http://schemas.microsoft.com/office/drawing/2010/main" val="0"/>
+                <a14:useLocalDpi xmlns:a14="http://schemas.microsoft.com/office/drawing/2010/main" xmlns="" val="0"/>
               </a:ext>
             </a:extLst>
           </a:blip>
@@ -14056,14 +14168,14 @@
           <a:effectLst/>
           <a:extLst>
             <a:ext uri="{909E8E84-426E-40DD-AFC4-6F175D3DCCD1}">
-              <a14:hiddenFill xmlns:a14="http://schemas.microsoft.com/office/drawing/2010/main">
+              <a14:hiddenFill xmlns:a14="http://schemas.microsoft.com/office/drawing/2010/main" xmlns="">
                 <a:solidFill>
                   <a:schemeClr val="accent1"/>
                 </a:solidFill>
               </a14:hiddenFill>
             </a:ext>
             <a:ext uri="{91240B29-F687-4F45-9708-019B960494DF}">
-              <a14:hiddenLine xmlns:a14="http://schemas.microsoft.com/office/drawing/2010/main" w="9525">
+              <a14:hiddenLine xmlns:a14="http://schemas.microsoft.com/office/drawing/2010/main" xmlns="" w="9525">
                 <a:solidFill>
                   <a:schemeClr val="tx1"/>
                 </a:solidFill>
@@ -14073,7 +14185,7 @@
               </a14:hiddenLine>
             </a:ext>
             <a:ext uri="{AF507438-7753-43E0-B8FC-AC1667EBCBE1}">
-              <a14:hiddenEffects xmlns:a14="http://schemas.microsoft.com/office/drawing/2010/main">
+              <a14:hiddenEffects xmlns:a14="http://schemas.microsoft.com/office/drawing/2010/main" xmlns="">
                 <a:effectLst>
                   <a:outerShdw dist="35921" dir="2700000" algn="ctr" rotWithShape="0">
                     <a:schemeClr val="bg2"/>
@@ -14096,7 +14208,7 @@
           <a:blip r:embed="rId4" cstate="print">
             <a:extLst>
               <a:ext uri="{28A0092B-C50C-407E-A947-70E740481C1C}">
-                <a14:useLocalDpi xmlns:a14="http://schemas.microsoft.com/office/drawing/2010/main" val="0"/>
+                <a14:useLocalDpi xmlns:a14="http://schemas.microsoft.com/office/drawing/2010/main" xmlns="" val="0"/>
               </a:ext>
             </a:extLst>
           </a:blip>
@@ -14120,14 +14232,14 @@
           <a:effectLst/>
           <a:extLst>
             <a:ext uri="{909E8E84-426E-40DD-AFC4-6F175D3DCCD1}">
-              <a14:hiddenFill xmlns:a14="http://schemas.microsoft.com/office/drawing/2010/main">
+              <a14:hiddenFill xmlns:a14="http://schemas.microsoft.com/office/drawing/2010/main" xmlns="">
                 <a:solidFill>
                   <a:schemeClr val="accent1"/>
                 </a:solidFill>
               </a14:hiddenFill>
             </a:ext>
             <a:ext uri="{91240B29-F687-4F45-9708-019B960494DF}">
-              <a14:hiddenLine xmlns:a14="http://schemas.microsoft.com/office/drawing/2010/main" w="9525">
+              <a14:hiddenLine xmlns:a14="http://schemas.microsoft.com/office/drawing/2010/main" xmlns="" w="9525">
                 <a:solidFill>
                   <a:schemeClr val="tx1"/>
                 </a:solidFill>
@@ -14137,7 +14249,7 @@
               </a14:hiddenLine>
             </a:ext>
             <a:ext uri="{AF507438-7753-43E0-B8FC-AC1667EBCBE1}">
-              <a14:hiddenEffects xmlns:a14="http://schemas.microsoft.com/office/drawing/2010/main">
+              <a14:hiddenEffects xmlns:a14="http://schemas.microsoft.com/office/drawing/2010/main" xmlns="">
                 <a:effectLst>
                   <a:outerShdw dist="35921" dir="2700000" algn="ctr" rotWithShape="0">
                     <a:schemeClr val="bg2"/>
@@ -14151,7 +14263,7 @@
     </p:spTree>
     <p:extLst>
       <p:ext uri="{BB962C8B-B14F-4D97-AF65-F5344CB8AC3E}">
-        <p14:creationId xmlns:p14="http://schemas.microsoft.com/office/powerpoint/2010/main" val="4060812770"/>
+        <p14:creationId xmlns:p14="http://schemas.microsoft.com/office/powerpoint/2010/main" xmlns="" val="4060812770"/>
       </p:ext>
     </p:extLst>
   </p:cSld>
